--- a/Защита_Широкопетлев.pptx
+++ b/Защита_Широкопетлев.pptx
@@ -11,8 +11,8 @@
     <p:sldId id="256" r:id="rId2"/>
     <p:sldId id="257" r:id="rId3"/>
     <p:sldId id="258" r:id="rId4"/>
-    <p:sldId id="259" r:id="rId5"/>
-    <p:sldId id="260" r:id="rId6"/>
+    <p:sldId id="260" r:id="rId5"/>
+    <p:sldId id="259" r:id="rId6"/>
     <p:sldId id="261" r:id="rId7"/>
     <p:sldId id="262" r:id="rId8"/>
     <p:sldId id="263" r:id="rId9"/>
@@ -6911,51 +6911,6 @@
       </p:grpSpPr>
       <p:sp>
         <p:nvSpPr>
-          <p:cNvPr id="3" name="Подзаголовок 2">
-            <a:extLst>
-              <a:ext uri="{FF2B5EF4-FFF2-40B4-BE49-F238E27FC236}">
-                <a16:creationId xmlns:a16="http://schemas.microsoft.com/office/drawing/2014/main" id="{B9321FE4-E48B-4327-95D5-B39D000032FF}"/>
-              </a:ext>
-            </a:extLst>
-          </p:cNvPr>
-          <p:cNvSpPr>
-            <a:spLocks noGrp="1"/>
-          </p:cNvSpPr>
-          <p:nvPr>
-            <p:ph type="subTitle" idx="1"/>
-          </p:nvPr>
-        </p:nvSpPr>
-        <p:spPr>
-          <a:xfrm>
-            <a:off x="7526703" y="1660731"/>
-            <a:ext cx="3051001" cy="619016"/>
-          </a:xfrm>
-        </p:spPr>
-        <p:txBody>
-          <a:bodyPr>
-            <a:normAutofit/>
-          </a:bodyPr>
-          <a:lstStyle/>
-          <a:p>
-            <a:r>
-              <a:rPr lang="ru-RU" sz="2000" dirty="0">
-                <a:latin typeface="Times New Roman" panose="02020603050405020304" pitchFamily="18" charset="0"/>
-                <a:cs typeface="Times New Roman" panose="02020603050405020304" pitchFamily="18" charset="0"/>
-              </a:rPr>
-              <a:t>Законы сохранения</a:t>
-            </a:r>
-            <a:r>
-              <a:rPr lang="en-US" sz="2000" dirty="0">
-                <a:latin typeface="Times New Roman" panose="02020603050405020304" pitchFamily="18" charset="0"/>
-                <a:cs typeface="Times New Roman" panose="02020603050405020304" pitchFamily="18" charset="0"/>
-              </a:rPr>
-              <a:t>:</a:t>
-            </a:r>
-          </a:p>
-        </p:txBody>
-      </p:sp>
-      <p:sp>
-        <p:nvSpPr>
           <p:cNvPr id="5" name="Прямоугольник 4">
             <a:extLst>
               <a:ext uri="{FF2B5EF4-FFF2-40B4-BE49-F238E27FC236}">
@@ -7072,8 +7027,8 @@
         </p:nvSpPr>
         <p:spPr>
           <a:xfrm rot="10800000">
-            <a:off x="495826" y="1223863"/>
-            <a:ext cx="5147165" cy="4164608"/>
+            <a:off x="495823" y="1298657"/>
+            <a:ext cx="5147165" cy="4212647"/>
           </a:xfrm>
           <a:prstGeom prst="round2SameRect">
             <a:avLst/>
@@ -7128,8 +7083,8 @@
         </p:nvSpPr>
         <p:spPr>
           <a:xfrm>
-            <a:off x="1434056" y="5019140"/>
-            <a:ext cx="3270704" cy="369332"/>
+            <a:off x="988419" y="5021229"/>
+            <a:ext cx="4161973" cy="369332"/>
           </a:xfrm>
           <a:prstGeom prst="rect">
             <a:avLst/>
@@ -7154,7 +7109,7 @@
                 <a:latin typeface="Times New Roman" panose="02020603050405020304" pitchFamily="18" charset="0"/>
                 <a:cs typeface="Times New Roman" panose="02020603050405020304" pitchFamily="18" charset="0"/>
               </a:rPr>
-              <a:t>Схема пироперезарядки</a:t>
+              <a:t>Схема системы пироперезарядки</a:t>
             </a:r>
           </a:p>
         </p:txBody>
@@ -7290,7 +7245,7 @@
         </p:blipFill>
         <p:spPr>
           <a:xfrm>
-            <a:off x="773876" y="1283422"/>
+            <a:off x="770807" y="1335532"/>
             <a:ext cx="4426582" cy="3795274"/>
           </a:xfrm>
           <a:prstGeom prst="rect">
@@ -7298,6 +7253,145 @@
           </a:prstGeom>
         </p:spPr>
       </p:pic>
+      <p:pic>
+        <p:nvPicPr>
+          <p:cNvPr id="6" name="Рисунок 5">
+            <a:extLst>
+              <a:ext uri="{FF2B5EF4-FFF2-40B4-BE49-F238E27FC236}">
+                <a16:creationId xmlns:a16="http://schemas.microsoft.com/office/drawing/2014/main" id="{4E82BD9D-8738-B3F9-6B80-BEA4EEEA99A5}"/>
+              </a:ext>
+            </a:extLst>
+          </p:cNvPr>
+          <p:cNvPicPr>
+            <a:picLocks noChangeAspect="1"/>
+          </p:cNvPicPr>
+          <p:nvPr/>
+        </p:nvPicPr>
+        <p:blipFill>
+          <a:blip r:embed="rId5"/>
+          <a:stretch>
+            <a:fillRect/>
+          </a:stretch>
+        </p:blipFill>
+        <p:spPr>
+          <a:xfrm>
+            <a:off x="5959675" y="2049785"/>
+            <a:ext cx="5461518" cy="3710544"/>
+          </a:xfrm>
+          <a:prstGeom prst="rect">
+            <a:avLst/>
+          </a:prstGeom>
+        </p:spPr>
+      </p:pic>
+      <p:sp>
+        <p:nvSpPr>
+          <p:cNvPr id="8" name="TextBox 7">
+            <a:extLst>
+              <a:ext uri="{FF2B5EF4-FFF2-40B4-BE49-F238E27FC236}">
+                <a16:creationId xmlns:a16="http://schemas.microsoft.com/office/drawing/2014/main" id="{69083D88-83C3-E6BE-1D03-288220908CF5}"/>
+              </a:ext>
+            </a:extLst>
+          </p:cNvPr>
+          <p:cNvSpPr txBox="1"/>
+          <p:nvPr/>
+        </p:nvSpPr>
+        <p:spPr>
+          <a:xfrm>
+            <a:off x="6917031" y="5503269"/>
+            <a:ext cx="3546805" cy="369332"/>
+          </a:xfrm>
+          <a:prstGeom prst="rect">
+            <a:avLst/>
+          </a:prstGeom>
+          <a:noFill/>
+        </p:spPr>
+        <p:txBody>
+          <a:bodyPr wrap="none" rtlCol="0">
+            <a:spAutoFit/>
+          </a:bodyPr>
+          <a:lstStyle/>
+          <a:p>
+            <a:r>
+              <a:rPr lang="ru-RU" b="1" dirty="0">
+                <a:latin typeface="Times New Roman" panose="02020603050405020304" pitchFamily="18" charset="0"/>
+                <a:cs typeface="Times New Roman" panose="02020603050405020304" pitchFamily="18" charset="0"/>
+              </a:rPr>
+              <a:t>Рис. 3. </a:t>
+            </a:r>
+            <a:r>
+              <a:rPr lang="ru-RU" dirty="0">
+                <a:latin typeface="Times New Roman" panose="02020603050405020304" pitchFamily="18" charset="0"/>
+                <a:cs typeface="Times New Roman" panose="02020603050405020304" pitchFamily="18" charset="0"/>
+              </a:rPr>
+              <a:t>Трёхмерная модель детали</a:t>
+            </a:r>
+          </a:p>
+        </p:txBody>
+      </p:sp>
+      <p:sp>
+        <p:nvSpPr>
+          <p:cNvPr id="3" name="Подзаголовок 2">
+            <a:extLst>
+              <a:ext uri="{FF2B5EF4-FFF2-40B4-BE49-F238E27FC236}">
+                <a16:creationId xmlns:a16="http://schemas.microsoft.com/office/drawing/2014/main" id="{B9321FE4-E48B-4327-95D5-B39D000032FF}"/>
+              </a:ext>
+            </a:extLst>
+          </p:cNvPr>
+          <p:cNvSpPr>
+            <a:spLocks noGrp="1"/>
+          </p:cNvSpPr>
+          <p:nvPr>
+            <p:ph type="subTitle" idx="1"/>
+          </p:nvPr>
+        </p:nvSpPr>
+        <p:spPr>
+          <a:xfrm>
+            <a:off x="7519386" y="1389633"/>
+            <a:ext cx="4389969" cy="1321043"/>
+          </a:xfrm>
+        </p:spPr>
+        <p:txBody>
+          <a:bodyPr>
+            <a:normAutofit/>
+          </a:bodyPr>
+          <a:lstStyle/>
+          <a:p>
+            <a:pPr algn="r"/>
+            <a:r>
+              <a:rPr lang="ru-RU" sz="2000" b="1" dirty="0">
+                <a:latin typeface="Times New Roman" panose="02020603050405020304" pitchFamily="18" charset="0"/>
+                <a:cs typeface="Times New Roman" panose="02020603050405020304" pitchFamily="18" charset="0"/>
+              </a:rPr>
+              <a:t>Требования к детали</a:t>
+            </a:r>
+            <a:r>
+              <a:rPr lang="en-US" sz="2000" b="1" dirty="0">
+                <a:latin typeface="Times New Roman" panose="02020603050405020304" pitchFamily="18" charset="0"/>
+                <a:cs typeface="Times New Roman" panose="02020603050405020304" pitchFamily="18" charset="0"/>
+              </a:rPr>
+              <a:t>:</a:t>
+            </a:r>
+            <a:r>
+              <a:rPr lang="ru-RU" sz="2000" b="1" dirty="0">
+                <a:latin typeface="Times New Roman" panose="02020603050405020304" pitchFamily="18" charset="0"/>
+                <a:cs typeface="Times New Roman" panose="02020603050405020304" pitchFamily="18" charset="0"/>
+              </a:rPr>
+              <a:t> </a:t>
+            </a:r>
+            <a:r>
+              <a:rPr lang="ru-RU" sz="2000" dirty="0">
+                <a:latin typeface="Times New Roman" panose="02020603050405020304" pitchFamily="18" charset="0"/>
+                <a:cs typeface="Times New Roman" panose="02020603050405020304" pitchFamily="18" charset="0"/>
+              </a:rPr>
+              <a:t>прецизионная точность цилиндрической части, точность изготовления наклонной части</a:t>
+            </a:r>
+            <a:endParaRPr lang="en-US" sz="2000" dirty="0">
+              <a:latin typeface="Times New Roman" panose="02020603050405020304" pitchFamily="18" charset="0"/>
+              <a:cs typeface="Times New Roman" panose="02020603050405020304" pitchFamily="18" charset="0"/>
+            </a:endParaRPr>
+          </a:p>
+        </p:txBody>
+      </p:sp>
     </p:spTree>
     <p:extLst>
       <p:ext uri="{BB962C8B-B14F-4D97-AF65-F5344CB8AC3E}">
@@ -7330,10 +7424,10 @@
       </p:grpSpPr>
       <p:sp>
         <p:nvSpPr>
-          <p:cNvPr id="4" name="Прямоугольник 3">
-            <a:extLst>
-              <a:ext uri="{FF2B5EF4-FFF2-40B4-BE49-F238E27FC236}">
-                <a16:creationId xmlns:a16="http://schemas.microsoft.com/office/drawing/2014/main" id="{5ECE0D18-20DF-4B2E-8AC5-54515F52E3D6}"/>
+          <p:cNvPr id="5" name="Прямоугольник 4">
+            <a:extLst>
+              <a:ext uri="{FF2B5EF4-FFF2-40B4-BE49-F238E27FC236}">
+                <a16:creationId xmlns:a16="http://schemas.microsoft.com/office/drawing/2014/main" id="{08C9DD33-DA0F-41EF-B5A0-CB849668BD3B}"/>
               </a:ext>
             </a:extLst>
           </p:cNvPr>
@@ -7342,8 +7436,8 @@
         </p:nvSpPr>
         <p:spPr>
           <a:xfrm>
-            <a:off x="0" y="0"/>
-            <a:ext cx="12192000" cy="1170813"/>
+            <a:off x="0" y="-1"/>
+            <a:ext cx="12192000" cy="6858001"/>
           </a:xfrm>
           <a:prstGeom prst="rect">
             <a:avLst/>
@@ -7353,9 +7447,6 @@
               <a:lumMod val="50000"/>
             </a:schemeClr>
           </a:solidFill>
-          <a:ln>
-            <a:noFill/>
-          </a:ln>
         </p:spPr>
         <p:style>
           <a:lnRef idx="2">
@@ -7377,70 +7468,13 @@
           <a:bodyPr rtlCol="0" anchor="ctr"/>
           <a:lstStyle/>
           <a:p>
-            <a:pPr algn="just"/>
-            <a:r>
-              <a:rPr lang="ru-RU" sz="3600" dirty="0">
-                <a:latin typeface="Times New Roman" panose="02020603050405020304" pitchFamily="18" charset="0"/>
-                <a:cs typeface="Times New Roman" panose="02020603050405020304" pitchFamily="18" charset="0"/>
-              </a:rPr>
-              <a:t>	Метод численного решения задачи Лагранжа</a:t>
-            </a:r>
-          </a:p>
-        </p:txBody>
-      </p:sp>
-      <p:sp>
-        <p:nvSpPr>
-          <p:cNvPr id="5" name="Прямоугольник 4">
-            <a:extLst>
-              <a:ext uri="{FF2B5EF4-FFF2-40B4-BE49-F238E27FC236}">
-                <a16:creationId xmlns:a16="http://schemas.microsoft.com/office/drawing/2014/main" id="{08C9DD33-DA0F-41EF-B5A0-CB849668BD3B}"/>
-              </a:ext>
-            </a:extLst>
-          </p:cNvPr>
-          <p:cNvSpPr/>
-          <p:nvPr/>
-        </p:nvSpPr>
-        <p:spPr>
-          <a:xfrm>
-            <a:off x="0" y="6232979"/>
-            <a:ext cx="12192000" cy="625021"/>
-          </a:xfrm>
-          <a:prstGeom prst="rect">
-            <a:avLst/>
-          </a:prstGeom>
-          <a:solidFill>
-            <a:schemeClr val="accent1">
-              <a:lumMod val="50000"/>
-            </a:schemeClr>
-          </a:solidFill>
-        </p:spPr>
-        <p:style>
-          <a:lnRef idx="2">
-            <a:schemeClr val="accent1">
-              <a:shade val="50000"/>
-            </a:schemeClr>
-          </a:lnRef>
-          <a:fillRef idx="1">
-            <a:schemeClr val="accent1"/>
-          </a:fillRef>
-          <a:effectRef idx="0">
-            <a:schemeClr val="accent1"/>
-          </a:effectRef>
-          <a:fontRef idx="minor">
-            <a:schemeClr val="lt1"/>
-          </a:fontRef>
-        </p:style>
-        <p:txBody>
-          <a:bodyPr rtlCol="0" anchor="ctr"/>
-          <a:lstStyle/>
-          <a:p>
             <a:r>
               <a:rPr lang="en-US" dirty="0">
                 <a:latin typeface="Times New Roman" panose="02020603050405020304" pitchFamily="18" charset="0"/>
                 <a:ea typeface="Tahoma" panose="020B0604030504040204" pitchFamily="34" charset="0"/>
                 <a:cs typeface="Times New Roman" panose="02020603050405020304" pitchFamily="18" charset="0"/>
               </a:rPr>
-              <a:t>              </a:t>
+              <a:t>               </a:t>
             </a:r>
             <a:r>
               <a:rPr lang="ru-RU" dirty="0">
@@ -7449,22 +7483,6 @@
                 <a:cs typeface="Times New Roman" panose="02020603050405020304" pitchFamily="18" charset="0"/>
               </a:rPr>
               <a:t> </a:t>
-            </a:r>
-            <a:r>
-              <a:rPr lang="en-US" dirty="0">
-                <a:latin typeface="Times New Roman" panose="02020603050405020304" pitchFamily="18" charset="0"/>
-                <a:ea typeface="Tahoma" panose="020B0604030504040204" pitchFamily="34" charset="0"/>
-                <a:cs typeface="Times New Roman" panose="02020603050405020304" pitchFamily="18" charset="0"/>
-              </a:rPr>
-              <a:t> </a:t>
-            </a:r>
-            <a:r>
-              <a:rPr lang="ru-RU" dirty="0">
-                <a:latin typeface="Times New Roman" panose="02020603050405020304" pitchFamily="18" charset="0"/>
-                <a:ea typeface="Tahoma" panose="020B0604030504040204" pitchFamily="34" charset="0"/>
-                <a:cs typeface="Times New Roman" panose="02020603050405020304" pitchFamily="18" charset="0"/>
-              </a:rPr>
-              <a:t>МГТУ им. Н. Э. Баумана</a:t>
             </a:r>
           </a:p>
         </p:txBody>
@@ -7500,7 +7518,7 @@
         </p:blipFill>
         <p:spPr>
           <a:xfrm>
-            <a:off x="260437" y="6232979"/>
+            <a:off x="313698" y="6105135"/>
             <a:ext cx="529678" cy="625020"/>
           </a:xfrm>
           <a:prstGeom prst="rect">
@@ -7510,465 +7528,10 @@
       </p:pic>
       <p:sp>
         <p:nvSpPr>
-          <p:cNvPr id="17" name="Подзаголовок 2">
-            <a:extLst>
-              <a:ext uri="{FF2B5EF4-FFF2-40B4-BE49-F238E27FC236}">
-                <a16:creationId xmlns:a16="http://schemas.microsoft.com/office/drawing/2014/main" id="{9C6B3C6C-25FF-4480-9BE3-2BE9947922D5}"/>
-              </a:ext>
-            </a:extLst>
-          </p:cNvPr>
-          <p:cNvSpPr>
-            <a:spLocks noGrp="1"/>
-          </p:cNvSpPr>
-          <p:nvPr>
-            <p:ph type="subTitle" idx="1"/>
-          </p:nvPr>
-        </p:nvSpPr>
-        <p:spPr>
-          <a:xfrm>
-            <a:off x="0" y="1642476"/>
-            <a:ext cx="6096000" cy="515214"/>
-          </a:xfrm>
-        </p:spPr>
-        <p:txBody>
-          <a:bodyPr>
-            <a:normAutofit/>
-          </a:bodyPr>
-          <a:lstStyle/>
-          <a:p>
-            <a:pPr algn="just"/>
-            <a:r>
-              <a:rPr lang="ru-RU" sz="2000" dirty="0">
-                <a:latin typeface="Times New Roman" panose="02020603050405020304" pitchFamily="18" charset="0"/>
-                <a:cs typeface="Times New Roman" panose="02020603050405020304" pitchFamily="18" charset="0"/>
-              </a:rPr>
-              <a:t>	Массовая </a:t>
-            </a:r>
-            <a:r>
-              <a:rPr lang="ru-RU" sz="2000" dirty="0" err="1">
-                <a:latin typeface="Times New Roman" panose="02020603050405020304" pitchFamily="18" charset="0"/>
-                <a:cs typeface="Times New Roman" panose="02020603050405020304" pitchFamily="18" charset="0"/>
-              </a:rPr>
-              <a:t>Лагранжева</a:t>
-            </a:r>
-            <a:r>
-              <a:rPr lang="ru-RU" sz="2000" dirty="0">
-                <a:latin typeface="Times New Roman" panose="02020603050405020304" pitchFamily="18" charset="0"/>
-                <a:cs typeface="Times New Roman" panose="02020603050405020304" pitchFamily="18" charset="0"/>
-              </a:rPr>
-              <a:t> координата (МЛК)</a:t>
-            </a:r>
-            <a:r>
-              <a:rPr lang="en-US" sz="2000" dirty="0">
-                <a:latin typeface="Times New Roman" panose="02020603050405020304" pitchFamily="18" charset="0"/>
-                <a:cs typeface="Times New Roman" panose="02020603050405020304" pitchFamily="18" charset="0"/>
-              </a:rPr>
-              <a:t>:</a:t>
-            </a:r>
-            <a:endParaRPr lang="en-US" dirty="0">
-              <a:latin typeface="Times New Roman" panose="02020603050405020304" pitchFamily="18" charset="0"/>
-              <a:cs typeface="Times New Roman" panose="02020603050405020304" pitchFamily="18" charset="0"/>
-            </a:endParaRPr>
-          </a:p>
-        </p:txBody>
-      </p:sp>
-      <mc:AlternateContent xmlns:mc="http://schemas.openxmlformats.org/markup-compatibility/2006" xmlns:a14="http://schemas.microsoft.com/office/drawing/2010/main">
-        <mc:Choice Requires="a14">
-          <p:sp>
-            <p:nvSpPr>
-              <p:cNvPr id="18" name="TextBox 17">
-                <a:extLst>
-                  <a:ext uri="{FF2B5EF4-FFF2-40B4-BE49-F238E27FC236}">
-                    <a16:creationId xmlns:a16="http://schemas.microsoft.com/office/drawing/2014/main" id="{CB9131A4-02A5-4EF8-947F-3D989D283551}"/>
-                  </a:ext>
-                </a:extLst>
-              </p:cNvPr>
-              <p:cNvSpPr txBox="1"/>
-              <p:nvPr/>
-            </p:nvSpPr>
-            <p:spPr>
-              <a:xfrm>
-                <a:off x="0" y="1985946"/>
-                <a:ext cx="6096000" cy="1047502"/>
-              </a:xfrm>
-              <a:prstGeom prst="rect">
-                <a:avLst/>
-              </a:prstGeom>
-              <a:noFill/>
-            </p:spPr>
-            <p:txBody>
-              <a:bodyPr wrap="square">
-                <a:spAutoFit/>
-              </a:bodyPr>
-              <a:lstStyle/>
-              <a:p>
-                <a:pPr/>
-                <a14:m>
-                  <m:oMathPara xmlns:m="http://schemas.openxmlformats.org/officeDocument/2006/math">
-                    <m:oMathParaPr>
-                      <m:jc m:val="centerGroup"/>
-                    </m:oMathParaPr>
-                    <m:oMath xmlns:m="http://schemas.openxmlformats.org/officeDocument/2006/math">
-                      <m:r>
-                        <a:rPr lang="ru-RU" sz="2000" i="1" smtClean="0">
-                          <a:latin typeface="Cambria Math" panose="02040503050406030204" pitchFamily="18" charset="0"/>
-                        </a:rPr>
-                        <m:t>𝑞</m:t>
-                      </m:r>
-                      <m:r>
-                        <a:rPr lang="ru-RU" sz="2000" i="0">
-                          <a:latin typeface="Cambria Math" panose="02040503050406030204" pitchFamily="18" charset="0"/>
-                        </a:rPr>
-                        <m:t>=</m:t>
-                      </m:r>
-                      <m:nary>
-                        <m:naryPr>
-                          <m:limLoc m:val="undOvr"/>
-                          <m:ctrlPr>
-                            <a:rPr lang="ru-RU" sz="2000" i="1">
-                              <a:latin typeface="Cambria Math" panose="02040503050406030204" pitchFamily="18" charset="0"/>
-                            </a:rPr>
-                          </m:ctrlPr>
-                        </m:naryPr>
-                        <m:sub>
-                          <m:sSub>
-                            <m:sSubPr>
-                              <m:ctrlPr>
-                                <a:rPr lang="ru-RU" sz="2000" i="1">
-                                  <a:solidFill>
-                                    <a:srgbClr val="836967"/>
-                                  </a:solidFill>
-                                  <a:latin typeface="Cambria Math" panose="02040503050406030204" pitchFamily="18" charset="0"/>
-                                </a:rPr>
-                              </m:ctrlPr>
-                            </m:sSubPr>
-                            <m:e>
-                              <m:r>
-                                <a:rPr lang="ru-RU" sz="2000" i="1">
-                                  <a:latin typeface="Cambria Math" panose="02040503050406030204" pitchFamily="18" charset="0"/>
-                                </a:rPr>
-                                <m:t>𝑥</m:t>
-                              </m:r>
-                            </m:e>
-                            <m:sub>
-                              <m:r>
-                                <a:rPr lang="ru-RU" sz="2000" i="0">
-                                  <a:latin typeface="Cambria Math" panose="02040503050406030204" pitchFamily="18" charset="0"/>
-                                </a:rPr>
-                                <m:t>1</m:t>
-                              </m:r>
-                            </m:sub>
-                          </m:sSub>
-                        </m:sub>
-                        <m:sup>
-                          <m:r>
-                            <a:rPr lang="ru-RU" sz="2000" i="1">
-                              <a:latin typeface="Cambria Math" panose="02040503050406030204" pitchFamily="18" charset="0"/>
-                            </a:rPr>
-                            <m:t>𝑥</m:t>
-                          </m:r>
-                        </m:sup>
-                        <m:e>
-                          <m:r>
-                            <m:rPr>
-                              <m:sty m:val="p"/>
-                            </m:rPr>
-                            <a:rPr lang="ru-RU" sz="2000" i="0">
-                              <a:latin typeface="Cambria Math" panose="02040503050406030204" pitchFamily="18" charset="0"/>
-                            </a:rPr>
-                            <m:t>ρ</m:t>
-                          </m:r>
-                          <m:r>
-                            <a:rPr lang="ru-RU" sz="2000" i="1">
-                              <a:latin typeface="Cambria Math" panose="02040503050406030204" pitchFamily="18" charset="0"/>
-                            </a:rPr>
-                            <m:t>𝑑𝑥</m:t>
-                          </m:r>
-                        </m:e>
-                      </m:nary>
-                    </m:oMath>
-                  </m:oMathPara>
-                </a14:m>
-                <a:endParaRPr lang="ru-RU" sz="2000" dirty="0"/>
-              </a:p>
-            </p:txBody>
-          </p:sp>
-        </mc:Choice>
-        <mc:Fallback xmlns="">
-          <p:sp>
-            <p:nvSpPr>
-              <p:cNvPr id="18" name="TextBox 17">
-                <a:extLst>
-                  <a:ext uri="{FF2B5EF4-FFF2-40B4-BE49-F238E27FC236}">
-                    <a16:creationId xmlns:a16="http://schemas.microsoft.com/office/drawing/2014/main" id="{CB9131A4-02A5-4EF8-947F-3D989D283551}"/>
-                  </a:ext>
-                </a:extLst>
-              </p:cNvPr>
-              <p:cNvSpPr txBox="1">
-                <a:spLocks noRot="1" noChangeAspect="1" noMove="1" noResize="1" noEditPoints="1" noAdjustHandles="1" noChangeArrowheads="1" noChangeShapeType="1" noTextEdit="1"/>
-              </p:cNvSpPr>
-              <p:nvPr/>
-            </p:nvSpPr>
-            <p:spPr>
-              <a:xfrm>
-                <a:off x="0" y="1985946"/>
-                <a:ext cx="6096000" cy="1047502"/>
-              </a:xfrm>
-              <a:prstGeom prst="rect">
-                <a:avLst/>
-              </a:prstGeom>
-              <a:blipFill>
-                <a:blip r:embed="rId4"/>
-                <a:stretch>
-                  <a:fillRect/>
-                </a:stretch>
-              </a:blipFill>
-            </p:spPr>
-            <p:txBody>
-              <a:bodyPr/>
-              <a:lstStyle/>
-              <a:p>
-                <a:r>
-                  <a:rPr lang="ru-RU">
-                    <a:noFill/>
-                  </a:rPr>
-                  <a:t> </a:t>
-                </a:r>
-              </a:p>
-            </p:txBody>
-          </p:sp>
-        </mc:Fallback>
-      </mc:AlternateContent>
-      <p:sp>
-        <p:nvSpPr>
-          <p:cNvPr id="19" name="Подзаголовок 2">
-            <a:extLst>
-              <a:ext uri="{FF2B5EF4-FFF2-40B4-BE49-F238E27FC236}">
-                <a16:creationId xmlns:a16="http://schemas.microsoft.com/office/drawing/2014/main" id="{215E5EBE-3269-49D8-850B-EC8DC431C2D4}"/>
-              </a:ext>
-            </a:extLst>
-          </p:cNvPr>
-          <p:cNvSpPr txBox="1">
-            <a:spLocks/>
-          </p:cNvSpPr>
-          <p:nvPr/>
-        </p:nvSpPr>
-        <p:spPr>
-          <a:xfrm>
-            <a:off x="0" y="2969973"/>
-            <a:ext cx="6096000" cy="515213"/>
-          </a:xfrm>
-          <a:prstGeom prst="rect">
-            <a:avLst/>
-          </a:prstGeom>
-        </p:spPr>
-        <p:txBody>
-          <a:bodyPr vert="horz" lIns="91440" tIns="45720" rIns="91440" bIns="45720" rtlCol="0">
-            <a:normAutofit/>
-          </a:bodyPr>
-          <a:lstStyle>
-            <a:lvl1pPr marL="0" indent="0" algn="ctr" defTabSz="914400" rtl="0" eaLnBrk="1" latinLnBrk="0" hangingPunct="1">
-              <a:lnSpc>
-                <a:spcPct val="90000"/>
-              </a:lnSpc>
-              <a:spcBef>
-                <a:spcPts val="1000"/>
-              </a:spcBef>
-              <a:buFont typeface="Arial" panose="020B0604020202020204" pitchFamily="34" charset="0"/>
-              <a:buNone/>
-              <a:defRPr sz="2400" kern="1200">
-                <a:solidFill>
-                  <a:schemeClr val="tx1"/>
-                </a:solidFill>
-                <a:latin typeface="+mn-lt"/>
-                <a:ea typeface="+mn-ea"/>
-                <a:cs typeface="+mn-cs"/>
-              </a:defRPr>
-            </a:lvl1pPr>
-            <a:lvl2pPr marL="457200" indent="0" algn="ctr" defTabSz="914400" rtl="0" eaLnBrk="1" latinLnBrk="0" hangingPunct="1">
-              <a:lnSpc>
-                <a:spcPct val="90000"/>
-              </a:lnSpc>
-              <a:spcBef>
-                <a:spcPts val="500"/>
-              </a:spcBef>
-              <a:buFont typeface="Arial" panose="020B0604020202020204" pitchFamily="34" charset="0"/>
-              <a:buNone/>
-              <a:defRPr sz="2000" kern="1200">
-                <a:solidFill>
-                  <a:schemeClr val="tx1"/>
-                </a:solidFill>
-                <a:latin typeface="+mn-lt"/>
-                <a:ea typeface="+mn-ea"/>
-                <a:cs typeface="+mn-cs"/>
-              </a:defRPr>
-            </a:lvl2pPr>
-            <a:lvl3pPr marL="914400" indent="0" algn="ctr" defTabSz="914400" rtl="0" eaLnBrk="1" latinLnBrk="0" hangingPunct="1">
-              <a:lnSpc>
-                <a:spcPct val="90000"/>
-              </a:lnSpc>
-              <a:spcBef>
-                <a:spcPts val="500"/>
-              </a:spcBef>
-              <a:buFont typeface="Arial" panose="020B0604020202020204" pitchFamily="34" charset="0"/>
-              <a:buNone/>
-              <a:defRPr sz="1800" kern="1200">
-                <a:solidFill>
-                  <a:schemeClr val="tx1"/>
-                </a:solidFill>
-                <a:latin typeface="+mn-lt"/>
-                <a:ea typeface="+mn-ea"/>
-                <a:cs typeface="+mn-cs"/>
-              </a:defRPr>
-            </a:lvl3pPr>
-            <a:lvl4pPr marL="1371600" indent="0" algn="ctr" defTabSz="914400" rtl="0" eaLnBrk="1" latinLnBrk="0" hangingPunct="1">
-              <a:lnSpc>
-                <a:spcPct val="90000"/>
-              </a:lnSpc>
-              <a:spcBef>
-                <a:spcPts val="500"/>
-              </a:spcBef>
-              <a:buFont typeface="Arial" panose="020B0604020202020204" pitchFamily="34" charset="0"/>
-              <a:buNone/>
-              <a:defRPr sz="1600" kern="1200">
-                <a:solidFill>
-                  <a:schemeClr val="tx1"/>
-                </a:solidFill>
-                <a:latin typeface="+mn-lt"/>
-                <a:ea typeface="+mn-ea"/>
-                <a:cs typeface="+mn-cs"/>
-              </a:defRPr>
-            </a:lvl4pPr>
-            <a:lvl5pPr marL="1828800" indent="0" algn="ctr" defTabSz="914400" rtl="0" eaLnBrk="1" latinLnBrk="0" hangingPunct="1">
-              <a:lnSpc>
-                <a:spcPct val="90000"/>
-              </a:lnSpc>
-              <a:spcBef>
-                <a:spcPts val="500"/>
-              </a:spcBef>
-              <a:buFont typeface="Arial" panose="020B0604020202020204" pitchFamily="34" charset="0"/>
-              <a:buNone/>
-              <a:defRPr sz="1600" kern="1200">
-                <a:solidFill>
-                  <a:schemeClr val="tx1"/>
-                </a:solidFill>
-                <a:latin typeface="+mn-lt"/>
-                <a:ea typeface="+mn-ea"/>
-                <a:cs typeface="+mn-cs"/>
-              </a:defRPr>
-            </a:lvl5pPr>
-            <a:lvl6pPr marL="2286000" indent="0" algn="ctr" defTabSz="914400" rtl="0" eaLnBrk="1" latinLnBrk="0" hangingPunct="1">
-              <a:lnSpc>
-                <a:spcPct val="90000"/>
-              </a:lnSpc>
-              <a:spcBef>
-                <a:spcPts val="500"/>
-              </a:spcBef>
-              <a:buFont typeface="Arial" panose="020B0604020202020204" pitchFamily="34" charset="0"/>
-              <a:buNone/>
-              <a:defRPr sz="1600" kern="1200">
-                <a:solidFill>
-                  <a:schemeClr val="tx1"/>
-                </a:solidFill>
-                <a:latin typeface="+mn-lt"/>
-                <a:ea typeface="+mn-ea"/>
-                <a:cs typeface="+mn-cs"/>
-              </a:defRPr>
-            </a:lvl6pPr>
-            <a:lvl7pPr marL="2743200" indent="0" algn="ctr" defTabSz="914400" rtl="0" eaLnBrk="1" latinLnBrk="0" hangingPunct="1">
-              <a:lnSpc>
-                <a:spcPct val="90000"/>
-              </a:lnSpc>
-              <a:spcBef>
-                <a:spcPts val="500"/>
-              </a:spcBef>
-              <a:buFont typeface="Arial" panose="020B0604020202020204" pitchFamily="34" charset="0"/>
-              <a:buNone/>
-              <a:defRPr sz="1600" kern="1200">
-                <a:solidFill>
-                  <a:schemeClr val="tx1"/>
-                </a:solidFill>
-                <a:latin typeface="+mn-lt"/>
-                <a:ea typeface="+mn-ea"/>
-                <a:cs typeface="+mn-cs"/>
-              </a:defRPr>
-            </a:lvl7pPr>
-            <a:lvl8pPr marL="3200400" indent="0" algn="ctr" defTabSz="914400" rtl="0" eaLnBrk="1" latinLnBrk="0" hangingPunct="1">
-              <a:lnSpc>
-                <a:spcPct val="90000"/>
-              </a:lnSpc>
-              <a:spcBef>
-                <a:spcPts val="500"/>
-              </a:spcBef>
-              <a:buFont typeface="Arial" panose="020B0604020202020204" pitchFamily="34" charset="0"/>
-              <a:buNone/>
-              <a:defRPr sz="1600" kern="1200">
-                <a:solidFill>
-                  <a:schemeClr val="tx1"/>
-                </a:solidFill>
-                <a:latin typeface="+mn-lt"/>
-                <a:ea typeface="+mn-ea"/>
-                <a:cs typeface="+mn-cs"/>
-              </a:defRPr>
-            </a:lvl8pPr>
-            <a:lvl9pPr marL="3657600" indent="0" algn="ctr" defTabSz="914400" rtl="0" eaLnBrk="1" latinLnBrk="0" hangingPunct="1">
-              <a:lnSpc>
-                <a:spcPct val="90000"/>
-              </a:lnSpc>
-              <a:spcBef>
-                <a:spcPts val="500"/>
-              </a:spcBef>
-              <a:buFont typeface="Arial" panose="020B0604020202020204" pitchFamily="34" charset="0"/>
-              <a:buNone/>
-              <a:defRPr sz="1600" kern="1200">
-                <a:solidFill>
-                  <a:schemeClr val="tx1"/>
-                </a:solidFill>
-                <a:latin typeface="+mn-lt"/>
-                <a:ea typeface="+mn-ea"/>
-                <a:cs typeface="+mn-cs"/>
-              </a:defRPr>
-            </a:lvl9pPr>
-          </a:lstStyle>
-          <a:p>
-            <a:pPr algn="just"/>
-            <a:r>
-              <a:rPr lang="ru-RU" sz="2000" dirty="0">
-                <a:latin typeface="Times New Roman" panose="02020603050405020304" pitchFamily="18" charset="0"/>
-                <a:cs typeface="Times New Roman" panose="02020603050405020304" pitchFamily="18" charset="0"/>
-              </a:rPr>
-              <a:t>	Законы сохранения</a:t>
-            </a:r>
-            <a:r>
-              <a:rPr lang="en-US" sz="2000" dirty="0">
-                <a:latin typeface="Times New Roman" panose="02020603050405020304" pitchFamily="18" charset="0"/>
-                <a:cs typeface="Times New Roman" panose="02020603050405020304" pitchFamily="18" charset="0"/>
-              </a:rPr>
-              <a:t> </a:t>
-            </a:r>
-            <a:r>
-              <a:rPr lang="ru-RU" sz="2000" dirty="0">
-                <a:latin typeface="Times New Roman" panose="02020603050405020304" pitchFamily="18" charset="0"/>
-                <a:cs typeface="Times New Roman" panose="02020603050405020304" pitchFamily="18" charset="0"/>
-              </a:rPr>
-              <a:t>в МЛК</a:t>
-            </a:r>
-            <a:r>
-              <a:rPr lang="en-US" sz="2000" dirty="0">
-                <a:latin typeface="Times New Roman" panose="02020603050405020304" pitchFamily="18" charset="0"/>
-                <a:cs typeface="Times New Roman" panose="02020603050405020304" pitchFamily="18" charset="0"/>
-              </a:rPr>
-              <a:t>:</a:t>
-            </a:r>
-          </a:p>
-        </p:txBody>
-      </p:sp>
-      <p:sp>
-        <p:nvSpPr>
-          <p:cNvPr id="20" name="TextBox 19">
-            <a:extLst>
-              <a:ext uri="{FF2B5EF4-FFF2-40B4-BE49-F238E27FC236}">
-                <a16:creationId xmlns:a16="http://schemas.microsoft.com/office/drawing/2014/main" id="{44194DB1-2FEA-4F21-945F-BF5C13246520}"/>
+          <p:cNvPr id="6" name="TextBox 5">
+            <a:extLst>
+              <a:ext uri="{FF2B5EF4-FFF2-40B4-BE49-F238E27FC236}">
+                <a16:creationId xmlns:a16="http://schemas.microsoft.com/office/drawing/2014/main" id="{FA97D146-182C-4777-ABF4-00AE13487B07}"/>
               </a:ext>
             </a:extLst>
           </p:cNvPr>
@@ -7977,8 +7540,8 @@
         </p:nvSpPr>
         <p:spPr>
           <a:xfrm>
-            <a:off x="0" y="6360823"/>
-            <a:ext cx="12192000" cy="369332"/>
+            <a:off x="739806" y="6360823"/>
+            <a:ext cx="11771765" cy="369332"/>
           </a:xfrm>
           <a:prstGeom prst="rect">
             <a:avLst/>
@@ -8012,2895 +7575,46 @@
           </a:p>
         </p:txBody>
       </p:sp>
-      <mc:AlternateContent xmlns:mc="http://schemas.openxmlformats.org/markup-compatibility/2006" xmlns:a14="http://schemas.microsoft.com/office/drawing/2010/main">
-        <mc:Choice Requires="a14">
-          <p:sp>
-            <p:nvSpPr>
-              <p:cNvPr id="23" name="TextBox 22">
-                <a:extLst>
-                  <a:ext uri="{FF2B5EF4-FFF2-40B4-BE49-F238E27FC236}">
-                    <a16:creationId xmlns:a16="http://schemas.microsoft.com/office/drawing/2014/main" id="{B11B9386-18D6-4F24-B9A8-4F81CAE37E4E}"/>
-                  </a:ext>
-                </a:extLst>
-              </p:cNvPr>
-              <p:cNvSpPr txBox="1"/>
-              <p:nvPr/>
-            </p:nvSpPr>
-            <p:spPr>
-              <a:xfrm>
-                <a:off x="0" y="3485187"/>
-                <a:ext cx="6096000" cy="729430"/>
-              </a:xfrm>
-              <a:prstGeom prst="rect">
-                <a:avLst/>
-              </a:prstGeom>
-              <a:noFill/>
-            </p:spPr>
-            <p:txBody>
-              <a:bodyPr wrap="square">
-                <a:spAutoFit/>
-              </a:bodyPr>
-              <a:lstStyle/>
-              <a:p>
-                <a:pPr/>
-                <a14:m>
-                  <m:oMathPara xmlns:m="http://schemas.openxmlformats.org/officeDocument/2006/math">
-                    <m:oMathParaPr>
-                      <m:jc m:val="centerGroup"/>
-                    </m:oMathParaPr>
-                    <m:oMath xmlns:m="http://schemas.openxmlformats.org/officeDocument/2006/math">
-                      <m:f>
-                        <m:fPr>
-                          <m:ctrlPr>
-                            <a:rPr lang="ru-RU" sz="2000" i="1" smtClean="0">
-                              <a:solidFill>
-                                <a:srgbClr val="836967"/>
-                              </a:solidFill>
-                              <a:latin typeface="Cambria Math" panose="02040503050406030204" pitchFamily="18" charset="0"/>
-                            </a:rPr>
-                          </m:ctrlPr>
-                        </m:fPr>
-                        <m:num>
-                          <m:r>
-                            <a:rPr lang="ru-RU" sz="2000">
-                              <a:latin typeface="Cambria Math" panose="02040503050406030204" pitchFamily="18" charset="0"/>
-                            </a:rPr>
-                            <m:t>ⅆ</m:t>
-                          </m:r>
-                          <m:r>
-                            <a:rPr lang="ru-RU" sz="2000" i="1">
-                              <a:latin typeface="Cambria Math" panose="02040503050406030204" pitchFamily="18" charset="0"/>
-                            </a:rPr>
-                            <m:t>𝑤</m:t>
-                          </m:r>
-                        </m:num>
-                        <m:den>
-                          <m:r>
-                            <a:rPr lang="ru-RU" sz="2000" i="0">
-                              <a:latin typeface="Cambria Math" panose="02040503050406030204" pitchFamily="18" charset="0"/>
-                            </a:rPr>
-                            <m:t>ⅆ</m:t>
-                          </m:r>
-                          <m:r>
-                            <a:rPr lang="ru-RU" sz="2000" i="1">
-                              <a:latin typeface="Cambria Math" panose="02040503050406030204" pitchFamily="18" charset="0"/>
-                            </a:rPr>
-                            <m:t>𝑡</m:t>
-                          </m:r>
-                        </m:den>
-                      </m:f>
-                      <m:r>
-                        <a:rPr lang="ru-RU" sz="2000" i="0">
-                          <a:latin typeface="Cambria Math" panose="02040503050406030204" pitchFamily="18" charset="0"/>
-                        </a:rPr>
-                        <m:t>−</m:t>
-                      </m:r>
-                      <m:f>
-                        <m:fPr>
-                          <m:ctrlPr>
-                            <a:rPr lang="ru-RU" sz="2000" i="1">
-                              <a:solidFill>
-                                <a:srgbClr val="836967"/>
-                              </a:solidFill>
-                              <a:latin typeface="Cambria Math" panose="02040503050406030204" pitchFamily="18" charset="0"/>
-                            </a:rPr>
-                          </m:ctrlPr>
-                        </m:fPr>
-                        <m:num>
-                          <m:r>
-                            <a:rPr lang="ru-RU" sz="2000" i="0">
-                              <a:latin typeface="Cambria Math" panose="02040503050406030204" pitchFamily="18" charset="0"/>
-                            </a:rPr>
-                            <m:t>𝜕</m:t>
-                          </m:r>
-                          <m:r>
-                            <a:rPr lang="ru-RU" sz="2000" i="1">
-                              <a:latin typeface="Cambria Math" panose="02040503050406030204" pitchFamily="18" charset="0"/>
-                            </a:rPr>
-                            <m:t>𝑣</m:t>
-                          </m:r>
-                        </m:num>
-                        <m:den>
-                          <m:r>
-                            <a:rPr lang="ru-RU" sz="2000" i="0">
-                              <a:latin typeface="Cambria Math" panose="02040503050406030204" pitchFamily="18" charset="0"/>
-                            </a:rPr>
-                            <m:t>𝜕</m:t>
-                          </m:r>
-                          <m:r>
-                            <a:rPr lang="ru-RU" sz="2000" i="1">
-                              <a:latin typeface="Cambria Math" panose="02040503050406030204" pitchFamily="18" charset="0"/>
-                            </a:rPr>
-                            <m:t>𝑞</m:t>
-                          </m:r>
-                        </m:den>
-                      </m:f>
-                      <m:r>
-                        <a:rPr lang="ru-RU" sz="2000" i="0">
-                          <a:latin typeface="Cambria Math" panose="02040503050406030204" pitchFamily="18" charset="0"/>
-                        </a:rPr>
-                        <m:t>=0</m:t>
-                      </m:r>
-                    </m:oMath>
-                  </m:oMathPara>
-                </a14:m>
-                <a:endParaRPr lang="ru-RU" sz="2000" dirty="0"/>
-              </a:p>
-            </p:txBody>
-          </p:sp>
-        </mc:Choice>
-        <mc:Fallback xmlns="">
-          <p:sp>
-            <p:nvSpPr>
-              <p:cNvPr id="23" name="TextBox 22">
-                <a:extLst>
-                  <a:ext uri="{FF2B5EF4-FFF2-40B4-BE49-F238E27FC236}">
-                    <a16:creationId xmlns:a16="http://schemas.microsoft.com/office/drawing/2014/main" id="{B11B9386-18D6-4F24-B9A8-4F81CAE37E4E}"/>
-                  </a:ext>
-                </a:extLst>
-              </p:cNvPr>
-              <p:cNvSpPr txBox="1">
-                <a:spLocks noRot="1" noChangeAspect="1" noMove="1" noResize="1" noEditPoints="1" noAdjustHandles="1" noChangeArrowheads="1" noChangeShapeType="1" noTextEdit="1"/>
-              </p:cNvSpPr>
-              <p:nvPr/>
-            </p:nvSpPr>
-            <p:spPr>
-              <a:xfrm>
-                <a:off x="0" y="3485187"/>
-                <a:ext cx="6096000" cy="729430"/>
-              </a:xfrm>
-              <a:prstGeom prst="rect">
-                <a:avLst/>
-              </a:prstGeom>
-              <a:blipFill>
-                <a:blip r:embed="rId5"/>
-                <a:stretch>
-                  <a:fillRect/>
-                </a:stretch>
-              </a:blipFill>
-            </p:spPr>
-            <p:txBody>
-              <a:bodyPr/>
-              <a:lstStyle/>
-              <a:p>
-                <a:r>
-                  <a:rPr lang="ru-RU">
-                    <a:noFill/>
-                  </a:rPr>
-                  <a:t> </a:t>
-                </a:r>
-              </a:p>
-            </p:txBody>
-          </p:sp>
-        </mc:Fallback>
-      </mc:AlternateContent>
-      <mc:AlternateContent xmlns:mc="http://schemas.openxmlformats.org/markup-compatibility/2006" xmlns:a14="http://schemas.microsoft.com/office/drawing/2010/main">
-        <mc:Choice Requires="a14">
-          <p:sp>
-            <p:nvSpPr>
-              <p:cNvPr id="27" name="TextBox 26">
-                <a:extLst>
-                  <a:ext uri="{FF2B5EF4-FFF2-40B4-BE49-F238E27FC236}">
-                    <a16:creationId xmlns:a16="http://schemas.microsoft.com/office/drawing/2014/main" id="{7C7240F2-8F02-4F8D-840A-747051B8C512}"/>
-                  </a:ext>
-                </a:extLst>
-              </p:cNvPr>
-              <p:cNvSpPr txBox="1"/>
-              <p:nvPr/>
-            </p:nvSpPr>
-            <p:spPr>
-              <a:xfrm>
-                <a:off x="0" y="4258537"/>
-                <a:ext cx="6096000" cy="729430"/>
-              </a:xfrm>
-              <a:prstGeom prst="rect">
-                <a:avLst/>
-              </a:prstGeom>
-              <a:noFill/>
-            </p:spPr>
-            <p:txBody>
-              <a:bodyPr wrap="square">
-                <a:spAutoFit/>
-              </a:bodyPr>
-              <a:lstStyle/>
-              <a:p>
-                <a:pPr/>
-                <a14:m>
-                  <m:oMathPara xmlns:m="http://schemas.openxmlformats.org/officeDocument/2006/math">
-                    <m:oMathParaPr>
-                      <m:jc m:val="centerGroup"/>
-                    </m:oMathParaPr>
-                    <m:oMath xmlns:m="http://schemas.openxmlformats.org/officeDocument/2006/math">
-                      <m:f>
-                        <m:fPr>
-                          <m:ctrlPr>
-                            <a:rPr lang="ru-RU" sz="2000" i="1" smtClean="0">
-                              <a:solidFill>
-                                <a:srgbClr val="836967"/>
-                              </a:solidFill>
-                              <a:latin typeface="Cambria Math" panose="02040503050406030204" pitchFamily="18" charset="0"/>
-                            </a:rPr>
-                          </m:ctrlPr>
-                        </m:fPr>
-                        <m:num>
-                          <m:r>
-                            <a:rPr lang="ru-RU" sz="2000">
-                              <a:latin typeface="Cambria Math" panose="02040503050406030204" pitchFamily="18" charset="0"/>
-                            </a:rPr>
-                            <m:t>ⅆ</m:t>
-                          </m:r>
-                          <m:r>
-                            <a:rPr lang="ru-RU" sz="2000" i="1">
-                              <a:latin typeface="Cambria Math" panose="02040503050406030204" pitchFamily="18" charset="0"/>
-                            </a:rPr>
-                            <m:t>𝑣</m:t>
-                          </m:r>
-                        </m:num>
-                        <m:den>
-                          <m:r>
-                            <a:rPr lang="ru-RU" sz="2000" i="0">
-                              <a:latin typeface="Cambria Math" panose="02040503050406030204" pitchFamily="18" charset="0"/>
-                            </a:rPr>
-                            <m:t>ⅆ</m:t>
-                          </m:r>
-                          <m:r>
-                            <a:rPr lang="ru-RU" sz="2000" i="1">
-                              <a:latin typeface="Cambria Math" panose="02040503050406030204" pitchFamily="18" charset="0"/>
-                            </a:rPr>
-                            <m:t>𝑡</m:t>
-                          </m:r>
-                        </m:den>
-                      </m:f>
-                      <m:r>
-                        <a:rPr lang="ru-RU" sz="2000" i="0">
-                          <a:latin typeface="Cambria Math" panose="02040503050406030204" pitchFamily="18" charset="0"/>
-                        </a:rPr>
-                        <m:t>+</m:t>
-                      </m:r>
-                      <m:f>
-                        <m:fPr>
-                          <m:ctrlPr>
-                            <a:rPr lang="ru-RU" sz="2000" i="1">
-                              <a:solidFill>
-                                <a:srgbClr val="836967"/>
-                              </a:solidFill>
-                              <a:latin typeface="Cambria Math" panose="02040503050406030204" pitchFamily="18" charset="0"/>
-                            </a:rPr>
-                          </m:ctrlPr>
-                        </m:fPr>
-                        <m:num>
-                          <m:r>
-                            <a:rPr lang="ru-RU" sz="2000" i="0">
-                              <a:latin typeface="Cambria Math" panose="02040503050406030204" pitchFamily="18" charset="0"/>
-                            </a:rPr>
-                            <m:t>𝜕</m:t>
-                          </m:r>
-                          <m:r>
-                            <a:rPr lang="ru-RU" sz="2000" i="1">
-                              <a:latin typeface="Cambria Math" panose="02040503050406030204" pitchFamily="18" charset="0"/>
-                            </a:rPr>
-                            <m:t>𝑝</m:t>
-                          </m:r>
-                        </m:num>
-                        <m:den>
-                          <m:r>
-                            <a:rPr lang="ru-RU" sz="2000" i="0">
-                              <a:latin typeface="Cambria Math" panose="02040503050406030204" pitchFamily="18" charset="0"/>
-                            </a:rPr>
-                            <m:t>𝜕</m:t>
-                          </m:r>
-                          <m:r>
-                            <a:rPr lang="ru-RU" sz="2000" i="1">
-                              <a:latin typeface="Cambria Math" panose="02040503050406030204" pitchFamily="18" charset="0"/>
-                            </a:rPr>
-                            <m:t>𝑞</m:t>
-                          </m:r>
-                        </m:den>
-                      </m:f>
-                      <m:r>
-                        <a:rPr lang="ru-RU" sz="2000" i="0">
-                          <a:latin typeface="Cambria Math" panose="02040503050406030204" pitchFamily="18" charset="0"/>
-                        </a:rPr>
-                        <m:t>=0</m:t>
-                      </m:r>
-                    </m:oMath>
-                  </m:oMathPara>
-                </a14:m>
-                <a:endParaRPr lang="ru-RU" dirty="0"/>
-              </a:p>
-            </p:txBody>
-          </p:sp>
-        </mc:Choice>
-        <mc:Fallback xmlns="">
-          <p:sp>
-            <p:nvSpPr>
-              <p:cNvPr id="27" name="TextBox 26">
-                <a:extLst>
-                  <a:ext uri="{FF2B5EF4-FFF2-40B4-BE49-F238E27FC236}">
-                    <a16:creationId xmlns:a16="http://schemas.microsoft.com/office/drawing/2014/main" id="{7C7240F2-8F02-4F8D-840A-747051B8C512}"/>
-                  </a:ext>
-                </a:extLst>
-              </p:cNvPr>
-              <p:cNvSpPr txBox="1">
-                <a:spLocks noRot="1" noChangeAspect="1" noMove="1" noResize="1" noEditPoints="1" noAdjustHandles="1" noChangeArrowheads="1" noChangeShapeType="1" noTextEdit="1"/>
-              </p:cNvSpPr>
-              <p:nvPr/>
-            </p:nvSpPr>
-            <p:spPr>
-              <a:xfrm>
-                <a:off x="0" y="4258537"/>
-                <a:ext cx="6096000" cy="729430"/>
-              </a:xfrm>
-              <a:prstGeom prst="rect">
-                <a:avLst/>
-              </a:prstGeom>
-              <a:blipFill>
-                <a:blip r:embed="rId6"/>
-                <a:stretch>
-                  <a:fillRect/>
-                </a:stretch>
-              </a:blipFill>
-            </p:spPr>
-            <p:txBody>
-              <a:bodyPr/>
-              <a:lstStyle/>
-              <a:p>
-                <a:r>
-                  <a:rPr lang="ru-RU">
-                    <a:noFill/>
-                  </a:rPr>
-                  <a:t> </a:t>
-                </a:r>
-              </a:p>
-            </p:txBody>
-          </p:sp>
-        </mc:Fallback>
-      </mc:AlternateContent>
-      <mc:AlternateContent xmlns:mc="http://schemas.openxmlformats.org/markup-compatibility/2006" xmlns:a14="http://schemas.microsoft.com/office/drawing/2010/main">
-        <mc:Choice Requires="a14">
-          <p:sp>
-            <p:nvSpPr>
-              <p:cNvPr id="28" name="TextBox 27">
-                <a:extLst>
-                  <a:ext uri="{FF2B5EF4-FFF2-40B4-BE49-F238E27FC236}">
-                    <a16:creationId xmlns:a16="http://schemas.microsoft.com/office/drawing/2014/main" id="{F5F55384-C6CA-4313-9D8F-0811EFC23BD2}"/>
-                  </a:ext>
-                </a:extLst>
-              </p:cNvPr>
-              <p:cNvSpPr txBox="1"/>
-              <p:nvPr/>
-            </p:nvSpPr>
-            <p:spPr>
-              <a:xfrm>
-                <a:off x="0" y="5031886"/>
-                <a:ext cx="6096000" cy="729430"/>
-              </a:xfrm>
-              <a:prstGeom prst="rect">
-                <a:avLst/>
-              </a:prstGeom>
-              <a:noFill/>
-            </p:spPr>
-            <p:txBody>
-              <a:bodyPr wrap="square">
-                <a:spAutoFit/>
-              </a:bodyPr>
-              <a:lstStyle/>
-              <a:p>
-                <a:pPr/>
-                <a14:m>
-                  <m:oMathPara xmlns:m="http://schemas.openxmlformats.org/officeDocument/2006/math">
-                    <m:oMathParaPr>
-                      <m:jc m:val="centerGroup"/>
-                    </m:oMathParaPr>
-                    <m:oMath xmlns:m="http://schemas.openxmlformats.org/officeDocument/2006/math">
-                      <m:f>
-                        <m:fPr>
-                          <m:ctrlPr>
-                            <a:rPr lang="ru-RU" sz="2000" i="1" smtClean="0">
-                              <a:solidFill>
-                                <a:srgbClr val="836967"/>
-                              </a:solidFill>
-                              <a:latin typeface="Cambria Math" panose="02040503050406030204" pitchFamily="18" charset="0"/>
-                            </a:rPr>
-                          </m:ctrlPr>
-                        </m:fPr>
-                        <m:num>
-                          <m:r>
-                            <a:rPr lang="ru-RU" sz="2000">
-                              <a:latin typeface="Cambria Math" panose="02040503050406030204" pitchFamily="18" charset="0"/>
-                            </a:rPr>
-                            <m:t>ⅆ</m:t>
-                          </m:r>
-                          <m:r>
-                            <m:rPr>
-                              <m:sty m:val="p"/>
-                            </m:rPr>
-                            <a:rPr lang="ru-RU" sz="2000" i="0">
-                              <a:latin typeface="Cambria Math" panose="02040503050406030204" pitchFamily="18" charset="0"/>
-                            </a:rPr>
-                            <m:t>ε</m:t>
-                          </m:r>
-                        </m:num>
-                        <m:den>
-                          <m:r>
-                            <a:rPr lang="ru-RU" sz="2000" i="0">
-                              <a:latin typeface="Cambria Math" panose="02040503050406030204" pitchFamily="18" charset="0"/>
-                            </a:rPr>
-                            <m:t>ⅆ</m:t>
-                          </m:r>
-                          <m:r>
-                            <a:rPr lang="ru-RU" sz="2000" i="1">
-                              <a:latin typeface="Cambria Math" panose="02040503050406030204" pitchFamily="18" charset="0"/>
-                            </a:rPr>
-                            <m:t>𝑡</m:t>
-                          </m:r>
-                        </m:den>
-                      </m:f>
-                      <m:r>
-                        <a:rPr lang="ru-RU" sz="2000" i="0">
-                          <a:latin typeface="Cambria Math" panose="02040503050406030204" pitchFamily="18" charset="0"/>
-                        </a:rPr>
-                        <m:t>+</m:t>
-                      </m:r>
-                      <m:r>
-                        <a:rPr lang="ru-RU" sz="2000" i="1">
-                          <a:latin typeface="Cambria Math" panose="02040503050406030204" pitchFamily="18" charset="0"/>
-                        </a:rPr>
-                        <m:t>𝑝</m:t>
-                      </m:r>
-                      <m:f>
-                        <m:fPr>
-                          <m:ctrlPr>
-                            <a:rPr lang="ru-RU" sz="2000" i="1">
-                              <a:solidFill>
-                                <a:srgbClr val="836967"/>
-                              </a:solidFill>
-                              <a:latin typeface="Cambria Math" panose="02040503050406030204" pitchFamily="18" charset="0"/>
-                            </a:rPr>
-                          </m:ctrlPr>
-                        </m:fPr>
-                        <m:num>
-                          <m:r>
-                            <a:rPr lang="ru-RU" sz="2000" i="0">
-                              <a:latin typeface="Cambria Math" panose="02040503050406030204" pitchFamily="18" charset="0"/>
-                            </a:rPr>
-                            <m:t>𝜕</m:t>
-                          </m:r>
-                          <m:r>
-                            <a:rPr lang="ru-RU" sz="2000" i="1">
-                              <a:latin typeface="Cambria Math" panose="02040503050406030204" pitchFamily="18" charset="0"/>
-                            </a:rPr>
-                            <m:t>𝑣</m:t>
-                          </m:r>
-                        </m:num>
-                        <m:den>
-                          <m:r>
-                            <a:rPr lang="ru-RU" sz="2000" i="0">
-                              <a:latin typeface="Cambria Math" panose="02040503050406030204" pitchFamily="18" charset="0"/>
-                            </a:rPr>
-                            <m:t>𝜕</m:t>
-                          </m:r>
-                          <m:r>
-                            <a:rPr lang="ru-RU" sz="2000" i="1">
-                              <a:latin typeface="Cambria Math" panose="02040503050406030204" pitchFamily="18" charset="0"/>
-                            </a:rPr>
-                            <m:t>𝑞</m:t>
-                          </m:r>
-                        </m:den>
-                      </m:f>
-                      <m:r>
-                        <a:rPr lang="ru-RU" sz="2000" i="0">
-                          <a:latin typeface="Cambria Math" panose="02040503050406030204" pitchFamily="18" charset="0"/>
-                        </a:rPr>
-                        <m:t>=0</m:t>
-                      </m:r>
-                    </m:oMath>
-                  </m:oMathPara>
-                </a14:m>
-                <a:endParaRPr lang="ru-RU" dirty="0"/>
-              </a:p>
-            </p:txBody>
-          </p:sp>
-        </mc:Choice>
-        <mc:Fallback xmlns="">
-          <p:sp>
-            <p:nvSpPr>
-              <p:cNvPr id="28" name="TextBox 27">
-                <a:extLst>
-                  <a:ext uri="{FF2B5EF4-FFF2-40B4-BE49-F238E27FC236}">
-                    <a16:creationId xmlns:a16="http://schemas.microsoft.com/office/drawing/2014/main" id="{F5F55384-C6CA-4313-9D8F-0811EFC23BD2}"/>
-                  </a:ext>
-                </a:extLst>
-              </p:cNvPr>
-              <p:cNvSpPr txBox="1">
-                <a:spLocks noRot="1" noChangeAspect="1" noMove="1" noResize="1" noEditPoints="1" noAdjustHandles="1" noChangeArrowheads="1" noChangeShapeType="1" noTextEdit="1"/>
-              </p:cNvSpPr>
-              <p:nvPr/>
-            </p:nvSpPr>
-            <p:spPr>
-              <a:xfrm>
-                <a:off x="0" y="5031886"/>
-                <a:ext cx="6096000" cy="729430"/>
-              </a:xfrm>
-              <a:prstGeom prst="rect">
-                <a:avLst/>
-              </a:prstGeom>
-              <a:blipFill>
-                <a:blip r:embed="rId7"/>
-                <a:stretch>
-                  <a:fillRect/>
-                </a:stretch>
-              </a:blipFill>
-            </p:spPr>
-            <p:txBody>
-              <a:bodyPr/>
-              <a:lstStyle/>
-              <a:p>
-                <a:r>
-                  <a:rPr lang="ru-RU">
-                    <a:noFill/>
-                  </a:rPr>
-                  <a:t> </a:t>
-                </a:r>
-              </a:p>
-            </p:txBody>
-          </p:sp>
-        </mc:Fallback>
-      </mc:AlternateContent>
-      <p:sp>
-        <p:nvSpPr>
-          <p:cNvPr id="29" name="Подзаголовок 2">
-            <a:extLst>
-              <a:ext uri="{FF2B5EF4-FFF2-40B4-BE49-F238E27FC236}">
-                <a16:creationId xmlns:a16="http://schemas.microsoft.com/office/drawing/2014/main" id="{2BEAA784-9A57-43D8-B632-F974A9581458}"/>
-              </a:ext>
-            </a:extLst>
-          </p:cNvPr>
-          <p:cNvSpPr txBox="1">
-            <a:spLocks/>
-          </p:cNvSpPr>
+      <p:pic>
+        <p:nvPicPr>
+          <p:cNvPr id="16" name="Рисунок 15">
+            <a:extLst>
+              <a:ext uri="{FF2B5EF4-FFF2-40B4-BE49-F238E27FC236}">
+                <a16:creationId xmlns:a16="http://schemas.microsoft.com/office/drawing/2014/main" id="{D05C10FE-81FF-C323-FAD6-F12C9F5A2174}"/>
+              </a:ext>
+            </a:extLst>
+          </p:cNvPr>
+          <p:cNvPicPr>
+            <a:picLocks noChangeAspect="1"/>
+          </p:cNvPicPr>
           <p:nvPr/>
-        </p:nvSpPr>
-        <p:spPr>
-          <a:xfrm>
-            <a:off x="6096000" y="1642475"/>
-            <a:ext cx="6096000" cy="559134"/>
+        </p:nvPicPr>
+        <p:blipFill>
+          <a:blip r:embed="rId4">
+            <a:extLst>
+              <a:ext uri="{28A0092B-C50C-407E-A947-70E740481C1C}">
+                <a14:useLocalDpi xmlns:a14="http://schemas.microsoft.com/office/drawing/2010/main" val="0"/>
+              </a:ext>
+            </a:extLst>
+          </a:blip>
+          <a:stretch>
+            <a:fillRect/>
+          </a:stretch>
+        </p:blipFill>
+        <p:spPr>
+          <a:xfrm>
+            <a:off x="1244672" y="0"/>
+            <a:ext cx="9702655" cy="6858000"/>
           </a:xfrm>
           <a:prstGeom prst="rect">
             <a:avLst/>
           </a:prstGeom>
         </p:spPr>
-        <p:txBody>
-          <a:bodyPr vert="horz" lIns="91440" tIns="45720" rIns="91440" bIns="45720" rtlCol="0">
-            <a:normAutofit/>
-          </a:bodyPr>
-          <a:lstStyle>
-            <a:lvl1pPr marL="0" indent="0" algn="ctr" defTabSz="914400" rtl="0" eaLnBrk="1" latinLnBrk="0" hangingPunct="1">
-              <a:lnSpc>
-                <a:spcPct val="90000"/>
-              </a:lnSpc>
-              <a:spcBef>
-                <a:spcPts val="1000"/>
-              </a:spcBef>
-              <a:buFont typeface="Arial" panose="020B0604020202020204" pitchFamily="34" charset="0"/>
-              <a:buNone/>
-              <a:defRPr sz="2400" kern="1200">
-                <a:solidFill>
-                  <a:schemeClr val="tx1"/>
-                </a:solidFill>
-                <a:latin typeface="+mn-lt"/>
-                <a:ea typeface="+mn-ea"/>
-                <a:cs typeface="+mn-cs"/>
-              </a:defRPr>
-            </a:lvl1pPr>
-            <a:lvl2pPr marL="457200" indent="0" algn="ctr" defTabSz="914400" rtl="0" eaLnBrk="1" latinLnBrk="0" hangingPunct="1">
-              <a:lnSpc>
-                <a:spcPct val="90000"/>
-              </a:lnSpc>
-              <a:spcBef>
-                <a:spcPts val="500"/>
-              </a:spcBef>
-              <a:buFont typeface="Arial" panose="020B0604020202020204" pitchFamily="34" charset="0"/>
-              <a:buNone/>
-              <a:defRPr sz="2000" kern="1200">
-                <a:solidFill>
-                  <a:schemeClr val="tx1"/>
-                </a:solidFill>
-                <a:latin typeface="+mn-lt"/>
-                <a:ea typeface="+mn-ea"/>
-                <a:cs typeface="+mn-cs"/>
-              </a:defRPr>
-            </a:lvl2pPr>
-            <a:lvl3pPr marL="914400" indent="0" algn="ctr" defTabSz="914400" rtl="0" eaLnBrk="1" latinLnBrk="0" hangingPunct="1">
-              <a:lnSpc>
-                <a:spcPct val="90000"/>
-              </a:lnSpc>
-              <a:spcBef>
-                <a:spcPts val="500"/>
-              </a:spcBef>
-              <a:buFont typeface="Arial" panose="020B0604020202020204" pitchFamily="34" charset="0"/>
-              <a:buNone/>
-              <a:defRPr sz="1800" kern="1200">
-                <a:solidFill>
-                  <a:schemeClr val="tx1"/>
-                </a:solidFill>
-                <a:latin typeface="+mn-lt"/>
-                <a:ea typeface="+mn-ea"/>
-                <a:cs typeface="+mn-cs"/>
-              </a:defRPr>
-            </a:lvl3pPr>
-            <a:lvl4pPr marL="1371600" indent="0" algn="ctr" defTabSz="914400" rtl="0" eaLnBrk="1" latinLnBrk="0" hangingPunct="1">
-              <a:lnSpc>
-                <a:spcPct val="90000"/>
-              </a:lnSpc>
-              <a:spcBef>
-                <a:spcPts val="500"/>
-              </a:spcBef>
-              <a:buFont typeface="Arial" panose="020B0604020202020204" pitchFamily="34" charset="0"/>
-              <a:buNone/>
-              <a:defRPr sz="1600" kern="1200">
-                <a:solidFill>
-                  <a:schemeClr val="tx1"/>
-                </a:solidFill>
-                <a:latin typeface="+mn-lt"/>
-                <a:ea typeface="+mn-ea"/>
-                <a:cs typeface="+mn-cs"/>
-              </a:defRPr>
-            </a:lvl4pPr>
-            <a:lvl5pPr marL="1828800" indent="0" algn="ctr" defTabSz="914400" rtl="0" eaLnBrk="1" latinLnBrk="0" hangingPunct="1">
-              <a:lnSpc>
-                <a:spcPct val="90000"/>
-              </a:lnSpc>
-              <a:spcBef>
-                <a:spcPts val="500"/>
-              </a:spcBef>
-              <a:buFont typeface="Arial" panose="020B0604020202020204" pitchFamily="34" charset="0"/>
-              <a:buNone/>
-              <a:defRPr sz="1600" kern="1200">
-                <a:solidFill>
-                  <a:schemeClr val="tx1"/>
-                </a:solidFill>
-                <a:latin typeface="+mn-lt"/>
-                <a:ea typeface="+mn-ea"/>
-                <a:cs typeface="+mn-cs"/>
-              </a:defRPr>
-            </a:lvl5pPr>
-            <a:lvl6pPr marL="2286000" indent="0" algn="ctr" defTabSz="914400" rtl="0" eaLnBrk="1" latinLnBrk="0" hangingPunct="1">
-              <a:lnSpc>
-                <a:spcPct val="90000"/>
-              </a:lnSpc>
-              <a:spcBef>
-                <a:spcPts val="500"/>
-              </a:spcBef>
-              <a:buFont typeface="Arial" panose="020B0604020202020204" pitchFamily="34" charset="0"/>
-              <a:buNone/>
-              <a:defRPr sz="1600" kern="1200">
-                <a:solidFill>
-                  <a:schemeClr val="tx1"/>
-                </a:solidFill>
-                <a:latin typeface="+mn-lt"/>
-                <a:ea typeface="+mn-ea"/>
-                <a:cs typeface="+mn-cs"/>
-              </a:defRPr>
-            </a:lvl6pPr>
-            <a:lvl7pPr marL="2743200" indent="0" algn="ctr" defTabSz="914400" rtl="0" eaLnBrk="1" latinLnBrk="0" hangingPunct="1">
-              <a:lnSpc>
-                <a:spcPct val="90000"/>
-              </a:lnSpc>
-              <a:spcBef>
-                <a:spcPts val="500"/>
-              </a:spcBef>
-              <a:buFont typeface="Arial" panose="020B0604020202020204" pitchFamily="34" charset="0"/>
-              <a:buNone/>
-              <a:defRPr sz="1600" kern="1200">
-                <a:solidFill>
-                  <a:schemeClr val="tx1"/>
-                </a:solidFill>
-                <a:latin typeface="+mn-lt"/>
-                <a:ea typeface="+mn-ea"/>
-                <a:cs typeface="+mn-cs"/>
-              </a:defRPr>
-            </a:lvl7pPr>
-            <a:lvl8pPr marL="3200400" indent="0" algn="ctr" defTabSz="914400" rtl="0" eaLnBrk="1" latinLnBrk="0" hangingPunct="1">
-              <a:lnSpc>
-                <a:spcPct val="90000"/>
-              </a:lnSpc>
-              <a:spcBef>
-                <a:spcPts val="500"/>
-              </a:spcBef>
-              <a:buFont typeface="Arial" panose="020B0604020202020204" pitchFamily="34" charset="0"/>
-              <a:buNone/>
-              <a:defRPr sz="1600" kern="1200">
-                <a:solidFill>
-                  <a:schemeClr val="tx1"/>
-                </a:solidFill>
-                <a:latin typeface="+mn-lt"/>
-                <a:ea typeface="+mn-ea"/>
-                <a:cs typeface="+mn-cs"/>
-              </a:defRPr>
-            </a:lvl8pPr>
-            <a:lvl9pPr marL="3657600" indent="0" algn="ctr" defTabSz="914400" rtl="0" eaLnBrk="1" latinLnBrk="0" hangingPunct="1">
-              <a:lnSpc>
-                <a:spcPct val="90000"/>
-              </a:lnSpc>
-              <a:spcBef>
-                <a:spcPts val="500"/>
-              </a:spcBef>
-              <a:buFont typeface="Arial" panose="020B0604020202020204" pitchFamily="34" charset="0"/>
-              <a:buNone/>
-              <a:defRPr sz="1600" kern="1200">
-                <a:solidFill>
-                  <a:schemeClr val="tx1"/>
-                </a:solidFill>
-                <a:latin typeface="+mn-lt"/>
-                <a:ea typeface="+mn-ea"/>
-                <a:cs typeface="+mn-cs"/>
-              </a:defRPr>
-            </a:lvl9pPr>
-          </a:lstStyle>
-          <a:p>
-            <a:pPr algn="just"/>
-            <a:r>
-              <a:rPr lang="ru-RU" sz="2000" dirty="0">
-                <a:latin typeface="Times New Roman" panose="02020603050405020304" pitchFamily="18" charset="0"/>
-                <a:cs typeface="Times New Roman" panose="02020603050405020304" pitchFamily="18" charset="0"/>
-              </a:rPr>
-              <a:t>Конечно-разностная аппроксимация уравнений</a:t>
-            </a:r>
-            <a:r>
-              <a:rPr lang="en-US" sz="2000" dirty="0">
-                <a:latin typeface="Times New Roman" panose="02020603050405020304" pitchFamily="18" charset="0"/>
-                <a:cs typeface="Times New Roman" panose="02020603050405020304" pitchFamily="18" charset="0"/>
-              </a:rPr>
-              <a:t>:</a:t>
-            </a:r>
-          </a:p>
-        </p:txBody>
-      </p:sp>
-      <mc:AlternateContent xmlns:mc="http://schemas.openxmlformats.org/markup-compatibility/2006" xmlns:a14="http://schemas.microsoft.com/office/drawing/2010/main">
-        <mc:Choice Requires="a14">
-          <p:sp>
-            <p:nvSpPr>
-              <p:cNvPr id="30" name="TextBox 29">
-                <a:extLst>
-                  <a:ext uri="{FF2B5EF4-FFF2-40B4-BE49-F238E27FC236}">
-                    <a16:creationId xmlns:a16="http://schemas.microsoft.com/office/drawing/2014/main" id="{8BBD8DA1-A94B-4C7F-ABFF-15E5BBA4EC8A}"/>
-                  </a:ext>
-                </a:extLst>
-              </p:cNvPr>
-              <p:cNvSpPr txBox="1"/>
-              <p:nvPr/>
-            </p:nvSpPr>
-            <p:spPr>
-              <a:xfrm>
-                <a:off x="6096000" y="2112625"/>
-                <a:ext cx="6096000" cy="826508"/>
-              </a:xfrm>
-              <a:prstGeom prst="rect">
-                <a:avLst/>
-              </a:prstGeom>
-              <a:noFill/>
-            </p:spPr>
-            <p:txBody>
-              <a:bodyPr wrap="square">
-                <a:spAutoFit/>
-              </a:bodyPr>
-              <a:lstStyle/>
-              <a:p>
-                <a:pPr/>
-                <a14:m>
-                  <m:oMathPara xmlns:m="http://schemas.openxmlformats.org/officeDocument/2006/math">
-                    <m:oMathParaPr>
-                      <m:jc m:val="centerGroup"/>
-                    </m:oMathParaPr>
-                    <m:oMath xmlns:m="http://schemas.openxmlformats.org/officeDocument/2006/math">
-                      <m:sSubSup>
-                        <m:sSubSupPr>
-                          <m:ctrlPr>
-                            <a:rPr lang="ru-RU" sz="2000" i="1" smtClean="0">
-                              <a:solidFill>
-                                <a:srgbClr val="836967"/>
-                              </a:solidFill>
-                              <a:latin typeface="Cambria Math" panose="02040503050406030204" pitchFamily="18" charset="0"/>
-                            </a:rPr>
-                          </m:ctrlPr>
-                        </m:sSubSupPr>
-                        <m:e>
-                          <m:r>
-                            <a:rPr lang="ru-RU" sz="2000" i="1">
-                              <a:latin typeface="Cambria Math" panose="02040503050406030204" pitchFamily="18" charset="0"/>
-                            </a:rPr>
-                            <m:t>𝑣</m:t>
-                          </m:r>
-                        </m:e>
-                        <m:sub>
-                          <m:r>
-                            <a:rPr lang="ru-RU" sz="2000" i="1">
-                              <a:latin typeface="Cambria Math" panose="02040503050406030204" pitchFamily="18" charset="0"/>
-                            </a:rPr>
-                            <m:t>𝑖</m:t>
-                          </m:r>
-                        </m:sub>
-                        <m:sup>
-                          <m:r>
-                            <a:rPr lang="ru-RU" sz="2000" i="1">
-                              <a:latin typeface="Cambria Math" panose="02040503050406030204" pitchFamily="18" charset="0"/>
-                            </a:rPr>
-                            <m:t>𝑛</m:t>
-                          </m:r>
-                          <m:r>
-                            <a:rPr lang="ru-RU" sz="2000" i="0">
-                              <a:latin typeface="Cambria Math" panose="02040503050406030204" pitchFamily="18" charset="0"/>
-                            </a:rPr>
-                            <m:t>+1</m:t>
-                          </m:r>
-                        </m:sup>
-                      </m:sSubSup>
-                      <m:r>
-                        <a:rPr lang="ru-RU" sz="2000" i="0">
-                          <a:latin typeface="Cambria Math" panose="02040503050406030204" pitchFamily="18" charset="0"/>
-                        </a:rPr>
-                        <m:t>=</m:t>
-                      </m:r>
-                      <m:sSubSup>
-                        <m:sSubSupPr>
-                          <m:ctrlPr>
-                            <a:rPr lang="ru-RU" sz="2000" i="1">
-                              <a:solidFill>
-                                <a:srgbClr val="836967"/>
-                              </a:solidFill>
-                              <a:latin typeface="Cambria Math" panose="02040503050406030204" pitchFamily="18" charset="0"/>
-                            </a:rPr>
-                          </m:ctrlPr>
-                        </m:sSubSupPr>
-                        <m:e>
-                          <m:r>
-                            <a:rPr lang="ru-RU" sz="2000" i="1">
-                              <a:latin typeface="Cambria Math" panose="02040503050406030204" pitchFamily="18" charset="0"/>
-                            </a:rPr>
-                            <m:t>𝜈</m:t>
-                          </m:r>
-                        </m:e>
-                        <m:sub>
-                          <m:r>
-                            <a:rPr lang="ru-RU" sz="2000" i="1">
-                              <a:latin typeface="Cambria Math" panose="02040503050406030204" pitchFamily="18" charset="0"/>
-                            </a:rPr>
-                            <m:t>𝑖</m:t>
-                          </m:r>
-                        </m:sub>
-                        <m:sup>
-                          <m:r>
-                            <a:rPr lang="ru-RU" sz="2000" i="1">
-                              <a:latin typeface="Cambria Math" panose="02040503050406030204" pitchFamily="18" charset="0"/>
-                            </a:rPr>
-                            <m:t>𝑛</m:t>
-                          </m:r>
-                        </m:sup>
-                      </m:sSubSup>
-                      <m:r>
-                        <a:rPr lang="ru-RU" sz="2000" i="0">
-                          <a:latin typeface="Cambria Math" panose="02040503050406030204" pitchFamily="18" charset="0"/>
-                        </a:rPr>
-                        <m:t>−</m:t>
-                      </m:r>
-                      <m:sSup>
-                        <m:sSupPr>
-                          <m:ctrlPr>
-                            <a:rPr lang="ru-RU" sz="2000" i="1">
-                              <a:solidFill>
-                                <a:srgbClr val="836967"/>
-                              </a:solidFill>
-                              <a:latin typeface="Cambria Math" panose="02040503050406030204" pitchFamily="18" charset="0"/>
-                            </a:rPr>
-                          </m:ctrlPr>
-                        </m:sSupPr>
-                        <m:e>
-                          <m:r>
-                            <m:rPr>
-                              <m:sty m:val="p"/>
-                            </m:rPr>
-                            <a:rPr lang="ru-RU" sz="2000" i="0">
-                              <a:latin typeface="Cambria Math" panose="02040503050406030204" pitchFamily="18" charset="0"/>
-                            </a:rPr>
-                            <m:t>τ</m:t>
-                          </m:r>
-                        </m:e>
-                        <m:sup>
-                          <m:r>
-                            <a:rPr lang="ru-RU" sz="2000" i="1">
-                              <a:latin typeface="Cambria Math" panose="02040503050406030204" pitchFamily="18" charset="0"/>
-                            </a:rPr>
-                            <m:t>𝑛</m:t>
-                          </m:r>
-                        </m:sup>
-                      </m:sSup>
-                      <m:f>
-                        <m:fPr>
-                          <m:ctrlPr>
-                            <a:rPr lang="ru-RU" sz="2000" i="1">
-                              <a:solidFill>
-                                <a:srgbClr val="836967"/>
-                              </a:solidFill>
-                              <a:latin typeface="Cambria Math" panose="02040503050406030204" pitchFamily="18" charset="0"/>
-                            </a:rPr>
-                          </m:ctrlPr>
-                        </m:fPr>
-                        <m:num>
-                          <m:sSubSup>
-                            <m:sSubSupPr>
-                              <m:ctrlPr>
-                                <a:rPr lang="ru-RU" sz="2000" i="1">
-                                  <a:solidFill>
-                                    <a:srgbClr val="836967"/>
-                                  </a:solidFill>
-                                  <a:latin typeface="Cambria Math" panose="02040503050406030204" pitchFamily="18" charset="0"/>
-                                </a:rPr>
-                              </m:ctrlPr>
-                            </m:sSubSupPr>
-                            <m:e>
-                              <m:r>
-                                <a:rPr lang="ru-RU" sz="2000" i="1">
-                                  <a:latin typeface="Cambria Math" panose="02040503050406030204" pitchFamily="18" charset="0"/>
-                                </a:rPr>
-                                <m:t>𝑝</m:t>
-                              </m:r>
-                            </m:e>
-                            <m:sub>
-                              <m:r>
-                                <a:rPr lang="ru-RU" sz="2000" i="1">
-                                  <a:latin typeface="Cambria Math" panose="02040503050406030204" pitchFamily="18" charset="0"/>
-                                </a:rPr>
-                                <m:t>𝑖</m:t>
-                              </m:r>
-                              <m:r>
-                                <a:rPr lang="ru-RU" sz="2000" i="0">
-                                  <a:latin typeface="Cambria Math" panose="02040503050406030204" pitchFamily="18" charset="0"/>
-                                </a:rPr>
-                                <m:t>+</m:t>
-                              </m:r>
-                              <m:f>
-                                <m:fPr>
-                                  <m:type m:val="lin"/>
-                                  <m:ctrlPr>
-                                    <a:rPr lang="ru-RU" sz="2000" i="1">
-                                      <a:latin typeface="Cambria Math" panose="02040503050406030204" pitchFamily="18" charset="0"/>
-                                    </a:rPr>
-                                  </m:ctrlPr>
-                                </m:fPr>
-                                <m:num>
-                                  <m:r>
-                                    <a:rPr lang="ru-RU" sz="2000" i="0">
-                                      <a:latin typeface="Cambria Math" panose="02040503050406030204" pitchFamily="18" charset="0"/>
-                                    </a:rPr>
-                                    <m:t>1</m:t>
-                                  </m:r>
-                                </m:num>
-                                <m:den>
-                                  <m:r>
-                                    <a:rPr lang="ru-RU" sz="2000" i="0">
-                                      <a:latin typeface="Cambria Math" panose="02040503050406030204" pitchFamily="18" charset="0"/>
-                                    </a:rPr>
-                                    <m:t>2</m:t>
-                                  </m:r>
-                                </m:den>
-                              </m:f>
-                            </m:sub>
-                            <m:sup>
-                              <m:r>
-                                <a:rPr lang="ru-RU" sz="2000" i="1">
-                                  <a:latin typeface="Cambria Math" panose="02040503050406030204" pitchFamily="18" charset="0"/>
-                                </a:rPr>
-                                <m:t>𝑛</m:t>
-                              </m:r>
-                            </m:sup>
-                          </m:sSubSup>
-                          <m:r>
-                            <a:rPr lang="ru-RU" sz="2000" i="0">
-                              <a:latin typeface="Cambria Math" panose="02040503050406030204" pitchFamily="18" charset="0"/>
-                            </a:rPr>
-                            <m:t>−</m:t>
-                          </m:r>
-                          <m:sSubSup>
-                            <m:sSubSupPr>
-                              <m:ctrlPr>
-                                <a:rPr lang="ru-RU" sz="2000" i="1">
-                                  <a:solidFill>
-                                    <a:srgbClr val="836967"/>
-                                  </a:solidFill>
-                                  <a:latin typeface="Cambria Math" panose="02040503050406030204" pitchFamily="18" charset="0"/>
-                                </a:rPr>
-                              </m:ctrlPr>
-                            </m:sSubSupPr>
-                            <m:e>
-                              <m:r>
-                                <a:rPr lang="ru-RU" sz="2000" i="1">
-                                  <a:latin typeface="Cambria Math" panose="02040503050406030204" pitchFamily="18" charset="0"/>
-                                </a:rPr>
-                                <m:t>𝑝</m:t>
-                              </m:r>
-                            </m:e>
-                            <m:sub>
-                              <m:r>
-                                <a:rPr lang="ru-RU" sz="2000" i="1">
-                                  <a:latin typeface="Cambria Math" panose="02040503050406030204" pitchFamily="18" charset="0"/>
-                                </a:rPr>
-                                <m:t>𝑖</m:t>
-                              </m:r>
-                              <m:r>
-                                <a:rPr lang="ru-RU" sz="2000" i="0">
-                                  <a:latin typeface="Cambria Math" panose="02040503050406030204" pitchFamily="18" charset="0"/>
-                                </a:rPr>
-                                <m:t>−</m:t>
-                              </m:r>
-                              <m:f>
-                                <m:fPr>
-                                  <m:type m:val="lin"/>
-                                  <m:ctrlPr>
-                                    <a:rPr lang="ru-RU" sz="2000" i="1">
-                                      <a:latin typeface="Cambria Math" panose="02040503050406030204" pitchFamily="18" charset="0"/>
-                                    </a:rPr>
-                                  </m:ctrlPr>
-                                </m:fPr>
-                                <m:num>
-                                  <m:r>
-                                    <a:rPr lang="ru-RU" sz="2000" i="0">
-                                      <a:latin typeface="Cambria Math" panose="02040503050406030204" pitchFamily="18" charset="0"/>
-                                    </a:rPr>
-                                    <m:t>1</m:t>
-                                  </m:r>
-                                </m:num>
-                                <m:den>
-                                  <m:r>
-                                    <a:rPr lang="ru-RU" sz="2000" i="0">
-                                      <a:latin typeface="Cambria Math" panose="02040503050406030204" pitchFamily="18" charset="0"/>
-                                    </a:rPr>
-                                    <m:t>2</m:t>
-                                  </m:r>
-                                </m:den>
-                              </m:f>
-                            </m:sub>
-                            <m:sup>
-                              <m:r>
-                                <a:rPr lang="ru-RU" sz="2000" i="1">
-                                  <a:latin typeface="Cambria Math" panose="02040503050406030204" pitchFamily="18" charset="0"/>
-                                </a:rPr>
-                                <m:t>𝑛</m:t>
-                              </m:r>
-                            </m:sup>
-                          </m:sSubSup>
-                        </m:num>
-                        <m:den>
-                          <m:r>
-                            <a:rPr lang="ru-RU" sz="2000" i="0">
-                              <a:latin typeface="Cambria Math" panose="02040503050406030204" pitchFamily="18" charset="0"/>
-                            </a:rPr>
-                            <m:t>0,5</m:t>
-                          </m:r>
-                          <m:d>
-                            <m:dPr>
-                              <m:ctrlPr>
-                                <a:rPr lang="ru-RU" sz="2000" i="1">
-                                  <a:solidFill>
-                                    <a:srgbClr val="836967"/>
-                                  </a:solidFill>
-                                  <a:latin typeface="Cambria Math" panose="02040503050406030204" pitchFamily="18" charset="0"/>
-                                </a:rPr>
-                              </m:ctrlPr>
-                            </m:dPr>
-                            <m:e>
-                              <m:sSub>
-                                <m:sSubPr>
-                                  <m:ctrlPr>
-                                    <a:rPr lang="ru-RU" sz="2000" i="1">
-                                      <a:solidFill>
-                                        <a:srgbClr val="836967"/>
-                                      </a:solidFill>
-                                      <a:latin typeface="Cambria Math" panose="02040503050406030204" pitchFamily="18" charset="0"/>
-                                    </a:rPr>
-                                  </m:ctrlPr>
-                                </m:sSubPr>
-                                <m:e>
-                                  <m:r>
-                                    <a:rPr lang="ru-RU" sz="2000" i="1">
-                                      <a:latin typeface="Cambria Math" panose="02040503050406030204" pitchFamily="18" charset="0"/>
-                                    </a:rPr>
-                                    <m:t>𝑞</m:t>
-                                  </m:r>
-                                </m:e>
-                                <m:sub>
-                                  <m:r>
-                                    <a:rPr lang="ru-RU" sz="2000" i="1">
-                                      <a:latin typeface="Cambria Math" panose="02040503050406030204" pitchFamily="18" charset="0"/>
-                                    </a:rPr>
-                                    <m:t>𝑖</m:t>
-                                  </m:r>
-                                  <m:r>
-                                    <a:rPr lang="ru-RU" sz="2000" i="0">
-                                      <a:latin typeface="Cambria Math" panose="02040503050406030204" pitchFamily="18" charset="0"/>
-                                    </a:rPr>
-                                    <m:t>+</m:t>
-                                  </m:r>
-                                  <m:f>
-                                    <m:fPr>
-                                      <m:type m:val="lin"/>
-                                      <m:ctrlPr>
-                                        <a:rPr lang="ru-RU" sz="2000" i="1">
-                                          <a:latin typeface="Cambria Math" panose="02040503050406030204" pitchFamily="18" charset="0"/>
-                                        </a:rPr>
-                                      </m:ctrlPr>
-                                    </m:fPr>
-                                    <m:num>
-                                      <m:r>
-                                        <a:rPr lang="ru-RU" sz="2000" i="0">
-                                          <a:latin typeface="Cambria Math" panose="02040503050406030204" pitchFamily="18" charset="0"/>
-                                        </a:rPr>
-                                        <m:t>1</m:t>
-                                      </m:r>
-                                    </m:num>
-                                    <m:den>
-                                      <m:r>
-                                        <a:rPr lang="ru-RU" sz="2000" i="0">
-                                          <a:latin typeface="Cambria Math" panose="02040503050406030204" pitchFamily="18" charset="0"/>
-                                        </a:rPr>
-                                        <m:t>2</m:t>
-                                      </m:r>
-                                    </m:den>
-                                  </m:f>
-                                </m:sub>
-                              </m:sSub>
-                              <m:r>
-                                <a:rPr lang="ru-RU" sz="2000" i="0">
-                                  <a:latin typeface="Cambria Math" panose="02040503050406030204" pitchFamily="18" charset="0"/>
-                                </a:rPr>
-                                <m:t>+</m:t>
-                              </m:r>
-                              <m:sSub>
-                                <m:sSubPr>
-                                  <m:ctrlPr>
-                                    <a:rPr lang="ru-RU" sz="2000" i="1">
-                                      <a:solidFill>
-                                        <a:srgbClr val="836967"/>
-                                      </a:solidFill>
-                                      <a:latin typeface="Cambria Math" panose="02040503050406030204" pitchFamily="18" charset="0"/>
-                                    </a:rPr>
-                                  </m:ctrlPr>
-                                </m:sSubPr>
-                                <m:e>
-                                  <m:r>
-                                    <a:rPr lang="ru-RU" sz="2000" i="1">
-                                      <a:latin typeface="Cambria Math" panose="02040503050406030204" pitchFamily="18" charset="0"/>
-                                    </a:rPr>
-                                    <m:t>𝑞</m:t>
-                                  </m:r>
-                                </m:e>
-                                <m:sub>
-                                  <m:r>
-                                    <a:rPr lang="ru-RU" sz="2000" i="1">
-                                      <a:latin typeface="Cambria Math" panose="02040503050406030204" pitchFamily="18" charset="0"/>
-                                    </a:rPr>
-                                    <m:t>𝑖</m:t>
-                                  </m:r>
-                                  <m:r>
-                                    <a:rPr lang="ru-RU" sz="2000" i="0">
-                                      <a:latin typeface="Cambria Math" panose="02040503050406030204" pitchFamily="18" charset="0"/>
-                                    </a:rPr>
-                                    <m:t>−</m:t>
-                                  </m:r>
-                                  <m:f>
-                                    <m:fPr>
-                                      <m:type m:val="lin"/>
-                                      <m:ctrlPr>
-                                        <a:rPr lang="ru-RU" sz="2000" i="1">
-                                          <a:latin typeface="Cambria Math" panose="02040503050406030204" pitchFamily="18" charset="0"/>
-                                        </a:rPr>
-                                      </m:ctrlPr>
-                                    </m:fPr>
-                                    <m:num>
-                                      <m:r>
-                                        <a:rPr lang="ru-RU" sz="2000" i="0">
-                                          <a:latin typeface="Cambria Math" panose="02040503050406030204" pitchFamily="18" charset="0"/>
-                                        </a:rPr>
-                                        <m:t>1</m:t>
-                                      </m:r>
-                                    </m:num>
-                                    <m:den>
-                                      <m:r>
-                                        <a:rPr lang="ru-RU" sz="2000" i="0">
-                                          <a:latin typeface="Cambria Math" panose="02040503050406030204" pitchFamily="18" charset="0"/>
-                                        </a:rPr>
-                                        <m:t>2</m:t>
-                                      </m:r>
-                                    </m:den>
-                                  </m:f>
-                                </m:sub>
-                              </m:sSub>
-                            </m:e>
-                          </m:d>
-                          <m:r>
-                            <a:rPr lang="ru-RU" sz="2000" i="0">
-                              <a:latin typeface="Cambria Math" panose="02040503050406030204" pitchFamily="18" charset="0"/>
-                            </a:rPr>
-                            <m:t>+</m:t>
-                          </m:r>
-                          <m:sSub>
-                            <m:sSubPr>
-                              <m:ctrlPr>
-                                <a:rPr lang="ru-RU" sz="2000" i="1">
-                                  <a:solidFill>
-                                    <a:srgbClr val="836967"/>
-                                  </a:solidFill>
-                                  <a:latin typeface="Cambria Math" panose="02040503050406030204" pitchFamily="18" charset="0"/>
-                                </a:rPr>
-                              </m:ctrlPr>
-                            </m:sSubPr>
-                            <m:e>
-                              <m:r>
-                                <a:rPr lang="ru-RU" sz="2000" i="1">
-                                  <a:latin typeface="Cambria Math" panose="02040503050406030204" pitchFamily="18" charset="0"/>
-                                </a:rPr>
-                                <m:t>𝑞</m:t>
-                              </m:r>
-                            </m:e>
-                            <m:sub>
-                              <m:r>
-                                <a:rPr lang="ru-RU" sz="2000" i="1">
-                                  <a:latin typeface="Cambria Math" panose="02040503050406030204" pitchFamily="18" charset="0"/>
-                                </a:rPr>
-                                <m:t>𝑖</m:t>
-                              </m:r>
-                            </m:sub>
-                          </m:sSub>
-                        </m:den>
-                      </m:f>
-                    </m:oMath>
-                  </m:oMathPara>
-                </a14:m>
-                <a:endParaRPr lang="ru-RU" sz="2000" dirty="0"/>
-              </a:p>
-            </p:txBody>
-          </p:sp>
-        </mc:Choice>
-        <mc:Fallback xmlns="">
-          <p:sp>
-            <p:nvSpPr>
-              <p:cNvPr id="30" name="TextBox 29">
-                <a:extLst>
-                  <a:ext uri="{FF2B5EF4-FFF2-40B4-BE49-F238E27FC236}">
-                    <a16:creationId xmlns:a16="http://schemas.microsoft.com/office/drawing/2014/main" id="{8BBD8DA1-A94B-4C7F-ABFF-15E5BBA4EC8A}"/>
-                  </a:ext>
-                </a:extLst>
-              </p:cNvPr>
-              <p:cNvSpPr txBox="1">
-                <a:spLocks noRot="1" noChangeAspect="1" noMove="1" noResize="1" noEditPoints="1" noAdjustHandles="1" noChangeArrowheads="1" noChangeShapeType="1" noTextEdit="1"/>
-              </p:cNvSpPr>
-              <p:nvPr/>
-            </p:nvSpPr>
-            <p:spPr>
-              <a:xfrm>
-                <a:off x="6096000" y="2112625"/>
-                <a:ext cx="6096000" cy="826508"/>
-              </a:xfrm>
-              <a:prstGeom prst="rect">
-                <a:avLst/>
-              </a:prstGeom>
-              <a:blipFill>
-                <a:blip r:embed="rId8"/>
-                <a:stretch>
-                  <a:fillRect/>
-                </a:stretch>
-              </a:blipFill>
-            </p:spPr>
-            <p:txBody>
-              <a:bodyPr/>
-              <a:lstStyle/>
-              <a:p>
-                <a:r>
-                  <a:rPr lang="ru-RU">
-                    <a:noFill/>
-                  </a:rPr>
-                  <a:t> </a:t>
-                </a:r>
-              </a:p>
-            </p:txBody>
-          </p:sp>
-        </mc:Fallback>
-      </mc:AlternateContent>
-      <mc:AlternateContent xmlns:mc="http://schemas.openxmlformats.org/markup-compatibility/2006" xmlns:a14="http://schemas.microsoft.com/office/drawing/2010/main">
-        <mc:Choice Requires="a14">
-          <p:sp>
-            <p:nvSpPr>
-              <p:cNvPr id="31" name="TextBox 30">
-                <a:extLst>
-                  <a:ext uri="{FF2B5EF4-FFF2-40B4-BE49-F238E27FC236}">
-                    <a16:creationId xmlns:a16="http://schemas.microsoft.com/office/drawing/2014/main" id="{7FA2CFDD-34C2-49B0-B656-50D601110DF0}"/>
-                  </a:ext>
-                </a:extLst>
-              </p:cNvPr>
-              <p:cNvSpPr txBox="1"/>
-              <p:nvPr/>
-            </p:nvSpPr>
-            <p:spPr>
-              <a:xfrm>
-                <a:off x="6096000" y="3053619"/>
-                <a:ext cx="6096000" cy="417743"/>
-              </a:xfrm>
-              <a:prstGeom prst="rect">
-                <a:avLst/>
-              </a:prstGeom>
-              <a:noFill/>
-            </p:spPr>
-            <p:txBody>
-              <a:bodyPr wrap="square">
-                <a:spAutoFit/>
-              </a:bodyPr>
-              <a:lstStyle/>
-              <a:p>
-                <a:pPr/>
-                <a14:m>
-                  <m:oMathPara xmlns:m="http://schemas.openxmlformats.org/officeDocument/2006/math">
-                    <m:oMathParaPr>
-                      <m:jc m:val="centerGroup"/>
-                    </m:oMathParaPr>
-                    <m:oMath xmlns:m="http://schemas.openxmlformats.org/officeDocument/2006/math">
-                      <m:sSubSup>
-                        <m:sSubSupPr>
-                          <m:ctrlPr>
-                            <a:rPr lang="ru-RU" sz="2000" i="1" smtClean="0">
-                              <a:solidFill>
-                                <a:srgbClr val="836967"/>
-                              </a:solidFill>
-                              <a:latin typeface="Cambria Math" panose="02040503050406030204" pitchFamily="18" charset="0"/>
-                            </a:rPr>
-                          </m:ctrlPr>
-                        </m:sSubSupPr>
-                        <m:e>
-                          <m:r>
-                            <a:rPr lang="ru-RU" sz="2000" i="1">
-                              <a:latin typeface="Cambria Math" panose="02040503050406030204" pitchFamily="18" charset="0"/>
-                            </a:rPr>
-                            <m:t>𝑥</m:t>
-                          </m:r>
-                        </m:e>
-                        <m:sub>
-                          <m:r>
-                            <a:rPr lang="ru-RU" sz="2000" i="1">
-                              <a:latin typeface="Cambria Math" panose="02040503050406030204" pitchFamily="18" charset="0"/>
-                            </a:rPr>
-                            <m:t>𝑖</m:t>
-                          </m:r>
-                        </m:sub>
-                        <m:sup>
-                          <m:r>
-                            <a:rPr lang="ru-RU" sz="2000" i="1">
-                              <a:latin typeface="Cambria Math" panose="02040503050406030204" pitchFamily="18" charset="0"/>
-                            </a:rPr>
-                            <m:t>𝑛</m:t>
-                          </m:r>
-                          <m:r>
-                            <a:rPr lang="ru-RU" sz="2000" i="0">
-                              <a:latin typeface="Cambria Math" panose="02040503050406030204" pitchFamily="18" charset="0"/>
-                            </a:rPr>
-                            <m:t>+1</m:t>
-                          </m:r>
-                        </m:sup>
-                      </m:sSubSup>
-                      <m:r>
-                        <a:rPr lang="ru-RU" sz="2000" i="0">
-                          <a:latin typeface="Cambria Math" panose="02040503050406030204" pitchFamily="18" charset="0"/>
-                        </a:rPr>
-                        <m:t>=</m:t>
-                      </m:r>
-                      <m:sSubSup>
-                        <m:sSubSupPr>
-                          <m:ctrlPr>
-                            <a:rPr lang="ru-RU" sz="2000" i="1">
-                              <a:solidFill>
-                                <a:srgbClr val="836967"/>
-                              </a:solidFill>
-                              <a:latin typeface="Cambria Math" panose="02040503050406030204" pitchFamily="18" charset="0"/>
-                            </a:rPr>
-                          </m:ctrlPr>
-                        </m:sSubSupPr>
-                        <m:e>
-                          <m:r>
-                            <a:rPr lang="ru-RU" sz="2000" i="1">
-                              <a:latin typeface="Cambria Math" panose="02040503050406030204" pitchFamily="18" charset="0"/>
-                            </a:rPr>
-                            <m:t>𝑥</m:t>
-                          </m:r>
-                        </m:e>
-                        <m:sub>
-                          <m:r>
-                            <a:rPr lang="ru-RU" sz="2000" i="1">
-                              <a:latin typeface="Cambria Math" panose="02040503050406030204" pitchFamily="18" charset="0"/>
-                            </a:rPr>
-                            <m:t>𝑖</m:t>
-                          </m:r>
-                        </m:sub>
-                        <m:sup>
-                          <m:r>
-                            <a:rPr lang="ru-RU" sz="2000" i="1">
-                              <a:latin typeface="Cambria Math" panose="02040503050406030204" pitchFamily="18" charset="0"/>
-                            </a:rPr>
-                            <m:t>𝑛</m:t>
-                          </m:r>
-                        </m:sup>
-                      </m:sSubSup>
-                      <m:r>
-                        <a:rPr lang="ru-RU" sz="2000" i="0">
-                          <a:latin typeface="Cambria Math" panose="02040503050406030204" pitchFamily="18" charset="0"/>
-                        </a:rPr>
-                        <m:t>+</m:t>
-                      </m:r>
-                      <m:sSup>
-                        <m:sSupPr>
-                          <m:ctrlPr>
-                            <a:rPr lang="ru-RU" sz="2000" i="1">
-                              <a:solidFill>
-                                <a:srgbClr val="836967"/>
-                              </a:solidFill>
-                              <a:latin typeface="Cambria Math" panose="02040503050406030204" pitchFamily="18" charset="0"/>
-                            </a:rPr>
-                          </m:ctrlPr>
-                        </m:sSupPr>
-                        <m:e>
-                          <m:r>
-                            <m:rPr>
-                              <m:sty m:val="p"/>
-                            </m:rPr>
-                            <a:rPr lang="ru-RU" sz="2000" i="0">
-                              <a:latin typeface="Cambria Math" panose="02040503050406030204" pitchFamily="18" charset="0"/>
-                            </a:rPr>
-                            <m:t>τ</m:t>
-                          </m:r>
-                        </m:e>
-                        <m:sup>
-                          <m:r>
-                            <a:rPr lang="ru-RU" sz="2000" i="1">
-                              <a:latin typeface="Cambria Math" panose="02040503050406030204" pitchFamily="18" charset="0"/>
-                            </a:rPr>
-                            <m:t>𝑛</m:t>
-                          </m:r>
-                        </m:sup>
-                      </m:sSup>
-                      <m:sSubSup>
-                        <m:sSubSupPr>
-                          <m:ctrlPr>
-                            <a:rPr lang="ru-RU" sz="2000" i="1">
-                              <a:solidFill>
-                                <a:srgbClr val="836967"/>
-                              </a:solidFill>
-                              <a:latin typeface="Cambria Math" panose="02040503050406030204" pitchFamily="18" charset="0"/>
-                            </a:rPr>
-                          </m:ctrlPr>
-                        </m:sSubSupPr>
-                        <m:e>
-                          <m:r>
-                            <a:rPr lang="ru-RU" sz="2000" i="1">
-                              <a:latin typeface="Cambria Math" panose="02040503050406030204" pitchFamily="18" charset="0"/>
-                            </a:rPr>
-                            <m:t>𝑣</m:t>
-                          </m:r>
-                        </m:e>
-                        <m:sub>
-                          <m:r>
-                            <a:rPr lang="ru-RU" sz="2000" i="1">
-                              <a:latin typeface="Cambria Math" panose="02040503050406030204" pitchFamily="18" charset="0"/>
-                            </a:rPr>
-                            <m:t>𝑖</m:t>
-                          </m:r>
-                        </m:sub>
-                        <m:sup>
-                          <m:r>
-                            <a:rPr lang="ru-RU" sz="2000" i="1">
-                              <a:latin typeface="Cambria Math" panose="02040503050406030204" pitchFamily="18" charset="0"/>
-                            </a:rPr>
-                            <m:t>𝑛</m:t>
-                          </m:r>
-                          <m:r>
-                            <a:rPr lang="ru-RU" sz="2000" i="0">
-                              <a:latin typeface="Cambria Math" panose="02040503050406030204" pitchFamily="18" charset="0"/>
-                            </a:rPr>
-                            <m:t>+1</m:t>
-                          </m:r>
-                        </m:sup>
-                      </m:sSubSup>
-                    </m:oMath>
-                  </m:oMathPara>
-                </a14:m>
-                <a:endParaRPr lang="ru-RU" sz="2000" dirty="0"/>
-              </a:p>
-            </p:txBody>
-          </p:sp>
-        </mc:Choice>
-        <mc:Fallback xmlns="">
-          <p:sp>
-            <p:nvSpPr>
-              <p:cNvPr id="31" name="TextBox 30">
-                <a:extLst>
-                  <a:ext uri="{FF2B5EF4-FFF2-40B4-BE49-F238E27FC236}">
-                    <a16:creationId xmlns:a16="http://schemas.microsoft.com/office/drawing/2014/main" id="{7FA2CFDD-34C2-49B0-B656-50D601110DF0}"/>
-                  </a:ext>
-                </a:extLst>
-              </p:cNvPr>
-              <p:cNvSpPr txBox="1">
-                <a:spLocks noRot="1" noChangeAspect="1" noMove="1" noResize="1" noEditPoints="1" noAdjustHandles="1" noChangeArrowheads="1" noChangeShapeType="1" noTextEdit="1"/>
-              </p:cNvSpPr>
-              <p:nvPr/>
-            </p:nvSpPr>
-            <p:spPr>
-              <a:xfrm>
-                <a:off x="6096000" y="3053619"/>
-                <a:ext cx="6096000" cy="417743"/>
-              </a:xfrm>
-              <a:prstGeom prst="rect">
-                <a:avLst/>
-              </a:prstGeom>
-              <a:blipFill>
-                <a:blip r:embed="rId9"/>
-                <a:stretch>
-                  <a:fillRect b="-4412"/>
-                </a:stretch>
-              </a:blipFill>
-            </p:spPr>
-            <p:txBody>
-              <a:bodyPr/>
-              <a:lstStyle/>
-              <a:p>
-                <a:r>
-                  <a:rPr lang="ru-RU">
-                    <a:noFill/>
-                  </a:rPr>
-                  <a:t> </a:t>
-                </a:r>
-              </a:p>
-            </p:txBody>
-          </p:sp>
-        </mc:Fallback>
-      </mc:AlternateContent>
-      <mc:AlternateContent xmlns:mc="http://schemas.openxmlformats.org/markup-compatibility/2006" xmlns:a14="http://schemas.microsoft.com/office/drawing/2010/main">
-        <mc:Choice Requires="a14">
-          <p:sp>
-            <p:nvSpPr>
-              <p:cNvPr id="33" name="TextBox 32">
-                <a:extLst>
-                  <a:ext uri="{FF2B5EF4-FFF2-40B4-BE49-F238E27FC236}">
-                    <a16:creationId xmlns:a16="http://schemas.microsoft.com/office/drawing/2014/main" id="{224524F1-A450-4F0E-BC1A-E5AC7519B640}"/>
-                  </a:ext>
-                </a:extLst>
-              </p:cNvPr>
-              <p:cNvSpPr txBox="1"/>
-              <p:nvPr/>
-            </p:nvSpPr>
-            <p:spPr>
-              <a:xfrm>
-                <a:off x="6096000" y="3553264"/>
-                <a:ext cx="6096000" cy="706155"/>
-              </a:xfrm>
-              <a:prstGeom prst="rect">
-                <a:avLst/>
-              </a:prstGeom>
-              <a:noFill/>
-            </p:spPr>
-            <p:txBody>
-              <a:bodyPr wrap="square">
-                <a:spAutoFit/>
-              </a:bodyPr>
-              <a:lstStyle/>
-              <a:p>
-                <a:pPr/>
-                <a14:m>
-                  <m:oMathPara xmlns:m="http://schemas.openxmlformats.org/officeDocument/2006/math">
-                    <m:oMathParaPr>
-                      <m:jc m:val="centerGroup"/>
-                    </m:oMathParaPr>
-                    <m:oMath xmlns:m="http://schemas.openxmlformats.org/officeDocument/2006/math">
-                      <m:sSubSup>
-                        <m:sSubSupPr>
-                          <m:ctrlPr>
-                            <a:rPr lang="ru-RU" sz="2000" i="1" smtClean="0">
-                              <a:solidFill>
-                                <a:srgbClr val="836967"/>
-                              </a:solidFill>
-                              <a:latin typeface="Cambria Math" panose="02040503050406030204" pitchFamily="18" charset="0"/>
-                            </a:rPr>
-                          </m:ctrlPr>
-                        </m:sSubSupPr>
-                        <m:e>
-                          <m:r>
-                            <m:rPr>
-                              <m:sty m:val="p"/>
-                            </m:rPr>
-                            <a:rPr lang="ru-RU" sz="2000">
-                              <a:latin typeface="Cambria Math" panose="02040503050406030204" pitchFamily="18" charset="0"/>
-                            </a:rPr>
-                            <m:t>ρ</m:t>
-                          </m:r>
-                        </m:e>
-                        <m:sub>
-                          <m:r>
-                            <a:rPr lang="ru-RU" sz="2000" i="1">
-                              <a:latin typeface="Cambria Math" panose="02040503050406030204" pitchFamily="18" charset="0"/>
-                            </a:rPr>
-                            <m:t>𝑖</m:t>
-                          </m:r>
-                          <m:r>
-                            <a:rPr lang="ru-RU" sz="2000" i="0">
-                              <a:latin typeface="Cambria Math" panose="02040503050406030204" pitchFamily="18" charset="0"/>
-                            </a:rPr>
-                            <m:t>+</m:t>
-                          </m:r>
-                          <m:f>
-                            <m:fPr>
-                              <m:type m:val="lin"/>
-                              <m:ctrlPr>
-                                <a:rPr lang="ru-RU" sz="2000" i="1">
-                                  <a:latin typeface="Cambria Math" panose="02040503050406030204" pitchFamily="18" charset="0"/>
-                                </a:rPr>
-                              </m:ctrlPr>
-                            </m:fPr>
-                            <m:num>
-                              <m:r>
-                                <a:rPr lang="ru-RU" sz="2000" i="0">
-                                  <a:latin typeface="Cambria Math" panose="02040503050406030204" pitchFamily="18" charset="0"/>
-                                </a:rPr>
-                                <m:t>1</m:t>
-                              </m:r>
-                            </m:num>
-                            <m:den>
-                              <m:r>
-                                <a:rPr lang="ru-RU" sz="2000" i="0">
-                                  <a:latin typeface="Cambria Math" panose="02040503050406030204" pitchFamily="18" charset="0"/>
-                                </a:rPr>
-                                <m:t>2</m:t>
-                              </m:r>
-                            </m:den>
-                          </m:f>
-                        </m:sub>
-                        <m:sup>
-                          <m:r>
-                            <a:rPr lang="ru-RU" sz="2000" i="1">
-                              <a:latin typeface="Cambria Math" panose="02040503050406030204" pitchFamily="18" charset="0"/>
-                            </a:rPr>
-                            <m:t>𝑛</m:t>
-                          </m:r>
-                          <m:r>
-                            <a:rPr lang="ru-RU" sz="2000" i="0">
-                              <a:latin typeface="Cambria Math" panose="02040503050406030204" pitchFamily="18" charset="0"/>
-                            </a:rPr>
-                            <m:t>+1</m:t>
-                          </m:r>
-                        </m:sup>
-                      </m:sSubSup>
-                      <m:r>
-                        <a:rPr lang="ru-RU" sz="2000" i="0">
-                          <a:latin typeface="Cambria Math" panose="02040503050406030204" pitchFamily="18" charset="0"/>
-                        </a:rPr>
-                        <m:t>=</m:t>
-                      </m:r>
-                      <m:f>
-                        <m:fPr>
-                          <m:ctrlPr>
-                            <a:rPr lang="ru-RU" sz="2000" i="1">
-                              <a:solidFill>
-                                <a:srgbClr val="836967"/>
-                              </a:solidFill>
-                              <a:latin typeface="Cambria Math" panose="02040503050406030204" pitchFamily="18" charset="0"/>
-                            </a:rPr>
-                          </m:ctrlPr>
-                        </m:fPr>
-                        <m:num>
-                          <m:sSub>
-                            <m:sSubPr>
-                              <m:ctrlPr>
-                                <a:rPr lang="ru-RU" sz="2000" i="1">
-                                  <a:solidFill>
-                                    <a:srgbClr val="836967"/>
-                                  </a:solidFill>
-                                  <a:latin typeface="Cambria Math" panose="02040503050406030204" pitchFamily="18" charset="0"/>
-                                </a:rPr>
-                              </m:ctrlPr>
-                            </m:sSubPr>
-                            <m:e>
-                              <m:r>
-                                <a:rPr lang="ru-RU" sz="2000" i="1">
-                                  <a:latin typeface="Cambria Math" panose="02040503050406030204" pitchFamily="18" charset="0"/>
-                                </a:rPr>
-                                <m:t>𝑞</m:t>
-                              </m:r>
-                            </m:e>
-                            <m:sub>
-                              <m:r>
-                                <a:rPr lang="ru-RU" sz="2000" i="1">
-                                  <a:latin typeface="Cambria Math" panose="02040503050406030204" pitchFamily="18" charset="0"/>
-                                </a:rPr>
-                                <m:t>𝑖</m:t>
-                              </m:r>
-                              <m:r>
-                                <a:rPr lang="ru-RU" sz="2000" i="0">
-                                  <a:latin typeface="Cambria Math" panose="02040503050406030204" pitchFamily="18" charset="0"/>
-                                </a:rPr>
-                                <m:t>+</m:t>
-                              </m:r>
-                              <m:f>
-                                <m:fPr>
-                                  <m:type m:val="lin"/>
-                                  <m:ctrlPr>
-                                    <a:rPr lang="ru-RU" sz="2000" i="1">
-                                      <a:latin typeface="Cambria Math" panose="02040503050406030204" pitchFamily="18" charset="0"/>
-                                    </a:rPr>
-                                  </m:ctrlPr>
-                                </m:fPr>
-                                <m:num>
-                                  <m:r>
-                                    <a:rPr lang="ru-RU" sz="2000" i="0">
-                                      <a:latin typeface="Cambria Math" panose="02040503050406030204" pitchFamily="18" charset="0"/>
-                                    </a:rPr>
-                                    <m:t>1</m:t>
-                                  </m:r>
-                                </m:num>
-                                <m:den>
-                                  <m:r>
-                                    <a:rPr lang="ru-RU" sz="2000" i="0">
-                                      <a:latin typeface="Cambria Math" panose="02040503050406030204" pitchFamily="18" charset="0"/>
-                                    </a:rPr>
-                                    <m:t>2</m:t>
-                                  </m:r>
-                                </m:den>
-                              </m:f>
-                            </m:sub>
-                          </m:sSub>
-                        </m:num>
-                        <m:den>
-                          <m:sSubSup>
-                            <m:sSubSupPr>
-                              <m:ctrlPr>
-                                <a:rPr lang="ru-RU" sz="2000" i="1">
-                                  <a:solidFill>
-                                    <a:srgbClr val="836967"/>
-                                  </a:solidFill>
-                                  <a:latin typeface="Cambria Math" panose="02040503050406030204" pitchFamily="18" charset="0"/>
-                                </a:rPr>
-                              </m:ctrlPr>
-                            </m:sSubSupPr>
-                            <m:e>
-                              <m:r>
-                                <a:rPr lang="ru-RU" sz="2000" i="1">
-                                  <a:latin typeface="Cambria Math" panose="02040503050406030204" pitchFamily="18" charset="0"/>
-                                </a:rPr>
-                                <m:t>𝑥</m:t>
-                              </m:r>
-                            </m:e>
-                            <m:sub>
-                              <m:r>
-                                <a:rPr lang="ru-RU" sz="2000" i="1">
-                                  <a:latin typeface="Cambria Math" panose="02040503050406030204" pitchFamily="18" charset="0"/>
-                                </a:rPr>
-                                <m:t>𝑖</m:t>
-                              </m:r>
-                              <m:r>
-                                <a:rPr lang="ru-RU" sz="2000" i="0">
-                                  <a:latin typeface="Cambria Math" panose="02040503050406030204" pitchFamily="18" charset="0"/>
-                                </a:rPr>
-                                <m:t>+1</m:t>
-                              </m:r>
-                            </m:sub>
-                            <m:sup>
-                              <m:r>
-                                <a:rPr lang="ru-RU" sz="2000" i="1">
-                                  <a:latin typeface="Cambria Math" panose="02040503050406030204" pitchFamily="18" charset="0"/>
-                                </a:rPr>
-                                <m:t>𝑛</m:t>
-                              </m:r>
-                              <m:r>
-                                <a:rPr lang="ru-RU" sz="2000" i="0">
-                                  <a:latin typeface="Cambria Math" panose="02040503050406030204" pitchFamily="18" charset="0"/>
-                                </a:rPr>
-                                <m:t>+1</m:t>
-                              </m:r>
-                            </m:sup>
-                          </m:sSubSup>
-                          <m:r>
-                            <a:rPr lang="ru-RU" sz="2000" i="0">
-                              <a:latin typeface="Cambria Math" panose="02040503050406030204" pitchFamily="18" charset="0"/>
-                            </a:rPr>
-                            <m:t>−</m:t>
-                          </m:r>
-                          <m:sSubSup>
-                            <m:sSubSupPr>
-                              <m:ctrlPr>
-                                <a:rPr lang="ru-RU" sz="2000" i="1">
-                                  <a:solidFill>
-                                    <a:srgbClr val="836967"/>
-                                  </a:solidFill>
-                                  <a:latin typeface="Cambria Math" panose="02040503050406030204" pitchFamily="18" charset="0"/>
-                                </a:rPr>
-                              </m:ctrlPr>
-                            </m:sSubSupPr>
-                            <m:e>
-                              <m:r>
-                                <a:rPr lang="ru-RU" sz="2000" i="1">
-                                  <a:latin typeface="Cambria Math" panose="02040503050406030204" pitchFamily="18" charset="0"/>
-                                </a:rPr>
-                                <m:t>𝑥</m:t>
-                              </m:r>
-                            </m:e>
-                            <m:sub>
-                              <m:r>
-                                <a:rPr lang="ru-RU" sz="2000" i="1">
-                                  <a:latin typeface="Cambria Math" panose="02040503050406030204" pitchFamily="18" charset="0"/>
-                                </a:rPr>
-                                <m:t>𝑖</m:t>
-                              </m:r>
-                            </m:sub>
-                            <m:sup>
-                              <m:r>
-                                <a:rPr lang="ru-RU" sz="2000" i="1">
-                                  <a:latin typeface="Cambria Math" panose="02040503050406030204" pitchFamily="18" charset="0"/>
-                                </a:rPr>
-                                <m:t>𝑛</m:t>
-                              </m:r>
-                              <m:r>
-                                <a:rPr lang="ru-RU" sz="2000" i="0">
-                                  <a:latin typeface="Cambria Math" panose="02040503050406030204" pitchFamily="18" charset="0"/>
-                                </a:rPr>
-                                <m:t>+1</m:t>
-                              </m:r>
-                            </m:sup>
-                          </m:sSubSup>
-                        </m:den>
-                      </m:f>
-                    </m:oMath>
-                  </m:oMathPara>
-                </a14:m>
-                <a:endParaRPr lang="ru-RU" sz="2000" dirty="0"/>
-              </a:p>
-            </p:txBody>
-          </p:sp>
-        </mc:Choice>
-        <mc:Fallback xmlns="">
-          <p:sp>
-            <p:nvSpPr>
-              <p:cNvPr id="33" name="TextBox 32">
-                <a:extLst>
-                  <a:ext uri="{FF2B5EF4-FFF2-40B4-BE49-F238E27FC236}">
-                    <a16:creationId xmlns:a16="http://schemas.microsoft.com/office/drawing/2014/main" id="{224524F1-A450-4F0E-BC1A-E5AC7519B640}"/>
-                  </a:ext>
-                </a:extLst>
-              </p:cNvPr>
-              <p:cNvSpPr txBox="1">
-                <a:spLocks noRot="1" noChangeAspect="1" noMove="1" noResize="1" noEditPoints="1" noAdjustHandles="1" noChangeArrowheads="1" noChangeShapeType="1" noTextEdit="1"/>
-              </p:cNvSpPr>
-              <p:nvPr/>
-            </p:nvSpPr>
-            <p:spPr>
-              <a:xfrm>
-                <a:off x="6096000" y="3553264"/>
-                <a:ext cx="6096000" cy="706155"/>
-              </a:xfrm>
-              <a:prstGeom prst="rect">
-                <a:avLst/>
-              </a:prstGeom>
-              <a:blipFill>
-                <a:blip r:embed="rId10"/>
-                <a:stretch>
-                  <a:fillRect/>
-                </a:stretch>
-              </a:blipFill>
-            </p:spPr>
-            <p:txBody>
-              <a:bodyPr/>
-              <a:lstStyle/>
-              <a:p>
-                <a:r>
-                  <a:rPr lang="ru-RU">
-                    <a:noFill/>
-                  </a:rPr>
-                  <a:t> </a:t>
-                </a:r>
-              </a:p>
-            </p:txBody>
-          </p:sp>
-        </mc:Fallback>
-      </mc:AlternateContent>
-      <mc:AlternateContent xmlns:mc="http://schemas.openxmlformats.org/markup-compatibility/2006" xmlns:a14="http://schemas.microsoft.com/office/drawing/2010/main">
-        <mc:Choice Requires="a14">
-          <p:sp>
-            <p:nvSpPr>
-              <p:cNvPr id="35" name="TextBox 34">
-                <a:extLst>
-                  <a:ext uri="{FF2B5EF4-FFF2-40B4-BE49-F238E27FC236}">
-                    <a16:creationId xmlns:a16="http://schemas.microsoft.com/office/drawing/2014/main" id="{D3FE0158-9899-4C99-B141-1EC13F9B87E2}"/>
-                  </a:ext>
-                </a:extLst>
-              </p:cNvPr>
-              <p:cNvSpPr txBox="1"/>
-              <p:nvPr/>
-            </p:nvSpPr>
-            <p:spPr>
-              <a:xfrm>
-                <a:off x="5827776" y="4289174"/>
-                <a:ext cx="6364224" cy="826637"/>
-              </a:xfrm>
-              <a:prstGeom prst="rect">
-                <a:avLst/>
-              </a:prstGeom>
-              <a:noFill/>
-            </p:spPr>
-            <p:txBody>
-              <a:bodyPr wrap="square">
-                <a:spAutoFit/>
-              </a:bodyPr>
-              <a:lstStyle/>
-              <a:p>
-                <a:pPr/>
-                <a14:m>
-                  <m:oMathPara xmlns:m="http://schemas.openxmlformats.org/officeDocument/2006/math">
-                    <m:oMathParaPr>
-                      <m:jc m:val="centerGroup"/>
-                    </m:oMathParaPr>
-                    <m:oMath xmlns:m="http://schemas.openxmlformats.org/officeDocument/2006/math">
-                      <m:sSubSup>
-                        <m:sSubSupPr>
-                          <m:ctrlPr>
-                            <a:rPr lang="ru-RU" sz="2000" i="1" smtClean="0">
-                              <a:solidFill>
-                                <a:srgbClr val="836967"/>
-                              </a:solidFill>
-                              <a:latin typeface="Cambria Math" panose="02040503050406030204" pitchFamily="18" charset="0"/>
-                            </a:rPr>
-                          </m:ctrlPr>
-                        </m:sSubSupPr>
-                        <m:e>
-                          <m:r>
-                            <m:rPr>
-                              <m:sty m:val="p"/>
-                            </m:rPr>
-                            <a:rPr lang="ru-RU" sz="2000">
-                              <a:latin typeface="Cambria Math" panose="02040503050406030204" pitchFamily="18" charset="0"/>
-                            </a:rPr>
-                            <m:t>ε</m:t>
-                          </m:r>
-                        </m:e>
-                        <m:sub>
-                          <m:r>
-                            <a:rPr lang="ru-RU" sz="2000" i="1">
-                              <a:latin typeface="Cambria Math" panose="02040503050406030204" pitchFamily="18" charset="0"/>
-                            </a:rPr>
-                            <m:t>𝑖</m:t>
-                          </m:r>
-                          <m:r>
-                            <a:rPr lang="ru-RU" sz="2000" i="0">
-                              <a:latin typeface="Cambria Math" panose="02040503050406030204" pitchFamily="18" charset="0"/>
-                            </a:rPr>
-                            <m:t>+</m:t>
-                          </m:r>
-                          <m:f>
-                            <m:fPr>
-                              <m:type m:val="lin"/>
-                              <m:ctrlPr>
-                                <a:rPr lang="ru-RU" sz="2000" i="1">
-                                  <a:latin typeface="Cambria Math" panose="02040503050406030204" pitchFamily="18" charset="0"/>
-                                </a:rPr>
-                              </m:ctrlPr>
-                            </m:fPr>
-                            <m:num>
-                              <m:r>
-                                <a:rPr lang="ru-RU" sz="2000" i="0">
-                                  <a:latin typeface="Cambria Math" panose="02040503050406030204" pitchFamily="18" charset="0"/>
-                                </a:rPr>
-                                <m:t>1</m:t>
-                              </m:r>
-                            </m:num>
-                            <m:den>
-                              <m:r>
-                                <a:rPr lang="ru-RU" sz="2000" i="0">
-                                  <a:latin typeface="Cambria Math" panose="02040503050406030204" pitchFamily="18" charset="0"/>
-                                </a:rPr>
-                                <m:t>2</m:t>
-                              </m:r>
-                            </m:den>
-                          </m:f>
-                        </m:sub>
-                        <m:sup>
-                          <m:r>
-                            <a:rPr lang="ru-RU" sz="2000" i="1">
-                              <a:latin typeface="Cambria Math" panose="02040503050406030204" pitchFamily="18" charset="0"/>
-                            </a:rPr>
-                            <m:t>𝑛</m:t>
-                          </m:r>
-                          <m:r>
-                            <a:rPr lang="ru-RU" sz="2000" i="0">
-                              <a:latin typeface="Cambria Math" panose="02040503050406030204" pitchFamily="18" charset="0"/>
-                            </a:rPr>
-                            <m:t>+1</m:t>
-                          </m:r>
-                        </m:sup>
-                      </m:sSubSup>
-                      <m:r>
-                        <a:rPr lang="ru-RU" sz="2000" i="0">
-                          <a:latin typeface="Cambria Math" panose="02040503050406030204" pitchFamily="18" charset="0"/>
-                        </a:rPr>
-                        <m:t>=</m:t>
-                      </m:r>
-                      <m:sSubSup>
-                        <m:sSubSupPr>
-                          <m:ctrlPr>
-                            <a:rPr lang="ru-RU" sz="2000" i="1">
-                              <a:solidFill>
-                                <a:srgbClr val="836967"/>
-                              </a:solidFill>
-                              <a:latin typeface="Cambria Math" panose="02040503050406030204" pitchFamily="18" charset="0"/>
-                            </a:rPr>
-                          </m:ctrlPr>
-                        </m:sSubSupPr>
-                        <m:e>
-                          <m:r>
-                            <m:rPr>
-                              <m:sty m:val="p"/>
-                            </m:rPr>
-                            <a:rPr lang="ru-RU" sz="2000" i="0">
-                              <a:latin typeface="Cambria Math" panose="02040503050406030204" pitchFamily="18" charset="0"/>
-                            </a:rPr>
-                            <m:t>ε</m:t>
-                          </m:r>
-                        </m:e>
-                        <m:sub>
-                          <m:r>
-                            <a:rPr lang="ru-RU" sz="2000" i="1">
-                              <a:latin typeface="Cambria Math" panose="02040503050406030204" pitchFamily="18" charset="0"/>
-                            </a:rPr>
-                            <m:t>𝑖</m:t>
-                          </m:r>
-                          <m:r>
-                            <a:rPr lang="ru-RU" sz="2000" i="0">
-                              <a:latin typeface="Cambria Math" panose="02040503050406030204" pitchFamily="18" charset="0"/>
-                            </a:rPr>
-                            <m:t>+</m:t>
-                          </m:r>
-                          <m:f>
-                            <m:fPr>
-                              <m:type m:val="lin"/>
-                              <m:ctrlPr>
-                                <a:rPr lang="ru-RU" sz="2000" i="1">
-                                  <a:latin typeface="Cambria Math" panose="02040503050406030204" pitchFamily="18" charset="0"/>
-                                </a:rPr>
-                              </m:ctrlPr>
-                            </m:fPr>
-                            <m:num>
-                              <m:r>
-                                <a:rPr lang="ru-RU" sz="2000" i="0">
-                                  <a:latin typeface="Cambria Math" panose="02040503050406030204" pitchFamily="18" charset="0"/>
-                                </a:rPr>
-                                <m:t>1</m:t>
-                              </m:r>
-                            </m:num>
-                            <m:den>
-                              <m:r>
-                                <a:rPr lang="ru-RU" sz="2000" i="0">
-                                  <a:latin typeface="Cambria Math" panose="02040503050406030204" pitchFamily="18" charset="0"/>
-                                </a:rPr>
-                                <m:t>2</m:t>
-                              </m:r>
-                            </m:den>
-                          </m:f>
-                        </m:sub>
-                        <m:sup>
-                          <m:r>
-                            <a:rPr lang="ru-RU" sz="2000" i="1">
-                              <a:latin typeface="Cambria Math" panose="02040503050406030204" pitchFamily="18" charset="0"/>
-                            </a:rPr>
-                            <m:t>𝑛</m:t>
-                          </m:r>
-                        </m:sup>
-                      </m:sSubSup>
-                      <m:r>
-                        <a:rPr lang="ru-RU" sz="2000" i="0">
-                          <a:latin typeface="Cambria Math" panose="02040503050406030204" pitchFamily="18" charset="0"/>
-                        </a:rPr>
-                        <m:t>−</m:t>
-                      </m:r>
-                      <m:f>
-                        <m:fPr>
-                          <m:ctrlPr>
-                            <a:rPr lang="ru-RU" sz="2000" i="1">
-                              <a:solidFill>
-                                <a:srgbClr val="836967"/>
-                              </a:solidFill>
-                              <a:latin typeface="Cambria Math" panose="02040503050406030204" pitchFamily="18" charset="0"/>
-                            </a:rPr>
-                          </m:ctrlPr>
-                        </m:fPr>
-                        <m:num>
-                          <m:sSup>
-                            <m:sSupPr>
-                              <m:ctrlPr>
-                                <a:rPr lang="ru-RU" sz="2000" i="1">
-                                  <a:solidFill>
-                                    <a:srgbClr val="836967"/>
-                                  </a:solidFill>
-                                  <a:latin typeface="Cambria Math" panose="02040503050406030204" pitchFamily="18" charset="0"/>
-                                </a:rPr>
-                              </m:ctrlPr>
-                            </m:sSupPr>
-                            <m:e>
-                              <m:r>
-                                <m:rPr>
-                                  <m:sty m:val="p"/>
-                                </m:rPr>
-                                <a:rPr lang="ru-RU" sz="2000" i="0">
-                                  <a:latin typeface="Cambria Math" panose="02040503050406030204" pitchFamily="18" charset="0"/>
-                                </a:rPr>
-                                <m:t>τ</m:t>
-                              </m:r>
-                            </m:e>
-                            <m:sup>
-                              <m:r>
-                                <a:rPr lang="ru-RU" sz="2000" i="1">
-                                  <a:latin typeface="Cambria Math" panose="02040503050406030204" pitchFamily="18" charset="0"/>
-                                </a:rPr>
-                                <m:t>𝑛</m:t>
-                              </m:r>
-                            </m:sup>
-                          </m:sSup>
-                        </m:num>
-                        <m:den>
-                          <m:sSub>
-                            <m:sSubPr>
-                              <m:ctrlPr>
-                                <a:rPr lang="ru-RU" sz="2000" i="1">
-                                  <a:solidFill>
-                                    <a:srgbClr val="836967"/>
-                                  </a:solidFill>
-                                  <a:latin typeface="Cambria Math" panose="02040503050406030204" pitchFamily="18" charset="0"/>
-                                </a:rPr>
-                              </m:ctrlPr>
-                            </m:sSubPr>
-                            <m:e>
-                              <m:r>
-                                <a:rPr lang="ru-RU" sz="2000" i="1">
-                                  <a:latin typeface="Cambria Math" panose="02040503050406030204" pitchFamily="18" charset="0"/>
-                                </a:rPr>
-                                <m:t>𝑞</m:t>
-                              </m:r>
-                            </m:e>
-                            <m:sub>
-                              <m:r>
-                                <a:rPr lang="ru-RU" sz="2000" i="1">
-                                  <a:latin typeface="Cambria Math" panose="02040503050406030204" pitchFamily="18" charset="0"/>
-                                </a:rPr>
-                                <m:t>𝑖</m:t>
-                              </m:r>
-                              <m:r>
-                                <a:rPr lang="ru-RU" sz="2000" i="0">
-                                  <a:latin typeface="Cambria Math" panose="02040503050406030204" pitchFamily="18" charset="0"/>
-                                </a:rPr>
-                                <m:t>+</m:t>
-                              </m:r>
-                              <m:f>
-                                <m:fPr>
-                                  <m:type m:val="lin"/>
-                                  <m:ctrlPr>
-                                    <a:rPr lang="ru-RU" sz="2000" i="1">
-                                      <a:latin typeface="Cambria Math" panose="02040503050406030204" pitchFamily="18" charset="0"/>
-                                    </a:rPr>
-                                  </m:ctrlPr>
-                                </m:fPr>
-                                <m:num>
-                                  <m:r>
-                                    <a:rPr lang="ru-RU" sz="2000" i="0">
-                                      <a:latin typeface="Cambria Math" panose="02040503050406030204" pitchFamily="18" charset="0"/>
-                                    </a:rPr>
-                                    <m:t>1</m:t>
-                                  </m:r>
-                                </m:num>
-                                <m:den>
-                                  <m:r>
-                                    <a:rPr lang="ru-RU" sz="2000" i="0">
-                                      <a:latin typeface="Cambria Math" panose="02040503050406030204" pitchFamily="18" charset="0"/>
-                                    </a:rPr>
-                                    <m:t>2</m:t>
-                                  </m:r>
-                                </m:den>
-                              </m:f>
-                            </m:sub>
-                          </m:sSub>
-                        </m:den>
-                      </m:f>
-                      <m:f>
-                        <m:fPr>
-                          <m:ctrlPr>
-                            <a:rPr lang="ru-RU" sz="2000" i="1">
-                              <a:solidFill>
-                                <a:srgbClr val="836967"/>
-                              </a:solidFill>
-                              <a:latin typeface="Cambria Math" panose="02040503050406030204" pitchFamily="18" charset="0"/>
-                            </a:rPr>
-                          </m:ctrlPr>
-                        </m:fPr>
-                        <m:num>
-                          <m:sSubSup>
-                            <m:sSubSupPr>
-                              <m:ctrlPr>
-                                <a:rPr lang="ru-RU" sz="2000" i="1">
-                                  <a:solidFill>
-                                    <a:srgbClr val="836967"/>
-                                  </a:solidFill>
-                                  <a:latin typeface="Cambria Math" panose="02040503050406030204" pitchFamily="18" charset="0"/>
-                                </a:rPr>
-                              </m:ctrlPr>
-                            </m:sSubSupPr>
-                            <m:e>
-                              <m:r>
-                                <a:rPr lang="ru-RU" sz="2000" i="1">
-                                  <a:latin typeface="Cambria Math" panose="02040503050406030204" pitchFamily="18" charset="0"/>
-                                </a:rPr>
-                                <m:t>𝑝</m:t>
-                              </m:r>
-                            </m:e>
-                            <m:sub>
-                              <m:r>
-                                <a:rPr lang="ru-RU" sz="2000" i="1">
-                                  <a:latin typeface="Cambria Math" panose="02040503050406030204" pitchFamily="18" charset="0"/>
-                                </a:rPr>
-                                <m:t>𝑖</m:t>
-                              </m:r>
-                              <m:r>
-                                <a:rPr lang="ru-RU" sz="2000" i="0">
-                                  <a:latin typeface="Cambria Math" panose="02040503050406030204" pitchFamily="18" charset="0"/>
-                                </a:rPr>
-                                <m:t>+</m:t>
-                              </m:r>
-                              <m:f>
-                                <m:fPr>
-                                  <m:type m:val="lin"/>
-                                  <m:ctrlPr>
-                                    <a:rPr lang="ru-RU" sz="2000" i="1">
-                                      <a:latin typeface="Cambria Math" panose="02040503050406030204" pitchFamily="18" charset="0"/>
-                                    </a:rPr>
-                                  </m:ctrlPr>
-                                </m:fPr>
-                                <m:num>
-                                  <m:r>
-                                    <a:rPr lang="ru-RU" sz="2000" i="0">
-                                      <a:latin typeface="Cambria Math" panose="02040503050406030204" pitchFamily="18" charset="0"/>
-                                    </a:rPr>
-                                    <m:t>1</m:t>
-                                  </m:r>
-                                </m:num>
-                                <m:den>
-                                  <m:r>
-                                    <a:rPr lang="ru-RU" sz="2000" i="0">
-                                      <a:latin typeface="Cambria Math" panose="02040503050406030204" pitchFamily="18" charset="0"/>
-                                    </a:rPr>
-                                    <m:t>2</m:t>
-                                  </m:r>
-                                </m:den>
-                              </m:f>
-                            </m:sub>
-                            <m:sup>
-                              <m:r>
-                                <a:rPr lang="ru-RU" sz="2000" i="1">
-                                  <a:latin typeface="Cambria Math" panose="02040503050406030204" pitchFamily="18" charset="0"/>
-                                </a:rPr>
-                                <m:t>𝑛</m:t>
-                              </m:r>
-                              <m:r>
-                                <a:rPr lang="ru-RU" sz="2000" i="0">
-                                  <a:latin typeface="Cambria Math" panose="02040503050406030204" pitchFamily="18" charset="0"/>
-                                </a:rPr>
-                                <m:t>+1</m:t>
-                              </m:r>
-                            </m:sup>
-                          </m:sSubSup>
-                          <m:r>
-                            <a:rPr lang="ru-RU" sz="2000" i="0">
-                              <a:latin typeface="Cambria Math" panose="02040503050406030204" pitchFamily="18" charset="0"/>
-                            </a:rPr>
-                            <m:t>+</m:t>
-                          </m:r>
-                          <m:sSubSup>
-                            <m:sSubSupPr>
-                              <m:ctrlPr>
-                                <a:rPr lang="ru-RU" sz="2000" i="1">
-                                  <a:solidFill>
-                                    <a:srgbClr val="836967"/>
-                                  </a:solidFill>
-                                  <a:latin typeface="Cambria Math" panose="02040503050406030204" pitchFamily="18" charset="0"/>
-                                </a:rPr>
-                              </m:ctrlPr>
-                            </m:sSubSupPr>
-                            <m:e>
-                              <m:r>
-                                <a:rPr lang="ru-RU" sz="2000" i="1">
-                                  <a:latin typeface="Cambria Math" panose="02040503050406030204" pitchFamily="18" charset="0"/>
-                                </a:rPr>
-                                <m:t>𝑝</m:t>
-                              </m:r>
-                            </m:e>
-                            <m:sub>
-                              <m:r>
-                                <a:rPr lang="ru-RU" sz="2000" i="1">
-                                  <a:latin typeface="Cambria Math" panose="02040503050406030204" pitchFamily="18" charset="0"/>
-                                </a:rPr>
-                                <m:t>𝑖</m:t>
-                              </m:r>
-                              <m:r>
-                                <a:rPr lang="ru-RU" sz="2000" i="0">
-                                  <a:latin typeface="Cambria Math" panose="02040503050406030204" pitchFamily="18" charset="0"/>
-                                </a:rPr>
-                                <m:t>+</m:t>
-                              </m:r>
-                              <m:f>
-                                <m:fPr>
-                                  <m:type m:val="lin"/>
-                                  <m:ctrlPr>
-                                    <a:rPr lang="ru-RU" sz="2000" i="1">
-                                      <a:latin typeface="Cambria Math" panose="02040503050406030204" pitchFamily="18" charset="0"/>
-                                    </a:rPr>
-                                  </m:ctrlPr>
-                                </m:fPr>
-                                <m:num>
-                                  <m:r>
-                                    <a:rPr lang="ru-RU" sz="2000" i="0">
-                                      <a:latin typeface="Cambria Math" panose="02040503050406030204" pitchFamily="18" charset="0"/>
-                                    </a:rPr>
-                                    <m:t>1</m:t>
-                                  </m:r>
-                                </m:num>
-                                <m:den>
-                                  <m:r>
-                                    <a:rPr lang="ru-RU" sz="2000" i="0">
-                                      <a:latin typeface="Cambria Math" panose="02040503050406030204" pitchFamily="18" charset="0"/>
-                                    </a:rPr>
-                                    <m:t>2</m:t>
-                                  </m:r>
-                                </m:den>
-                              </m:f>
-                            </m:sub>
-                            <m:sup>
-                              <m:r>
-                                <a:rPr lang="ru-RU" sz="2000" i="1">
-                                  <a:latin typeface="Cambria Math" panose="02040503050406030204" pitchFamily="18" charset="0"/>
-                                </a:rPr>
-                                <m:t>𝑛</m:t>
-                              </m:r>
-                            </m:sup>
-                          </m:sSubSup>
-                        </m:num>
-                        <m:den>
-                          <m:r>
-                            <a:rPr lang="ru-RU" sz="2000" i="0">
-                              <a:latin typeface="Cambria Math" panose="02040503050406030204" pitchFamily="18" charset="0"/>
-                            </a:rPr>
-                            <m:t>2</m:t>
-                          </m:r>
-                        </m:den>
-                      </m:f>
-                      <m:d>
-                        <m:dPr>
-                          <m:ctrlPr>
-                            <a:rPr lang="ru-RU" sz="2000" i="1">
-                              <a:solidFill>
-                                <a:srgbClr val="836967"/>
-                              </a:solidFill>
-                              <a:latin typeface="Cambria Math" panose="02040503050406030204" pitchFamily="18" charset="0"/>
-                            </a:rPr>
-                          </m:ctrlPr>
-                        </m:dPr>
-                        <m:e>
-                          <m:sSubSup>
-                            <m:sSubSupPr>
-                              <m:ctrlPr>
-                                <a:rPr lang="ru-RU" sz="2000" i="1">
-                                  <a:solidFill>
-                                    <a:srgbClr val="836967"/>
-                                  </a:solidFill>
-                                  <a:latin typeface="Cambria Math" panose="02040503050406030204" pitchFamily="18" charset="0"/>
-                                </a:rPr>
-                              </m:ctrlPr>
-                            </m:sSubSupPr>
-                            <m:e>
-                              <m:r>
-                                <a:rPr lang="ru-RU" sz="2000" i="1">
-                                  <a:latin typeface="Cambria Math" panose="02040503050406030204" pitchFamily="18" charset="0"/>
-                                </a:rPr>
-                                <m:t>𝑣</m:t>
-                              </m:r>
-                            </m:e>
-                            <m:sub>
-                              <m:r>
-                                <a:rPr lang="ru-RU" sz="2000" i="1">
-                                  <a:latin typeface="Cambria Math" panose="02040503050406030204" pitchFamily="18" charset="0"/>
-                                </a:rPr>
-                                <m:t>𝑖</m:t>
-                              </m:r>
-                              <m:r>
-                                <a:rPr lang="ru-RU" sz="2000" i="0">
-                                  <a:latin typeface="Cambria Math" panose="02040503050406030204" pitchFamily="18" charset="0"/>
-                                </a:rPr>
-                                <m:t>+1</m:t>
-                              </m:r>
-                            </m:sub>
-                            <m:sup>
-                              <m:r>
-                                <a:rPr lang="ru-RU" sz="2000" i="1">
-                                  <a:latin typeface="Cambria Math" panose="02040503050406030204" pitchFamily="18" charset="0"/>
-                                </a:rPr>
-                                <m:t>𝑛</m:t>
-                              </m:r>
-                              <m:r>
-                                <a:rPr lang="ru-RU" sz="2000" i="0">
-                                  <a:latin typeface="Cambria Math" panose="02040503050406030204" pitchFamily="18" charset="0"/>
-                                </a:rPr>
-                                <m:t>+1</m:t>
-                              </m:r>
-                            </m:sup>
-                          </m:sSubSup>
-                          <m:r>
-                            <a:rPr lang="ru-RU" sz="2000" i="0">
-                              <a:latin typeface="Cambria Math" panose="02040503050406030204" pitchFamily="18" charset="0"/>
-                            </a:rPr>
-                            <m:t>−</m:t>
-                          </m:r>
-                          <m:sSubSup>
-                            <m:sSubSupPr>
-                              <m:ctrlPr>
-                                <a:rPr lang="ru-RU" sz="2000" i="1">
-                                  <a:solidFill>
-                                    <a:srgbClr val="836967"/>
-                                  </a:solidFill>
-                                  <a:latin typeface="Cambria Math" panose="02040503050406030204" pitchFamily="18" charset="0"/>
-                                </a:rPr>
-                              </m:ctrlPr>
-                            </m:sSubSupPr>
-                            <m:e>
-                              <m:r>
-                                <a:rPr lang="ru-RU" sz="2000" i="1">
-                                  <a:latin typeface="Cambria Math" panose="02040503050406030204" pitchFamily="18" charset="0"/>
-                                </a:rPr>
-                                <m:t>𝑣</m:t>
-                              </m:r>
-                            </m:e>
-                            <m:sub>
-                              <m:r>
-                                <a:rPr lang="ru-RU" sz="2000" i="1">
-                                  <a:latin typeface="Cambria Math" panose="02040503050406030204" pitchFamily="18" charset="0"/>
-                                </a:rPr>
-                                <m:t>𝑖</m:t>
-                              </m:r>
-                            </m:sub>
-                            <m:sup>
-                              <m:r>
-                                <a:rPr lang="ru-RU" sz="2000" i="1">
-                                  <a:latin typeface="Cambria Math" panose="02040503050406030204" pitchFamily="18" charset="0"/>
-                                </a:rPr>
-                                <m:t>𝑛</m:t>
-                              </m:r>
-                              <m:r>
-                                <a:rPr lang="ru-RU" sz="2000" i="0">
-                                  <a:latin typeface="Cambria Math" panose="02040503050406030204" pitchFamily="18" charset="0"/>
-                                </a:rPr>
-                                <m:t>+1</m:t>
-                              </m:r>
-                            </m:sup>
-                          </m:sSubSup>
-                        </m:e>
-                      </m:d>
-                    </m:oMath>
-                  </m:oMathPara>
-                </a14:m>
-                <a:endParaRPr lang="ru-RU" sz="2000" dirty="0"/>
-              </a:p>
-            </p:txBody>
-          </p:sp>
-        </mc:Choice>
-        <mc:Fallback xmlns="">
-          <p:sp>
-            <p:nvSpPr>
-              <p:cNvPr id="35" name="TextBox 34">
-                <a:extLst>
-                  <a:ext uri="{FF2B5EF4-FFF2-40B4-BE49-F238E27FC236}">
-                    <a16:creationId xmlns:a16="http://schemas.microsoft.com/office/drawing/2014/main" id="{D3FE0158-9899-4C99-B141-1EC13F9B87E2}"/>
-                  </a:ext>
-                </a:extLst>
-              </p:cNvPr>
-              <p:cNvSpPr txBox="1">
-                <a:spLocks noRot="1" noChangeAspect="1" noMove="1" noResize="1" noEditPoints="1" noAdjustHandles="1" noChangeArrowheads="1" noChangeShapeType="1" noTextEdit="1"/>
-              </p:cNvSpPr>
-              <p:nvPr/>
-            </p:nvSpPr>
-            <p:spPr>
-              <a:xfrm>
-                <a:off x="5827776" y="4289174"/>
-                <a:ext cx="6364224" cy="826637"/>
-              </a:xfrm>
-              <a:prstGeom prst="rect">
-                <a:avLst/>
-              </a:prstGeom>
-              <a:blipFill>
-                <a:blip r:embed="rId11"/>
-                <a:stretch>
-                  <a:fillRect/>
-                </a:stretch>
-              </a:blipFill>
-            </p:spPr>
-            <p:txBody>
-              <a:bodyPr/>
-              <a:lstStyle/>
-              <a:p>
-                <a:r>
-                  <a:rPr lang="ru-RU">
-                    <a:noFill/>
-                  </a:rPr>
-                  <a:t> </a:t>
-                </a:r>
-              </a:p>
-            </p:txBody>
-          </p:sp>
-        </mc:Fallback>
-      </mc:AlternateContent>
-      <mc:AlternateContent xmlns:mc="http://schemas.openxmlformats.org/markup-compatibility/2006" xmlns:a14="http://schemas.microsoft.com/office/drawing/2010/main">
-        <mc:Choice Requires="a14">
-          <p:sp>
-            <p:nvSpPr>
-              <p:cNvPr id="37" name="TextBox 36">
-                <a:extLst>
-                  <a:ext uri="{FF2B5EF4-FFF2-40B4-BE49-F238E27FC236}">
-                    <a16:creationId xmlns:a16="http://schemas.microsoft.com/office/drawing/2014/main" id="{F8500443-33AE-4FFA-838D-EB16ECDDD600}"/>
-                  </a:ext>
-                </a:extLst>
-              </p:cNvPr>
-              <p:cNvSpPr txBox="1"/>
-              <p:nvPr/>
-            </p:nvSpPr>
-            <p:spPr>
-              <a:xfrm>
-                <a:off x="6096000" y="5241057"/>
-                <a:ext cx="6096000" cy="456920"/>
-              </a:xfrm>
-              <a:prstGeom prst="rect">
-                <a:avLst/>
-              </a:prstGeom>
-              <a:noFill/>
-            </p:spPr>
-            <p:txBody>
-              <a:bodyPr wrap="square">
-                <a:spAutoFit/>
-              </a:bodyPr>
-              <a:lstStyle/>
-              <a:p>
-                <a:pPr/>
-                <a14:m>
-                  <m:oMathPara xmlns:m="http://schemas.openxmlformats.org/officeDocument/2006/math">
-                    <m:oMathParaPr>
-                      <m:jc m:val="centerGroup"/>
-                    </m:oMathParaPr>
-                    <m:oMath xmlns:m="http://schemas.openxmlformats.org/officeDocument/2006/math">
-                      <m:sSubSup>
-                        <m:sSubSupPr>
-                          <m:ctrlPr>
-                            <a:rPr lang="ru-RU" sz="2000" i="1" smtClean="0">
-                              <a:solidFill>
-                                <a:srgbClr val="836967"/>
-                              </a:solidFill>
-                              <a:latin typeface="Cambria Math" panose="02040503050406030204" pitchFamily="18" charset="0"/>
-                            </a:rPr>
-                          </m:ctrlPr>
-                        </m:sSubSupPr>
-                        <m:e>
-                          <m:r>
-                            <a:rPr lang="ru-RU" sz="2000" i="1">
-                              <a:latin typeface="Cambria Math" panose="02040503050406030204" pitchFamily="18" charset="0"/>
-                            </a:rPr>
-                            <m:t>𝑝</m:t>
-                          </m:r>
-                        </m:e>
-                        <m:sub>
-                          <m:r>
-                            <a:rPr lang="ru-RU" sz="2000" i="1">
-                              <a:latin typeface="Cambria Math" panose="02040503050406030204" pitchFamily="18" charset="0"/>
-                            </a:rPr>
-                            <m:t>𝑖</m:t>
-                          </m:r>
-                          <m:r>
-                            <a:rPr lang="ru-RU" sz="2000" i="0">
-                              <a:latin typeface="Cambria Math" panose="02040503050406030204" pitchFamily="18" charset="0"/>
-                            </a:rPr>
-                            <m:t>+</m:t>
-                          </m:r>
-                          <m:f>
-                            <m:fPr>
-                              <m:type m:val="lin"/>
-                              <m:ctrlPr>
-                                <a:rPr lang="ru-RU" sz="2000" i="1">
-                                  <a:latin typeface="Cambria Math" panose="02040503050406030204" pitchFamily="18" charset="0"/>
-                                </a:rPr>
-                              </m:ctrlPr>
-                            </m:fPr>
-                            <m:num>
-                              <m:r>
-                                <a:rPr lang="ru-RU" sz="2000" i="0">
-                                  <a:latin typeface="Cambria Math" panose="02040503050406030204" pitchFamily="18" charset="0"/>
-                                </a:rPr>
-                                <m:t>1</m:t>
-                              </m:r>
-                            </m:num>
-                            <m:den>
-                              <m:r>
-                                <a:rPr lang="ru-RU" sz="2000" i="0">
-                                  <a:latin typeface="Cambria Math" panose="02040503050406030204" pitchFamily="18" charset="0"/>
-                                </a:rPr>
-                                <m:t>2</m:t>
-                              </m:r>
-                            </m:den>
-                          </m:f>
-                        </m:sub>
-                        <m:sup>
-                          <m:r>
-                            <a:rPr lang="ru-RU" sz="2000" i="1">
-                              <a:latin typeface="Cambria Math" panose="02040503050406030204" pitchFamily="18" charset="0"/>
-                            </a:rPr>
-                            <m:t>𝑛</m:t>
-                          </m:r>
-                          <m:r>
-                            <a:rPr lang="ru-RU" sz="2000" i="0">
-                              <a:latin typeface="Cambria Math" panose="02040503050406030204" pitchFamily="18" charset="0"/>
-                            </a:rPr>
-                            <m:t>+1</m:t>
-                          </m:r>
-                        </m:sup>
-                      </m:sSubSup>
-                      <m:r>
-                        <a:rPr lang="ru-RU" sz="2000" i="0">
-                          <a:latin typeface="Cambria Math" panose="02040503050406030204" pitchFamily="18" charset="0"/>
-                        </a:rPr>
-                        <m:t>=(</m:t>
-                      </m:r>
-                      <m:r>
-                        <a:rPr lang="ru-RU" sz="2000" i="1">
-                          <a:latin typeface="Cambria Math" panose="02040503050406030204" pitchFamily="18" charset="0"/>
-                        </a:rPr>
-                        <m:t>𝑘</m:t>
-                      </m:r>
-                      <m:r>
-                        <a:rPr lang="ru-RU" sz="2000" i="0">
-                          <a:latin typeface="Cambria Math" panose="02040503050406030204" pitchFamily="18" charset="0"/>
-                        </a:rPr>
-                        <m:t>−1)</m:t>
-                      </m:r>
-                      <m:sSubSup>
-                        <m:sSubSupPr>
-                          <m:ctrlPr>
-                            <a:rPr lang="ru-RU" sz="2000" i="1">
-                              <a:solidFill>
-                                <a:srgbClr val="836967"/>
-                              </a:solidFill>
-                              <a:latin typeface="Cambria Math" panose="02040503050406030204" pitchFamily="18" charset="0"/>
-                            </a:rPr>
-                          </m:ctrlPr>
-                        </m:sSubSupPr>
-                        <m:e>
-                          <m:r>
-                            <m:rPr>
-                              <m:sty m:val="p"/>
-                            </m:rPr>
-                            <a:rPr lang="ru-RU" sz="2000" i="0">
-                              <a:latin typeface="Cambria Math" panose="02040503050406030204" pitchFamily="18" charset="0"/>
-                            </a:rPr>
-                            <m:t>ρ</m:t>
-                          </m:r>
-                        </m:e>
-                        <m:sub>
-                          <m:r>
-                            <a:rPr lang="ru-RU" sz="2000" i="1">
-                              <a:latin typeface="Cambria Math" panose="02040503050406030204" pitchFamily="18" charset="0"/>
-                            </a:rPr>
-                            <m:t>𝑖</m:t>
-                          </m:r>
-                          <m:r>
-                            <a:rPr lang="ru-RU" sz="2000" i="0">
-                              <a:latin typeface="Cambria Math" panose="02040503050406030204" pitchFamily="18" charset="0"/>
-                            </a:rPr>
-                            <m:t>+</m:t>
-                          </m:r>
-                          <m:f>
-                            <m:fPr>
-                              <m:type m:val="lin"/>
-                              <m:ctrlPr>
-                                <a:rPr lang="ru-RU" sz="2000" i="1">
-                                  <a:latin typeface="Cambria Math" panose="02040503050406030204" pitchFamily="18" charset="0"/>
-                                </a:rPr>
-                              </m:ctrlPr>
-                            </m:fPr>
-                            <m:num>
-                              <m:r>
-                                <a:rPr lang="ru-RU" sz="2000" i="0">
-                                  <a:latin typeface="Cambria Math" panose="02040503050406030204" pitchFamily="18" charset="0"/>
-                                </a:rPr>
-                                <m:t>1</m:t>
-                              </m:r>
-                            </m:num>
-                            <m:den>
-                              <m:r>
-                                <a:rPr lang="ru-RU" sz="2000" i="0">
-                                  <a:latin typeface="Cambria Math" panose="02040503050406030204" pitchFamily="18" charset="0"/>
-                                </a:rPr>
-                                <m:t>2</m:t>
-                              </m:r>
-                            </m:den>
-                          </m:f>
-                        </m:sub>
-                        <m:sup>
-                          <m:r>
-                            <a:rPr lang="ru-RU" sz="2000" i="1">
-                              <a:latin typeface="Cambria Math" panose="02040503050406030204" pitchFamily="18" charset="0"/>
-                            </a:rPr>
-                            <m:t>𝑛</m:t>
-                          </m:r>
-                          <m:r>
-                            <a:rPr lang="ru-RU" sz="2000" i="0">
-                              <a:latin typeface="Cambria Math" panose="02040503050406030204" pitchFamily="18" charset="0"/>
-                            </a:rPr>
-                            <m:t>+1</m:t>
-                          </m:r>
-                        </m:sup>
-                      </m:sSubSup>
-                      <m:sSubSup>
-                        <m:sSubSupPr>
-                          <m:ctrlPr>
-                            <a:rPr lang="ru-RU" sz="2000" i="1">
-                              <a:solidFill>
-                                <a:srgbClr val="836967"/>
-                              </a:solidFill>
-                              <a:latin typeface="Cambria Math" panose="02040503050406030204" pitchFamily="18" charset="0"/>
-                            </a:rPr>
-                          </m:ctrlPr>
-                        </m:sSubSupPr>
-                        <m:e>
-                          <m:r>
-                            <m:rPr>
-                              <m:sty m:val="p"/>
-                            </m:rPr>
-                            <a:rPr lang="ru-RU" sz="2000" i="0">
-                              <a:latin typeface="Cambria Math" panose="02040503050406030204" pitchFamily="18" charset="0"/>
-                            </a:rPr>
-                            <m:t>ε</m:t>
-                          </m:r>
-                        </m:e>
-                        <m:sub>
-                          <m:r>
-                            <a:rPr lang="ru-RU" sz="2000" i="1">
-                              <a:latin typeface="Cambria Math" panose="02040503050406030204" pitchFamily="18" charset="0"/>
-                            </a:rPr>
-                            <m:t>𝑖</m:t>
-                          </m:r>
-                          <m:r>
-                            <a:rPr lang="ru-RU" sz="2000" i="0">
-                              <a:latin typeface="Cambria Math" panose="02040503050406030204" pitchFamily="18" charset="0"/>
-                            </a:rPr>
-                            <m:t>+</m:t>
-                          </m:r>
-                          <m:f>
-                            <m:fPr>
-                              <m:type m:val="lin"/>
-                              <m:ctrlPr>
-                                <a:rPr lang="ru-RU" sz="2000" i="1">
-                                  <a:latin typeface="Cambria Math" panose="02040503050406030204" pitchFamily="18" charset="0"/>
-                                </a:rPr>
-                              </m:ctrlPr>
-                            </m:fPr>
-                            <m:num>
-                              <m:r>
-                                <a:rPr lang="ru-RU" sz="2000" i="0">
-                                  <a:latin typeface="Cambria Math" panose="02040503050406030204" pitchFamily="18" charset="0"/>
-                                </a:rPr>
-                                <m:t>1</m:t>
-                              </m:r>
-                            </m:num>
-                            <m:den>
-                              <m:r>
-                                <a:rPr lang="ru-RU" sz="2000" i="0">
-                                  <a:latin typeface="Cambria Math" panose="02040503050406030204" pitchFamily="18" charset="0"/>
-                                </a:rPr>
-                                <m:t>2</m:t>
-                              </m:r>
-                            </m:den>
-                          </m:f>
-                        </m:sub>
-                        <m:sup>
-                          <m:r>
-                            <a:rPr lang="ru-RU" sz="2000" i="1">
-                              <a:latin typeface="Cambria Math" panose="02040503050406030204" pitchFamily="18" charset="0"/>
-                            </a:rPr>
-                            <m:t>𝑛</m:t>
-                          </m:r>
-                          <m:r>
-                            <a:rPr lang="ru-RU" sz="2000" i="0">
-                              <a:latin typeface="Cambria Math" panose="02040503050406030204" pitchFamily="18" charset="0"/>
-                            </a:rPr>
-                            <m:t>+1</m:t>
-                          </m:r>
-                        </m:sup>
-                      </m:sSubSup>
-                    </m:oMath>
-                  </m:oMathPara>
-                </a14:m>
-                <a:endParaRPr lang="ru-RU" sz="2000" dirty="0"/>
-              </a:p>
-            </p:txBody>
-          </p:sp>
-        </mc:Choice>
-        <mc:Fallback xmlns="">
-          <p:sp>
-            <p:nvSpPr>
-              <p:cNvPr id="37" name="TextBox 36">
-                <a:extLst>
-                  <a:ext uri="{FF2B5EF4-FFF2-40B4-BE49-F238E27FC236}">
-                    <a16:creationId xmlns:a16="http://schemas.microsoft.com/office/drawing/2014/main" id="{F8500443-33AE-4FFA-838D-EB16ECDDD600}"/>
-                  </a:ext>
-                </a:extLst>
-              </p:cNvPr>
-              <p:cNvSpPr txBox="1">
-                <a:spLocks noRot="1" noChangeAspect="1" noMove="1" noResize="1" noEditPoints="1" noAdjustHandles="1" noChangeArrowheads="1" noChangeShapeType="1" noTextEdit="1"/>
-              </p:cNvSpPr>
-              <p:nvPr/>
-            </p:nvSpPr>
-            <p:spPr>
-              <a:xfrm>
-                <a:off x="6096000" y="5241057"/>
-                <a:ext cx="6096000" cy="456920"/>
-              </a:xfrm>
-              <a:prstGeom prst="rect">
-                <a:avLst/>
-              </a:prstGeom>
-              <a:blipFill>
-                <a:blip r:embed="rId12"/>
-                <a:stretch>
-                  <a:fillRect t="-41333" b="-121333"/>
-                </a:stretch>
-              </a:blipFill>
-            </p:spPr>
-            <p:txBody>
-              <a:bodyPr/>
-              <a:lstStyle/>
-              <a:p>
-                <a:r>
-                  <a:rPr lang="ru-RU">
-                    <a:noFill/>
-                  </a:rPr>
-                  <a:t> </a:t>
-                </a:r>
-              </a:p>
-            </p:txBody>
-          </p:sp>
-        </mc:Fallback>
-      </mc:AlternateContent>
+      </p:pic>
     </p:spTree>
     <p:extLst>
       <p:ext uri="{BB962C8B-B14F-4D97-AF65-F5344CB8AC3E}">
-        <p14:creationId xmlns:p14="http://schemas.microsoft.com/office/powerpoint/2010/main" val="531866799"/>
+        <p14:creationId xmlns:p14="http://schemas.microsoft.com/office/powerpoint/2010/main" val="2690606930"/>
       </p:ext>
     </p:extLst>
   </p:cSld>
@@ -10929,10 +7643,10 @@
       </p:grpSpPr>
       <p:sp>
         <p:nvSpPr>
-          <p:cNvPr id="11" name="Прямоугольник: скругленные верхние углы 10">
-            <a:extLst>
-              <a:ext uri="{FF2B5EF4-FFF2-40B4-BE49-F238E27FC236}">
-                <a16:creationId xmlns:a16="http://schemas.microsoft.com/office/drawing/2014/main" id="{1FA4E906-1A27-46F7-B848-6D29FFDD0562}"/>
+          <p:cNvPr id="4" name="Прямоугольник 3">
+            <a:extLst>
+              <a:ext uri="{FF2B5EF4-FFF2-40B4-BE49-F238E27FC236}">
+                <a16:creationId xmlns:a16="http://schemas.microsoft.com/office/drawing/2014/main" id="{5ECE0D18-20DF-4B2E-8AC5-54515F52E3D6}"/>
               </a:ext>
             </a:extLst>
           </p:cNvPr>
@@ -10940,22 +7654,20 @@
           <p:nvPr/>
         </p:nvSpPr>
         <p:spPr>
-          <a:xfrm rot="10800000">
-            <a:off x="890016" y="1463414"/>
-            <a:ext cx="9972714" cy="4476963"/>
-          </a:xfrm>
-          <a:prstGeom prst="round2SameRect">
+          <a:xfrm>
+            <a:off x="0" y="0"/>
+            <a:ext cx="12192000" cy="1170813"/>
+          </a:xfrm>
+          <a:prstGeom prst="rect">
             <a:avLst/>
           </a:prstGeom>
           <a:solidFill>
-            <a:schemeClr val="bg1"/>
+            <a:schemeClr val="accent1">
+              <a:lumMod val="50000"/>
+            </a:schemeClr>
           </a:solidFill>
           <a:ln>
-            <a:solidFill>
-              <a:schemeClr val="accent1">
-                <a:lumMod val="50000"/>
-              </a:schemeClr>
-            </a:solidFill>
+            <a:noFill/>
           </a:ln>
         </p:spPr>
         <p:style>
@@ -10978,17 +7690,23 @@
           <a:bodyPr rtlCol="0" anchor="ctr"/>
           <a:lstStyle/>
           <a:p>
-            <a:pPr algn="ctr"/>
-            <a:endParaRPr lang="ru-RU"/>
-          </a:p>
-        </p:txBody>
-      </p:sp>
-      <p:sp>
-        <p:nvSpPr>
-          <p:cNvPr id="4" name="Прямоугольник 3">
-            <a:extLst>
-              <a:ext uri="{FF2B5EF4-FFF2-40B4-BE49-F238E27FC236}">
-                <a16:creationId xmlns:a16="http://schemas.microsoft.com/office/drawing/2014/main" id="{5ECE0D18-20DF-4B2E-8AC5-54515F52E3D6}"/>
+            <a:pPr algn="just"/>
+            <a:r>
+              <a:rPr lang="ru-RU" sz="3600" dirty="0">
+                <a:latin typeface="Times New Roman" panose="02020603050405020304" pitchFamily="18" charset="0"/>
+                <a:cs typeface="Times New Roman" panose="02020603050405020304" pitchFamily="18" charset="0"/>
+              </a:rPr>
+              <a:t>	Метод численного решения задачи Лагранжа</a:t>
+            </a:r>
+          </a:p>
+        </p:txBody>
+      </p:sp>
+      <p:sp>
+        <p:nvSpPr>
+          <p:cNvPr id="5" name="Прямоугольник 4">
+            <a:extLst>
+              <a:ext uri="{FF2B5EF4-FFF2-40B4-BE49-F238E27FC236}">
+                <a16:creationId xmlns:a16="http://schemas.microsoft.com/office/drawing/2014/main" id="{08C9DD33-DA0F-41EF-B5A0-CB849668BD3B}"/>
               </a:ext>
             </a:extLst>
           </p:cNvPr>
@@ -10997,8 +7715,8 @@
         </p:nvSpPr>
         <p:spPr>
           <a:xfrm>
-            <a:off x="0" y="0"/>
-            <a:ext cx="12192000" cy="1170813"/>
+            <a:off x="0" y="6232979"/>
+            <a:ext cx="12192000" cy="625021"/>
           </a:xfrm>
           <a:prstGeom prst="rect">
             <a:avLst/>
@@ -11008,9 +7726,6 @@
               <a:lumMod val="50000"/>
             </a:schemeClr>
           </a:solidFill>
-          <a:ln>
-            <a:noFill/>
-          </a:ln>
         </p:spPr>
         <p:style>
           <a:lnRef idx="2">
@@ -11033,68 +7748,12 @@
           <a:lstStyle/>
           <a:p>
             <a:r>
-              <a:rPr lang="ru-RU" sz="3600" dirty="0">
-                <a:latin typeface="Times New Roman" panose="02020603050405020304" pitchFamily="18" charset="0"/>
-                <a:cs typeface="Times New Roman" panose="02020603050405020304" pitchFamily="18" charset="0"/>
-              </a:rPr>
-              <a:t>	Проверка правильности работы программы</a:t>
-            </a:r>
-          </a:p>
-        </p:txBody>
-      </p:sp>
-      <p:sp>
-        <p:nvSpPr>
-          <p:cNvPr id="5" name="Прямоугольник 4">
-            <a:extLst>
-              <a:ext uri="{FF2B5EF4-FFF2-40B4-BE49-F238E27FC236}">
-                <a16:creationId xmlns:a16="http://schemas.microsoft.com/office/drawing/2014/main" id="{08C9DD33-DA0F-41EF-B5A0-CB849668BD3B}"/>
-              </a:ext>
-            </a:extLst>
-          </p:cNvPr>
-          <p:cNvSpPr/>
-          <p:nvPr/>
-        </p:nvSpPr>
-        <p:spPr>
-          <a:xfrm>
-            <a:off x="0" y="6232979"/>
-            <a:ext cx="12192000" cy="625021"/>
-          </a:xfrm>
-          <a:prstGeom prst="rect">
-            <a:avLst/>
-          </a:prstGeom>
-          <a:solidFill>
-            <a:schemeClr val="accent1">
-              <a:lumMod val="50000"/>
-            </a:schemeClr>
-          </a:solidFill>
-        </p:spPr>
-        <p:style>
-          <a:lnRef idx="2">
-            <a:schemeClr val="accent1">
-              <a:shade val="50000"/>
-            </a:schemeClr>
-          </a:lnRef>
-          <a:fillRef idx="1">
-            <a:schemeClr val="accent1"/>
-          </a:fillRef>
-          <a:effectRef idx="0">
-            <a:schemeClr val="accent1"/>
-          </a:effectRef>
-          <a:fontRef idx="minor">
-            <a:schemeClr val="lt1"/>
-          </a:fontRef>
-        </p:style>
-        <p:txBody>
-          <a:bodyPr rtlCol="0" anchor="ctr"/>
-          <a:lstStyle/>
-          <a:p>
-            <a:r>
               <a:rPr lang="en-US" dirty="0">
                 <a:latin typeface="Times New Roman" panose="02020603050405020304" pitchFamily="18" charset="0"/>
                 <a:ea typeface="Tahoma" panose="020B0604030504040204" pitchFamily="34" charset="0"/>
                 <a:cs typeface="Times New Roman" panose="02020603050405020304" pitchFamily="18" charset="0"/>
               </a:rPr>
-              <a:t>               </a:t>
+              <a:t>              </a:t>
             </a:r>
             <a:r>
               <a:rPr lang="ru-RU" dirty="0">
@@ -11102,7 +7761,23 @@
                 <a:ea typeface="Tahoma" panose="020B0604030504040204" pitchFamily="34" charset="0"/>
                 <a:cs typeface="Times New Roman" panose="02020603050405020304" pitchFamily="18" charset="0"/>
               </a:rPr>
-              <a:t> МГТУ им. Н. Э. Баумана</a:t>
+              <a:t> </a:t>
+            </a:r>
+            <a:r>
+              <a:rPr lang="en-US" dirty="0">
+                <a:latin typeface="Times New Roman" panose="02020603050405020304" pitchFamily="18" charset="0"/>
+                <a:ea typeface="Tahoma" panose="020B0604030504040204" pitchFamily="34" charset="0"/>
+                <a:cs typeface="Times New Roman" panose="02020603050405020304" pitchFamily="18" charset="0"/>
+              </a:rPr>
+              <a:t> </a:t>
+            </a:r>
+            <a:r>
+              <a:rPr lang="ru-RU" dirty="0">
+                <a:latin typeface="Times New Roman" panose="02020603050405020304" pitchFamily="18" charset="0"/>
+                <a:ea typeface="Tahoma" panose="020B0604030504040204" pitchFamily="34" charset="0"/>
+                <a:cs typeface="Times New Roman" panose="02020603050405020304" pitchFamily="18" charset="0"/>
+              </a:rPr>
+              <a:t>МГТУ им. Н. Э. Баумана</a:t>
             </a:r>
           </a:p>
         </p:txBody>
@@ -11148,10 +7823,74 @@
       </p:pic>
       <p:sp>
         <p:nvSpPr>
-          <p:cNvPr id="6" name="TextBox 5">
-            <a:extLst>
-              <a:ext uri="{FF2B5EF4-FFF2-40B4-BE49-F238E27FC236}">
-                <a16:creationId xmlns:a16="http://schemas.microsoft.com/office/drawing/2014/main" id="{FA97D146-182C-4777-ABF4-00AE13487B07}"/>
+          <p:cNvPr id="17" name="Подзаголовок 2">
+            <a:extLst>
+              <a:ext uri="{FF2B5EF4-FFF2-40B4-BE49-F238E27FC236}">
+                <a16:creationId xmlns:a16="http://schemas.microsoft.com/office/drawing/2014/main" id="{9C6B3C6C-25FF-4480-9BE3-2BE9947922D5}"/>
+              </a:ext>
+            </a:extLst>
+          </p:cNvPr>
+          <p:cNvSpPr>
+            <a:spLocks noGrp="1"/>
+          </p:cNvSpPr>
+          <p:nvPr>
+            <p:ph type="subTitle" idx="1"/>
+          </p:nvPr>
+        </p:nvSpPr>
+        <p:spPr>
+          <a:xfrm>
+            <a:off x="0" y="1393902"/>
+            <a:ext cx="6096000" cy="515214"/>
+          </a:xfrm>
+        </p:spPr>
+        <p:txBody>
+          <a:bodyPr>
+            <a:normAutofit/>
+          </a:bodyPr>
+          <a:lstStyle/>
+          <a:p>
+            <a:pPr algn="just"/>
+            <a:r>
+              <a:rPr lang="ru-RU" sz="2000" dirty="0">
+                <a:latin typeface="Times New Roman" panose="02020603050405020304" pitchFamily="18" charset="0"/>
+                <a:cs typeface="Times New Roman" panose="02020603050405020304" pitchFamily="18" charset="0"/>
+              </a:rPr>
+              <a:t>	Массовая </a:t>
+            </a:r>
+            <a:r>
+              <a:rPr lang="ru-RU" sz="2000" dirty="0" err="1">
+                <a:latin typeface="Times New Roman" panose="02020603050405020304" pitchFamily="18" charset="0"/>
+                <a:cs typeface="Times New Roman" panose="02020603050405020304" pitchFamily="18" charset="0"/>
+              </a:rPr>
+              <a:t>Лагранжева</a:t>
+            </a:r>
+            <a:r>
+              <a:rPr lang="ru-RU" sz="2000" dirty="0">
+                <a:latin typeface="Times New Roman" panose="02020603050405020304" pitchFamily="18" charset="0"/>
+                <a:cs typeface="Times New Roman" panose="02020603050405020304" pitchFamily="18" charset="0"/>
+              </a:rPr>
+              <a:t> координата (МЛК)</a:t>
+            </a:r>
+            <a:r>
+              <a:rPr lang="en-US" sz="2000" dirty="0">
+                <a:latin typeface="Times New Roman" panose="02020603050405020304" pitchFamily="18" charset="0"/>
+                <a:cs typeface="Times New Roman" panose="02020603050405020304" pitchFamily="18" charset="0"/>
+              </a:rPr>
+              <a:t>:</a:t>
+            </a:r>
+            <a:endParaRPr lang="en-US" dirty="0">
+              <a:latin typeface="Times New Roman" panose="02020603050405020304" pitchFamily="18" charset="0"/>
+              <a:cs typeface="Times New Roman" panose="02020603050405020304" pitchFamily="18" charset="0"/>
+            </a:endParaRPr>
+          </a:p>
+        </p:txBody>
+      </p:sp>
+      <p:sp>
+        <p:nvSpPr>
+          <p:cNvPr id="20" name="TextBox 19">
+            <a:extLst>
+              <a:ext uri="{FF2B5EF4-FFF2-40B4-BE49-F238E27FC236}">
+                <a16:creationId xmlns:a16="http://schemas.microsoft.com/office/drawing/2014/main" id="{44194DB1-2FEA-4F21-945F-BF5C13246520}"/>
               </a:ext>
             </a:extLst>
           </p:cNvPr>
@@ -11183,7 +7922,7 @@
                 <a:latin typeface="Times New Roman" panose="02020603050405020304" pitchFamily="18" charset="0"/>
                 <a:cs typeface="Times New Roman" panose="02020603050405020304" pitchFamily="18" charset="0"/>
               </a:rPr>
-              <a:t>5	</a:t>
+              <a:t>4	</a:t>
             </a:r>
             <a:endParaRPr lang="ru-RU" dirty="0">
               <a:solidFill>
@@ -11197,175 +7936,128 @@
       </p:sp>
       <p:pic>
         <p:nvPicPr>
-          <p:cNvPr id="9" name="Рисунок 8">
-            <a:extLst>
-              <a:ext uri="{FF2B5EF4-FFF2-40B4-BE49-F238E27FC236}">
-                <a16:creationId xmlns:a16="http://schemas.microsoft.com/office/drawing/2014/main" id="{B6DC7AB8-C914-4CDA-9802-3E621F99E95F}"/>
-              </a:ext>
-            </a:extLst>
-          </p:cNvPr>
-          <p:cNvPicPr/>
+          <p:cNvPr id="2" name="Рисунок 1">
+            <a:extLst>
+              <a:ext uri="{FF2B5EF4-FFF2-40B4-BE49-F238E27FC236}">
+                <a16:creationId xmlns:a16="http://schemas.microsoft.com/office/drawing/2014/main" id="{258C7534-F5ED-9E86-0EC6-26E12EE4DA89}"/>
+              </a:ext>
+            </a:extLst>
+          </p:cNvPr>
+          <p:cNvPicPr>
+            <a:picLocks noChangeAspect="1"/>
+          </p:cNvPicPr>
           <p:nvPr/>
         </p:nvPicPr>
-        <p:blipFill rotWithShape="1">
+        <p:blipFill>
           <a:blip r:embed="rId4"/>
-          <a:srcRect l="692" t="1842" r="1214" b="2605"/>
-          <a:stretch/>
+          <a:stretch>
+            <a:fillRect/>
+          </a:stretch>
         </p:blipFill>
-        <p:spPr bwMode="auto">
-          <a:xfrm>
-            <a:off x="1032930" y="1586977"/>
-            <a:ext cx="4629912" cy="3234796"/>
+        <p:spPr>
+          <a:xfrm>
+            <a:off x="675215" y="1909116"/>
+            <a:ext cx="3224530" cy="1981200"/>
           </a:xfrm>
           <a:prstGeom prst="rect">
             <a:avLst/>
           </a:prstGeom>
-          <a:ln>
-            <a:noFill/>
-          </a:ln>
-          <a:extLst>
-            <a:ext uri="{53640926-AAD7-44D8-BBD7-CCE9431645EC}">
-              <a14:shadowObscured xmlns:a14="http://schemas.microsoft.com/office/drawing/2010/main"/>
-            </a:ext>
-          </a:extLst>
         </p:spPr>
       </p:pic>
       <p:pic>
         <p:nvPicPr>
-          <p:cNvPr id="10" name="Рисунок 9">
-            <a:extLst>
-              <a:ext uri="{FF2B5EF4-FFF2-40B4-BE49-F238E27FC236}">
-                <a16:creationId xmlns:a16="http://schemas.microsoft.com/office/drawing/2014/main" id="{D94DACD8-85B5-4606-A76F-B9850814E459}"/>
-              </a:ext>
-            </a:extLst>
-          </p:cNvPr>
-          <p:cNvPicPr/>
+          <p:cNvPr id="3" name="Рисунок 2">
+            <a:extLst>
+              <a:ext uri="{FF2B5EF4-FFF2-40B4-BE49-F238E27FC236}">
+                <a16:creationId xmlns:a16="http://schemas.microsoft.com/office/drawing/2014/main" id="{F12FBFEE-A9F7-250E-6152-20B435ABEC4D}"/>
+              </a:ext>
+            </a:extLst>
+          </p:cNvPr>
+          <p:cNvPicPr>
+            <a:picLocks noChangeAspect="1"/>
+          </p:cNvPicPr>
           <p:nvPr/>
         </p:nvPicPr>
-        <p:blipFill rotWithShape="1">
+        <p:blipFill>
           <a:blip r:embed="rId5"/>
-          <a:srcRect t="1238" b="2200"/>
-          <a:stretch/>
+          <a:stretch>
+            <a:fillRect/>
+          </a:stretch>
         </p:blipFill>
         <p:spPr>
           <a:xfrm>
-            <a:off x="5876372" y="1592161"/>
-            <a:ext cx="4779435" cy="3229612"/>
+            <a:off x="4289123" y="2036960"/>
+            <a:ext cx="3134360" cy="1973580"/>
           </a:xfrm>
           <a:prstGeom prst="rect">
             <a:avLst/>
           </a:prstGeom>
         </p:spPr>
       </p:pic>
-      <p:sp>
-        <p:nvSpPr>
-          <p:cNvPr id="12" name="TextBox 11">
-            <a:extLst>
-              <a:ext uri="{FF2B5EF4-FFF2-40B4-BE49-F238E27FC236}">
-                <a16:creationId xmlns:a16="http://schemas.microsoft.com/office/drawing/2014/main" id="{23668B86-C396-47EB-8697-FFCF1C839970}"/>
-              </a:ext>
-            </a:extLst>
-          </p:cNvPr>
-          <p:cNvSpPr txBox="1"/>
+      <p:pic>
+        <p:nvPicPr>
+          <p:cNvPr id="6" name="Рисунок 5">
+            <a:extLst>
+              <a:ext uri="{FF2B5EF4-FFF2-40B4-BE49-F238E27FC236}">
+                <a16:creationId xmlns:a16="http://schemas.microsoft.com/office/drawing/2014/main" id="{D501D85A-210F-764A-4CE1-DF3EB40CB61A}"/>
+              </a:ext>
+            </a:extLst>
+          </p:cNvPr>
+          <p:cNvPicPr>
+            <a:picLocks noChangeAspect="1"/>
+          </p:cNvPicPr>
           <p:nvPr/>
-        </p:nvSpPr>
-        <p:spPr>
-          <a:xfrm>
-            <a:off x="2217420" y="5039348"/>
-            <a:ext cx="7757160" cy="923330"/>
+        </p:nvPicPr>
+        <p:blipFill>
+          <a:blip r:embed="rId6"/>
+          <a:stretch>
+            <a:fillRect/>
+          </a:stretch>
+        </p:blipFill>
+        <p:spPr>
+          <a:xfrm>
+            <a:off x="675215" y="3775007"/>
+            <a:ext cx="3215640" cy="2148840"/>
           </a:xfrm>
           <a:prstGeom prst="rect">
             <a:avLst/>
           </a:prstGeom>
-          <a:noFill/>
-        </p:spPr>
-        <p:txBody>
-          <a:bodyPr wrap="square">
-            <a:spAutoFit/>
-          </a:bodyPr>
-          <a:lstStyle/>
-          <a:p>
-            <a:pPr algn="ctr"/>
-            <a:r>
-              <a:rPr lang="ru-RU" dirty="0">
-                <a:latin typeface="Times New Roman" panose="02020603050405020304" pitchFamily="18" charset="0"/>
-                <a:cs typeface="Times New Roman" panose="02020603050405020304" pitchFamily="18" charset="0"/>
-              </a:rPr>
-              <a:t>Рис. 3. Сравнение полученного решения тестовой задачи</a:t>
-            </a:r>
-            <a:r>
-              <a:rPr lang="en-US" dirty="0">
-                <a:latin typeface="Times New Roman" panose="02020603050405020304" pitchFamily="18" charset="0"/>
-                <a:cs typeface="Times New Roman" panose="02020603050405020304" pitchFamily="18" charset="0"/>
-              </a:rPr>
-              <a:t>: </a:t>
-            </a:r>
-            <a:r>
-              <a:rPr lang="ru-RU" dirty="0">
-                <a:latin typeface="Times New Roman" panose="02020603050405020304" pitchFamily="18" charset="0"/>
-                <a:cs typeface="Times New Roman" panose="02020603050405020304" pitchFamily="18" charset="0"/>
-              </a:rPr>
-              <a:t>а – зависимость скорости поршня от времени</a:t>
-            </a:r>
-            <a:r>
-              <a:rPr lang="en-US" dirty="0">
-                <a:latin typeface="Times New Roman" panose="02020603050405020304" pitchFamily="18" charset="0"/>
-                <a:cs typeface="Times New Roman" panose="02020603050405020304" pitchFamily="18" charset="0"/>
-              </a:rPr>
-              <a:t>; </a:t>
-            </a:r>
-            <a:r>
-              <a:rPr lang="ru-RU" dirty="0">
-                <a:latin typeface="Times New Roman" panose="02020603050405020304" pitchFamily="18" charset="0"/>
-                <a:cs typeface="Times New Roman" panose="02020603050405020304" pitchFamily="18" charset="0"/>
-              </a:rPr>
-              <a:t>б – зависимость давления на дно камеры и дно поршня от времени</a:t>
-            </a:r>
-          </a:p>
-        </p:txBody>
-      </p:sp>
-      <p:sp>
-        <p:nvSpPr>
-          <p:cNvPr id="14" name="TextBox 13">
-            <a:extLst>
-              <a:ext uri="{FF2B5EF4-FFF2-40B4-BE49-F238E27FC236}">
-                <a16:creationId xmlns:a16="http://schemas.microsoft.com/office/drawing/2014/main" id="{F617CDB5-2C3D-4809-8537-93A658851DB6}"/>
-              </a:ext>
-            </a:extLst>
-          </p:cNvPr>
-          <p:cNvSpPr txBox="1"/>
+        </p:spPr>
+      </p:pic>
+      <p:pic>
+        <p:nvPicPr>
+          <p:cNvPr id="8" name="Рисунок 7">
+            <a:extLst>
+              <a:ext uri="{FF2B5EF4-FFF2-40B4-BE49-F238E27FC236}">
+                <a16:creationId xmlns:a16="http://schemas.microsoft.com/office/drawing/2014/main" id="{99E53243-0139-0288-CBCD-E7D1073C7FB0}"/>
+              </a:ext>
+            </a:extLst>
+          </p:cNvPr>
+          <p:cNvPicPr>
+            <a:picLocks noChangeAspect="1"/>
+          </p:cNvPicPr>
           <p:nvPr/>
-        </p:nvSpPr>
-        <p:spPr>
-          <a:xfrm>
-            <a:off x="2738628" y="4725304"/>
-            <a:ext cx="6714744" cy="369332"/>
+        </p:nvPicPr>
+        <p:blipFill>
+          <a:blip r:embed="rId7"/>
+          <a:stretch>
+            <a:fillRect/>
+          </a:stretch>
+        </p:blipFill>
+        <p:spPr>
+          <a:xfrm>
+            <a:off x="4280233" y="3571770"/>
+            <a:ext cx="3221355" cy="2148205"/>
           </a:xfrm>
           <a:prstGeom prst="rect">
             <a:avLst/>
           </a:prstGeom>
-          <a:noFill/>
-        </p:spPr>
-        <p:txBody>
-          <a:bodyPr wrap="square">
-            <a:spAutoFit/>
-          </a:bodyPr>
-          <a:lstStyle/>
-          <a:p>
-            <a:r>
-              <a:rPr lang="ru-RU" dirty="0">
-                <a:latin typeface="Times New Roman" panose="02020603050405020304" pitchFamily="18" charset="0"/>
-                <a:cs typeface="Times New Roman" panose="02020603050405020304" pitchFamily="18" charset="0"/>
-              </a:rPr>
-              <a:t>а)                                                                                                     б)</a:t>
-            </a:r>
-          </a:p>
-        </p:txBody>
-      </p:sp>
+        </p:spPr>
+      </p:pic>
     </p:spTree>
     <p:extLst>
       <p:ext uri="{BB962C8B-B14F-4D97-AF65-F5344CB8AC3E}">
-        <p14:creationId xmlns:p14="http://schemas.microsoft.com/office/powerpoint/2010/main" val="2690606930"/>
+        <p14:creationId xmlns:p14="http://schemas.microsoft.com/office/powerpoint/2010/main" val="531866799"/>
       </p:ext>
     </p:extLst>
   </p:cSld>

--- a/Защита_Широкопетлев.pptx
+++ b/Защита_Широкопетлев.pptx
@@ -5,7 +5,7 @@
     <p:sldMasterId id="2147483648" r:id="rId1"/>
   </p:sldMasterIdLst>
   <p:notesMasterIdLst>
-    <p:notesMasterId r:id="rId15"/>
+    <p:notesMasterId r:id="rId12"/>
   </p:notesMasterIdLst>
   <p:sldIdLst>
     <p:sldId id="256" r:id="rId2"/>
@@ -15,12 +15,9 @@
     <p:sldId id="259" r:id="rId6"/>
     <p:sldId id="268" r:id="rId7"/>
     <p:sldId id="261" r:id="rId8"/>
-    <p:sldId id="262" r:id="rId9"/>
-    <p:sldId id="263" r:id="rId10"/>
-    <p:sldId id="264" r:id="rId11"/>
-    <p:sldId id="265" r:id="rId12"/>
-    <p:sldId id="266" r:id="rId13"/>
-    <p:sldId id="267" r:id="rId14"/>
+    <p:sldId id="269" r:id="rId9"/>
+    <p:sldId id="270" r:id="rId10"/>
+    <p:sldId id="267" r:id="rId11"/>
   </p:sldIdLst>
   <p:sldSz cx="12192000" cy="6858000"/>
   <p:notesSz cx="6858000" cy="9144000"/>
@@ -1228,6 +1225,13 @@
         </dgm:presLayoutVars>
       </dgm:prSet>
       <dgm:spPr/>
+      <dgm:t>
+        <a:bodyPr/>
+        <a:lstStyle/>
+        <a:p>
+          <a:endParaRPr lang="ru-RU"/>
+        </a:p>
+      </dgm:t>
     </dgm:pt>
     <dgm:pt modelId="{57EDD0A4-1010-4BFE-94D6-0D7DB601C712}" type="pres">
       <dgm:prSet presAssocID="{A69B0843-E053-4BA3-B3AD-1AA69FA98DE6}" presName="sibTrans" presStyleCnt="0"/>
@@ -1271,6 +1275,13 @@
         </dgm:presLayoutVars>
       </dgm:prSet>
       <dgm:spPr/>
+      <dgm:t>
+        <a:bodyPr/>
+        <a:lstStyle/>
+        <a:p>
+          <a:endParaRPr lang="ru-RU"/>
+        </a:p>
+      </dgm:t>
     </dgm:pt>
     <dgm:pt modelId="{431D2891-5D5E-4D7E-B1CC-5915DBDFFB24}" type="pres">
       <dgm:prSet presAssocID="{0F5D0827-85DA-45FB-AA51-2A33EFCA19F3}" presName="sibTrans" presStyleCnt="0"/>
@@ -1314,6 +1325,13 @@
         </dgm:presLayoutVars>
       </dgm:prSet>
       <dgm:spPr/>
+      <dgm:t>
+        <a:bodyPr/>
+        <a:lstStyle/>
+        <a:p>
+          <a:endParaRPr lang="ru-RU"/>
+        </a:p>
+      </dgm:t>
     </dgm:pt>
     <dgm:pt modelId="{207D9A0B-1BFB-481D-9CC8-8A41E26BEB59}" type="pres">
       <dgm:prSet presAssocID="{3BC9B35D-01C0-45C3-A3B9-AFB90B66F4E8}" presName="sibTrans" presStyleCnt="0"/>
@@ -1357,18 +1375,25 @@
         </dgm:presLayoutVars>
       </dgm:prSet>
       <dgm:spPr/>
+      <dgm:t>
+        <a:bodyPr/>
+        <a:lstStyle/>
+        <a:p>
+          <a:endParaRPr lang="ru-RU"/>
+        </a:p>
+      </dgm:t>
     </dgm:pt>
   </dgm:ptLst>
   <dgm:cxnLst>
-    <dgm:cxn modelId="{55916C02-3A44-4A28-81CD-AE915BE031CA}" type="presOf" srcId="{37933178-325A-44C0-AB69-6ABD1A71F87E}" destId="{8E040B3A-47FF-43AE-B7D2-DF1B3BDCE255}" srcOrd="0" destOrd="0" presId="urn:microsoft.com/office/officeart/2008/layout/TitlePictureLineup"/>
     <dgm:cxn modelId="{259A660E-5922-440E-9055-DBBAA25A8C6D}" type="presOf" srcId="{B454FB98-24F8-4A28-8B6A-80FCAFFACA30}" destId="{2E33AB6A-8B2E-4B1C-BD60-223140649CAC}" srcOrd="0" destOrd="0" presId="urn:microsoft.com/office/officeart/2008/layout/TitlePictureLineup"/>
-    <dgm:cxn modelId="{D45A7C6B-7E86-4A2E-BB81-C5AFC9EDE255}" type="presOf" srcId="{D286F363-3D75-4587-9D74-3B87ABBD895B}" destId="{38D7A0B9-A943-4B5D-A0BE-738A94AA2C87}" srcOrd="0" destOrd="0" presId="urn:microsoft.com/office/officeart/2008/layout/TitlePictureLineup"/>
-    <dgm:cxn modelId="{3AAB1573-8601-47A0-821B-EC55E4FC477B}" srcId="{B454FB98-24F8-4A28-8B6A-80FCAFFACA30}" destId="{A3FC67ED-C59A-4565-909E-53C2F57A3561}" srcOrd="2" destOrd="0" parTransId="{F6345912-FEA1-4463-85E3-E6EA166D3D58}" sibTransId="{3BC9B35D-01C0-45C3-A3B9-AFB90B66F4E8}"/>
-    <dgm:cxn modelId="{610F1A94-9BB8-41CE-B262-D29AEF25A46B}" srcId="{B454FB98-24F8-4A28-8B6A-80FCAFFACA30}" destId="{37933178-325A-44C0-AB69-6ABD1A71F87E}" srcOrd="3" destOrd="0" parTransId="{AF30D765-1A1D-48FF-A384-C66957F0927C}" sibTransId="{3C62951F-CED2-4AE9-993F-814368FDC87A}"/>
-    <dgm:cxn modelId="{86C36C9D-5057-4DB4-9D7E-6195F529E078}" srcId="{B454FB98-24F8-4A28-8B6A-80FCAFFACA30}" destId="{194A6C55-35C1-4DCA-BF5C-062B1DF1D9A3}" srcOrd="0" destOrd="0" parTransId="{B90AE1E1-6F1F-45FF-B0F0-2658A55DE4E7}" sibTransId="{A69B0843-E053-4BA3-B3AD-1AA69FA98DE6}"/>
+    <dgm:cxn modelId="{311320FF-C2A0-4297-8E39-78EB6EDB9895}" type="presOf" srcId="{194A6C55-35C1-4DCA-BF5C-062B1DF1D9A3}" destId="{62004204-50C0-4604-8C5B-4F0B2A2F34B3}" srcOrd="0" destOrd="0" presId="urn:microsoft.com/office/officeart/2008/layout/TitlePictureLineup"/>
     <dgm:cxn modelId="{D762EBA9-35C0-402E-8775-9E534EAA7ABF}" srcId="{B454FB98-24F8-4A28-8B6A-80FCAFFACA30}" destId="{D286F363-3D75-4587-9D74-3B87ABBD895B}" srcOrd="1" destOrd="0" parTransId="{4C4ACF09-8C56-4F03-923B-812D50B1697B}" sibTransId="{0F5D0827-85DA-45FB-AA51-2A33EFCA19F3}"/>
     <dgm:cxn modelId="{7ACDB2AD-6AC9-4A34-BD7A-B8C292A59FC9}" type="presOf" srcId="{A3FC67ED-C59A-4565-909E-53C2F57A3561}" destId="{5EF9BEC2-594C-41D1-AF9B-82AB19D8A3E0}" srcOrd="0" destOrd="0" presId="urn:microsoft.com/office/officeart/2008/layout/TitlePictureLineup"/>
-    <dgm:cxn modelId="{311320FF-C2A0-4297-8E39-78EB6EDB9895}" type="presOf" srcId="{194A6C55-35C1-4DCA-BF5C-062B1DF1D9A3}" destId="{62004204-50C0-4604-8C5B-4F0B2A2F34B3}" srcOrd="0" destOrd="0" presId="urn:microsoft.com/office/officeart/2008/layout/TitlePictureLineup"/>
+    <dgm:cxn modelId="{610F1A94-9BB8-41CE-B262-D29AEF25A46B}" srcId="{B454FB98-24F8-4A28-8B6A-80FCAFFACA30}" destId="{37933178-325A-44C0-AB69-6ABD1A71F87E}" srcOrd="3" destOrd="0" parTransId="{AF30D765-1A1D-48FF-A384-C66957F0927C}" sibTransId="{3C62951F-CED2-4AE9-993F-814368FDC87A}"/>
+    <dgm:cxn modelId="{D45A7C6B-7E86-4A2E-BB81-C5AFC9EDE255}" type="presOf" srcId="{D286F363-3D75-4587-9D74-3B87ABBD895B}" destId="{38D7A0B9-A943-4B5D-A0BE-738A94AA2C87}" srcOrd="0" destOrd="0" presId="urn:microsoft.com/office/officeart/2008/layout/TitlePictureLineup"/>
+    <dgm:cxn modelId="{55916C02-3A44-4A28-81CD-AE915BE031CA}" type="presOf" srcId="{37933178-325A-44C0-AB69-6ABD1A71F87E}" destId="{8E040B3A-47FF-43AE-B7D2-DF1B3BDCE255}" srcOrd="0" destOrd="0" presId="urn:microsoft.com/office/officeart/2008/layout/TitlePictureLineup"/>
+    <dgm:cxn modelId="{3AAB1573-8601-47A0-821B-EC55E4FC477B}" srcId="{B454FB98-24F8-4A28-8B6A-80FCAFFACA30}" destId="{A3FC67ED-C59A-4565-909E-53C2F57A3561}" srcOrd="2" destOrd="0" parTransId="{F6345912-FEA1-4463-85E3-E6EA166D3D58}" sibTransId="{3BC9B35D-01C0-45C3-A3B9-AFB90B66F4E8}"/>
+    <dgm:cxn modelId="{86C36C9D-5057-4DB4-9D7E-6195F529E078}" srcId="{B454FB98-24F8-4A28-8B6A-80FCAFFACA30}" destId="{194A6C55-35C1-4DCA-BF5C-062B1DF1D9A3}" srcOrd="0" destOrd="0" parTransId="{B90AE1E1-6F1F-45FF-B0F0-2658A55DE4E7}" sibTransId="{A69B0843-E053-4BA3-B3AD-1AA69FA98DE6}"/>
     <dgm:cxn modelId="{A8A94C09-5063-463B-8D69-260ABDE708BD}" type="presParOf" srcId="{2E33AB6A-8B2E-4B1C-BD60-223140649CAC}" destId="{5014D90E-2C14-413B-A108-0DAFF614E652}" srcOrd="0" destOrd="0" presId="urn:microsoft.com/office/officeart/2008/layout/TitlePictureLineup"/>
     <dgm:cxn modelId="{176DEE34-0344-4A04-BB1C-73F4878D0F43}" type="presParOf" srcId="{5014D90E-2C14-413B-A108-0DAFF614E652}" destId="{578848A6-E284-4BED-8061-9F922FED2D26}" srcOrd="0" destOrd="0" presId="urn:microsoft.com/office/officeart/2008/layout/TitlePictureLineup"/>
     <dgm:cxn modelId="{3CC138E6-22C5-45E6-A4A7-22DD21C79D5E}" type="presParOf" srcId="{5014D90E-2C14-413B-A108-0DAFF614E652}" destId="{777D281A-2E5C-40BE-BB19-13C441608273}" srcOrd="1" destOrd="0" presId="urn:microsoft.com/office/officeart/2008/layout/TitlePictureLineup"/>
@@ -1601,7 +1626,7 @@
         </a:bodyPr>
         <a:lstStyle/>
         <a:p>
-          <a:pPr marL="0" lvl="0" indent="0" algn="ctr" defTabSz="577850">
+          <a:pPr lvl="0" algn="ctr" defTabSz="577850">
             <a:lnSpc>
               <a:spcPct val="90000"/>
             </a:lnSpc>
@@ -1611,7 +1636,6 @@
             <a:spcAft>
               <a:spcPct val="35000"/>
             </a:spcAft>
-            <a:buNone/>
           </a:pPr>
           <a:r>
             <a:rPr lang="ru-RU" sz="1300" kern="1200" dirty="0">
@@ -1817,7 +1841,7 @@
         </a:bodyPr>
         <a:lstStyle/>
         <a:p>
-          <a:pPr marL="0" lvl="0" indent="0" algn="ctr" defTabSz="577850">
+          <a:pPr lvl="0" algn="ctr" defTabSz="577850">
             <a:lnSpc>
               <a:spcPct val="90000"/>
             </a:lnSpc>
@@ -1827,7 +1851,6 @@
             <a:spcAft>
               <a:spcPct val="35000"/>
             </a:spcAft>
-            <a:buNone/>
           </a:pPr>
           <a:r>
             <a:rPr lang="ru-RU" sz="1300" kern="1200" dirty="0">
@@ -2033,7 +2056,7 @@
         </a:bodyPr>
         <a:lstStyle/>
         <a:p>
-          <a:pPr marL="0" lvl="0" indent="0" algn="ctr" defTabSz="577850">
+          <a:pPr lvl="0" algn="ctr" defTabSz="577850">
             <a:lnSpc>
               <a:spcPct val="90000"/>
             </a:lnSpc>
@@ -2043,7 +2066,6 @@
             <a:spcAft>
               <a:spcPct val="35000"/>
             </a:spcAft>
-            <a:buNone/>
           </a:pPr>
           <a:r>
             <a:rPr lang="ru-RU" sz="1300" kern="1200" dirty="0">
@@ -2249,7 +2271,7 @@
         </a:bodyPr>
         <a:lstStyle/>
         <a:p>
-          <a:pPr marL="0" lvl="0" indent="0" algn="ctr" defTabSz="577850">
+          <a:pPr lvl="0" algn="ctr" defTabSz="577850">
             <a:lnSpc>
               <a:spcPct val="90000"/>
             </a:lnSpc>
@@ -2259,7 +2281,6 @@
             <a:spcAft>
               <a:spcPct val="35000"/>
             </a:spcAft>
-            <a:buNone/>
           </a:pPr>
           <a:r>
             <a:rPr lang="ru-RU" sz="1300" kern="1200" dirty="0">
@@ -3686,7 +3707,7 @@
           <a:p>
             <a:fld id="{05A26357-6550-45AB-972B-EE39A3AC3762}" type="datetimeFigureOut">
               <a:rPr lang="ru-RU" smtClean="0"/>
-              <a:t>13.12.2022</a:t>
+              <a:t>14.12.2022</a:t>
             </a:fld>
             <a:endParaRPr lang="ru-RU"/>
           </a:p>
@@ -4037,90 +4058,6 @@
 </p:notes>
 </file>
 
-<file path=ppt/notesSlides/notesSlide2.xml><?xml version="1.0" encoding="utf-8"?>
-<p:notes xmlns:a="http://schemas.openxmlformats.org/drawingml/2006/main" xmlns:r="http://schemas.openxmlformats.org/officeDocument/2006/relationships" xmlns:p="http://schemas.openxmlformats.org/presentationml/2006/main">
-  <p:cSld>
-    <p:spTree>
-      <p:nvGrpSpPr>
-        <p:cNvPr id="1" name=""/>
-        <p:cNvGrpSpPr/>
-        <p:nvPr/>
-      </p:nvGrpSpPr>
-      <p:grpSpPr>
-        <a:xfrm>
-          <a:off x="0" y="0"/>
-          <a:ext cx="0" cy="0"/>
-          <a:chOff x="0" y="0"/>
-          <a:chExt cx="0" cy="0"/>
-        </a:xfrm>
-      </p:grpSpPr>
-      <p:sp>
-        <p:nvSpPr>
-          <p:cNvPr id="2" name="Образ слайда 1"/>
-          <p:cNvSpPr>
-            <a:spLocks noGrp="1" noRot="1" noChangeAspect="1"/>
-          </p:cNvSpPr>
-          <p:nvPr>
-            <p:ph type="sldImg"/>
-          </p:nvPr>
-        </p:nvSpPr>
-        <p:spPr/>
-      </p:sp>
-      <p:sp>
-        <p:nvSpPr>
-          <p:cNvPr id="3" name="Заметки 2"/>
-          <p:cNvSpPr>
-            <a:spLocks noGrp="1"/>
-          </p:cNvSpPr>
-          <p:nvPr>
-            <p:ph type="body" idx="1"/>
-          </p:nvPr>
-        </p:nvSpPr>
-        <p:spPr/>
-        <p:txBody>
-          <a:bodyPr/>
-          <a:lstStyle/>
-          <a:p>
-            <a:endParaRPr lang="ru-RU" dirty="0"/>
-          </a:p>
-        </p:txBody>
-      </p:sp>
-      <p:sp>
-        <p:nvSpPr>
-          <p:cNvPr id="4" name="Номер слайда 3"/>
-          <p:cNvSpPr>
-            <a:spLocks noGrp="1"/>
-          </p:cNvSpPr>
-          <p:nvPr>
-            <p:ph type="sldNum" sz="quarter" idx="5"/>
-          </p:nvPr>
-        </p:nvSpPr>
-        <p:spPr/>
-        <p:txBody>
-          <a:bodyPr/>
-          <a:lstStyle/>
-          <a:p>
-            <a:fld id="{07623F1E-76B0-4E18-9E4C-5C480B6ACFEE}" type="slidenum">
-              <a:rPr lang="ru-RU" smtClean="0"/>
-              <a:t>8</a:t>
-            </a:fld>
-            <a:endParaRPr lang="ru-RU"/>
-          </a:p>
-        </p:txBody>
-      </p:sp>
-    </p:spTree>
-    <p:extLst>
-      <p:ext uri="{BB962C8B-B14F-4D97-AF65-F5344CB8AC3E}">
-        <p14:creationId xmlns:p14="http://schemas.microsoft.com/office/powerpoint/2010/main" val="1085470633"/>
-      </p:ext>
-    </p:extLst>
-  </p:cSld>
-  <p:clrMapOvr>
-    <a:masterClrMapping/>
-  </p:clrMapOvr>
-</p:notes>
-</file>
-
 <file path=ppt/slideLayouts/slideLayout1.xml><?xml version="1.0" encoding="utf-8"?>
 <p:sldLayout xmlns:a="http://schemas.openxmlformats.org/drawingml/2006/main" xmlns:r="http://schemas.openxmlformats.org/officeDocument/2006/relationships" xmlns:p="http://schemas.openxmlformats.org/presentationml/2006/main" type="title" preserve="1">
   <p:cSld name="Титульный слайд">
@@ -4268,7 +4205,7 @@
           <a:p>
             <a:fld id="{8408653D-7530-4DC9-AE42-873CFDC363BE}" type="datetimeFigureOut">
               <a:rPr lang="ru-RU" smtClean="0"/>
-              <a:t>13.12.2022</a:t>
+              <a:t>14.12.2022</a:t>
             </a:fld>
             <a:endParaRPr lang="ru-RU"/>
           </a:p>
@@ -4466,7 +4403,7 @@
           <a:p>
             <a:fld id="{8408653D-7530-4DC9-AE42-873CFDC363BE}" type="datetimeFigureOut">
               <a:rPr lang="ru-RU" smtClean="0"/>
-              <a:t>13.12.2022</a:t>
+              <a:t>14.12.2022</a:t>
             </a:fld>
             <a:endParaRPr lang="ru-RU"/>
           </a:p>
@@ -4674,7 +4611,7 @@
           <a:p>
             <a:fld id="{8408653D-7530-4DC9-AE42-873CFDC363BE}" type="datetimeFigureOut">
               <a:rPr lang="ru-RU" smtClean="0"/>
-              <a:t>13.12.2022</a:t>
+              <a:t>14.12.2022</a:t>
             </a:fld>
             <a:endParaRPr lang="ru-RU"/>
           </a:p>
@@ -4872,7 +4809,7 @@
           <a:p>
             <a:fld id="{8408653D-7530-4DC9-AE42-873CFDC363BE}" type="datetimeFigureOut">
               <a:rPr lang="ru-RU" smtClean="0"/>
-              <a:t>13.12.2022</a:t>
+              <a:t>14.12.2022</a:t>
             </a:fld>
             <a:endParaRPr lang="ru-RU"/>
           </a:p>
@@ -5147,7 +5084,7 @@
           <a:p>
             <a:fld id="{8408653D-7530-4DC9-AE42-873CFDC363BE}" type="datetimeFigureOut">
               <a:rPr lang="ru-RU" smtClean="0"/>
-              <a:t>13.12.2022</a:t>
+              <a:t>14.12.2022</a:t>
             </a:fld>
             <a:endParaRPr lang="ru-RU"/>
           </a:p>
@@ -5412,7 +5349,7 @@
           <a:p>
             <a:fld id="{8408653D-7530-4DC9-AE42-873CFDC363BE}" type="datetimeFigureOut">
               <a:rPr lang="ru-RU" smtClean="0"/>
-              <a:t>13.12.2022</a:t>
+              <a:t>14.12.2022</a:t>
             </a:fld>
             <a:endParaRPr lang="ru-RU"/>
           </a:p>
@@ -5824,7 +5761,7 @@
           <a:p>
             <a:fld id="{8408653D-7530-4DC9-AE42-873CFDC363BE}" type="datetimeFigureOut">
               <a:rPr lang="ru-RU" smtClean="0"/>
-              <a:t>13.12.2022</a:t>
+              <a:t>14.12.2022</a:t>
             </a:fld>
             <a:endParaRPr lang="ru-RU"/>
           </a:p>
@@ -5965,7 +5902,7 @@
           <a:p>
             <a:fld id="{8408653D-7530-4DC9-AE42-873CFDC363BE}" type="datetimeFigureOut">
               <a:rPr lang="ru-RU" smtClean="0"/>
-              <a:t>13.12.2022</a:t>
+              <a:t>14.12.2022</a:t>
             </a:fld>
             <a:endParaRPr lang="ru-RU"/>
           </a:p>
@@ -6078,7 +6015,7 @@
           <a:p>
             <a:fld id="{8408653D-7530-4DC9-AE42-873CFDC363BE}" type="datetimeFigureOut">
               <a:rPr lang="ru-RU" smtClean="0"/>
-              <a:t>13.12.2022</a:t>
+              <a:t>14.12.2022</a:t>
             </a:fld>
             <a:endParaRPr lang="ru-RU"/>
           </a:p>
@@ -6389,7 +6326,7 @@
           <a:p>
             <a:fld id="{8408653D-7530-4DC9-AE42-873CFDC363BE}" type="datetimeFigureOut">
               <a:rPr lang="ru-RU" smtClean="0"/>
-              <a:t>13.12.2022</a:t>
+              <a:t>14.12.2022</a:t>
             </a:fld>
             <a:endParaRPr lang="ru-RU"/>
           </a:p>
@@ -6677,7 +6614,7 @@
           <a:p>
             <a:fld id="{8408653D-7530-4DC9-AE42-873CFDC363BE}" type="datetimeFigureOut">
               <a:rPr lang="ru-RU" smtClean="0"/>
-              <a:t>13.12.2022</a:t>
+              <a:t>14.12.2022</a:t>
             </a:fld>
             <a:endParaRPr lang="ru-RU"/>
           </a:p>
@@ -6918,7 +6855,7 @@
           <a:p>
             <a:fld id="{8408653D-7530-4DC9-AE42-873CFDC363BE}" type="datetimeFigureOut">
               <a:rPr lang="ru-RU" smtClean="0"/>
-              <a:t>13.12.2022</a:t>
+              <a:t>14.12.2022</a:t>
             </a:fld>
             <a:endParaRPr lang="ru-RU"/>
           </a:p>
@@ -7623,13 +7560,13 @@
           <p:nvPr/>
         </p:nvPicPr>
         <p:blipFill>
-          <a:blip r:embed="rId3">
+          <a:blip r:embed="rId3" cstate="hqprint">
             <a:extLst>
               <a:ext uri="{28A0092B-C50C-407E-A947-70E740481C1C}">
                 <a14:useLocalDpi xmlns:a14="http://schemas.microsoft.com/office/drawing/2010/main" val="0"/>
               </a:ext>
               <a:ext uri="{837473B0-CC2E-450A-ABE3-18F120FF3D39}">
-                <a1611:picAttrSrcUrl xmlns:a1611="http://schemas.microsoft.com/office/drawing/2016/11/main" r:id="rId4"/>
+                <a1611:picAttrSrcUrl xmlns:a1611="http://schemas.microsoft.com/office/drawing/2016/11/main" xmlns="" r:id="rId4"/>
               </a:ext>
             </a:extLst>
           </a:blip>
@@ -7760,3183 +7697,6 @@
 </file>
 
 <file path=ppt/slides/slide10.xml><?xml version="1.0" encoding="utf-8"?>
-<p:sld xmlns:a="http://schemas.openxmlformats.org/drawingml/2006/main" xmlns:r="http://schemas.openxmlformats.org/officeDocument/2006/relationships" xmlns:p="http://schemas.openxmlformats.org/presentationml/2006/main">
-  <p:cSld>
-    <p:spTree>
-      <p:nvGrpSpPr>
-        <p:cNvPr id="1" name=""/>
-        <p:cNvGrpSpPr/>
-        <p:nvPr/>
-      </p:nvGrpSpPr>
-      <p:grpSpPr>
-        <a:xfrm>
-          <a:off x="0" y="0"/>
-          <a:ext cx="0" cy="0"/>
-          <a:chOff x="0" y="0"/>
-          <a:chExt cx="0" cy="0"/>
-        </a:xfrm>
-      </p:grpSpPr>
-      <p:sp>
-        <p:nvSpPr>
-          <p:cNvPr id="4" name="Прямоугольник 3">
-            <a:extLst>
-              <a:ext uri="{FF2B5EF4-FFF2-40B4-BE49-F238E27FC236}">
-                <a16:creationId xmlns:a16="http://schemas.microsoft.com/office/drawing/2014/main" id="{5ECE0D18-20DF-4B2E-8AC5-54515F52E3D6}"/>
-              </a:ext>
-            </a:extLst>
-          </p:cNvPr>
-          <p:cNvSpPr/>
-          <p:nvPr/>
-        </p:nvSpPr>
-        <p:spPr>
-          <a:xfrm>
-            <a:off x="0" y="0"/>
-            <a:ext cx="12192000" cy="1170813"/>
-          </a:xfrm>
-          <a:prstGeom prst="rect">
-            <a:avLst/>
-          </a:prstGeom>
-          <a:solidFill>
-            <a:schemeClr val="accent1">
-              <a:lumMod val="50000"/>
-            </a:schemeClr>
-          </a:solidFill>
-          <a:ln>
-            <a:noFill/>
-          </a:ln>
-        </p:spPr>
-        <p:style>
-          <a:lnRef idx="2">
-            <a:schemeClr val="accent1">
-              <a:shade val="50000"/>
-            </a:schemeClr>
-          </a:lnRef>
-          <a:fillRef idx="1">
-            <a:schemeClr val="accent1"/>
-          </a:fillRef>
-          <a:effectRef idx="0">
-            <a:schemeClr val="accent1"/>
-          </a:effectRef>
-          <a:fontRef idx="minor">
-            <a:schemeClr val="lt1"/>
-          </a:fontRef>
-        </p:style>
-        <p:txBody>
-          <a:bodyPr rtlCol="0" anchor="ctr"/>
-          <a:lstStyle/>
-          <a:p>
-            <a:r>
-              <a:rPr lang="ru-RU" sz="3600" dirty="0">
-                <a:latin typeface="Times New Roman" panose="02020603050405020304" pitchFamily="18" charset="0"/>
-                <a:cs typeface="Times New Roman" panose="02020603050405020304" pitchFamily="18" charset="0"/>
-              </a:rPr>
-              <a:t>	Постановка и метод решения обратной задачи</a:t>
-            </a:r>
-          </a:p>
-        </p:txBody>
-      </p:sp>
-      <p:sp>
-        <p:nvSpPr>
-          <p:cNvPr id="5" name="Прямоугольник 4">
-            <a:extLst>
-              <a:ext uri="{FF2B5EF4-FFF2-40B4-BE49-F238E27FC236}">
-                <a16:creationId xmlns:a16="http://schemas.microsoft.com/office/drawing/2014/main" id="{08C9DD33-DA0F-41EF-B5A0-CB849668BD3B}"/>
-              </a:ext>
-            </a:extLst>
-          </p:cNvPr>
-          <p:cNvSpPr/>
-          <p:nvPr/>
-        </p:nvSpPr>
-        <p:spPr>
-          <a:xfrm>
-            <a:off x="0" y="6232979"/>
-            <a:ext cx="12192000" cy="625021"/>
-          </a:xfrm>
-          <a:prstGeom prst="rect">
-            <a:avLst/>
-          </a:prstGeom>
-          <a:solidFill>
-            <a:schemeClr val="accent1">
-              <a:lumMod val="50000"/>
-            </a:schemeClr>
-          </a:solidFill>
-        </p:spPr>
-        <p:style>
-          <a:lnRef idx="2">
-            <a:schemeClr val="accent1">
-              <a:shade val="50000"/>
-            </a:schemeClr>
-          </a:lnRef>
-          <a:fillRef idx="1">
-            <a:schemeClr val="accent1"/>
-          </a:fillRef>
-          <a:effectRef idx="0">
-            <a:schemeClr val="accent1"/>
-          </a:effectRef>
-          <a:fontRef idx="minor">
-            <a:schemeClr val="lt1"/>
-          </a:fontRef>
-        </p:style>
-        <p:txBody>
-          <a:bodyPr rtlCol="0" anchor="ctr"/>
-          <a:lstStyle/>
-          <a:p>
-            <a:r>
-              <a:rPr lang="en-US" dirty="0">
-                <a:latin typeface="Times New Roman" panose="02020603050405020304" pitchFamily="18" charset="0"/>
-                <a:ea typeface="Tahoma" panose="020B0604030504040204" pitchFamily="34" charset="0"/>
-                <a:cs typeface="Times New Roman" panose="02020603050405020304" pitchFamily="18" charset="0"/>
-              </a:rPr>
-              <a:t>               </a:t>
-            </a:r>
-            <a:r>
-              <a:rPr lang="ru-RU" dirty="0">
-                <a:latin typeface="Times New Roman" panose="02020603050405020304" pitchFamily="18" charset="0"/>
-                <a:ea typeface="Tahoma" panose="020B0604030504040204" pitchFamily="34" charset="0"/>
-                <a:cs typeface="Times New Roman" panose="02020603050405020304" pitchFamily="18" charset="0"/>
-              </a:rPr>
-              <a:t> МГТУ им. Н. Э. Баумана</a:t>
-            </a:r>
-          </a:p>
-        </p:txBody>
-      </p:sp>
-      <p:pic>
-        <p:nvPicPr>
-          <p:cNvPr id="7" name="Рисунок 6" descr="Изображение выглядит как текст, керамические изделия&#10;&#10;Автоматически созданное описание">
-            <a:extLst>
-              <a:ext uri="{FF2B5EF4-FFF2-40B4-BE49-F238E27FC236}">
-                <a16:creationId xmlns:a16="http://schemas.microsoft.com/office/drawing/2014/main" id="{269245AF-46EE-4074-822D-D9A528D4198A}"/>
-              </a:ext>
-            </a:extLst>
-          </p:cNvPr>
-          <p:cNvPicPr>
-            <a:picLocks noChangeAspect="1"/>
-          </p:cNvPicPr>
-          <p:nvPr/>
-        </p:nvPicPr>
-        <p:blipFill>
-          <a:blip r:embed="rId2">
-            <a:extLst>
-              <a:ext uri="{28A0092B-C50C-407E-A947-70E740481C1C}">
-                <a14:useLocalDpi xmlns:a14="http://schemas.microsoft.com/office/drawing/2010/main" val="0"/>
-              </a:ext>
-              <a:ext uri="{837473B0-CC2E-450A-ABE3-18F120FF3D39}">
-                <a1611:picAttrSrcUrl xmlns:a1611="http://schemas.microsoft.com/office/drawing/2016/11/main" r:id="rId3"/>
-              </a:ext>
-            </a:extLst>
-          </a:blip>
-          <a:stretch>
-            <a:fillRect/>
-          </a:stretch>
-        </p:blipFill>
-        <p:spPr>
-          <a:xfrm>
-            <a:off x="260437" y="6232979"/>
-            <a:ext cx="529678" cy="625020"/>
-          </a:xfrm>
-          <a:prstGeom prst="rect">
-            <a:avLst/>
-          </a:prstGeom>
-        </p:spPr>
-      </p:pic>
-      <p:sp>
-        <p:nvSpPr>
-          <p:cNvPr id="6" name="TextBox 5">
-            <a:extLst>
-              <a:ext uri="{FF2B5EF4-FFF2-40B4-BE49-F238E27FC236}">
-                <a16:creationId xmlns:a16="http://schemas.microsoft.com/office/drawing/2014/main" id="{80FC780E-DB48-41E1-A384-F17049C59F4E}"/>
-              </a:ext>
-            </a:extLst>
-          </p:cNvPr>
-          <p:cNvSpPr txBox="1"/>
-          <p:nvPr/>
-        </p:nvSpPr>
-        <p:spPr>
-          <a:xfrm>
-            <a:off x="0" y="6360823"/>
-            <a:ext cx="12192000" cy="369332"/>
-          </a:xfrm>
-          <a:prstGeom prst="rect">
-            <a:avLst/>
-          </a:prstGeom>
-          <a:noFill/>
-        </p:spPr>
-        <p:txBody>
-          <a:bodyPr wrap="square" rtlCol="0">
-            <a:spAutoFit/>
-          </a:bodyPr>
-          <a:lstStyle/>
-          <a:p>
-            <a:pPr algn="r"/>
-            <a:r>
-              <a:rPr lang="ru-RU" dirty="0">
-                <a:solidFill>
-                  <a:schemeClr val="bg1"/>
-                </a:solidFill>
-                <a:latin typeface="Times New Roman" panose="02020603050405020304" pitchFamily="18" charset="0"/>
-                <a:cs typeface="Times New Roman" panose="02020603050405020304" pitchFamily="18" charset="0"/>
-              </a:rPr>
-              <a:t>9</a:t>
-            </a:r>
-            <a:r>
-              <a:rPr lang="en-US" dirty="0">
-                <a:solidFill>
-                  <a:schemeClr val="bg1"/>
-                </a:solidFill>
-                <a:latin typeface="Times New Roman" panose="02020603050405020304" pitchFamily="18" charset="0"/>
-                <a:cs typeface="Times New Roman" panose="02020603050405020304" pitchFamily="18" charset="0"/>
-              </a:rPr>
-              <a:t>	</a:t>
-            </a:r>
-            <a:endParaRPr lang="ru-RU" dirty="0">
-              <a:solidFill>
-                <a:schemeClr val="bg1"/>
-              </a:solidFill>
-              <a:latin typeface="Times New Roman" panose="02020603050405020304" pitchFamily="18" charset="0"/>
-              <a:cs typeface="Times New Roman" panose="02020603050405020304" pitchFamily="18" charset="0"/>
-            </a:endParaRPr>
-          </a:p>
-        </p:txBody>
-      </p:sp>
-      <p:sp>
-        <p:nvSpPr>
-          <p:cNvPr id="8" name="TextBox 7">
-            <a:extLst>
-              <a:ext uri="{FF2B5EF4-FFF2-40B4-BE49-F238E27FC236}">
-                <a16:creationId xmlns:a16="http://schemas.microsoft.com/office/drawing/2014/main" id="{84BC4E8E-67AA-4D36-B85C-86298C0D1E41}"/>
-              </a:ext>
-            </a:extLst>
-          </p:cNvPr>
-          <p:cNvSpPr txBox="1"/>
-          <p:nvPr/>
-        </p:nvSpPr>
-        <p:spPr>
-          <a:xfrm rot="10800000" flipV="1">
-            <a:off x="0" y="4265533"/>
-            <a:ext cx="6712796" cy="369332"/>
-          </a:xfrm>
-          <a:prstGeom prst="rect">
-            <a:avLst/>
-          </a:prstGeom>
-          <a:noFill/>
-        </p:spPr>
-        <p:txBody>
-          <a:bodyPr wrap="square">
-            <a:spAutoFit/>
-          </a:bodyPr>
-          <a:lstStyle/>
-          <a:p>
-            <a:pPr algn="ctr"/>
-            <a:r>
-              <a:rPr lang="ru-RU" dirty="0">
-                <a:latin typeface="Times New Roman" panose="02020603050405020304" pitchFamily="18" charset="0"/>
-                <a:cs typeface="Times New Roman" panose="02020603050405020304" pitchFamily="18" charset="0"/>
-              </a:rPr>
-              <a:t>Рис. </a:t>
-            </a:r>
-            <a:r>
-              <a:rPr lang="en-US" dirty="0">
-                <a:latin typeface="Times New Roman" panose="02020603050405020304" pitchFamily="18" charset="0"/>
-                <a:cs typeface="Times New Roman" panose="02020603050405020304" pitchFamily="18" charset="0"/>
-              </a:rPr>
-              <a:t>8</a:t>
-            </a:r>
-            <a:r>
-              <a:rPr lang="ru-RU" dirty="0">
-                <a:latin typeface="Times New Roman" panose="02020603050405020304" pitchFamily="18" charset="0"/>
-                <a:cs typeface="Times New Roman" panose="02020603050405020304" pitchFamily="18" charset="0"/>
-              </a:rPr>
-              <a:t>. Схема обратной задачи Лагранжа</a:t>
-            </a:r>
-          </a:p>
-        </p:txBody>
-      </p:sp>
-      <p:pic>
-        <p:nvPicPr>
-          <p:cNvPr id="3" name="Рисунок 2">
-            <a:extLst>
-              <a:ext uri="{FF2B5EF4-FFF2-40B4-BE49-F238E27FC236}">
-                <a16:creationId xmlns:a16="http://schemas.microsoft.com/office/drawing/2014/main" id="{EEB13300-F82C-4A9C-AAB4-6D44E6767E89}"/>
-              </a:ext>
-            </a:extLst>
-          </p:cNvPr>
-          <p:cNvPicPr>
-            <a:picLocks noChangeAspect="1"/>
-          </p:cNvPicPr>
-          <p:nvPr/>
-        </p:nvPicPr>
-        <p:blipFill>
-          <a:blip r:embed="rId4"/>
-          <a:stretch>
-            <a:fillRect/>
-          </a:stretch>
-        </p:blipFill>
-        <p:spPr>
-          <a:xfrm>
-            <a:off x="368899" y="1413266"/>
-            <a:ext cx="6343898" cy="2805673"/>
-          </a:xfrm>
-          <a:prstGeom prst="rect">
-            <a:avLst/>
-          </a:prstGeom>
-        </p:spPr>
-      </p:pic>
-      <p:sp>
-        <p:nvSpPr>
-          <p:cNvPr id="10" name="Подзаголовок 2">
-            <a:extLst>
-              <a:ext uri="{FF2B5EF4-FFF2-40B4-BE49-F238E27FC236}">
-                <a16:creationId xmlns:a16="http://schemas.microsoft.com/office/drawing/2014/main" id="{F267D935-DCD3-4451-A6B8-40A50850EEE1}"/>
-              </a:ext>
-            </a:extLst>
-          </p:cNvPr>
-          <p:cNvSpPr>
-            <a:spLocks noGrp="1"/>
-          </p:cNvSpPr>
-          <p:nvPr>
-            <p:ph type="subTitle" idx="1"/>
-          </p:nvPr>
-        </p:nvSpPr>
-        <p:spPr>
-          <a:xfrm>
-            <a:off x="0" y="4843961"/>
-            <a:ext cx="6712797" cy="389456"/>
-          </a:xfrm>
-        </p:spPr>
-        <p:txBody>
-          <a:bodyPr>
-            <a:normAutofit/>
-          </a:bodyPr>
-          <a:lstStyle/>
-          <a:p>
-            <a:r>
-              <a:rPr lang="ru-RU" sz="2000" dirty="0">
-                <a:latin typeface="Times New Roman" panose="02020603050405020304" pitchFamily="18" charset="0"/>
-                <a:cs typeface="Times New Roman" panose="02020603050405020304" pitchFamily="18" charset="0"/>
-              </a:rPr>
-              <a:t>Коэффициент полезного действия</a:t>
-            </a:r>
-            <a:r>
-              <a:rPr lang="en-US" sz="2000" dirty="0">
-                <a:latin typeface="Times New Roman" panose="02020603050405020304" pitchFamily="18" charset="0"/>
-                <a:cs typeface="Times New Roman" panose="02020603050405020304" pitchFamily="18" charset="0"/>
-              </a:rPr>
-              <a:t> (</a:t>
-            </a:r>
-            <a:r>
-              <a:rPr lang="ru-RU" sz="2000" dirty="0">
-                <a:latin typeface="Times New Roman" panose="02020603050405020304" pitchFamily="18" charset="0"/>
-                <a:cs typeface="Times New Roman" panose="02020603050405020304" pitchFamily="18" charset="0"/>
-              </a:rPr>
-              <a:t>КПД</a:t>
-            </a:r>
-            <a:r>
-              <a:rPr lang="en-US" sz="2000" dirty="0">
-                <a:latin typeface="Times New Roman" panose="02020603050405020304" pitchFamily="18" charset="0"/>
-                <a:cs typeface="Times New Roman" panose="02020603050405020304" pitchFamily="18" charset="0"/>
-              </a:rPr>
-              <a:t>):</a:t>
-            </a:r>
-          </a:p>
-        </p:txBody>
-      </p:sp>
-      <mc:AlternateContent xmlns:mc="http://schemas.openxmlformats.org/markup-compatibility/2006" xmlns:a14="http://schemas.microsoft.com/office/drawing/2010/main">
-        <mc:Choice Requires="a14">
-          <p:sp>
-            <p:nvSpPr>
-              <p:cNvPr id="12" name="TextBox 11">
-                <a:extLst>
-                  <a:ext uri="{FF2B5EF4-FFF2-40B4-BE49-F238E27FC236}">
-                    <a16:creationId xmlns:a16="http://schemas.microsoft.com/office/drawing/2014/main" id="{FEB8BA08-86A9-4B87-891A-0BF1D5ACDBB3}"/>
-                  </a:ext>
-                </a:extLst>
-              </p:cNvPr>
-              <p:cNvSpPr txBox="1"/>
-              <p:nvPr/>
-            </p:nvSpPr>
-            <p:spPr>
-              <a:xfrm>
-                <a:off x="574165" y="5224735"/>
-                <a:ext cx="4606963" cy="766877"/>
-              </a:xfrm>
-              <a:prstGeom prst="rect">
-                <a:avLst/>
-              </a:prstGeom>
-              <a:noFill/>
-            </p:spPr>
-            <p:txBody>
-              <a:bodyPr wrap="square">
-                <a:spAutoFit/>
-              </a:bodyPr>
-              <a:lstStyle/>
-              <a:p>
-                <a:pPr/>
-                <a14:m>
-                  <m:oMathPara xmlns:m="http://schemas.openxmlformats.org/officeDocument/2006/math">
-                    <m:oMathParaPr>
-                      <m:jc m:val="centerGroup"/>
-                    </m:oMathParaPr>
-                    <m:oMath xmlns:m="http://schemas.openxmlformats.org/officeDocument/2006/math">
-                      <m:r>
-                        <m:rPr>
-                          <m:sty m:val="p"/>
-                        </m:rPr>
-                        <a:rPr lang="ru-RU" sz="2000" smtClean="0">
-                          <a:effectLst/>
-                          <a:latin typeface="Cambria Math" panose="02040503050406030204" pitchFamily="18" charset="0"/>
-                          <a:ea typeface="Times New Roman" panose="02020603050405020304" pitchFamily="18" charset="0"/>
-                          <a:cs typeface="Times New Roman" panose="02020603050405020304" pitchFamily="18" charset="0"/>
-                        </a:rPr>
-                        <m:t>η</m:t>
-                      </m:r>
-                      <m:r>
-                        <a:rPr lang="ru-RU" sz="2000" i="1">
-                          <a:effectLst/>
-                          <a:latin typeface="Cambria Math" panose="02040503050406030204" pitchFamily="18" charset="0"/>
-                          <a:ea typeface="Times New Roman" panose="02020603050405020304" pitchFamily="18" charset="0"/>
-                          <a:cs typeface="Times New Roman" panose="02020603050405020304" pitchFamily="18" charset="0"/>
-                        </a:rPr>
-                        <m:t>=</m:t>
-                      </m:r>
-                      <m:f>
-                        <m:fPr>
-                          <m:ctrlPr>
-                            <a:rPr lang="ru-RU" sz="2000" i="1">
-                              <a:effectLst/>
-                              <a:latin typeface="Cambria Math" panose="02040503050406030204" pitchFamily="18" charset="0"/>
-                            </a:rPr>
-                          </m:ctrlPr>
-                        </m:fPr>
-                        <m:num>
-                          <m:r>
-                            <a:rPr lang="ru-RU" sz="2000" i="1">
-                              <a:effectLst/>
-                              <a:latin typeface="Cambria Math" panose="02040503050406030204" pitchFamily="18" charset="0"/>
-                              <a:ea typeface="Times New Roman" panose="02020603050405020304" pitchFamily="18" charset="0"/>
-                              <a:cs typeface="Times New Roman" panose="02020603050405020304" pitchFamily="18" charset="0"/>
-                            </a:rPr>
-                            <m:t>𝑘</m:t>
-                          </m:r>
-                          <m:r>
-                            <a:rPr lang="ru-RU" sz="2000" i="1">
-                              <a:effectLst/>
-                              <a:latin typeface="Cambria Math" panose="02040503050406030204" pitchFamily="18" charset="0"/>
-                              <a:ea typeface="Times New Roman" panose="02020603050405020304" pitchFamily="18" charset="0"/>
-                              <a:cs typeface="Times New Roman" panose="02020603050405020304" pitchFamily="18" charset="0"/>
-                            </a:rPr>
-                            <m:t>−1</m:t>
-                          </m:r>
-                        </m:num>
-                        <m:den>
-                          <m:r>
-                            <a:rPr lang="ru-RU" sz="2000" i="1">
-                              <a:effectLst/>
-                              <a:latin typeface="Cambria Math" panose="02040503050406030204" pitchFamily="18" charset="0"/>
-                              <a:ea typeface="Times New Roman" panose="02020603050405020304" pitchFamily="18" charset="0"/>
-                              <a:cs typeface="Times New Roman" panose="02020603050405020304" pitchFamily="18" charset="0"/>
-                            </a:rPr>
-                            <m:t>2</m:t>
-                          </m:r>
-                        </m:den>
-                      </m:f>
-                      <m:r>
-                        <a:rPr lang="ru-RU" sz="2000" i="1">
-                          <a:effectLst/>
-                          <a:latin typeface="Cambria Math" panose="02040503050406030204" pitchFamily="18" charset="0"/>
-                          <a:ea typeface="Times New Roman" panose="02020603050405020304" pitchFamily="18" charset="0"/>
-                          <a:cs typeface="Times New Roman" panose="02020603050405020304" pitchFamily="18" charset="0"/>
-                        </a:rPr>
-                        <m:t>⋅</m:t>
-                      </m:r>
-                      <m:f>
-                        <m:fPr>
-                          <m:ctrlPr>
-                            <a:rPr lang="ru-RU" sz="2000" i="1">
-                              <a:effectLst/>
-                              <a:latin typeface="Cambria Math" panose="02040503050406030204" pitchFamily="18" charset="0"/>
-                            </a:rPr>
-                          </m:ctrlPr>
-                        </m:fPr>
-                        <m:num>
-                          <m:r>
-                            <a:rPr lang="ru-RU" sz="2000" i="1">
-                              <a:effectLst/>
-                              <a:latin typeface="Cambria Math" panose="02040503050406030204" pitchFamily="18" charset="0"/>
-                              <a:ea typeface="Times New Roman" panose="02020603050405020304" pitchFamily="18" charset="0"/>
-                              <a:cs typeface="Times New Roman" panose="02020603050405020304" pitchFamily="18" charset="0"/>
-                            </a:rPr>
-                            <m:t>𝑚</m:t>
-                          </m:r>
-                          <m:sSubSup>
-                            <m:sSubSupPr>
-                              <m:ctrlPr>
-                                <a:rPr lang="ru-RU" sz="2000" i="1">
-                                  <a:effectLst/>
-                                  <a:latin typeface="Cambria Math" panose="02040503050406030204" pitchFamily="18" charset="0"/>
-                                </a:rPr>
-                              </m:ctrlPr>
-                            </m:sSubSupPr>
-                            <m:e>
-                              <m:r>
-                                <a:rPr lang="ru-RU" sz="2000" i="1">
-                                  <a:effectLst/>
-                                  <a:latin typeface="Cambria Math" panose="02040503050406030204" pitchFamily="18" charset="0"/>
-                                  <a:ea typeface="Times New Roman" panose="02020603050405020304" pitchFamily="18" charset="0"/>
-                                  <a:cs typeface="Times New Roman" panose="02020603050405020304" pitchFamily="18" charset="0"/>
-                                </a:rPr>
-                                <m:t>𝑣</m:t>
-                              </m:r>
-                            </m:e>
-                            <m:sub>
-                              <m:r>
-                                <a:rPr lang="ru-RU" sz="2000" i="1">
-                                  <a:effectLst/>
-                                  <a:latin typeface="Cambria Math" panose="02040503050406030204" pitchFamily="18" charset="0"/>
-                                  <a:ea typeface="Times New Roman" panose="02020603050405020304" pitchFamily="18" charset="0"/>
-                                  <a:cs typeface="Times New Roman" panose="02020603050405020304" pitchFamily="18" charset="0"/>
-                                </a:rPr>
-                                <m:t>𝑃</m:t>
-                              </m:r>
-                            </m:sub>
-                            <m:sup>
-                              <m:r>
-                                <a:rPr lang="ru-RU" sz="2000" i="1">
-                                  <a:effectLst/>
-                                  <a:latin typeface="Cambria Math" panose="02040503050406030204" pitchFamily="18" charset="0"/>
-                                  <a:ea typeface="Times New Roman" panose="02020603050405020304" pitchFamily="18" charset="0"/>
-                                  <a:cs typeface="Times New Roman" panose="02020603050405020304" pitchFamily="18" charset="0"/>
-                                </a:rPr>
-                                <m:t>2</m:t>
-                              </m:r>
-                            </m:sup>
-                          </m:sSubSup>
-                        </m:num>
-                        <m:den>
-                          <m:sSub>
-                            <m:sSubPr>
-                              <m:ctrlPr>
-                                <a:rPr lang="ru-RU" sz="2000" i="1">
-                                  <a:effectLst/>
-                                  <a:latin typeface="Cambria Math" panose="02040503050406030204" pitchFamily="18" charset="0"/>
-                                </a:rPr>
-                              </m:ctrlPr>
-                            </m:sSubPr>
-                            <m:e>
-                              <m:r>
-                                <a:rPr lang="ru-RU" sz="2000" i="1">
-                                  <a:effectLst/>
-                                  <a:latin typeface="Cambria Math" panose="02040503050406030204" pitchFamily="18" charset="0"/>
-                                  <a:ea typeface="Times New Roman" panose="02020603050405020304" pitchFamily="18" charset="0"/>
-                                  <a:cs typeface="Times New Roman" panose="02020603050405020304" pitchFamily="18" charset="0"/>
-                                </a:rPr>
-                                <m:t>𝑝</m:t>
-                              </m:r>
-                            </m:e>
-                            <m:sub>
-                              <m:r>
-                                <a:rPr lang="ru-RU" sz="2000" i="1">
-                                  <a:effectLst/>
-                                  <a:latin typeface="Cambria Math" panose="02040503050406030204" pitchFamily="18" charset="0"/>
-                                  <a:ea typeface="Times New Roman" panose="02020603050405020304" pitchFamily="18" charset="0"/>
-                                  <a:cs typeface="Times New Roman" panose="02020603050405020304" pitchFamily="18" charset="0"/>
-                                </a:rPr>
-                                <m:t>0</m:t>
-                              </m:r>
-                            </m:sub>
-                          </m:sSub>
-                          <m:sSub>
-                            <m:sSubPr>
-                              <m:ctrlPr>
-                                <a:rPr lang="ru-RU" sz="2000" i="1">
-                                  <a:effectLst/>
-                                  <a:latin typeface="Cambria Math" panose="02040503050406030204" pitchFamily="18" charset="0"/>
-                                </a:rPr>
-                              </m:ctrlPr>
-                            </m:sSubPr>
-                            <m:e>
-                              <m:r>
-                                <m:rPr>
-                                  <m:nor/>
-                                </m:rPr>
-                                <a:rPr lang="ru-RU" sz="2000" i="1">
-                                  <a:effectLst/>
-                                  <a:latin typeface="Cambria Math" panose="02040503050406030204" pitchFamily="18" charset="0"/>
-                                  <a:ea typeface="Times New Roman" panose="02020603050405020304" pitchFamily="18" charset="0"/>
-                                  <a:cs typeface="Times New Roman" panose="02020603050405020304" pitchFamily="18" charset="0"/>
-                                </a:rPr>
-                                <m:t>W</m:t>
-                              </m:r>
-                            </m:e>
-                            <m:sub>
-                              <m:r>
-                                <a:rPr lang="ru-RU" sz="2000" i="1">
-                                  <a:effectLst/>
-                                  <a:latin typeface="Cambria Math" panose="02040503050406030204" pitchFamily="18" charset="0"/>
-                                  <a:ea typeface="Times New Roman" panose="02020603050405020304" pitchFamily="18" charset="0"/>
-                                  <a:cs typeface="Times New Roman" panose="02020603050405020304" pitchFamily="18" charset="0"/>
-                                </a:rPr>
-                                <m:t>0</m:t>
-                              </m:r>
-                            </m:sub>
-                          </m:sSub>
-                        </m:den>
-                      </m:f>
-                    </m:oMath>
-                  </m:oMathPara>
-                </a14:m>
-                <a:endParaRPr lang="ru-RU" dirty="0"/>
-              </a:p>
-            </p:txBody>
-          </p:sp>
-        </mc:Choice>
-        <mc:Fallback xmlns="">
-          <p:sp>
-            <p:nvSpPr>
-              <p:cNvPr id="12" name="TextBox 11">
-                <a:extLst>
-                  <a:ext uri="{FF2B5EF4-FFF2-40B4-BE49-F238E27FC236}">
-                    <a16:creationId xmlns:a16="http://schemas.microsoft.com/office/drawing/2014/main" id="{FEB8BA08-86A9-4B87-891A-0BF1D5ACDBB3}"/>
-                  </a:ext>
-                </a:extLst>
-              </p:cNvPr>
-              <p:cNvSpPr txBox="1">
-                <a:spLocks noRot="1" noChangeAspect="1" noMove="1" noResize="1" noEditPoints="1" noAdjustHandles="1" noChangeArrowheads="1" noChangeShapeType="1" noTextEdit="1"/>
-              </p:cNvSpPr>
-              <p:nvPr/>
-            </p:nvSpPr>
-            <p:spPr>
-              <a:xfrm>
-                <a:off x="574165" y="5224735"/>
-                <a:ext cx="4606963" cy="766877"/>
-              </a:xfrm>
-              <a:prstGeom prst="rect">
-                <a:avLst/>
-              </a:prstGeom>
-              <a:blipFill>
-                <a:blip r:embed="rId5"/>
-                <a:stretch>
-                  <a:fillRect/>
-                </a:stretch>
-              </a:blipFill>
-            </p:spPr>
-            <p:txBody>
-              <a:bodyPr/>
-              <a:lstStyle/>
-              <a:p>
-                <a:r>
-                  <a:rPr lang="ru-RU">
-                    <a:noFill/>
-                  </a:rPr>
-                  <a:t> </a:t>
-                </a:r>
-              </a:p>
-            </p:txBody>
-          </p:sp>
-        </mc:Fallback>
-      </mc:AlternateContent>
-      <mc:AlternateContent xmlns:mc="http://schemas.openxmlformats.org/markup-compatibility/2006" xmlns:a14="http://schemas.microsoft.com/office/drawing/2010/main">
-        <mc:Choice Requires="a14">
-          <p:sp>
-            <p:nvSpPr>
-              <p:cNvPr id="13" name="Подзаголовок 2">
-                <a:extLst>
-                  <a:ext uri="{FF2B5EF4-FFF2-40B4-BE49-F238E27FC236}">
-                    <a16:creationId xmlns:a16="http://schemas.microsoft.com/office/drawing/2014/main" id="{7F3B933D-DDF9-4A64-B97C-A425D46804D7}"/>
-                  </a:ext>
-                </a:extLst>
-              </p:cNvPr>
-              <p:cNvSpPr txBox="1">
-                <a:spLocks/>
-              </p:cNvSpPr>
-              <p:nvPr/>
-            </p:nvSpPr>
-            <p:spPr>
-              <a:xfrm>
-                <a:off x="6712797" y="1779426"/>
-                <a:ext cx="5479203" cy="4212186"/>
-              </a:xfrm>
-              <a:prstGeom prst="rect">
-                <a:avLst/>
-              </a:prstGeom>
-            </p:spPr>
-            <p:txBody>
-              <a:bodyPr vert="horz" lIns="91440" tIns="45720" rIns="91440" bIns="45720" rtlCol="0">
-                <a:normAutofit/>
-              </a:bodyPr>
-              <a:lstStyle>
-                <a:lvl1pPr marL="0" indent="0" algn="ctr" defTabSz="914400" rtl="0" eaLnBrk="1" latinLnBrk="0" hangingPunct="1">
-                  <a:lnSpc>
-                    <a:spcPct val="90000"/>
-                  </a:lnSpc>
-                  <a:spcBef>
-                    <a:spcPts val="1000"/>
-                  </a:spcBef>
-                  <a:buFont typeface="Arial" panose="020B0604020202020204" pitchFamily="34" charset="0"/>
-                  <a:buNone/>
-                  <a:defRPr sz="2400" kern="1200">
-                    <a:solidFill>
-                      <a:schemeClr val="tx1"/>
-                    </a:solidFill>
-                    <a:latin typeface="+mn-lt"/>
-                    <a:ea typeface="+mn-ea"/>
-                    <a:cs typeface="+mn-cs"/>
-                  </a:defRPr>
-                </a:lvl1pPr>
-                <a:lvl2pPr marL="457200" indent="0" algn="ctr" defTabSz="914400" rtl="0" eaLnBrk="1" latinLnBrk="0" hangingPunct="1">
-                  <a:lnSpc>
-                    <a:spcPct val="90000"/>
-                  </a:lnSpc>
-                  <a:spcBef>
-                    <a:spcPts val="500"/>
-                  </a:spcBef>
-                  <a:buFont typeface="Arial" panose="020B0604020202020204" pitchFamily="34" charset="0"/>
-                  <a:buNone/>
-                  <a:defRPr sz="2000" kern="1200">
-                    <a:solidFill>
-                      <a:schemeClr val="tx1"/>
-                    </a:solidFill>
-                    <a:latin typeface="+mn-lt"/>
-                    <a:ea typeface="+mn-ea"/>
-                    <a:cs typeface="+mn-cs"/>
-                  </a:defRPr>
-                </a:lvl2pPr>
-                <a:lvl3pPr marL="914400" indent="0" algn="ctr" defTabSz="914400" rtl="0" eaLnBrk="1" latinLnBrk="0" hangingPunct="1">
-                  <a:lnSpc>
-                    <a:spcPct val="90000"/>
-                  </a:lnSpc>
-                  <a:spcBef>
-                    <a:spcPts val="500"/>
-                  </a:spcBef>
-                  <a:buFont typeface="Arial" panose="020B0604020202020204" pitchFamily="34" charset="0"/>
-                  <a:buNone/>
-                  <a:defRPr sz="1800" kern="1200">
-                    <a:solidFill>
-                      <a:schemeClr val="tx1"/>
-                    </a:solidFill>
-                    <a:latin typeface="+mn-lt"/>
-                    <a:ea typeface="+mn-ea"/>
-                    <a:cs typeface="+mn-cs"/>
-                  </a:defRPr>
-                </a:lvl3pPr>
-                <a:lvl4pPr marL="1371600" indent="0" algn="ctr" defTabSz="914400" rtl="0" eaLnBrk="1" latinLnBrk="0" hangingPunct="1">
-                  <a:lnSpc>
-                    <a:spcPct val="90000"/>
-                  </a:lnSpc>
-                  <a:spcBef>
-                    <a:spcPts val="500"/>
-                  </a:spcBef>
-                  <a:buFont typeface="Arial" panose="020B0604020202020204" pitchFamily="34" charset="0"/>
-                  <a:buNone/>
-                  <a:defRPr sz="1600" kern="1200">
-                    <a:solidFill>
-                      <a:schemeClr val="tx1"/>
-                    </a:solidFill>
-                    <a:latin typeface="+mn-lt"/>
-                    <a:ea typeface="+mn-ea"/>
-                    <a:cs typeface="+mn-cs"/>
-                  </a:defRPr>
-                </a:lvl4pPr>
-                <a:lvl5pPr marL="1828800" indent="0" algn="ctr" defTabSz="914400" rtl="0" eaLnBrk="1" latinLnBrk="0" hangingPunct="1">
-                  <a:lnSpc>
-                    <a:spcPct val="90000"/>
-                  </a:lnSpc>
-                  <a:spcBef>
-                    <a:spcPts val="500"/>
-                  </a:spcBef>
-                  <a:buFont typeface="Arial" panose="020B0604020202020204" pitchFamily="34" charset="0"/>
-                  <a:buNone/>
-                  <a:defRPr sz="1600" kern="1200">
-                    <a:solidFill>
-                      <a:schemeClr val="tx1"/>
-                    </a:solidFill>
-                    <a:latin typeface="+mn-lt"/>
-                    <a:ea typeface="+mn-ea"/>
-                    <a:cs typeface="+mn-cs"/>
-                  </a:defRPr>
-                </a:lvl5pPr>
-                <a:lvl6pPr marL="2286000" indent="0" algn="ctr" defTabSz="914400" rtl="0" eaLnBrk="1" latinLnBrk="0" hangingPunct="1">
-                  <a:lnSpc>
-                    <a:spcPct val="90000"/>
-                  </a:lnSpc>
-                  <a:spcBef>
-                    <a:spcPts val="500"/>
-                  </a:spcBef>
-                  <a:buFont typeface="Arial" panose="020B0604020202020204" pitchFamily="34" charset="0"/>
-                  <a:buNone/>
-                  <a:defRPr sz="1600" kern="1200">
-                    <a:solidFill>
-                      <a:schemeClr val="tx1"/>
-                    </a:solidFill>
-                    <a:latin typeface="+mn-lt"/>
-                    <a:ea typeface="+mn-ea"/>
-                    <a:cs typeface="+mn-cs"/>
-                  </a:defRPr>
-                </a:lvl6pPr>
-                <a:lvl7pPr marL="2743200" indent="0" algn="ctr" defTabSz="914400" rtl="0" eaLnBrk="1" latinLnBrk="0" hangingPunct="1">
-                  <a:lnSpc>
-                    <a:spcPct val="90000"/>
-                  </a:lnSpc>
-                  <a:spcBef>
-                    <a:spcPts val="500"/>
-                  </a:spcBef>
-                  <a:buFont typeface="Arial" panose="020B0604020202020204" pitchFamily="34" charset="0"/>
-                  <a:buNone/>
-                  <a:defRPr sz="1600" kern="1200">
-                    <a:solidFill>
-                      <a:schemeClr val="tx1"/>
-                    </a:solidFill>
-                    <a:latin typeface="+mn-lt"/>
-                    <a:ea typeface="+mn-ea"/>
-                    <a:cs typeface="+mn-cs"/>
-                  </a:defRPr>
-                </a:lvl7pPr>
-                <a:lvl8pPr marL="3200400" indent="0" algn="ctr" defTabSz="914400" rtl="0" eaLnBrk="1" latinLnBrk="0" hangingPunct="1">
-                  <a:lnSpc>
-                    <a:spcPct val="90000"/>
-                  </a:lnSpc>
-                  <a:spcBef>
-                    <a:spcPts val="500"/>
-                  </a:spcBef>
-                  <a:buFont typeface="Arial" panose="020B0604020202020204" pitchFamily="34" charset="0"/>
-                  <a:buNone/>
-                  <a:defRPr sz="1600" kern="1200">
-                    <a:solidFill>
-                      <a:schemeClr val="tx1"/>
-                    </a:solidFill>
-                    <a:latin typeface="+mn-lt"/>
-                    <a:ea typeface="+mn-ea"/>
-                    <a:cs typeface="+mn-cs"/>
-                  </a:defRPr>
-                </a:lvl8pPr>
-                <a:lvl9pPr marL="3657600" indent="0" algn="ctr" defTabSz="914400" rtl="0" eaLnBrk="1" latinLnBrk="0" hangingPunct="1">
-                  <a:lnSpc>
-                    <a:spcPct val="90000"/>
-                  </a:lnSpc>
-                  <a:spcBef>
-                    <a:spcPts val="500"/>
-                  </a:spcBef>
-                  <a:buFont typeface="Arial" panose="020B0604020202020204" pitchFamily="34" charset="0"/>
-                  <a:buNone/>
-                  <a:defRPr sz="1600" kern="1200">
-                    <a:solidFill>
-                      <a:schemeClr val="tx1"/>
-                    </a:solidFill>
-                    <a:latin typeface="+mn-lt"/>
-                    <a:ea typeface="+mn-ea"/>
-                    <a:cs typeface="+mn-cs"/>
-                  </a:defRPr>
-                </a:lvl9pPr>
-              </a:lstStyle>
-              <a:p>
-                <a:r>
-                  <a:rPr lang="ru-RU" sz="2000" dirty="0">
-                    <a:latin typeface="Times New Roman" panose="02020603050405020304" pitchFamily="18" charset="0"/>
-                    <a:cs typeface="Times New Roman" panose="02020603050405020304" pitchFamily="18" charset="0"/>
-                  </a:rPr>
-                  <a:t>Алгоритм решения обратной задачи</a:t>
-                </a:r>
-                <a:r>
-                  <a:rPr lang="en-US" sz="2000" dirty="0">
-                    <a:latin typeface="Times New Roman" panose="02020603050405020304" pitchFamily="18" charset="0"/>
-                    <a:cs typeface="Times New Roman" panose="02020603050405020304" pitchFamily="18" charset="0"/>
-                  </a:rPr>
-                  <a:t>:</a:t>
-                </a:r>
-              </a:p>
-              <a:p>
-                <a:pPr marL="457200" indent="-457200">
-                  <a:buFont typeface="+mj-lt"/>
-                  <a:buAutoNum type="arabicPeriod"/>
-                </a:pPr>
-                <a:r>
-                  <a:rPr lang="ru-RU" sz="2000" dirty="0">
-                    <a:effectLst/>
-                    <a:latin typeface="Times New Roman" panose="02020603050405020304" pitchFamily="18" charset="0"/>
-                    <a:ea typeface="Times New Roman" panose="02020603050405020304" pitchFamily="18" charset="0"/>
-                    <a:cs typeface="Times New Roman" panose="02020603050405020304" pitchFamily="18" charset="0"/>
-                  </a:rPr>
-                  <a:t>При заданных параметрах (</a:t>
-                </a:r>
-                <a:r>
-                  <a:rPr lang="en-US" sz="2000" i="1" dirty="0">
-                    <a:effectLst/>
-                    <a:latin typeface="Times New Roman" panose="02020603050405020304" pitchFamily="18" charset="0"/>
-                    <a:ea typeface="Times New Roman" panose="02020603050405020304" pitchFamily="18" charset="0"/>
-                    <a:cs typeface="Times New Roman" panose="02020603050405020304" pitchFamily="18" charset="0"/>
-                  </a:rPr>
-                  <a:t>d</a:t>
-                </a:r>
-                <a:r>
-                  <a:rPr lang="ru-RU" sz="2000" i="1" dirty="0">
-                    <a:effectLst/>
-                    <a:latin typeface="Times New Roman" panose="02020603050405020304" pitchFamily="18" charset="0"/>
-                    <a:ea typeface="Times New Roman" panose="02020603050405020304" pitchFamily="18" charset="0"/>
-                    <a:cs typeface="Times New Roman" panose="02020603050405020304" pitchFamily="18" charset="0"/>
-                  </a:rPr>
-                  <a:t>, </a:t>
-                </a:r>
-                <a14:m>
-                  <m:oMath xmlns:m="http://schemas.openxmlformats.org/officeDocument/2006/math">
-                    <m:sSub>
-                      <m:sSubPr>
-                        <m:ctrlPr>
-                          <a:rPr lang="ru-RU" sz="2000" i="1">
-                            <a:effectLst/>
-                            <a:latin typeface="Cambria Math" panose="02040503050406030204" pitchFamily="18" charset="0"/>
-                            <a:ea typeface="Times New Roman" panose="02020603050405020304" pitchFamily="18" charset="0"/>
-                          </a:rPr>
-                        </m:ctrlPr>
-                      </m:sSubPr>
-                      <m:e>
-                        <m:r>
-                          <a:rPr lang="ru-RU" sz="2000" i="1">
-                            <a:effectLst/>
-                            <a:latin typeface="Cambria Math" panose="02040503050406030204" pitchFamily="18" charset="0"/>
-                            <a:ea typeface="Times New Roman" panose="02020603050405020304" pitchFamily="18" charset="0"/>
-                          </a:rPr>
-                          <m:t>𝑡</m:t>
-                        </m:r>
-                      </m:e>
-                      <m:sub>
-                        <m:r>
-                          <a:rPr lang="ru-RU" sz="2000" i="1">
-                            <a:effectLst/>
-                            <a:latin typeface="Cambria Math" panose="02040503050406030204" pitchFamily="18" charset="0"/>
-                            <a:ea typeface="Times New Roman" panose="02020603050405020304" pitchFamily="18" charset="0"/>
-                          </a:rPr>
-                          <m:t>0</m:t>
-                        </m:r>
-                      </m:sub>
-                    </m:sSub>
-                    <m:r>
-                      <a:rPr lang="ru-RU" sz="2000" i="1">
-                        <a:effectLst/>
-                        <a:latin typeface="Cambria Math" panose="02040503050406030204" pitchFamily="18" charset="0"/>
-                        <a:ea typeface="Times New Roman" panose="02020603050405020304" pitchFamily="18" charset="0"/>
-                      </a:rPr>
-                      <m:t>,  </m:t>
-                    </m:r>
-                    <m:r>
-                      <a:rPr lang="en-US" sz="2000" i="1">
-                        <a:effectLst/>
-                        <a:latin typeface="Cambria Math" panose="02040503050406030204" pitchFamily="18" charset="0"/>
-                        <a:ea typeface="Times New Roman" panose="02020603050405020304" pitchFamily="18" charset="0"/>
-                      </a:rPr>
-                      <m:t>𝑚</m:t>
-                    </m:r>
-                    <m:r>
-                      <a:rPr lang="ru-RU" sz="2000" i="1">
-                        <a:effectLst/>
-                        <a:latin typeface="Cambria Math" panose="02040503050406030204" pitchFamily="18" charset="0"/>
-                        <a:ea typeface="Times New Roman" panose="02020603050405020304" pitchFamily="18" charset="0"/>
-                      </a:rPr>
-                      <m:t>,  </m:t>
-                    </m:r>
-                    <m:r>
-                      <a:rPr lang="ru-RU" sz="2000" i="1">
-                        <a:effectLst/>
-                        <a:latin typeface="Cambria Math" panose="02040503050406030204" pitchFamily="18" charset="0"/>
-                        <a:ea typeface="Times New Roman" panose="02020603050405020304" pitchFamily="18" charset="0"/>
-                      </a:rPr>
-                      <m:t>𝑘</m:t>
-                    </m:r>
-                    <m:r>
-                      <a:rPr lang="ru-RU" sz="2000" i="1">
-                        <a:effectLst/>
-                        <a:latin typeface="Cambria Math" panose="02040503050406030204" pitchFamily="18" charset="0"/>
-                        <a:ea typeface="Times New Roman" panose="02020603050405020304" pitchFamily="18" charset="0"/>
-                      </a:rPr>
-                      <m:t>)</m:t>
-                    </m:r>
-                  </m:oMath>
-                </a14:m>
-                <a:r>
-                  <a:rPr lang="ru-RU" sz="2000" i="1" dirty="0">
-                    <a:effectLst/>
-                    <a:latin typeface="Times New Roman" panose="02020603050405020304" pitchFamily="18" charset="0"/>
-                    <a:ea typeface="Times New Roman" panose="02020603050405020304" pitchFamily="18" charset="0"/>
-                    <a:cs typeface="Times New Roman" panose="02020603050405020304" pitchFamily="18" charset="0"/>
-                  </a:rPr>
-                  <a:t> </a:t>
-                </a:r>
-                <a:r>
-                  <a:rPr lang="ru-RU" sz="2000" dirty="0">
-                    <a:effectLst/>
-                    <a:latin typeface="Times New Roman" panose="02020603050405020304" pitchFamily="18" charset="0"/>
-                    <a:ea typeface="Times New Roman" panose="02020603050405020304" pitchFamily="18" charset="0"/>
-                    <a:cs typeface="Times New Roman" panose="02020603050405020304" pitchFamily="18" charset="0"/>
-                  </a:rPr>
-                  <a:t>производится</a:t>
-                </a:r>
-                <a:r>
-                  <a:rPr lang="ru-RU" sz="2000" i="1" dirty="0">
-                    <a:effectLst/>
-                    <a:latin typeface="Times New Roman" panose="02020603050405020304" pitchFamily="18" charset="0"/>
-                    <a:ea typeface="Times New Roman" panose="02020603050405020304" pitchFamily="18" charset="0"/>
-                    <a:cs typeface="Times New Roman" panose="02020603050405020304" pitchFamily="18" charset="0"/>
-                  </a:rPr>
-                  <a:t> </a:t>
-                </a:r>
-                <a:r>
-                  <a:rPr lang="ru-RU" sz="2000" dirty="0">
-                    <a:effectLst/>
-                    <a:latin typeface="Times New Roman" panose="02020603050405020304" pitchFamily="18" charset="0"/>
-                    <a:ea typeface="Times New Roman" panose="02020603050405020304" pitchFamily="18" charset="0"/>
-                    <a:cs typeface="Times New Roman" panose="02020603050405020304" pitchFamily="18" charset="0"/>
-                  </a:rPr>
-                  <a:t>варьирование начального давления </a:t>
-                </a:r>
-                <a14:m>
-                  <m:oMath xmlns:m="http://schemas.openxmlformats.org/officeDocument/2006/math">
-                    <m:sSub>
-                      <m:sSubPr>
-                        <m:ctrlPr>
-                          <a:rPr lang="ru-RU" sz="2000" i="1">
-                            <a:effectLst/>
-                            <a:latin typeface="Cambria Math" panose="02040503050406030204" pitchFamily="18" charset="0"/>
-                            <a:ea typeface="Times New Roman" panose="02020603050405020304" pitchFamily="18" charset="0"/>
-                          </a:rPr>
-                        </m:ctrlPr>
-                      </m:sSubPr>
-                      <m:e>
-                        <m:r>
-                          <a:rPr lang="en-US" sz="2000" i="1">
-                            <a:effectLst/>
-                            <a:latin typeface="Cambria Math" panose="02040503050406030204" pitchFamily="18" charset="0"/>
-                            <a:ea typeface="Times New Roman" panose="02020603050405020304" pitchFamily="18" charset="0"/>
-                          </a:rPr>
-                          <m:t>𝑝</m:t>
-                        </m:r>
-                      </m:e>
-                      <m:sub>
-                        <m:r>
-                          <a:rPr lang="ru-RU" sz="2000" i="1">
-                            <a:effectLst/>
-                            <a:latin typeface="Cambria Math" panose="02040503050406030204" pitchFamily="18" charset="0"/>
-                            <a:ea typeface="Times New Roman" panose="02020603050405020304" pitchFamily="18" charset="0"/>
-                          </a:rPr>
-                          <m:t>0</m:t>
-                        </m:r>
-                      </m:sub>
-                    </m:sSub>
-                  </m:oMath>
-                </a14:m>
-                <a:r>
-                  <a:rPr lang="ru-RU" sz="2000" dirty="0">
-                    <a:effectLst/>
-                    <a:latin typeface="Times New Roman" panose="02020603050405020304" pitchFamily="18" charset="0"/>
-                    <a:ea typeface="Times New Roman" panose="02020603050405020304" pitchFamily="18" charset="0"/>
-                    <a:cs typeface="Times New Roman" panose="02020603050405020304" pitchFamily="18" charset="0"/>
-                  </a:rPr>
-                  <a:t> и начальной длины камеры</a:t>
-                </a:r>
-                <a14:m>
-                  <m:oMath xmlns:m="http://schemas.openxmlformats.org/officeDocument/2006/math">
-                    <m:r>
-                      <a:rPr lang="ru-RU" sz="2000" i="1">
-                        <a:effectLst/>
-                        <a:latin typeface="Cambria Math" panose="02040503050406030204" pitchFamily="18" charset="0"/>
-                        <a:ea typeface="Times New Roman" panose="02020603050405020304" pitchFamily="18" charset="0"/>
-                      </a:rPr>
-                      <m:t> </m:t>
-                    </m:r>
-                    <m:sSub>
-                      <m:sSubPr>
-                        <m:ctrlPr>
-                          <a:rPr lang="ru-RU" sz="2000" i="1">
-                            <a:effectLst/>
-                            <a:latin typeface="Cambria Math" panose="02040503050406030204" pitchFamily="18" charset="0"/>
-                            <a:ea typeface="Times New Roman" panose="02020603050405020304" pitchFamily="18" charset="0"/>
-                          </a:rPr>
-                        </m:ctrlPr>
-                      </m:sSubPr>
-                      <m:e>
-                        <m:r>
-                          <a:rPr lang="ru-RU" sz="2000" i="1">
-                            <a:effectLst/>
-                            <a:latin typeface="Cambria Math" panose="02040503050406030204" pitchFamily="18" charset="0"/>
-                            <a:ea typeface="Times New Roman" panose="02020603050405020304" pitchFamily="18" charset="0"/>
-                          </a:rPr>
-                          <m:t>𝑥</m:t>
-                        </m:r>
-                      </m:e>
-                      <m:sub>
-                        <m:r>
-                          <a:rPr lang="ru-RU" sz="2000" i="1">
-                            <a:effectLst/>
-                            <a:latin typeface="Cambria Math" panose="02040503050406030204" pitchFamily="18" charset="0"/>
-                            <a:ea typeface="Times New Roman" panose="02020603050405020304" pitchFamily="18" charset="0"/>
-                          </a:rPr>
-                          <m:t>0</m:t>
-                        </m:r>
-                      </m:sub>
-                    </m:sSub>
-                  </m:oMath>
-                </a14:m>
-                <a:r>
-                  <a:rPr lang="ru-RU" sz="2000" dirty="0">
-                    <a:effectLst/>
-                    <a:latin typeface="Times New Roman" panose="02020603050405020304" pitchFamily="18" charset="0"/>
-                    <a:ea typeface="Times New Roman" panose="02020603050405020304" pitchFamily="18" charset="0"/>
-                    <a:cs typeface="Times New Roman" panose="02020603050405020304" pitchFamily="18" charset="0"/>
-                  </a:rPr>
-                  <a:t> </a:t>
-                </a:r>
-              </a:p>
-              <a:p>
-                <a:pPr marL="457200" indent="-457200">
-                  <a:buFont typeface="+mj-lt"/>
-                  <a:buAutoNum type="arabicPeriod"/>
-                </a:pPr>
-                <a:r>
-                  <a:rPr lang="ru-RU" sz="2000" dirty="0">
-                    <a:latin typeface="Times New Roman" panose="02020603050405020304" pitchFamily="18" charset="0"/>
-                    <a:ea typeface="Times New Roman" panose="02020603050405020304" pitchFamily="18" charset="0"/>
-                    <a:cs typeface="Times New Roman" panose="02020603050405020304" pitchFamily="18" charset="0"/>
-                  </a:rPr>
-                  <a:t>П</a:t>
-                </a:r>
-                <a:r>
-                  <a:rPr lang="ru-RU" sz="2000" dirty="0">
-                    <a:effectLst/>
-                    <a:latin typeface="Times New Roman" panose="02020603050405020304" pitchFamily="18" charset="0"/>
-                    <a:ea typeface="Times New Roman" panose="02020603050405020304" pitchFamily="18" charset="0"/>
-                    <a:cs typeface="Times New Roman" panose="02020603050405020304" pitchFamily="18" charset="0"/>
-                  </a:rPr>
-                  <a:t>ри помощи математической модели находится выходная скорость </a:t>
-                </a:r>
-                <a14:m>
-                  <m:oMath xmlns:m="http://schemas.openxmlformats.org/officeDocument/2006/math">
-                    <m:r>
-                      <a:rPr lang="en-US" sz="2000" i="1">
-                        <a:effectLst/>
-                        <a:latin typeface="Cambria Math" panose="02040503050406030204" pitchFamily="18" charset="0"/>
-                        <a:ea typeface="Times New Roman" panose="02020603050405020304" pitchFamily="18" charset="0"/>
-                      </a:rPr>
-                      <m:t>𝑣</m:t>
-                    </m:r>
-                  </m:oMath>
-                </a14:m>
-                <a:r>
-                  <a:rPr lang="ru-RU" sz="2000" dirty="0">
-                    <a:effectLst/>
-                    <a:latin typeface="Times New Roman" panose="02020603050405020304" pitchFamily="18" charset="0"/>
-                    <a:ea typeface="Times New Roman" panose="02020603050405020304" pitchFamily="18" charset="0"/>
-                    <a:cs typeface="Times New Roman" panose="02020603050405020304" pitchFamily="18" charset="0"/>
-                  </a:rPr>
-                  <a:t> и производится проверка по двум условиям:</a:t>
-                </a:r>
-                <a:endParaRPr lang="en-US" sz="2000" dirty="0">
-                  <a:effectLst/>
-                  <a:latin typeface="Times New Roman" panose="02020603050405020304" pitchFamily="18" charset="0"/>
-                  <a:ea typeface="Times New Roman" panose="02020603050405020304" pitchFamily="18" charset="0"/>
-                  <a:cs typeface="Times New Roman" panose="02020603050405020304" pitchFamily="18" charset="0"/>
-                </a:endParaRPr>
-              </a:p>
-              <a:p>
-                <a:pPr marL="457200" indent="-457200">
-                  <a:buFont typeface="Arial" panose="020B0604020202020204" pitchFamily="34" charset="0"/>
-                  <a:buChar char="•"/>
-                </a:pPr>
-                <a:r>
-                  <a:rPr lang="ru-RU" sz="2000" dirty="0">
-                    <a:effectLst/>
-                    <a:latin typeface="Times New Roman" panose="02020603050405020304" pitchFamily="18" charset="0"/>
-                    <a:ea typeface="Times New Roman" panose="02020603050405020304" pitchFamily="18" charset="0"/>
-                    <a:cs typeface="Times New Roman" panose="02020603050405020304" pitchFamily="18" charset="0"/>
-                  </a:rPr>
-                  <a:t>Скорость поршня на выходе из трубы составляет 150 м/с</a:t>
-                </a:r>
-              </a:p>
-              <a:p>
-                <a:pPr marL="457200" indent="-457200">
-                  <a:buFont typeface="Arial" panose="020B0604020202020204" pitchFamily="34" charset="0"/>
-                  <a:buChar char="•"/>
-                </a:pPr>
-                <a:r>
-                  <a:rPr lang="ru-RU" sz="2000" dirty="0">
-                    <a:effectLst/>
-                    <a:latin typeface="Times New Roman" panose="02020603050405020304" pitchFamily="18" charset="0"/>
-                    <a:ea typeface="Times New Roman" panose="02020603050405020304" pitchFamily="18" charset="0"/>
-                    <a:cs typeface="Times New Roman" panose="02020603050405020304" pitchFamily="18" charset="0"/>
-                  </a:rPr>
-                  <a:t>Длина трубы при достижении необходимой скорости не более </a:t>
-                </a:r>
-                <a:r>
-                  <a:rPr lang="en-US" sz="2000" i="1" dirty="0">
-                    <a:effectLst/>
-                    <a:latin typeface="Times New Roman" panose="02020603050405020304" pitchFamily="18" charset="0"/>
-                    <a:ea typeface="Times New Roman" panose="02020603050405020304" pitchFamily="18" charset="0"/>
-                    <a:cs typeface="Times New Roman" panose="02020603050405020304" pitchFamily="18" charset="0"/>
-                  </a:rPr>
-                  <a:t>n</a:t>
-                </a:r>
-                <a:r>
-                  <a:rPr lang="ru-RU" sz="2000" dirty="0">
-                    <a:effectLst/>
-                    <a:latin typeface="Times New Roman" panose="02020603050405020304" pitchFamily="18" charset="0"/>
-                    <a:ea typeface="Times New Roman" panose="02020603050405020304" pitchFamily="18" charset="0"/>
-                    <a:cs typeface="Times New Roman" panose="02020603050405020304" pitchFamily="18" charset="0"/>
-                  </a:rPr>
-                  <a:t> калибров</a:t>
-                </a:r>
-              </a:p>
-              <a:p>
-                <a:pPr marL="457200" indent="-457200">
-                  <a:buFont typeface="+mj-lt"/>
-                  <a:buAutoNum type="arabicPeriod"/>
-                </a:pPr>
-                <a:endParaRPr lang="en-US" sz="2000" dirty="0">
-                  <a:latin typeface="Times New Roman" panose="02020603050405020304" pitchFamily="18" charset="0"/>
-                  <a:cs typeface="Times New Roman" panose="02020603050405020304" pitchFamily="18" charset="0"/>
-                </a:endParaRPr>
-              </a:p>
-            </p:txBody>
-          </p:sp>
-        </mc:Choice>
-        <mc:Fallback xmlns="">
-          <p:sp>
-            <p:nvSpPr>
-              <p:cNvPr id="13" name="Подзаголовок 2">
-                <a:extLst>
-                  <a:ext uri="{FF2B5EF4-FFF2-40B4-BE49-F238E27FC236}">
-                    <a16:creationId xmlns:a16="http://schemas.microsoft.com/office/drawing/2014/main" id="{7F3B933D-DDF9-4A64-B97C-A425D46804D7}"/>
-                  </a:ext>
-                </a:extLst>
-              </p:cNvPr>
-              <p:cNvSpPr txBox="1">
-                <a:spLocks noRot="1" noChangeAspect="1" noMove="1" noResize="1" noEditPoints="1" noAdjustHandles="1" noChangeArrowheads="1" noChangeShapeType="1" noTextEdit="1"/>
-              </p:cNvSpPr>
-              <p:nvPr/>
-            </p:nvSpPr>
-            <p:spPr>
-              <a:xfrm>
-                <a:off x="6712797" y="1779426"/>
-                <a:ext cx="5479203" cy="4212186"/>
-              </a:xfrm>
-              <a:prstGeom prst="rect">
-                <a:avLst/>
-              </a:prstGeom>
-              <a:blipFill>
-                <a:blip r:embed="rId6"/>
-                <a:stretch>
-                  <a:fillRect t="-1592" r="-1669"/>
-                </a:stretch>
-              </a:blipFill>
-            </p:spPr>
-            <p:txBody>
-              <a:bodyPr/>
-              <a:lstStyle/>
-              <a:p>
-                <a:r>
-                  <a:rPr lang="ru-RU">
-                    <a:noFill/>
-                  </a:rPr>
-                  <a:t> </a:t>
-                </a:r>
-              </a:p>
-            </p:txBody>
-          </p:sp>
-        </mc:Fallback>
-      </mc:AlternateContent>
-    </p:spTree>
-    <p:extLst>
-      <p:ext uri="{BB962C8B-B14F-4D97-AF65-F5344CB8AC3E}">
-        <p14:creationId xmlns:p14="http://schemas.microsoft.com/office/powerpoint/2010/main" val="129368535"/>
-      </p:ext>
-    </p:extLst>
-  </p:cSld>
-  <p:clrMapOvr>
-    <a:masterClrMapping/>
-  </p:clrMapOvr>
-</p:sld>
-</file>
-
-<file path=ppt/slides/slide11.xml><?xml version="1.0" encoding="utf-8"?>
-<p:sld xmlns:a="http://schemas.openxmlformats.org/drawingml/2006/main" xmlns:r="http://schemas.openxmlformats.org/officeDocument/2006/relationships" xmlns:p="http://schemas.openxmlformats.org/presentationml/2006/main">
-  <p:cSld>
-    <p:spTree>
-      <p:nvGrpSpPr>
-        <p:cNvPr id="1" name=""/>
-        <p:cNvGrpSpPr/>
-        <p:nvPr/>
-      </p:nvGrpSpPr>
-      <p:grpSpPr>
-        <a:xfrm>
-          <a:off x="0" y="0"/>
-          <a:ext cx="0" cy="0"/>
-          <a:chOff x="0" y="0"/>
-          <a:chExt cx="0" cy="0"/>
-        </a:xfrm>
-      </p:grpSpPr>
-      <p:sp>
-        <p:nvSpPr>
-          <p:cNvPr id="4" name="Прямоугольник 3">
-            <a:extLst>
-              <a:ext uri="{FF2B5EF4-FFF2-40B4-BE49-F238E27FC236}">
-                <a16:creationId xmlns:a16="http://schemas.microsoft.com/office/drawing/2014/main" id="{5ECE0D18-20DF-4B2E-8AC5-54515F52E3D6}"/>
-              </a:ext>
-            </a:extLst>
-          </p:cNvPr>
-          <p:cNvSpPr/>
-          <p:nvPr/>
-        </p:nvSpPr>
-        <p:spPr>
-          <a:xfrm>
-            <a:off x="0" y="0"/>
-            <a:ext cx="12192000" cy="1170813"/>
-          </a:xfrm>
-          <a:prstGeom prst="rect">
-            <a:avLst/>
-          </a:prstGeom>
-          <a:solidFill>
-            <a:schemeClr val="accent1">
-              <a:lumMod val="50000"/>
-            </a:schemeClr>
-          </a:solidFill>
-          <a:ln>
-            <a:noFill/>
-          </a:ln>
-        </p:spPr>
-        <p:style>
-          <a:lnRef idx="2">
-            <a:schemeClr val="accent1">
-              <a:shade val="50000"/>
-            </a:schemeClr>
-          </a:lnRef>
-          <a:fillRef idx="1">
-            <a:schemeClr val="accent1"/>
-          </a:fillRef>
-          <a:effectRef idx="0">
-            <a:schemeClr val="accent1"/>
-          </a:effectRef>
-          <a:fontRef idx="minor">
-            <a:schemeClr val="lt1"/>
-          </a:fontRef>
-        </p:style>
-        <p:txBody>
-          <a:bodyPr rtlCol="0" anchor="ctr"/>
-          <a:lstStyle/>
-          <a:p>
-            <a:r>
-              <a:rPr lang="ru-RU" sz="3600" dirty="0">
-                <a:latin typeface="Times New Roman" panose="02020603050405020304" pitchFamily="18" charset="0"/>
-                <a:cs typeface="Times New Roman" panose="02020603050405020304" pitchFamily="18" charset="0"/>
-              </a:rPr>
-              <a:t>	Результаты решения обратной задачи</a:t>
-            </a:r>
-          </a:p>
-        </p:txBody>
-      </p:sp>
-      <p:sp>
-        <p:nvSpPr>
-          <p:cNvPr id="5" name="Прямоугольник 4">
-            <a:extLst>
-              <a:ext uri="{FF2B5EF4-FFF2-40B4-BE49-F238E27FC236}">
-                <a16:creationId xmlns:a16="http://schemas.microsoft.com/office/drawing/2014/main" id="{08C9DD33-DA0F-41EF-B5A0-CB849668BD3B}"/>
-              </a:ext>
-            </a:extLst>
-          </p:cNvPr>
-          <p:cNvSpPr/>
-          <p:nvPr/>
-        </p:nvSpPr>
-        <p:spPr>
-          <a:xfrm>
-            <a:off x="0" y="6232979"/>
-            <a:ext cx="12192000" cy="625021"/>
-          </a:xfrm>
-          <a:prstGeom prst="rect">
-            <a:avLst/>
-          </a:prstGeom>
-          <a:solidFill>
-            <a:schemeClr val="accent1">
-              <a:lumMod val="50000"/>
-            </a:schemeClr>
-          </a:solidFill>
-        </p:spPr>
-        <p:style>
-          <a:lnRef idx="2">
-            <a:schemeClr val="accent1">
-              <a:shade val="50000"/>
-            </a:schemeClr>
-          </a:lnRef>
-          <a:fillRef idx="1">
-            <a:schemeClr val="accent1"/>
-          </a:fillRef>
-          <a:effectRef idx="0">
-            <a:schemeClr val="accent1"/>
-          </a:effectRef>
-          <a:fontRef idx="minor">
-            <a:schemeClr val="lt1"/>
-          </a:fontRef>
-        </p:style>
-        <p:txBody>
-          <a:bodyPr rtlCol="0" anchor="ctr"/>
-          <a:lstStyle/>
-          <a:p>
-            <a:r>
-              <a:rPr lang="en-US" dirty="0">
-                <a:latin typeface="Times New Roman" panose="02020603050405020304" pitchFamily="18" charset="0"/>
-                <a:ea typeface="Tahoma" panose="020B0604030504040204" pitchFamily="34" charset="0"/>
-                <a:cs typeface="Times New Roman" panose="02020603050405020304" pitchFamily="18" charset="0"/>
-              </a:rPr>
-              <a:t>               </a:t>
-            </a:r>
-            <a:r>
-              <a:rPr lang="ru-RU" dirty="0">
-                <a:latin typeface="Times New Roman" panose="02020603050405020304" pitchFamily="18" charset="0"/>
-                <a:ea typeface="Tahoma" panose="020B0604030504040204" pitchFamily="34" charset="0"/>
-                <a:cs typeface="Times New Roman" panose="02020603050405020304" pitchFamily="18" charset="0"/>
-              </a:rPr>
-              <a:t> МГТУ им. Н. Э. Баумана</a:t>
-            </a:r>
-          </a:p>
-        </p:txBody>
-      </p:sp>
-      <p:pic>
-        <p:nvPicPr>
-          <p:cNvPr id="7" name="Рисунок 6" descr="Изображение выглядит как текст, керамические изделия&#10;&#10;Автоматически созданное описание">
-            <a:extLst>
-              <a:ext uri="{FF2B5EF4-FFF2-40B4-BE49-F238E27FC236}">
-                <a16:creationId xmlns:a16="http://schemas.microsoft.com/office/drawing/2014/main" id="{269245AF-46EE-4074-822D-D9A528D4198A}"/>
-              </a:ext>
-            </a:extLst>
-          </p:cNvPr>
-          <p:cNvPicPr>
-            <a:picLocks noChangeAspect="1"/>
-          </p:cNvPicPr>
-          <p:nvPr/>
-        </p:nvPicPr>
-        <p:blipFill>
-          <a:blip r:embed="rId2">
-            <a:extLst>
-              <a:ext uri="{28A0092B-C50C-407E-A947-70E740481C1C}">
-                <a14:useLocalDpi xmlns:a14="http://schemas.microsoft.com/office/drawing/2010/main" val="0"/>
-              </a:ext>
-              <a:ext uri="{837473B0-CC2E-450A-ABE3-18F120FF3D39}">
-                <a1611:picAttrSrcUrl xmlns:a1611="http://schemas.microsoft.com/office/drawing/2016/11/main" r:id="rId3"/>
-              </a:ext>
-            </a:extLst>
-          </a:blip>
-          <a:stretch>
-            <a:fillRect/>
-          </a:stretch>
-        </p:blipFill>
-        <p:spPr>
-          <a:xfrm>
-            <a:off x="260437" y="6232979"/>
-            <a:ext cx="529678" cy="625020"/>
-          </a:xfrm>
-          <a:prstGeom prst="rect">
-            <a:avLst/>
-          </a:prstGeom>
-        </p:spPr>
-      </p:pic>
-      <p:sp>
-        <p:nvSpPr>
-          <p:cNvPr id="6" name="TextBox 5">
-            <a:extLst>
-              <a:ext uri="{FF2B5EF4-FFF2-40B4-BE49-F238E27FC236}">
-                <a16:creationId xmlns:a16="http://schemas.microsoft.com/office/drawing/2014/main" id="{80FC780E-DB48-41E1-A384-F17049C59F4E}"/>
-              </a:ext>
-            </a:extLst>
-          </p:cNvPr>
-          <p:cNvSpPr txBox="1"/>
-          <p:nvPr/>
-        </p:nvSpPr>
-        <p:spPr>
-          <a:xfrm>
-            <a:off x="0" y="6360823"/>
-            <a:ext cx="12192000" cy="369332"/>
-          </a:xfrm>
-          <a:prstGeom prst="rect">
-            <a:avLst/>
-          </a:prstGeom>
-          <a:noFill/>
-        </p:spPr>
-        <p:txBody>
-          <a:bodyPr wrap="square" rtlCol="0">
-            <a:spAutoFit/>
-          </a:bodyPr>
-          <a:lstStyle/>
-          <a:p>
-            <a:pPr algn="r"/>
-            <a:r>
-              <a:rPr lang="ru-RU" dirty="0">
-                <a:solidFill>
-                  <a:schemeClr val="bg1"/>
-                </a:solidFill>
-                <a:latin typeface="Times New Roman" panose="02020603050405020304" pitchFamily="18" charset="0"/>
-                <a:cs typeface="Times New Roman" panose="02020603050405020304" pitchFamily="18" charset="0"/>
-              </a:rPr>
-              <a:t>10</a:t>
-            </a:r>
-            <a:r>
-              <a:rPr lang="en-US" dirty="0">
-                <a:solidFill>
-                  <a:schemeClr val="bg1"/>
-                </a:solidFill>
-                <a:latin typeface="Times New Roman" panose="02020603050405020304" pitchFamily="18" charset="0"/>
-                <a:cs typeface="Times New Roman" panose="02020603050405020304" pitchFamily="18" charset="0"/>
-              </a:rPr>
-              <a:t>	</a:t>
-            </a:r>
-            <a:endParaRPr lang="ru-RU" dirty="0">
-              <a:solidFill>
-                <a:schemeClr val="bg1"/>
-              </a:solidFill>
-              <a:latin typeface="Times New Roman" panose="02020603050405020304" pitchFamily="18" charset="0"/>
-              <a:cs typeface="Times New Roman" panose="02020603050405020304" pitchFamily="18" charset="0"/>
-            </a:endParaRPr>
-          </a:p>
-        </p:txBody>
-      </p:sp>
-      <p:pic>
-        <p:nvPicPr>
-          <p:cNvPr id="3" name="Рисунок 2">
-            <a:extLst>
-              <a:ext uri="{FF2B5EF4-FFF2-40B4-BE49-F238E27FC236}">
-                <a16:creationId xmlns:a16="http://schemas.microsoft.com/office/drawing/2014/main" id="{DA6D9AD2-3417-4B58-94CD-69068CF75F43}"/>
-              </a:ext>
-            </a:extLst>
-          </p:cNvPr>
-          <p:cNvPicPr>
-            <a:picLocks noChangeAspect="1"/>
-          </p:cNvPicPr>
-          <p:nvPr/>
-        </p:nvPicPr>
-        <p:blipFill>
-          <a:blip r:embed="rId4"/>
-          <a:stretch>
-            <a:fillRect/>
-          </a:stretch>
-        </p:blipFill>
-        <p:spPr>
-          <a:xfrm>
-            <a:off x="1270146" y="1339099"/>
-            <a:ext cx="4276673" cy="4138910"/>
-          </a:xfrm>
-          <a:prstGeom prst="rect">
-            <a:avLst/>
-          </a:prstGeom>
-        </p:spPr>
-      </p:pic>
-      <p:sp>
-        <p:nvSpPr>
-          <p:cNvPr id="10" name="TextBox 9">
-            <a:extLst>
-              <a:ext uri="{FF2B5EF4-FFF2-40B4-BE49-F238E27FC236}">
-                <a16:creationId xmlns:a16="http://schemas.microsoft.com/office/drawing/2014/main" id="{8D42E232-0C55-4E67-81A8-0F97155FD3F7}"/>
-              </a:ext>
-            </a:extLst>
-          </p:cNvPr>
-          <p:cNvSpPr txBox="1"/>
-          <p:nvPr/>
-        </p:nvSpPr>
-        <p:spPr>
-          <a:xfrm rot="10800000" flipV="1">
-            <a:off x="5629809" y="5556555"/>
-            <a:ext cx="6712797" cy="369332"/>
-          </a:xfrm>
-          <a:prstGeom prst="rect">
-            <a:avLst/>
-          </a:prstGeom>
-          <a:noFill/>
-        </p:spPr>
-        <p:txBody>
-          <a:bodyPr wrap="square">
-            <a:spAutoFit/>
-          </a:bodyPr>
-          <a:lstStyle/>
-          <a:p>
-            <a:pPr algn="ctr"/>
-            <a:r>
-              <a:rPr lang="ru-RU" dirty="0">
-                <a:latin typeface="Times New Roman" panose="02020603050405020304" pitchFamily="18" charset="0"/>
-                <a:cs typeface="Times New Roman" panose="02020603050405020304" pitchFamily="18" charset="0"/>
-              </a:rPr>
-              <a:t>Рис. 10. Укрупнение искомой области</a:t>
-            </a:r>
-          </a:p>
-        </p:txBody>
-      </p:sp>
-      <p:pic>
-        <p:nvPicPr>
-          <p:cNvPr id="12" name="Рисунок 11">
-            <a:extLst>
-              <a:ext uri="{FF2B5EF4-FFF2-40B4-BE49-F238E27FC236}">
-                <a16:creationId xmlns:a16="http://schemas.microsoft.com/office/drawing/2014/main" id="{8D10E646-51DE-478F-9CC1-7DB1F080418E}"/>
-              </a:ext>
-            </a:extLst>
-          </p:cNvPr>
-          <p:cNvPicPr>
-            <a:picLocks noChangeAspect="1"/>
-          </p:cNvPicPr>
-          <p:nvPr/>
-        </p:nvPicPr>
-        <p:blipFill>
-          <a:blip r:embed="rId5"/>
-          <a:stretch>
-            <a:fillRect/>
-          </a:stretch>
-        </p:blipFill>
-        <p:spPr>
-          <a:xfrm>
-            <a:off x="6645182" y="1301446"/>
-            <a:ext cx="4424753" cy="4197009"/>
-          </a:xfrm>
-          <a:prstGeom prst="rect">
-            <a:avLst/>
-          </a:prstGeom>
-        </p:spPr>
-      </p:pic>
-      <p:sp>
-        <p:nvSpPr>
-          <p:cNvPr id="13" name="TextBox 12">
-            <a:extLst>
-              <a:ext uri="{FF2B5EF4-FFF2-40B4-BE49-F238E27FC236}">
-                <a16:creationId xmlns:a16="http://schemas.microsoft.com/office/drawing/2014/main" id="{B780D5E9-CA29-4713-8DA9-D7A4DBB5E2CF}"/>
-              </a:ext>
-            </a:extLst>
-          </p:cNvPr>
-          <p:cNvSpPr txBox="1"/>
-          <p:nvPr/>
-        </p:nvSpPr>
-        <p:spPr>
-          <a:xfrm rot="10800000" flipV="1">
-            <a:off x="260437" y="5556554"/>
-            <a:ext cx="6712797" cy="369332"/>
-          </a:xfrm>
-          <a:prstGeom prst="rect">
-            <a:avLst/>
-          </a:prstGeom>
-          <a:noFill/>
-        </p:spPr>
-        <p:txBody>
-          <a:bodyPr wrap="square">
-            <a:spAutoFit/>
-          </a:bodyPr>
-          <a:lstStyle/>
-          <a:p>
-            <a:pPr algn="ctr"/>
-            <a:r>
-              <a:rPr lang="ru-RU" dirty="0">
-                <a:latin typeface="Times New Roman" panose="02020603050405020304" pitchFamily="18" charset="0"/>
-                <a:cs typeface="Times New Roman" panose="02020603050405020304" pitchFamily="18" charset="0"/>
-              </a:rPr>
-              <a:t>Рис. 9. Решение для всей области</a:t>
-            </a:r>
-          </a:p>
-        </p:txBody>
-      </p:sp>
-    </p:spTree>
-    <p:extLst>
-      <p:ext uri="{BB962C8B-B14F-4D97-AF65-F5344CB8AC3E}">
-        <p14:creationId xmlns:p14="http://schemas.microsoft.com/office/powerpoint/2010/main" val="2219899129"/>
-      </p:ext>
-    </p:extLst>
-  </p:cSld>
-  <p:clrMapOvr>
-    <a:masterClrMapping/>
-  </p:clrMapOvr>
-</p:sld>
-</file>
-
-<file path=ppt/slides/slide12.xml><?xml version="1.0" encoding="utf-8"?>
-<p:sld xmlns:a="http://schemas.openxmlformats.org/drawingml/2006/main" xmlns:r="http://schemas.openxmlformats.org/officeDocument/2006/relationships" xmlns:p="http://schemas.openxmlformats.org/presentationml/2006/main">
-  <p:cSld>
-    <p:spTree>
-      <p:nvGrpSpPr>
-        <p:cNvPr id="1" name=""/>
-        <p:cNvGrpSpPr/>
-        <p:nvPr/>
-      </p:nvGrpSpPr>
-      <p:grpSpPr>
-        <a:xfrm>
-          <a:off x="0" y="0"/>
-          <a:ext cx="0" cy="0"/>
-          <a:chOff x="0" y="0"/>
-          <a:chExt cx="0" cy="0"/>
-        </a:xfrm>
-      </p:grpSpPr>
-      <p:sp>
-        <p:nvSpPr>
-          <p:cNvPr id="4" name="Прямоугольник 3">
-            <a:extLst>
-              <a:ext uri="{FF2B5EF4-FFF2-40B4-BE49-F238E27FC236}">
-                <a16:creationId xmlns:a16="http://schemas.microsoft.com/office/drawing/2014/main" id="{5ECE0D18-20DF-4B2E-8AC5-54515F52E3D6}"/>
-              </a:ext>
-            </a:extLst>
-          </p:cNvPr>
-          <p:cNvSpPr/>
-          <p:nvPr/>
-        </p:nvSpPr>
-        <p:spPr>
-          <a:xfrm>
-            <a:off x="0" y="0"/>
-            <a:ext cx="12192000" cy="1170813"/>
-          </a:xfrm>
-          <a:prstGeom prst="rect">
-            <a:avLst/>
-          </a:prstGeom>
-          <a:solidFill>
-            <a:schemeClr val="accent1">
-              <a:lumMod val="50000"/>
-            </a:schemeClr>
-          </a:solidFill>
-          <a:ln>
-            <a:noFill/>
-          </a:ln>
-        </p:spPr>
-        <p:style>
-          <a:lnRef idx="2">
-            <a:schemeClr val="accent1">
-              <a:shade val="50000"/>
-            </a:schemeClr>
-          </a:lnRef>
-          <a:fillRef idx="1">
-            <a:schemeClr val="accent1"/>
-          </a:fillRef>
-          <a:effectRef idx="0">
-            <a:schemeClr val="accent1"/>
-          </a:effectRef>
-          <a:fontRef idx="minor">
-            <a:schemeClr val="lt1"/>
-          </a:fontRef>
-        </p:style>
-        <p:txBody>
-          <a:bodyPr rtlCol="0" anchor="ctr"/>
-          <a:lstStyle/>
-          <a:p>
-            <a:r>
-              <a:rPr lang="ru-RU" sz="3600" dirty="0">
-                <a:latin typeface="Times New Roman" panose="02020603050405020304" pitchFamily="18" charset="0"/>
-                <a:cs typeface="Times New Roman" panose="02020603050405020304" pitchFamily="18" charset="0"/>
-              </a:rPr>
-              <a:t>	Проверка правильности найденного решения</a:t>
-            </a:r>
-          </a:p>
-        </p:txBody>
-      </p:sp>
-      <p:sp>
-        <p:nvSpPr>
-          <p:cNvPr id="5" name="Прямоугольник 4">
-            <a:extLst>
-              <a:ext uri="{FF2B5EF4-FFF2-40B4-BE49-F238E27FC236}">
-                <a16:creationId xmlns:a16="http://schemas.microsoft.com/office/drawing/2014/main" id="{08C9DD33-DA0F-41EF-B5A0-CB849668BD3B}"/>
-              </a:ext>
-            </a:extLst>
-          </p:cNvPr>
-          <p:cNvSpPr/>
-          <p:nvPr/>
-        </p:nvSpPr>
-        <p:spPr>
-          <a:xfrm>
-            <a:off x="0" y="6232979"/>
-            <a:ext cx="12192000" cy="625021"/>
-          </a:xfrm>
-          <a:prstGeom prst="rect">
-            <a:avLst/>
-          </a:prstGeom>
-          <a:solidFill>
-            <a:schemeClr val="accent1">
-              <a:lumMod val="50000"/>
-            </a:schemeClr>
-          </a:solidFill>
-        </p:spPr>
-        <p:style>
-          <a:lnRef idx="2">
-            <a:schemeClr val="accent1">
-              <a:shade val="50000"/>
-            </a:schemeClr>
-          </a:lnRef>
-          <a:fillRef idx="1">
-            <a:schemeClr val="accent1"/>
-          </a:fillRef>
-          <a:effectRef idx="0">
-            <a:schemeClr val="accent1"/>
-          </a:effectRef>
-          <a:fontRef idx="minor">
-            <a:schemeClr val="lt1"/>
-          </a:fontRef>
-        </p:style>
-        <p:txBody>
-          <a:bodyPr rtlCol="0" anchor="ctr"/>
-          <a:lstStyle/>
-          <a:p>
-            <a:r>
-              <a:rPr lang="en-US" dirty="0">
-                <a:latin typeface="Times New Roman" panose="02020603050405020304" pitchFamily="18" charset="0"/>
-                <a:ea typeface="Tahoma" panose="020B0604030504040204" pitchFamily="34" charset="0"/>
-                <a:cs typeface="Times New Roman" panose="02020603050405020304" pitchFamily="18" charset="0"/>
-              </a:rPr>
-              <a:t>               </a:t>
-            </a:r>
-            <a:r>
-              <a:rPr lang="ru-RU" dirty="0">
-                <a:latin typeface="Times New Roman" panose="02020603050405020304" pitchFamily="18" charset="0"/>
-                <a:ea typeface="Tahoma" panose="020B0604030504040204" pitchFamily="34" charset="0"/>
-                <a:cs typeface="Times New Roman" panose="02020603050405020304" pitchFamily="18" charset="0"/>
-              </a:rPr>
-              <a:t> МГТУ им. Н. Э. Баумана</a:t>
-            </a:r>
-          </a:p>
-        </p:txBody>
-      </p:sp>
-      <p:pic>
-        <p:nvPicPr>
-          <p:cNvPr id="7" name="Рисунок 6" descr="Изображение выглядит как текст, керамические изделия&#10;&#10;Автоматически созданное описание">
-            <a:extLst>
-              <a:ext uri="{FF2B5EF4-FFF2-40B4-BE49-F238E27FC236}">
-                <a16:creationId xmlns:a16="http://schemas.microsoft.com/office/drawing/2014/main" id="{269245AF-46EE-4074-822D-D9A528D4198A}"/>
-              </a:ext>
-            </a:extLst>
-          </p:cNvPr>
-          <p:cNvPicPr>
-            <a:picLocks noChangeAspect="1"/>
-          </p:cNvPicPr>
-          <p:nvPr/>
-        </p:nvPicPr>
-        <p:blipFill>
-          <a:blip r:embed="rId2">
-            <a:extLst>
-              <a:ext uri="{28A0092B-C50C-407E-A947-70E740481C1C}">
-                <a14:useLocalDpi xmlns:a14="http://schemas.microsoft.com/office/drawing/2010/main" val="0"/>
-              </a:ext>
-              <a:ext uri="{837473B0-CC2E-450A-ABE3-18F120FF3D39}">
-                <a1611:picAttrSrcUrl xmlns:a1611="http://schemas.microsoft.com/office/drawing/2016/11/main" r:id="rId3"/>
-              </a:ext>
-            </a:extLst>
-          </a:blip>
-          <a:stretch>
-            <a:fillRect/>
-          </a:stretch>
-        </p:blipFill>
-        <p:spPr>
-          <a:xfrm>
-            <a:off x="260437" y="6232979"/>
-            <a:ext cx="529678" cy="625020"/>
-          </a:xfrm>
-          <a:prstGeom prst="rect">
-            <a:avLst/>
-          </a:prstGeom>
-        </p:spPr>
-      </p:pic>
-      <p:sp>
-        <p:nvSpPr>
-          <p:cNvPr id="6" name="TextBox 5">
-            <a:extLst>
-              <a:ext uri="{FF2B5EF4-FFF2-40B4-BE49-F238E27FC236}">
-                <a16:creationId xmlns:a16="http://schemas.microsoft.com/office/drawing/2014/main" id="{80FC780E-DB48-41E1-A384-F17049C59F4E}"/>
-              </a:ext>
-            </a:extLst>
-          </p:cNvPr>
-          <p:cNvSpPr txBox="1"/>
-          <p:nvPr/>
-        </p:nvSpPr>
-        <p:spPr>
-          <a:xfrm>
-            <a:off x="0" y="6360823"/>
-            <a:ext cx="12192000" cy="369332"/>
-          </a:xfrm>
-          <a:prstGeom prst="rect">
-            <a:avLst/>
-          </a:prstGeom>
-          <a:noFill/>
-        </p:spPr>
-        <p:txBody>
-          <a:bodyPr wrap="square" rtlCol="0">
-            <a:spAutoFit/>
-          </a:bodyPr>
-          <a:lstStyle/>
-          <a:p>
-            <a:pPr algn="r"/>
-            <a:r>
-              <a:rPr lang="ru-RU" dirty="0">
-                <a:solidFill>
-                  <a:schemeClr val="bg1"/>
-                </a:solidFill>
-                <a:latin typeface="Times New Roman" panose="02020603050405020304" pitchFamily="18" charset="0"/>
-                <a:cs typeface="Times New Roman" panose="02020603050405020304" pitchFamily="18" charset="0"/>
-              </a:rPr>
-              <a:t>11</a:t>
-            </a:r>
-            <a:r>
-              <a:rPr lang="en-US" dirty="0">
-                <a:solidFill>
-                  <a:schemeClr val="bg1"/>
-                </a:solidFill>
-                <a:latin typeface="Times New Roman" panose="02020603050405020304" pitchFamily="18" charset="0"/>
-                <a:cs typeface="Times New Roman" panose="02020603050405020304" pitchFamily="18" charset="0"/>
-              </a:rPr>
-              <a:t>	</a:t>
-            </a:r>
-            <a:endParaRPr lang="ru-RU" dirty="0">
-              <a:solidFill>
-                <a:schemeClr val="bg1"/>
-              </a:solidFill>
-              <a:latin typeface="Times New Roman" panose="02020603050405020304" pitchFamily="18" charset="0"/>
-              <a:cs typeface="Times New Roman" panose="02020603050405020304" pitchFamily="18" charset="0"/>
-            </a:endParaRPr>
-          </a:p>
-        </p:txBody>
-      </p:sp>
-      <p:sp>
-        <p:nvSpPr>
-          <p:cNvPr id="9" name="Прямоугольник: скругленные верхние углы 8">
-            <a:extLst>
-              <a:ext uri="{FF2B5EF4-FFF2-40B4-BE49-F238E27FC236}">
-                <a16:creationId xmlns:a16="http://schemas.microsoft.com/office/drawing/2014/main" id="{B2E4F13E-16FD-4816-9C5E-F236BA8EC12D}"/>
-              </a:ext>
-            </a:extLst>
-          </p:cNvPr>
-          <p:cNvSpPr/>
-          <p:nvPr/>
-        </p:nvSpPr>
-        <p:spPr>
-          <a:xfrm rot="10800000">
-            <a:off x="260437" y="1904191"/>
-            <a:ext cx="6995340" cy="3595407"/>
-          </a:xfrm>
-          <a:prstGeom prst="round2SameRect">
-            <a:avLst/>
-          </a:prstGeom>
-          <a:solidFill>
-            <a:schemeClr val="bg1"/>
-          </a:solidFill>
-          <a:ln>
-            <a:solidFill>
-              <a:schemeClr val="accent1">
-                <a:lumMod val="50000"/>
-              </a:schemeClr>
-            </a:solidFill>
-          </a:ln>
-        </p:spPr>
-        <p:style>
-          <a:lnRef idx="2">
-            <a:schemeClr val="accent1">
-              <a:shade val="50000"/>
-            </a:schemeClr>
-          </a:lnRef>
-          <a:fillRef idx="1">
-            <a:schemeClr val="accent1"/>
-          </a:fillRef>
-          <a:effectRef idx="0">
-            <a:schemeClr val="accent1"/>
-          </a:effectRef>
-          <a:fontRef idx="minor">
-            <a:schemeClr val="lt1"/>
-          </a:fontRef>
-        </p:style>
-        <p:txBody>
-          <a:bodyPr rtlCol="0" anchor="ctr"/>
-          <a:lstStyle/>
-          <a:p>
-            <a:pPr algn="ctr"/>
-            <a:endParaRPr lang="ru-RU"/>
-          </a:p>
-        </p:txBody>
-      </p:sp>
-      <p:sp>
-        <p:nvSpPr>
-          <p:cNvPr id="12" name="TextBox 11">
-            <a:extLst>
-              <a:ext uri="{FF2B5EF4-FFF2-40B4-BE49-F238E27FC236}">
-                <a16:creationId xmlns:a16="http://schemas.microsoft.com/office/drawing/2014/main" id="{4C67355E-A548-4BF8-9752-34BA0D0F5ADB}"/>
-              </a:ext>
-            </a:extLst>
-          </p:cNvPr>
-          <p:cNvSpPr txBox="1"/>
-          <p:nvPr/>
-        </p:nvSpPr>
-        <p:spPr>
-          <a:xfrm>
-            <a:off x="473460" y="4576269"/>
-            <a:ext cx="6508376" cy="923330"/>
-          </a:xfrm>
-          <a:prstGeom prst="rect">
-            <a:avLst/>
-          </a:prstGeom>
-          <a:noFill/>
-        </p:spPr>
-        <p:txBody>
-          <a:bodyPr wrap="square">
-            <a:spAutoFit/>
-          </a:bodyPr>
-          <a:lstStyle/>
-          <a:p>
-            <a:pPr algn="ctr"/>
-            <a:r>
-              <a:rPr lang="ru-RU" dirty="0">
-                <a:latin typeface="Times New Roman" panose="02020603050405020304" pitchFamily="18" charset="0"/>
-                <a:cs typeface="Times New Roman" panose="02020603050405020304" pitchFamily="18" charset="0"/>
-              </a:rPr>
-              <a:t>Рис. </a:t>
-            </a:r>
-            <a:r>
-              <a:rPr lang="en-US" dirty="0">
-                <a:latin typeface="Times New Roman" panose="02020603050405020304" pitchFamily="18" charset="0"/>
-                <a:cs typeface="Times New Roman" panose="02020603050405020304" pitchFamily="18" charset="0"/>
-              </a:rPr>
-              <a:t>11</a:t>
-            </a:r>
-            <a:r>
-              <a:rPr lang="ru-RU" dirty="0">
-                <a:latin typeface="Times New Roman" panose="02020603050405020304" pitchFamily="18" charset="0"/>
-                <a:cs typeface="Times New Roman" panose="02020603050405020304" pitchFamily="18" charset="0"/>
-              </a:rPr>
-              <a:t>. Результаты решения</a:t>
-            </a:r>
-            <a:r>
-              <a:rPr lang="en-US" dirty="0">
-                <a:latin typeface="Times New Roman" panose="02020603050405020304" pitchFamily="18" charset="0"/>
-                <a:cs typeface="Times New Roman" panose="02020603050405020304" pitchFamily="18" charset="0"/>
-              </a:rPr>
-              <a:t>: </a:t>
-            </a:r>
-            <a:r>
-              <a:rPr lang="ru-RU" dirty="0">
-                <a:latin typeface="Times New Roman" panose="02020603050405020304" pitchFamily="18" charset="0"/>
-                <a:cs typeface="Times New Roman" panose="02020603050405020304" pitchFamily="18" charset="0"/>
-              </a:rPr>
-              <a:t>а – зависимость скорости поршня от времени</a:t>
-            </a:r>
-            <a:r>
-              <a:rPr lang="en-US" dirty="0">
-                <a:latin typeface="Times New Roman" panose="02020603050405020304" pitchFamily="18" charset="0"/>
-                <a:cs typeface="Times New Roman" panose="02020603050405020304" pitchFamily="18" charset="0"/>
-              </a:rPr>
-              <a:t>; </a:t>
-            </a:r>
-            <a:r>
-              <a:rPr lang="ru-RU" dirty="0">
-                <a:latin typeface="Times New Roman" panose="02020603050405020304" pitchFamily="18" charset="0"/>
-                <a:cs typeface="Times New Roman" panose="02020603050405020304" pitchFamily="18" charset="0"/>
-              </a:rPr>
-              <a:t>б – зависимость давления на дно камеры и дно поршня от времени</a:t>
-            </a:r>
-          </a:p>
-        </p:txBody>
-      </p:sp>
-      <p:sp>
-        <p:nvSpPr>
-          <p:cNvPr id="13" name="TextBox 12">
-            <a:extLst>
-              <a:ext uri="{FF2B5EF4-FFF2-40B4-BE49-F238E27FC236}">
-                <a16:creationId xmlns:a16="http://schemas.microsoft.com/office/drawing/2014/main" id="{D069BCC5-2629-4438-9863-BCA92B3EE981}"/>
-              </a:ext>
-            </a:extLst>
-          </p:cNvPr>
-          <p:cNvSpPr txBox="1"/>
-          <p:nvPr/>
-        </p:nvSpPr>
-        <p:spPr>
-          <a:xfrm>
-            <a:off x="1842302" y="4306636"/>
-            <a:ext cx="4522197" cy="369332"/>
-          </a:xfrm>
-          <a:prstGeom prst="rect">
-            <a:avLst/>
-          </a:prstGeom>
-          <a:noFill/>
-        </p:spPr>
-        <p:txBody>
-          <a:bodyPr wrap="square">
-            <a:spAutoFit/>
-          </a:bodyPr>
-          <a:lstStyle/>
-          <a:p>
-            <a:r>
-              <a:rPr lang="ru-RU" dirty="0">
-                <a:latin typeface="Times New Roman" panose="02020603050405020304" pitchFamily="18" charset="0"/>
-                <a:cs typeface="Times New Roman" panose="02020603050405020304" pitchFamily="18" charset="0"/>
-              </a:rPr>
-              <a:t>а)                                                          б)</a:t>
-            </a:r>
-          </a:p>
-        </p:txBody>
-      </p:sp>
-      <p:pic>
-        <p:nvPicPr>
-          <p:cNvPr id="14" name="Рисунок 13">
-            <a:extLst>
-              <a:ext uri="{FF2B5EF4-FFF2-40B4-BE49-F238E27FC236}">
-                <a16:creationId xmlns:a16="http://schemas.microsoft.com/office/drawing/2014/main" id="{F4071D80-8689-4ED1-B01C-2146E5F11067}"/>
-              </a:ext>
-            </a:extLst>
-          </p:cNvPr>
-          <p:cNvPicPr/>
-          <p:nvPr/>
-        </p:nvPicPr>
-        <p:blipFill rotWithShape="1">
-          <a:blip r:embed="rId4"/>
-          <a:srcRect b="1511"/>
-          <a:stretch/>
-        </p:blipFill>
-        <p:spPr bwMode="auto">
-          <a:xfrm>
-            <a:off x="400159" y="2050905"/>
-            <a:ext cx="3155366" cy="2326586"/>
-          </a:xfrm>
-          <a:prstGeom prst="rect">
-            <a:avLst/>
-          </a:prstGeom>
-          <a:ln>
-            <a:noFill/>
-          </a:ln>
-          <a:extLst>
-            <a:ext uri="{53640926-AAD7-44D8-BBD7-CCE9431645EC}">
-              <a14:shadowObscured xmlns:a14="http://schemas.microsoft.com/office/drawing/2010/main"/>
-            </a:ext>
-          </a:extLst>
-        </p:spPr>
-      </p:pic>
-      <p:pic>
-        <p:nvPicPr>
-          <p:cNvPr id="16" name="Рисунок 15">
-            <a:extLst>
-              <a:ext uri="{FF2B5EF4-FFF2-40B4-BE49-F238E27FC236}">
-                <a16:creationId xmlns:a16="http://schemas.microsoft.com/office/drawing/2014/main" id="{19AFBA8E-07B7-4832-B26C-756397C49D0B}"/>
-              </a:ext>
-            </a:extLst>
-          </p:cNvPr>
-          <p:cNvPicPr/>
-          <p:nvPr/>
-        </p:nvPicPr>
-        <p:blipFill rotWithShape="1">
-          <a:blip r:embed="rId5"/>
-          <a:srcRect t="301" b="1847"/>
-          <a:stretch/>
-        </p:blipFill>
-        <p:spPr bwMode="auto">
-          <a:xfrm>
-            <a:off x="3727648" y="2018001"/>
-            <a:ext cx="3254188" cy="2326587"/>
-          </a:xfrm>
-          <a:prstGeom prst="rect">
-            <a:avLst/>
-          </a:prstGeom>
-          <a:ln>
-            <a:noFill/>
-          </a:ln>
-          <a:extLst>
-            <a:ext uri="{53640926-AAD7-44D8-BBD7-CCE9431645EC}">
-              <a14:shadowObscured xmlns:a14="http://schemas.microsoft.com/office/drawing/2010/main"/>
-            </a:ext>
-          </a:extLst>
-        </p:spPr>
-      </p:pic>
-      <p:sp>
-        <p:nvSpPr>
-          <p:cNvPr id="18" name="Подзаголовок 2">
-            <a:extLst>
-              <a:ext uri="{FF2B5EF4-FFF2-40B4-BE49-F238E27FC236}">
-                <a16:creationId xmlns:a16="http://schemas.microsoft.com/office/drawing/2014/main" id="{389CFE90-9034-4CD0-957B-7C06F0EEB617}"/>
-              </a:ext>
-            </a:extLst>
-          </p:cNvPr>
-          <p:cNvSpPr>
-            <a:spLocks noGrp="1"/>
-          </p:cNvSpPr>
-          <p:nvPr>
-            <p:ph type="subTitle" idx="1"/>
-          </p:nvPr>
-        </p:nvSpPr>
-        <p:spPr>
-          <a:xfrm>
-            <a:off x="7255777" y="1909061"/>
-            <a:ext cx="4936223" cy="683457"/>
-          </a:xfrm>
-        </p:spPr>
-        <p:txBody>
-          <a:bodyPr>
-            <a:normAutofit/>
-          </a:bodyPr>
-          <a:lstStyle/>
-          <a:p>
-            <a:r>
-              <a:rPr lang="ru-RU" sz="2000" dirty="0">
-                <a:latin typeface="Times New Roman" panose="02020603050405020304" pitchFamily="18" charset="0"/>
-                <a:cs typeface="Times New Roman" panose="02020603050405020304" pitchFamily="18" charset="0"/>
-              </a:rPr>
-              <a:t>Погрешность выходной скорости</a:t>
-            </a:r>
-            <a:r>
-              <a:rPr lang="en-US" sz="2000" dirty="0">
-                <a:latin typeface="Times New Roman" panose="02020603050405020304" pitchFamily="18" charset="0"/>
-                <a:cs typeface="Times New Roman" panose="02020603050405020304" pitchFamily="18" charset="0"/>
-              </a:rPr>
-              <a:t>:</a:t>
-            </a:r>
-          </a:p>
-        </p:txBody>
-      </p:sp>
-      <mc:AlternateContent xmlns:mc="http://schemas.openxmlformats.org/markup-compatibility/2006" xmlns:a14="http://schemas.microsoft.com/office/drawing/2010/main">
-        <mc:Choice Requires="a14">
-          <p:sp>
-            <p:nvSpPr>
-              <p:cNvPr id="19" name="TextBox 18">
-                <a:extLst>
-                  <a:ext uri="{FF2B5EF4-FFF2-40B4-BE49-F238E27FC236}">
-                    <a16:creationId xmlns:a16="http://schemas.microsoft.com/office/drawing/2014/main" id="{5E2CFF76-8867-47E8-9374-5DDAAA50EE10}"/>
-                  </a:ext>
-                </a:extLst>
-              </p:cNvPr>
-              <p:cNvSpPr txBox="1"/>
-              <p:nvPr/>
-            </p:nvSpPr>
-            <p:spPr>
-              <a:xfrm>
-                <a:off x="7255776" y="2465792"/>
-                <a:ext cx="4936224" cy="683457"/>
-              </a:xfrm>
-              <a:prstGeom prst="rect">
-                <a:avLst/>
-              </a:prstGeom>
-              <a:noFill/>
-            </p:spPr>
-            <p:txBody>
-              <a:bodyPr wrap="square">
-                <a:spAutoFit/>
-              </a:bodyPr>
-              <a:lstStyle/>
-              <a:p>
-                <a:pPr/>
-                <a14:m>
-                  <m:oMathPara xmlns:m="http://schemas.openxmlformats.org/officeDocument/2006/math">
-                    <m:oMathParaPr>
-                      <m:jc m:val="centerGroup"/>
-                    </m:oMathParaPr>
-                    <m:oMath xmlns:m="http://schemas.openxmlformats.org/officeDocument/2006/math">
-                      <m:r>
-                        <a:rPr lang="ru-RU" sz="2000" i="1" smtClean="0">
-                          <a:latin typeface="Cambria Math" panose="02040503050406030204" pitchFamily="18" charset="0"/>
-                        </a:rPr>
-                        <m:t>𝛿</m:t>
-                      </m:r>
-                      <m:r>
-                        <a:rPr lang="ru-RU" sz="2000" i="0">
-                          <a:latin typeface="Cambria Math" panose="02040503050406030204" pitchFamily="18" charset="0"/>
-                        </a:rPr>
-                        <m:t>=</m:t>
-                      </m:r>
-                      <m:f>
-                        <m:fPr>
-                          <m:ctrlPr>
-                            <a:rPr lang="ru-RU" sz="2000" i="1">
-                              <a:solidFill>
-                                <a:srgbClr val="836967"/>
-                              </a:solidFill>
-                              <a:latin typeface="Cambria Math" panose="02040503050406030204" pitchFamily="18" charset="0"/>
-                            </a:rPr>
-                          </m:ctrlPr>
-                        </m:fPr>
-                        <m:num>
-                          <m:sSub>
-                            <m:sSubPr>
-                              <m:ctrlPr>
-                                <a:rPr lang="ru-RU" sz="2000" i="1">
-                                  <a:solidFill>
-                                    <a:srgbClr val="836967"/>
-                                  </a:solidFill>
-                                  <a:latin typeface="Cambria Math" panose="02040503050406030204" pitchFamily="18" charset="0"/>
-                                </a:rPr>
-                              </m:ctrlPr>
-                            </m:sSubPr>
-                            <m:e>
-                              <m:r>
-                                <a:rPr lang="ru-RU" sz="2000" i="1">
-                                  <a:latin typeface="Cambria Math" panose="02040503050406030204" pitchFamily="18" charset="0"/>
-                                </a:rPr>
-                                <m:t>𝑣</m:t>
-                              </m:r>
-                            </m:e>
-                            <m:sub>
-                              <m:r>
-                                <a:rPr lang="ru-RU" sz="2000" i="0">
-                                  <a:latin typeface="Cambria Math" panose="02040503050406030204" pitchFamily="18" charset="0"/>
-                                </a:rPr>
-                                <m:t>расч.</m:t>
-                              </m:r>
-                            </m:sub>
-                          </m:sSub>
-                          <m:r>
-                            <a:rPr lang="ru-RU" sz="2000" i="0">
-                              <a:latin typeface="Cambria Math" panose="02040503050406030204" pitchFamily="18" charset="0"/>
-                            </a:rPr>
-                            <m:t>−</m:t>
-                          </m:r>
-                          <m:sSub>
-                            <m:sSubPr>
-                              <m:ctrlPr>
-                                <a:rPr lang="ru-RU" sz="2000" i="1">
-                                  <a:solidFill>
-                                    <a:srgbClr val="836967"/>
-                                  </a:solidFill>
-                                  <a:latin typeface="Cambria Math" panose="02040503050406030204" pitchFamily="18" charset="0"/>
-                                </a:rPr>
-                              </m:ctrlPr>
-                            </m:sSubPr>
-                            <m:e>
-                              <m:r>
-                                <a:rPr lang="ru-RU" sz="2000" i="1">
-                                  <a:latin typeface="Cambria Math" panose="02040503050406030204" pitchFamily="18" charset="0"/>
-                                </a:rPr>
-                                <m:t>𝑣</m:t>
-                              </m:r>
-                            </m:e>
-                            <m:sub>
-                              <m:r>
-                                <a:rPr lang="ru-RU" sz="2000" i="0">
-                                  <a:latin typeface="Cambria Math" panose="02040503050406030204" pitchFamily="18" charset="0"/>
-                                </a:rPr>
-                                <m:t>исх.</m:t>
-                              </m:r>
-                            </m:sub>
-                          </m:sSub>
-                        </m:num>
-                        <m:den>
-                          <m:sSub>
-                            <m:sSubPr>
-                              <m:ctrlPr>
-                                <a:rPr lang="ru-RU" sz="2000" i="1">
-                                  <a:solidFill>
-                                    <a:srgbClr val="836967"/>
-                                  </a:solidFill>
-                                  <a:latin typeface="Cambria Math" panose="02040503050406030204" pitchFamily="18" charset="0"/>
-                                </a:rPr>
-                              </m:ctrlPr>
-                            </m:sSubPr>
-                            <m:e>
-                              <m:r>
-                                <a:rPr lang="ru-RU" sz="2000" i="1">
-                                  <a:latin typeface="Cambria Math" panose="02040503050406030204" pitchFamily="18" charset="0"/>
-                                </a:rPr>
-                                <m:t>𝑣</m:t>
-                              </m:r>
-                            </m:e>
-                            <m:sub>
-                              <m:r>
-                                <a:rPr lang="ru-RU" sz="2000" i="0">
-                                  <a:latin typeface="Cambria Math" panose="02040503050406030204" pitchFamily="18" charset="0"/>
-                                </a:rPr>
-                                <m:t>исх.</m:t>
-                              </m:r>
-                            </m:sub>
-                          </m:sSub>
-                        </m:den>
-                      </m:f>
-                      <m:r>
-                        <a:rPr lang="ru-RU" sz="2000" i="0">
-                          <a:latin typeface="Cambria Math" panose="02040503050406030204" pitchFamily="18" charset="0"/>
-                        </a:rPr>
-                        <m:t>∙100%=0.012 %</m:t>
-                      </m:r>
-                    </m:oMath>
-                  </m:oMathPara>
-                </a14:m>
-                <a:endParaRPr lang="ru-RU" sz="2000" dirty="0"/>
-              </a:p>
-            </p:txBody>
-          </p:sp>
-        </mc:Choice>
-        <mc:Fallback xmlns="">
-          <p:sp>
-            <p:nvSpPr>
-              <p:cNvPr id="19" name="TextBox 18">
-                <a:extLst>
-                  <a:ext uri="{FF2B5EF4-FFF2-40B4-BE49-F238E27FC236}">
-                    <a16:creationId xmlns:a16="http://schemas.microsoft.com/office/drawing/2014/main" id="{5E2CFF76-8867-47E8-9374-5DDAAA50EE10}"/>
-                  </a:ext>
-                </a:extLst>
-              </p:cNvPr>
-              <p:cNvSpPr txBox="1">
-                <a:spLocks noRot="1" noChangeAspect="1" noMove="1" noResize="1" noEditPoints="1" noAdjustHandles="1" noChangeArrowheads="1" noChangeShapeType="1" noTextEdit="1"/>
-              </p:cNvSpPr>
-              <p:nvPr/>
-            </p:nvSpPr>
-            <p:spPr>
-              <a:xfrm>
-                <a:off x="7255776" y="2465792"/>
-                <a:ext cx="4936224" cy="683457"/>
-              </a:xfrm>
-              <a:prstGeom prst="rect">
-                <a:avLst/>
-              </a:prstGeom>
-              <a:blipFill>
-                <a:blip r:embed="rId6"/>
-                <a:stretch>
-                  <a:fillRect/>
-                </a:stretch>
-              </a:blipFill>
-            </p:spPr>
-            <p:txBody>
-              <a:bodyPr/>
-              <a:lstStyle/>
-              <a:p>
-                <a:r>
-                  <a:rPr lang="ru-RU">
-                    <a:noFill/>
-                  </a:rPr>
-                  <a:t> </a:t>
-                </a:r>
-              </a:p>
-            </p:txBody>
-          </p:sp>
-        </mc:Fallback>
-      </mc:AlternateContent>
-      <p:sp>
-        <p:nvSpPr>
-          <p:cNvPr id="20" name="Подзаголовок 2">
-            <a:extLst>
-              <a:ext uri="{FF2B5EF4-FFF2-40B4-BE49-F238E27FC236}">
-                <a16:creationId xmlns:a16="http://schemas.microsoft.com/office/drawing/2014/main" id="{311FF5A2-964A-4014-B19B-7C94911B3417}"/>
-              </a:ext>
-            </a:extLst>
-          </p:cNvPr>
-          <p:cNvSpPr txBox="1">
-            <a:spLocks/>
-          </p:cNvSpPr>
-          <p:nvPr/>
-        </p:nvSpPr>
-        <p:spPr>
-          <a:xfrm>
-            <a:off x="7255777" y="3264731"/>
-            <a:ext cx="4936223" cy="599935"/>
-          </a:xfrm>
-          <a:prstGeom prst="rect">
-            <a:avLst/>
-          </a:prstGeom>
-        </p:spPr>
-        <p:txBody>
-          <a:bodyPr vert="horz" lIns="91440" tIns="45720" rIns="91440" bIns="45720" rtlCol="0">
-            <a:normAutofit/>
-          </a:bodyPr>
-          <a:lstStyle>
-            <a:lvl1pPr marL="0" indent="0" algn="ctr" defTabSz="914400" rtl="0" eaLnBrk="1" latinLnBrk="0" hangingPunct="1">
-              <a:lnSpc>
-                <a:spcPct val="90000"/>
-              </a:lnSpc>
-              <a:spcBef>
-                <a:spcPts val="1000"/>
-              </a:spcBef>
-              <a:buFont typeface="Arial" panose="020B0604020202020204" pitchFamily="34" charset="0"/>
-              <a:buNone/>
-              <a:defRPr sz="2400" kern="1200">
-                <a:solidFill>
-                  <a:schemeClr val="tx1"/>
-                </a:solidFill>
-                <a:latin typeface="+mn-lt"/>
-                <a:ea typeface="+mn-ea"/>
-                <a:cs typeface="+mn-cs"/>
-              </a:defRPr>
-            </a:lvl1pPr>
-            <a:lvl2pPr marL="457200" indent="0" algn="ctr" defTabSz="914400" rtl="0" eaLnBrk="1" latinLnBrk="0" hangingPunct="1">
-              <a:lnSpc>
-                <a:spcPct val="90000"/>
-              </a:lnSpc>
-              <a:spcBef>
-                <a:spcPts val="500"/>
-              </a:spcBef>
-              <a:buFont typeface="Arial" panose="020B0604020202020204" pitchFamily="34" charset="0"/>
-              <a:buNone/>
-              <a:defRPr sz="2000" kern="1200">
-                <a:solidFill>
-                  <a:schemeClr val="tx1"/>
-                </a:solidFill>
-                <a:latin typeface="+mn-lt"/>
-                <a:ea typeface="+mn-ea"/>
-                <a:cs typeface="+mn-cs"/>
-              </a:defRPr>
-            </a:lvl2pPr>
-            <a:lvl3pPr marL="914400" indent="0" algn="ctr" defTabSz="914400" rtl="0" eaLnBrk="1" latinLnBrk="0" hangingPunct="1">
-              <a:lnSpc>
-                <a:spcPct val="90000"/>
-              </a:lnSpc>
-              <a:spcBef>
-                <a:spcPts val="500"/>
-              </a:spcBef>
-              <a:buFont typeface="Arial" panose="020B0604020202020204" pitchFamily="34" charset="0"/>
-              <a:buNone/>
-              <a:defRPr sz="1800" kern="1200">
-                <a:solidFill>
-                  <a:schemeClr val="tx1"/>
-                </a:solidFill>
-                <a:latin typeface="+mn-lt"/>
-                <a:ea typeface="+mn-ea"/>
-                <a:cs typeface="+mn-cs"/>
-              </a:defRPr>
-            </a:lvl3pPr>
-            <a:lvl4pPr marL="1371600" indent="0" algn="ctr" defTabSz="914400" rtl="0" eaLnBrk="1" latinLnBrk="0" hangingPunct="1">
-              <a:lnSpc>
-                <a:spcPct val="90000"/>
-              </a:lnSpc>
-              <a:spcBef>
-                <a:spcPts val="500"/>
-              </a:spcBef>
-              <a:buFont typeface="Arial" panose="020B0604020202020204" pitchFamily="34" charset="0"/>
-              <a:buNone/>
-              <a:defRPr sz="1600" kern="1200">
-                <a:solidFill>
-                  <a:schemeClr val="tx1"/>
-                </a:solidFill>
-                <a:latin typeface="+mn-lt"/>
-                <a:ea typeface="+mn-ea"/>
-                <a:cs typeface="+mn-cs"/>
-              </a:defRPr>
-            </a:lvl4pPr>
-            <a:lvl5pPr marL="1828800" indent="0" algn="ctr" defTabSz="914400" rtl="0" eaLnBrk="1" latinLnBrk="0" hangingPunct="1">
-              <a:lnSpc>
-                <a:spcPct val="90000"/>
-              </a:lnSpc>
-              <a:spcBef>
-                <a:spcPts val="500"/>
-              </a:spcBef>
-              <a:buFont typeface="Arial" panose="020B0604020202020204" pitchFamily="34" charset="0"/>
-              <a:buNone/>
-              <a:defRPr sz="1600" kern="1200">
-                <a:solidFill>
-                  <a:schemeClr val="tx1"/>
-                </a:solidFill>
-                <a:latin typeface="+mn-lt"/>
-                <a:ea typeface="+mn-ea"/>
-                <a:cs typeface="+mn-cs"/>
-              </a:defRPr>
-            </a:lvl5pPr>
-            <a:lvl6pPr marL="2286000" indent="0" algn="ctr" defTabSz="914400" rtl="0" eaLnBrk="1" latinLnBrk="0" hangingPunct="1">
-              <a:lnSpc>
-                <a:spcPct val="90000"/>
-              </a:lnSpc>
-              <a:spcBef>
-                <a:spcPts val="500"/>
-              </a:spcBef>
-              <a:buFont typeface="Arial" panose="020B0604020202020204" pitchFamily="34" charset="0"/>
-              <a:buNone/>
-              <a:defRPr sz="1600" kern="1200">
-                <a:solidFill>
-                  <a:schemeClr val="tx1"/>
-                </a:solidFill>
-                <a:latin typeface="+mn-lt"/>
-                <a:ea typeface="+mn-ea"/>
-                <a:cs typeface="+mn-cs"/>
-              </a:defRPr>
-            </a:lvl6pPr>
-            <a:lvl7pPr marL="2743200" indent="0" algn="ctr" defTabSz="914400" rtl="0" eaLnBrk="1" latinLnBrk="0" hangingPunct="1">
-              <a:lnSpc>
-                <a:spcPct val="90000"/>
-              </a:lnSpc>
-              <a:spcBef>
-                <a:spcPts val="500"/>
-              </a:spcBef>
-              <a:buFont typeface="Arial" panose="020B0604020202020204" pitchFamily="34" charset="0"/>
-              <a:buNone/>
-              <a:defRPr sz="1600" kern="1200">
-                <a:solidFill>
-                  <a:schemeClr val="tx1"/>
-                </a:solidFill>
-                <a:latin typeface="+mn-lt"/>
-                <a:ea typeface="+mn-ea"/>
-                <a:cs typeface="+mn-cs"/>
-              </a:defRPr>
-            </a:lvl7pPr>
-            <a:lvl8pPr marL="3200400" indent="0" algn="ctr" defTabSz="914400" rtl="0" eaLnBrk="1" latinLnBrk="0" hangingPunct="1">
-              <a:lnSpc>
-                <a:spcPct val="90000"/>
-              </a:lnSpc>
-              <a:spcBef>
-                <a:spcPts val="500"/>
-              </a:spcBef>
-              <a:buFont typeface="Arial" panose="020B0604020202020204" pitchFamily="34" charset="0"/>
-              <a:buNone/>
-              <a:defRPr sz="1600" kern="1200">
-                <a:solidFill>
-                  <a:schemeClr val="tx1"/>
-                </a:solidFill>
-                <a:latin typeface="+mn-lt"/>
-                <a:ea typeface="+mn-ea"/>
-                <a:cs typeface="+mn-cs"/>
-              </a:defRPr>
-            </a:lvl8pPr>
-            <a:lvl9pPr marL="3657600" indent="0" algn="ctr" defTabSz="914400" rtl="0" eaLnBrk="1" latinLnBrk="0" hangingPunct="1">
-              <a:lnSpc>
-                <a:spcPct val="90000"/>
-              </a:lnSpc>
-              <a:spcBef>
-                <a:spcPts val="500"/>
-              </a:spcBef>
-              <a:buFont typeface="Arial" panose="020B0604020202020204" pitchFamily="34" charset="0"/>
-              <a:buNone/>
-              <a:defRPr sz="1600" kern="1200">
-                <a:solidFill>
-                  <a:schemeClr val="tx1"/>
-                </a:solidFill>
-                <a:latin typeface="+mn-lt"/>
-                <a:ea typeface="+mn-ea"/>
-                <a:cs typeface="+mn-cs"/>
-              </a:defRPr>
-            </a:lvl9pPr>
-          </a:lstStyle>
-          <a:p>
-            <a:r>
-              <a:rPr lang="ru-RU" sz="2000" dirty="0">
-                <a:latin typeface="Times New Roman" panose="02020603050405020304" pitchFamily="18" charset="0"/>
-                <a:cs typeface="Times New Roman" panose="02020603050405020304" pitchFamily="18" charset="0"/>
-              </a:rPr>
-              <a:t>Выполнение начальных условий</a:t>
-            </a:r>
-            <a:r>
-              <a:rPr lang="en-US" sz="2000" dirty="0">
-                <a:latin typeface="Times New Roman" panose="02020603050405020304" pitchFamily="18" charset="0"/>
-                <a:cs typeface="Times New Roman" panose="02020603050405020304" pitchFamily="18" charset="0"/>
-              </a:rPr>
-              <a:t>:</a:t>
-            </a:r>
-          </a:p>
-        </p:txBody>
-      </p:sp>
-      <mc:AlternateContent xmlns:mc="http://schemas.openxmlformats.org/markup-compatibility/2006" xmlns:a14="http://schemas.microsoft.com/office/drawing/2010/main">
-        <mc:Choice Requires="a14">
-          <p:sp>
-            <p:nvSpPr>
-              <p:cNvPr id="21" name="TextBox 20">
-                <a:extLst>
-                  <a:ext uri="{FF2B5EF4-FFF2-40B4-BE49-F238E27FC236}">
-                    <a16:creationId xmlns:a16="http://schemas.microsoft.com/office/drawing/2014/main" id="{50836B9E-AE35-486A-8BC2-0D4768A6862B}"/>
-                  </a:ext>
-                </a:extLst>
-              </p:cNvPr>
-              <p:cNvSpPr txBox="1"/>
-              <p:nvPr/>
-            </p:nvSpPr>
-            <p:spPr>
-              <a:xfrm>
-                <a:off x="7255776" y="3880217"/>
-                <a:ext cx="4936223" cy="400109"/>
-              </a:xfrm>
-              <a:prstGeom prst="rect">
-                <a:avLst/>
-              </a:prstGeom>
-              <a:noFill/>
-            </p:spPr>
-            <p:txBody>
-              <a:bodyPr wrap="square">
-                <a:spAutoFit/>
-              </a:bodyPr>
-              <a:lstStyle/>
-              <a:p>
-                <a:pPr/>
-                <a14:m>
-                  <m:oMathPara xmlns:m="http://schemas.openxmlformats.org/officeDocument/2006/math">
-                    <m:oMathParaPr>
-                      <m:jc m:val="centerGroup"/>
-                    </m:oMathParaPr>
-                    <m:oMath xmlns:m="http://schemas.openxmlformats.org/officeDocument/2006/math">
-                      <m:sSub>
-                        <m:sSubPr>
-                          <m:ctrlPr>
-                            <a:rPr lang="ru-RU" sz="2000" i="1" smtClean="0">
-                              <a:effectLst/>
-                              <a:latin typeface="Cambria Math" panose="02040503050406030204" pitchFamily="18" charset="0"/>
-                            </a:rPr>
-                          </m:ctrlPr>
-                        </m:sSubPr>
-                        <m:e>
-                          <m:r>
-                            <a:rPr lang="en-US" sz="2000" i="1">
-                              <a:effectLst/>
-                              <a:latin typeface="Cambria Math" panose="02040503050406030204" pitchFamily="18" charset="0"/>
-                              <a:ea typeface="Times New Roman" panose="02020603050405020304" pitchFamily="18" charset="0"/>
-                              <a:cs typeface="Times New Roman" panose="02020603050405020304" pitchFamily="18" charset="0"/>
-                            </a:rPr>
-                            <m:t>𝑝</m:t>
-                          </m:r>
-                        </m:e>
-                        <m:sub>
-                          <m:r>
-                            <a:rPr lang="ru-RU" sz="2000" i="1">
-                              <a:effectLst/>
-                              <a:latin typeface="Cambria Math" panose="02040503050406030204" pitchFamily="18" charset="0"/>
-                              <a:ea typeface="Times New Roman" panose="02020603050405020304" pitchFamily="18" charset="0"/>
-                              <a:cs typeface="Times New Roman" panose="02020603050405020304" pitchFamily="18" charset="0"/>
-                            </a:rPr>
-                            <m:t>0</m:t>
-                          </m:r>
-                        </m:sub>
-                      </m:sSub>
-                      <m:r>
-                        <a:rPr lang="ru-RU" sz="2000" i="1">
-                          <a:effectLst/>
-                          <a:latin typeface="Cambria Math" panose="02040503050406030204" pitchFamily="18" charset="0"/>
-                          <a:ea typeface="Times New Roman" panose="02020603050405020304" pitchFamily="18" charset="0"/>
-                          <a:cs typeface="Times New Roman" panose="02020603050405020304" pitchFamily="18" charset="0"/>
-                        </a:rPr>
-                        <m:t> = 12 </m:t>
-                      </m:r>
-                      <m:r>
-                        <m:rPr>
-                          <m:nor/>
-                        </m:rPr>
-                        <a:rPr lang="ru-RU" sz="2000">
-                          <a:effectLst/>
-                          <a:latin typeface="Times New Roman" panose="02020603050405020304" pitchFamily="18" charset="0"/>
-                          <a:ea typeface="Times New Roman" panose="02020603050405020304" pitchFamily="18" charset="0"/>
-                        </a:rPr>
-                        <m:t>МПа</m:t>
-                      </m:r>
-                      <m:r>
-                        <a:rPr lang="ru-RU" sz="2000" i="1">
-                          <a:effectLst/>
-                          <a:latin typeface="Cambria Math" panose="02040503050406030204" pitchFamily="18" charset="0"/>
-                          <a:ea typeface="Times New Roman" panose="02020603050405020304" pitchFamily="18" charset="0"/>
-                          <a:cs typeface="Times New Roman" panose="02020603050405020304" pitchFamily="18" charset="0"/>
-                        </a:rPr>
-                        <m:t> ≤ </m:t>
-                      </m:r>
-                      <m:sSub>
-                        <m:sSubPr>
-                          <m:ctrlPr>
-                            <a:rPr lang="ru-RU" sz="2000" i="1">
-                              <a:effectLst/>
-                              <a:latin typeface="Cambria Math" panose="02040503050406030204" pitchFamily="18" charset="0"/>
-                            </a:rPr>
-                          </m:ctrlPr>
-                        </m:sSubPr>
-                        <m:e>
-                          <m:r>
-                            <a:rPr lang="en-US" sz="2000" i="1">
-                              <a:effectLst/>
-                              <a:latin typeface="Cambria Math" panose="02040503050406030204" pitchFamily="18" charset="0"/>
-                              <a:ea typeface="Times New Roman" panose="02020603050405020304" pitchFamily="18" charset="0"/>
-                              <a:cs typeface="Times New Roman" panose="02020603050405020304" pitchFamily="18" charset="0"/>
-                            </a:rPr>
-                            <m:t>𝑝</m:t>
-                          </m:r>
-                        </m:e>
-                        <m:sub>
-                          <m:r>
-                            <a:rPr lang="en-US" sz="2000" i="1">
-                              <a:effectLst/>
-                              <a:latin typeface="Cambria Math" panose="02040503050406030204" pitchFamily="18" charset="0"/>
-                              <a:ea typeface="Times New Roman" panose="02020603050405020304" pitchFamily="18" charset="0"/>
-                              <a:cs typeface="Times New Roman" panose="02020603050405020304" pitchFamily="18" charset="0"/>
-                            </a:rPr>
-                            <m:t>𝑚𝑎𝑥</m:t>
-                          </m:r>
-                        </m:sub>
-                      </m:sSub>
-                      <m:r>
-                        <a:rPr lang="ru-RU" sz="2000" i="1">
-                          <a:effectLst/>
-                          <a:latin typeface="Cambria Math" panose="02040503050406030204" pitchFamily="18" charset="0"/>
-                          <a:ea typeface="Times New Roman" panose="02020603050405020304" pitchFamily="18" charset="0"/>
-                          <a:cs typeface="Times New Roman" panose="02020603050405020304" pitchFamily="18" charset="0"/>
-                        </a:rPr>
-                        <m:t> = 12 </m:t>
-                      </m:r>
-                      <m:r>
-                        <m:rPr>
-                          <m:nor/>
-                        </m:rPr>
-                        <a:rPr lang="ru-RU" sz="2000">
-                          <a:effectLst/>
-                          <a:latin typeface="Times New Roman" panose="02020603050405020304" pitchFamily="18" charset="0"/>
-                          <a:ea typeface="Times New Roman" panose="02020603050405020304" pitchFamily="18" charset="0"/>
-                        </a:rPr>
-                        <m:t>МПа</m:t>
-                      </m:r>
-                    </m:oMath>
-                  </m:oMathPara>
-                </a14:m>
-                <a:endParaRPr lang="ru-RU" sz="2000" dirty="0"/>
-              </a:p>
-            </p:txBody>
-          </p:sp>
-        </mc:Choice>
-        <mc:Fallback xmlns="">
-          <p:sp>
-            <p:nvSpPr>
-              <p:cNvPr id="21" name="TextBox 20">
-                <a:extLst>
-                  <a:ext uri="{FF2B5EF4-FFF2-40B4-BE49-F238E27FC236}">
-                    <a16:creationId xmlns:a16="http://schemas.microsoft.com/office/drawing/2014/main" id="{50836B9E-AE35-486A-8BC2-0D4768A6862B}"/>
-                  </a:ext>
-                </a:extLst>
-              </p:cNvPr>
-              <p:cNvSpPr txBox="1">
-                <a:spLocks noRot="1" noChangeAspect="1" noMove="1" noResize="1" noEditPoints="1" noAdjustHandles="1" noChangeArrowheads="1" noChangeShapeType="1" noTextEdit="1"/>
-              </p:cNvSpPr>
-              <p:nvPr/>
-            </p:nvSpPr>
-            <p:spPr>
-              <a:xfrm>
-                <a:off x="7255776" y="3880217"/>
-                <a:ext cx="4936223" cy="400109"/>
-              </a:xfrm>
-              <a:prstGeom prst="rect">
-                <a:avLst/>
-              </a:prstGeom>
-              <a:blipFill>
-                <a:blip r:embed="rId7"/>
-                <a:stretch>
-                  <a:fillRect b="-7692"/>
-                </a:stretch>
-              </a:blipFill>
-            </p:spPr>
-            <p:txBody>
-              <a:bodyPr/>
-              <a:lstStyle/>
-              <a:p>
-                <a:r>
-                  <a:rPr lang="ru-RU">
-                    <a:noFill/>
-                  </a:rPr>
-                  <a:t> </a:t>
-                </a:r>
-              </a:p>
-            </p:txBody>
-          </p:sp>
-        </mc:Fallback>
-      </mc:AlternateContent>
-      <mc:AlternateContent xmlns:mc="http://schemas.openxmlformats.org/markup-compatibility/2006" xmlns:a14="http://schemas.microsoft.com/office/drawing/2010/main">
-        <mc:Choice Requires="a14">
-          <p:sp>
-            <p:nvSpPr>
-              <p:cNvPr id="23" name="TextBox 22">
-                <a:extLst>
-                  <a:ext uri="{FF2B5EF4-FFF2-40B4-BE49-F238E27FC236}">
-                    <a16:creationId xmlns:a16="http://schemas.microsoft.com/office/drawing/2014/main" id="{615CC8AF-DC71-411B-81AC-459AB9BFB435}"/>
-                  </a:ext>
-                </a:extLst>
-              </p:cNvPr>
-              <p:cNvSpPr txBox="1"/>
-              <p:nvPr/>
-            </p:nvSpPr>
-            <p:spPr>
-              <a:xfrm>
-                <a:off x="7255777" y="4421243"/>
-                <a:ext cx="4936223" cy="408504"/>
-              </a:xfrm>
-              <a:prstGeom prst="rect">
-                <a:avLst/>
-              </a:prstGeom>
-              <a:noFill/>
-            </p:spPr>
-            <p:txBody>
-              <a:bodyPr wrap="square">
-                <a:spAutoFit/>
-              </a:bodyPr>
-              <a:lstStyle/>
-              <a:p>
-                <a:pPr/>
-                <a14:m>
-                  <m:oMathPara xmlns:m="http://schemas.openxmlformats.org/officeDocument/2006/math">
-                    <m:oMathParaPr>
-                      <m:jc m:val="centerGroup"/>
-                    </m:oMathParaPr>
-                    <m:oMath xmlns:m="http://schemas.openxmlformats.org/officeDocument/2006/math">
-                      <m:sSub>
-                        <m:sSubPr>
-                          <m:ctrlPr>
-                            <a:rPr lang="ru-RU" sz="2000" i="1" smtClean="0">
-                              <a:solidFill>
-                                <a:srgbClr val="836967"/>
-                              </a:solidFill>
-                              <a:latin typeface="Cambria Math" panose="02040503050406030204" pitchFamily="18" charset="0"/>
-                            </a:rPr>
-                          </m:ctrlPr>
-                        </m:sSubPr>
-                        <m:e>
-                          <m:r>
-                            <a:rPr lang="ru-RU" sz="2000" i="1">
-                              <a:latin typeface="Cambria Math" panose="02040503050406030204" pitchFamily="18" charset="0"/>
-                            </a:rPr>
-                            <m:t>𝑥</m:t>
-                          </m:r>
-                        </m:e>
-                        <m:sub>
-                          <m:r>
-                            <a:rPr lang="ru-RU" sz="2000" i="1">
-                              <a:latin typeface="Cambria Math" panose="02040503050406030204" pitchFamily="18" charset="0"/>
-                            </a:rPr>
-                            <m:t>𝑚</m:t>
-                          </m:r>
-                        </m:sub>
-                      </m:sSub>
-                      <m:r>
-                        <a:rPr lang="ru-RU" sz="2000" i="0">
-                          <a:latin typeface="Cambria Math" panose="02040503050406030204" pitchFamily="18" charset="0"/>
-                        </a:rPr>
-                        <m:t>= 0.892 м≤  </m:t>
-                      </m:r>
-                      <m:r>
-                        <a:rPr lang="ru-RU" sz="2000" i="1">
-                          <a:latin typeface="Cambria Math" panose="02040503050406030204" pitchFamily="18" charset="0"/>
-                        </a:rPr>
-                        <m:t>𝑛</m:t>
-                      </m:r>
-                      <m:r>
-                        <a:rPr lang="ru-RU" sz="2000" i="0">
-                          <a:latin typeface="Cambria Math" panose="02040503050406030204" pitchFamily="18" charset="0"/>
-                        </a:rPr>
-                        <m:t>∙</m:t>
-                      </m:r>
-                      <m:r>
-                        <a:rPr lang="ru-RU" sz="2000" i="1">
-                          <a:latin typeface="Cambria Math" panose="02040503050406030204" pitchFamily="18" charset="0"/>
-                        </a:rPr>
-                        <m:t>𝑑</m:t>
-                      </m:r>
-                      <m:r>
-                        <a:rPr lang="ru-RU" sz="2000" i="0">
-                          <a:latin typeface="Cambria Math" panose="02040503050406030204" pitchFamily="18" charset="0"/>
-                        </a:rPr>
-                        <m:t>= 0.9 м</m:t>
-                      </m:r>
-                    </m:oMath>
-                  </m:oMathPara>
-                </a14:m>
-                <a:endParaRPr lang="ru-RU" sz="2000" dirty="0"/>
-              </a:p>
-            </p:txBody>
-          </p:sp>
-        </mc:Choice>
-        <mc:Fallback xmlns="">
-          <p:sp>
-            <p:nvSpPr>
-              <p:cNvPr id="23" name="TextBox 22">
-                <a:extLst>
-                  <a:ext uri="{FF2B5EF4-FFF2-40B4-BE49-F238E27FC236}">
-                    <a16:creationId xmlns:a16="http://schemas.microsoft.com/office/drawing/2014/main" id="{615CC8AF-DC71-411B-81AC-459AB9BFB435}"/>
-                  </a:ext>
-                </a:extLst>
-              </p:cNvPr>
-              <p:cNvSpPr txBox="1">
-                <a:spLocks noRot="1" noChangeAspect="1" noMove="1" noResize="1" noEditPoints="1" noAdjustHandles="1" noChangeArrowheads="1" noChangeShapeType="1" noTextEdit="1"/>
-              </p:cNvSpPr>
-              <p:nvPr/>
-            </p:nvSpPr>
-            <p:spPr>
-              <a:xfrm>
-                <a:off x="7255777" y="4421243"/>
-                <a:ext cx="4936223" cy="408504"/>
-              </a:xfrm>
-              <a:prstGeom prst="rect">
-                <a:avLst/>
-              </a:prstGeom>
-              <a:blipFill>
-                <a:blip r:embed="rId8"/>
-                <a:stretch>
-                  <a:fillRect/>
-                </a:stretch>
-              </a:blipFill>
-            </p:spPr>
-            <p:txBody>
-              <a:bodyPr/>
-              <a:lstStyle/>
-              <a:p>
-                <a:r>
-                  <a:rPr lang="ru-RU">
-                    <a:noFill/>
-                  </a:rPr>
-                  <a:t> </a:t>
-                </a:r>
-              </a:p>
-            </p:txBody>
-          </p:sp>
-        </mc:Fallback>
-      </mc:AlternateContent>
-      <mc:AlternateContent xmlns:mc="http://schemas.openxmlformats.org/markup-compatibility/2006" xmlns:a14="http://schemas.microsoft.com/office/drawing/2010/main">
-        <mc:Choice Requires="a14">
-          <p:sp>
-            <p:nvSpPr>
-              <p:cNvPr id="25" name="TextBox 24">
-                <a:extLst>
-                  <a:ext uri="{FF2B5EF4-FFF2-40B4-BE49-F238E27FC236}">
-                    <a16:creationId xmlns:a16="http://schemas.microsoft.com/office/drawing/2014/main" id="{2B5E2D76-218A-40C9-A425-6FF9744FC1E4}"/>
-                  </a:ext>
-                </a:extLst>
-              </p:cNvPr>
-              <p:cNvSpPr txBox="1"/>
-              <p:nvPr/>
-            </p:nvSpPr>
-            <p:spPr>
-              <a:xfrm>
-                <a:off x="7194860" y="4957783"/>
-                <a:ext cx="4936223" cy="408504"/>
-              </a:xfrm>
-              <a:prstGeom prst="rect">
-                <a:avLst/>
-              </a:prstGeom>
-              <a:noFill/>
-            </p:spPr>
-            <p:txBody>
-              <a:bodyPr wrap="square">
-                <a:spAutoFit/>
-              </a:bodyPr>
-              <a:lstStyle/>
-              <a:p>
-                <a:pPr/>
-                <a14:m>
-                  <m:oMathPara xmlns:m="http://schemas.openxmlformats.org/officeDocument/2006/math">
-                    <m:oMathParaPr>
-                      <m:jc m:val="centerGroup"/>
-                    </m:oMathParaPr>
-                    <m:oMath xmlns:m="http://schemas.openxmlformats.org/officeDocument/2006/math">
-                      <m:sSub>
-                        <m:sSubPr>
-                          <m:ctrlPr>
-                            <a:rPr lang="ru-RU" sz="2000" i="1" smtClean="0">
-                              <a:solidFill>
-                                <a:srgbClr val="836967"/>
-                              </a:solidFill>
-                              <a:latin typeface="Cambria Math" panose="02040503050406030204" pitchFamily="18" charset="0"/>
-                            </a:rPr>
-                          </m:ctrlPr>
-                        </m:sSubPr>
-                        <m:e>
-                          <m:r>
-                            <a:rPr lang="ru-RU" sz="2000" i="1">
-                              <a:latin typeface="Cambria Math" panose="02040503050406030204" pitchFamily="18" charset="0"/>
-                            </a:rPr>
-                            <m:t>𝑥</m:t>
-                          </m:r>
-                        </m:e>
-                        <m:sub>
-                          <m:r>
-                            <a:rPr lang="ru-RU" sz="2000" i="0">
-                              <a:latin typeface="Cambria Math" panose="02040503050406030204" pitchFamily="18" charset="0"/>
-                            </a:rPr>
-                            <m:t>0</m:t>
-                          </m:r>
-                        </m:sub>
-                      </m:sSub>
-                      <m:r>
-                        <a:rPr lang="ru-RU" sz="2000" i="0">
-                          <a:latin typeface="Cambria Math" panose="02040503050406030204" pitchFamily="18" charset="0"/>
-                        </a:rPr>
-                        <m:t>=0.0345 м≤</m:t>
-                      </m:r>
-                      <m:f>
-                        <m:fPr>
-                          <m:type m:val="lin"/>
-                          <m:ctrlPr>
-                            <a:rPr lang="ru-RU" sz="2000" i="1">
-                              <a:latin typeface="Cambria Math" panose="02040503050406030204" pitchFamily="18" charset="0"/>
-                            </a:rPr>
-                          </m:ctrlPr>
-                        </m:fPr>
-                        <m:num>
-                          <m:sSub>
-                            <m:sSubPr>
-                              <m:ctrlPr>
-                                <a:rPr lang="ru-RU" sz="2000" i="1">
-                                  <a:solidFill>
-                                    <a:srgbClr val="836967"/>
-                                  </a:solidFill>
-                                  <a:latin typeface="Cambria Math" panose="02040503050406030204" pitchFamily="18" charset="0"/>
-                                </a:rPr>
-                              </m:ctrlPr>
-                            </m:sSubPr>
-                            <m:e>
-                              <m:r>
-                                <a:rPr lang="ru-RU" sz="2000" i="1">
-                                  <a:latin typeface="Cambria Math" panose="02040503050406030204" pitchFamily="18" charset="0"/>
-                                </a:rPr>
-                                <m:t>𝑥</m:t>
-                              </m:r>
-                            </m:e>
-                            <m:sub>
-                              <m:r>
-                                <a:rPr lang="ru-RU" sz="2000" i="1">
-                                  <a:latin typeface="Cambria Math" panose="02040503050406030204" pitchFamily="18" charset="0"/>
-                                </a:rPr>
-                                <m:t>𝑚</m:t>
-                              </m:r>
-                            </m:sub>
-                          </m:sSub>
-                        </m:num>
-                        <m:den>
-                          <m:r>
-                            <a:rPr lang="ru-RU" sz="2000" i="0">
-                              <a:latin typeface="Cambria Math" panose="02040503050406030204" pitchFamily="18" charset="0"/>
-                            </a:rPr>
-                            <m:t>3</m:t>
-                          </m:r>
-                        </m:den>
-                      </m:f>
-                      <m:r>
-                        <a:rPr lang="ru-RU" sz="2000" i="0">
-                          <a:latin typeface="Cambria Math" panose="02040503050406030204" pitchFamily="18" charset="0"/>
-                        </a:rPr>
-                        <m:t> = 0.3 м</m:t>
-                      </m:r>
-                    </m:oMath>
-                  </m:oMathPara>
-                </a14:m>
-                <a:endParaRPr lang="ru-RU" sz="2000" dirty="0"/>
-              </a:p>
-            </p:txBody>
-          </p:sp>
-        </mc:Choice>
-        <mc:Fallback xmlns="">
-          <p:sp>
-            <p:nvSpPr>
-              <p:cNvPr id="25" name="TextBox 24">
-                <a:extLst>
-                  <a:ext uri="{FF2B5EF4-FFF2-40B4-BE49-F238E27FC236}">
-                    <a16:creationId xmlns:a16="http://schemas.microsoft.com/office/drawing/2014/main" id="{2B5E2D76-218A-40C9-A425-6FF9744FC1E4}"/>
-                  </a:ext>
-                </a:extLst>
-              </p:cNvPr>
-              <p:cNvSpPr txBox="1">
-                <a:spLocks noRot="1" noChangeAspect="1" noMove="1" noResize="1" noEditPoints="1" noAdjustHandles="1" noChangeArrowheads="1" noChangeShapeType="1" noTextEdit="1"/>
-              </p:cNvSpPr>
-              <p:nvPr/>
-            </p:nvSpPr>
-            <p:spPr>
-              <a:xfrm>
-                <a:off x="7194860" y="4957783"/>
-                <a:ext cx="4936223" cy="408504"/>
-              </a:xfrm>
-              <a:prstGeom prst="rect">
-                <a:avLst/>
-              </a:prstGeom>
-              <a:blipFill>
-                <a:blip r:embed="rId9"/>
-                <a:stretch>
-                  <a:fillRect t="-114925" b="-173134"/>
-                </a:stretch>
-              </a:blipFill>
-            </p:spPr>
-            <p:txBody>
-              <a:bodyPr/>
-              <a:lstStyle/>
-              <a:p>
-                <a:r>
-                  <a:rPr lang="ru-RU">
-                    <a:noFill/>
-                  </a:rPr>
-                  <a:t> </a:t>
-                </a:r>
-              </a:p>
-            </p:txBody>
-          </p:sp>
-        </mc:Fallback>
-      </mc:AlternateContent>
-    </p:spTree>
-    <p:extLst>
-      <p:ext uri="{BB962C8B-B14F-4D97-AF65-F5344CB8AC3E}">
-        <p14:creationId xmlns:p14="http://schemas.microsoft.com/office/powerpoint/2010/main" val="2865400611"/>
-      </p:ext>
-    </p:extLst>
-  </p:cSld>
-  <p:clrMapOvr>
-    <a:masterClrMapping/>
-  </p:clrMapOvr>
-</p:sld>
-</file>
-
-<file path=ppt/slides/slide13.xml><?xml version="1.0" encoding="utf-8"?>
 <p:sld xmlns:a="http://schemas.openxmlformats.org/drawingml/2006/main" xmlns:r="http://schemas.openxmlformats.org/officeDocument/2006/relationships" xmlns:p="http://schemas.openxmlformats.org/presentationml/2006/main">
   <p:cSld>
     <p:spTree>
@@ -11089,13 +7849,13 @@
           <p:nvPr/>
         </p:nvPicPr>
         <p:blipFill>
-          <a:blip r:embed="rId2">
+          <a:blip r:embed="rId2" cstate="hqprint">
             <a:extLst>
               <a:ext uri="{28A0092B-C50C-407E-A947-70E740481C1C}">
                 <a14:useLocalDpi xmlns:a14="http://schemas.microsoft.com/office/drawing/2010/main" val="0"/>
               </a:ext>
               <a:ext uri="{837473B0-CC2E-450A-ABE3-18F120FF3D39}">
-                <a1611:picAttrSrcUrl xmlns:a1611="http://schemas.microsoft.com/office/drawing/2016/11/main" r:id="rId3"/>
+                <a1611:picAttrSrcUrl xmlns:a1611="http://schemas.microsoft.com/office/drawing/2016/11/main" xmlns="" r:id="rId3"/>
               </a:ext>
             </a:extLst>
           </a:blip>
@@ -11479,13 +8239,13 @@
           <p:nvPr/>
         </p:nvPicPr>
         <p:blipFill>
-          <a:blip r:embed="rId2">
+          <a:blip r:embed="rId2" cstate="hqprint">
             <a:extLst>
               <a:ext uri="{28A0092B-C50C-407E-A947-70E740481C1C}">
                 <a14:useLocalDpi xmlns:a14="http://schemas.microsoft.com/office/drawing/2010/main" val="0"/>
               </a:ext>
               <a:ext uri="{837473B0-CC2E-450A-ABE3-18F120FF3D39}">
-                <a1611:picAttrSrcUrl xmlns:a1611="http://schemas.microsoft.com/office/drawing/2016/11/main" r:id="rId3"/>
+                <a1611:picAttrSrcUrl xmlns:a1611="http://schemas.microsoft.com/office/drawing/2016/11/main" xmlns="" r:id="rId3"/>
               </a:ext>
             </a:extLst>
           </a:blip>
@@ -11760,13 +8520,13 @@
           <p:nvPr/>
         </p:nvPicPr>
         <p:blipFill>
-          <a:blip r:embed="rId2">
+          <a:blip r:embed="rId2" cstate="hqprint">
             <a:extLst>
               <a:ext uri="{28A0092B-C50C-407E-A947-70E740481C1C}">
                 <a14:useLocalDpi xmlns:a14="http://schemas.microsoft.com/office/drawing/2010/main" val="0"/>
               </a:ext>
               <a:ext uri="{837473B0-CC2E-450A-ABE3-18F120FF3D39}">
-                <a1611:picAttrSrcUrl xmlns:a1611="http://schemas.microsoft.com/office/drawing/2016/11/main" r:id="rId3"/>
+                <a1611:picAttrSrcUrl xmlns:a1611="http://schemas.microsoft.com/office/drawing/2016/11/main" xmlns="" r:id="rId3"/>
               </a:ext>
             </a:extLst>
           </a:blip>
@@ -12273,13 +9033,13 @@
           <p:nvPr/>
         </p:nvPicPr>
         <p:blipFill>
-          <a:blip r:embed="rId2">
+          <a:blip r:embed="rId2" cstate="hqprint">
             <a:extLst>
               <a:ext uri="{28A0092B-C50C-407E-A947-70E740481C1C}">
                 <a14:useLocalDpi xmlns:a14="http://schemas.microsoft.com/office/drawing/2010/main" val="0"/>
               </a:ext>
               <a:ext uri="{837473B0-CC2E-450A-ABE3-18F120FF3D39}">
-                <a1611:picAttrSrcUrl xmlns:a1611="http://schemas.microsoft.com/office/drawing/2016/11/main" r:id="rId3"/>
+                <a1611:picAttrSrcUrl xmlns:a1611="http://schemas.microsoft.com/office/drawing/2016/11/main" xmlns="" r:id="rId3"/>
               </a:ext>
             </a:extLst>
           </a:blip>
@@ -12361,7 +9121,7 @@
           <p:nvPr/>
         </p:nvPicPr>
         <p:blipFill>
-          <a:blip r:embed="rId4">
+          <a:blip r:embed="rId4" cstate="hqprint">
             <a:extLst>
               <a:ext uri="{28A0092B-C50C-407E-A947-70E740481C1C}">
                 <a14:useLocalDpi xmlns:a14="http://schemas.microsoft.com/office/drawing/2010/main" val="0"/>
@@ -12568,13 +9328,13 @@
           <p:nvPr/>
         </p:nvPicPr>
         <p:blipFill>
-          <a:blip r:embed="rId2">
+          <a:blip r:embed="rId2" cstate="hqprint">
             <a:extLst>
               <a:ext uri="{28A0092B-C50C-407E-A947-70E740481C1C}">
                 <a14:useLocalDpi xmlns:a14="http://schemas.microsoft.com/office/drawing/2010/main" val="0"/>
               </a:ext>
               <a:ext uri="{837473B0-CC2E-450A-ABE3-18F120FF3D39}">
-                <a1611:picAttrSrcUrl xmlns:a1611="http://schemas.microsoft.com/office/drawing/2016/11/main" r:id="rId3"/>
+                <a1611:picAttrSrcUrl xmlns:a1611="http://schemas.microsoft.com/office/drawing/2016/11/main" xmlns="" r:id="rId3"/>
               </a:ext>
             </a:extLst>
           </a:blip>
@@ -12868,13 +9628,13 @@
           <p:nvPr/>
         </p:nvPicPr>
         <p:blipFill>
-          <a:blip r:embed="rId2">
+          <a:blip r:embed="rId2" cstate="hqprint">
             <a:extLst>
               <a:ext uri="{28A0092B-C50C-407E-A947-70E740481C1C}">
                 <a14:useLocalDpi xmlns:a14="http://schemas.microsoft.com/office/drawing/2010/main" val="0"/>
               </a:ext>
               <a:ext uri="{837473B0-CC2E-450A-ABE3-18F120FF3D39}">
-                <a1611:picAttrSrcUrl xmlns:a1611="http://schemas.microsoft.com/office/drawing/2016/11/main" r:id="rId3"/>
+                <a1611:picAttrSrcUrl xmlns:a1611="http://schemas.microsoft.com/office/drawing/2016/11/main" xmlns="" r:id="rId3"/>
               </a:ext>
             </a:extLst>
           </a:blip>
@@ -13009,62 +9769,6 @@
       </p:grpSpPr>
       <p:sp>
         <p:nvSpPr>
-          <p:cNvPr id="14" name="Прямоугольник: скругленные верхние углы 13">
-            <a:extLst>
-              <a:ext uri="{FF2B5EF4-FFF2-40B4-BE49-F238E27FC236}">
-                <a16:creationId xmlns:a16="http://schemas.microsoft.com/office/drawing/2014/main" id="{E5D8427A-5333-47EF-AE5B-64959CE41D04}"/>
-              </a:ext>
-            </a:extLst>
-          </p:cNvPr>
-          <p:cNvSpPr/>
-          <p:nvPr/>
-        </p:nvSpPr>
-        <p:spPr>
-          <a:xfrm rot="10800000">
-            <a:off x="5425941" y="2302512"/>
-            <a:ext cx="6641429" cy="3383686"/>
-          </a:xfrm>
-          <a:prstGeom prst="round2SameRect">
-            <a:avLst/>
-          </a:prstGeom>
-          <a:solidFill>
-            <a:schemeClr val="bg1"/>
-          </a:solidFill>
-          <a:ln>
-            <a:solidFill>
-              <a:schemeClr val="accent1">
-                <a:lumMod val="50000"/>
-              </a:schemeClr>
-            </a:solidFill>
-          </a:ln>
-        </p:spPr>
-        <p:style>
-          <a:lnRef idx="2">
-            <a:schemeClr val="accent1">
-              <a:shade val="50000"/>
-            </a:schemeClr>
-          </a:lnRef>
-          <a:fillRef idx="1">
-            <a:schemeClr val="accent1"/>
-          </a:fillRef>
-          <a:effectRef idx="0">
-            <a:schemeClr val="accent1"/>
-          </a:effectRef>
-          <a:fontRef idx="minor">
-            <a:schemeClr val="lt1"/>
-          </a:fontRef>
-        </p:style>
-        <p:txBody>
-          <a:bodyPr rtlCol="0" anchor="ctr"/>
-          <a:lstStyle/>
-          <a:p>
-            <a:pPr algn="ctr"/>
-            <a:endParaRPr lang="ru-RU"/>
-          </a:p>
-        </p:txBody>
-      </p:sp>
-      <p:sp>
-        <p:nvSpPr>
           <p:cNvPr id="4" name="Прямоугольник 3">
             <a:extLst>
               <a:ext uri="{FF2B5EF4-FFF2-40B4-BE49-F238E27FC236}">
@@ -13117,8 +9821,26 @@
                 <a:latin typeface="Times New Roman" panose="02020603050405020304" pitchFamily="18" charset="0"/>
                 <a:cs typeface="Times New Roman" panose="02020603050405020304" pitchFamily="18" charset="0"/>
               </a:rPr>
-              <a:t>	Проверка правильности работы программы</a:t>
-            </a:r>
+              <a:t>	</a:t>
+            </a:r>
+            <a:r>
+              <a:rPr lang="ru-RU" sz="3600" dirty="0" smtClean="0">
+                <a:latin typeface="Times New Roman" panose="02020603050405020304" pitchFamily="18" charset="0"/>
+                <a:cs typeface="Times New Roman" panose="02020603050405020304" pitchFamily="18" charset="0"/>
+              </a:rPr>
+              <a:t>Специальна</a:t>
+            </a:r>
+            <a:r>
+              <a:rPr lang="ru-RU" sz="3600" dirty="0" smtClean="0">
+                <a:latin typeface="Times New Roman" panose="02020603050405020304" pitchFamily="18" charset="0"/>
+                <a:cs typeface="Times New Roman" panose="02020603050405020304" pitchFamily="18" charset="0"/>
+              </a:rPr>
+              <a:t>я оснастка</a:t>
+            </a:r>
+            <a:endParaRPr lang="ru-RU" sz="3600" dirty="0">
+              <a:latin typeface="Times New Roman" panose="02020603050405020304" pitchFamily="18" charset="0"/>
+              <a:cs typeface="Times New Roman" panose="02020603050405020304" pitchFamily="18" charset="0"/>
+            </a:endParaRPr>
           </a:p>
         </p:txBody>
       </p:sp>
@@ -13202,13 +9924,13 @@
           <p:nvPr/>
         </p:nvPicPr>
         <p:blipFill>
-          <a:blip r:embed="rId2">
+          <a:blip r:embed="rId2" cstate="hqprint">
             <a:extLst>
               <a:ext uri="{28A0092B-C50C-407E-A947-70E740481C1C}">
                 <a14:useLocalDpi xmlns:a14="http://schemas.microsoft.com/office/drawing/2010/main" val="0"/>
               </a:ext>
               <a:ext uri="{837473B0-CC2E-450A-ABE3-18F120FF3D39}">
-                <a1611:picAttrSrcUrl xmlns:a1611="http://schemas.microsoft.com/office/drawing/2016/11/main" r:id="rId3"/>
+                <a1611:picAttrSrcUrl xmlns:a1611="http://schemas.microsoft.com/office/drawing/2016/11/main" xmlns="" r:id="rId3"/>
               </a:ext>
             </a:extLst>
           </a:blip>
@@ -13256,6 +9978,16 @@
           <a:p>
             <a:pPr algn="r"/>
             <a:r>
+              <a:rPr lang="ru-RU" dirty="0">
+                <a:solidFill>
+                  <a:schemeClr val="bg1"/>
+                </a:solidFill>
+                <a:latin typeface="Times New Roman" panose="02020603050405020304" pitchFamily="18" charset="0"/>
+                <a:cs typeface="Times New Roman" panose="02020603050405020304" pitchFamily="18" charset="0"/>
+              </a:rPr>
+              <a:t>7</a:t>
+            </a:r>
+            <a:r>
               <a:rPr lang="en-US" dirty="0">
                 <a:solidFill>
                   <a:schemeClr val="bg1"/>
@@ -13263,7 +9995,7 @@
                 <a:latin typeface="Times New Roman" panose="02020603050405020304" pitchFamily="18" charset="0"/>
                 <a:cs typeface="Times New Roman" panose="02020603050405020304" pitchFamily="18" charset="0"/>
               </a:rPr>
-              <a:t>6	</a:t>
+              <a:t>	</a:t>
             </a:r>
             <a:endParaRPr lang="ru-RU" dirty="0">
               <a:solidFill>
@@ -13277,89 +10009,10 @@
       </p:sp>
       <p:sp>
         <p:nvSpPr>
-          <p:cNvPr id="8" name="Подзаголовок 2">
-            <a:extLst>
-              <a:ext uri="{FF2B5EF4-FFF2-40B4-BE49-F238E27FC236}">
-                <a16:creationId xmlns:a16="http://schemas.microsoft.com/office/drawing/2014/main" id="{351F3DFF-2C69-4158-A5FA-20C3964DA2AF}"/>
-              </a:ext>
-            </a:extLst>
-          </p:cNvPr>
-          <p:cNvSpPr>
-            <a:spLocks noGrp="1"/>
-          </p:cNvSpPr>
-          <p:nvPr>
-            <p:ph type="subTitle" idx="1"/>
-          </p:nvPr>
-        </p:nvSpPr>
-        <p:spPr>
-          <a:xfrm>
-            <a:off x="0" y="1701601"/>
-            <a:ext cx="6096000" cy="515214"/>
-          </a:xfrm>
-        </p:spPr>
-        <p:txBody>
-          <a:bodyPr>
-            <a:normAutofit/>
-          </a:bodyPr>
-          <a:lstStyle/>
-          <a:p>
-            <a:pPr algn="just"/>
-            <a:r>
-              <a:rPr lang="ru-RU" sz="2000" dirty="0">
-                <a:latin typeface="Times New Roman" panose="02020603050405020304" pitchFamily="18" charset="0"/>
-                <a:cs typeface="Times New Roman" panose="02020603050405020304" pitchFamily="18" charset="0"/>
-              </a:rPr>
-              <a:t>	Задача о распаде произвольного разрыва</a:t>
-            </a:r>
-            <a:r>
-              <a:rPr lang="en-US" sz="2000" dirty="0">
-                <a:latin typeface="Times New Roman" panose="02020603050405020304" pitchFamily="18" charset="0"/>
-                <a:cs typeface="Times New Roman" panose="02020603050405020304" pitchFamily="18" charset="0"/>
-              </a:rPr>
-              <a:t>:</a:t>
-            </a:r>
-            <a:endParaRPr lang="en-US" dirty="0">
-              <a:latin typeface="Times New Roman" panose="02020603050405020304" pitchFamily="18" charset="0"/>
-              <a:cs typeface="Times New Roman" panose="02020603050405020304" pitchFamily="18" charset="0"/>
-            </a:endParaRPr>
-          </a:p>
-        </p:txBody>
-      </p:sp>
-      <p:pic>
-        <p:nvPicPr>
-          <p:cNvPr id="3" name="Рисунок 2">
-            <a:extLst>
-              <a:ext uri="{FF2B5EF4-FFF2-40B4-BE49-F238E27FC236}">
-                <a16:creationId xmlns:a16="http://schemas.microsoft.com/office/drawing/2014/main" id="{B7B3CC6B-0E30-43D3-BBED-A6D5050B62E9}"/>
-              </a:ext>
-            </a:extLst>
-          </p:cNvPr>
-          <p:cNvPicPr>
-            <a:picLocks noChangeAspect="1"/>
-          </p:cNvPicPr>
-          <p:nvPr/>
-        </p:nvPicPr>
-        <p:blipFill rotWithShape="1">
-          <a:blip r:embed="rId4"/>
-          <a:srcRect b="4120"/>
-          <a:stretch/>
-        </p:blipFill>
-        <p:spPr>
-          <a:xfrm>
-            <a:off x="763488" y="2524269"/>
-            <a:ext cx="4569023" cy="2236835"/>
-          </a:xfrm>
-          <a:prstGeom prst="rect">
-            <a:avLst/>
-          </a:prstGeom>
-        </p:spPr>
-      </p:pic>
-      <p:sp>
-        <p:nvSpPr>
-          <p:cNvPr id="9" name="TextBox 8">
-            <a:extLst>
-              <a:ext uri="{FF2B5EF4-FFF2-40B4-BE49-F238E27FC236}">
-                <a16:creationId xmlns:a16="http://schemas.microsoft.com/office/drawing/2014/main" id="{612A8C27-E2F3-438E-A5EF-EA14286C2A09}"/>
+          <p:cNvPr id="12" name="TextBox 11">
+            <a:extLst>
+              <a:ext uri="{FF2B5EF4-FFF2-40B4-BE49-F238E27FC236}">
+                <a16:creationId xmlns:a16="http://schemas.microsoft.com/office/drawing/2014/main" id="{D308E6B7-6063-4DD3-841D-B8FC28059431}"/>
               </a:ext>
             </a:extLst>
           </p:cNvPr>
@@ -13367,9 +10020,9 @@
           <p:nvPr/>
         </p:nvSpPr>
         <p:spPr>
-          <a:xfrm>
-            <a:off x="0" y="4993700"/>
-            <a:ext cx="6096000" cy="369332"/>
+          <a:xfrm rot="10800000" flipV="1">
+            <a:off x="-682535" y="1434169"/>
+            <a:ext cx="6466713" cy="369332"/>
           </a:xfrm>
           <a:prstGeom prst="rect">
             <a:avLst/>
@@ -13384,190 +10037,112 @@
           <a:p>
             <a:pPr algn="ctr"/>
             <a:r>
-              <a:rPr lang="ru-RU" dirty="0">
+              <a:rPr lang="ru-RU" b="1" dirty="0">
                 <a:latin typeface="Times New Roman" panose="02020603050405020304" pitchFamily="18" charset="0"/>
                 <a:cs typeface="Times New Roman" panose="02020603050405020304" pitchFamily="18" charset="0"/>
               </a:rPr>
               <a:t>Рис. </a:t>
             </a:r>
             <a:r>
-              <a:rPr lang="en-US" dirty="0">
+              <a:rPr lang="ru-RU" b="1" dirty="0" smtClean="0">
                 <a:latin typeface="Times New Roman" panose="02020603050405020304" pitchFamily="18" charset="0"/>
                 <a:cs typeface="Times New Roman" panose="02020603050405020304" pitchFamily="18" charset="0"/>
               </a:rPr>
-              <a:t>4</a:t>
-            </a:r>
-            <a:r>
-              <a:rPr lang="ru-RU" dirty="0">
+              <a:t>6.</a:t>
+            </a:r>
+            <a:r>
+              <a:rPr lang="ru-RU" dirty="0" smtClean="0">
                 <a:latin typeface="Times New Roman" panose="02020603050405020304" pitchFamily="18" charset="0"/>
                 <a:cs typeface="Times New Roman" panose="02020603050405020304" pitchFamily="18" charset="0"/>
               </a:rPr>
-              <a:t>. Схема задачи о распаде разрыва</a:t>
-            </a:r>
+              <a:t> Углодержатель для фрезерной обработки </a:t>
+            </a:r>
+            <a:endParaRPr lang="ru-RU" dirty="0">
+              <a:latin typeface="Times New Roman" panose="02020603050405020304" pitchFamily="18" charset="0"/>
+              <a:cs typeface="Times New Roman" panose="02020603050405020304" pitchFamily="18" charset="0"/>
+            </a:endParaRPr>
           </a:p>
         </p:txBody>
       </p:sp>
       <p:pic>
         <p:nvPicPr>
-          <p:cNvPr id="10" name="Рисунок 9">
-            <a:extLst>
-              <a:ext uri="{FF2B5EF4-FFF2-40B4-BE49-F238E27FC236}">
-                <a16:creationId xmlns:a16="http://schemas.microsoft.com/office/drawing/2014/main" id="{EE8CB75A-4CFA-4087-BCB0-8ED79D0FDF31}"/>
-              </a:ext>
-            </a:extLst>
-          </p:cNvPr>
-          <p:cNvPicPr/>
+          <p:cNvPr id="1026" name="Picture 2" descr="https://studfile.net/html/2706/421/html_FDS4ycl8QN.rI3L/htmlconvd-TbKuyN_html_de5ed456d6296e.jpg"/>
+          <p:cNvPicPr>
+            <a:picLocks noChangeAspect="1" noChangeArrowheads="1"/>
+          </p:cNvPicPr>
+          <p:nvPr/>
+        </p:nvPicPr>
+        <p:blipFill rotWithShape="1">
+          <a:blip r:embed="rId4">
+            <a:extLst>
+              <a:ext uri="{28A0092B-C50C-407E-A947-70E740481C1C}">
+                <a14:useLocalDpi xmlns:a14="http://schemas.microsoft.com/office/drawing/2010/main" val="0"/>
+              </a:ext>
+            </a:extLst>
+          </a:blip>
+          <a:srcRect r="56792"/>
+          <a:stretch/>
+        </p:blipFill>
+        <p:spPr bwMode="auto">
+          <a:xfrm>
+            <a:off x="122459" y="1803502"/>
+            <a:ext cx="3738342" cy="4381705"/>
+          </a:xfrm>
+          <a:prstGeom prst="rect">
+            <a:avLst/>
+          </a:prstGeom>
+          <a:noFill/>
+          <a:extLst>
+            <a:ext uri="{909E8E84-426E-40DD-AFC4-6F175D3DCCD1}">
+              <a14:hiddenFill xmlns:a14="http://schemas.microsoft.com/office/drawing/2010/main">
+                <a:solidFill>
+                  <a:srgbClr val="FFFFFF"/>
+                </a:solidFill>
+              </a14:hiddenFill>
+            </a:ext>
+          </a:extLst>
+        </p:spPr>
+      </p:pic>
+      <p:pic>
+        <p:nvPicPr>
+          <p:cNvPr id="15" name="Рисунок 14"/>
+          <p:cNvPicPr>
+            <a:picLocks noChangeAspect="1"/>
+          </p:cNvPicPr>
           <p:nvPr/>
         </p:nvPicPr>
         <p:blipFill>
-          <a:blip r:embed="rId5"/>
+          <a:blip r:embed="rId5">
+            <a:extLst>
+              <a:ext uri="{28A0092B-C50C-407E-A947-70E740481C1C}">
+                <a14:useLocalDpi xmlns:a14="http://schemas.microsoft.com/office/drawing/2010/main" val="0"/>
+              </a:ext>
+            </a:extLst>
+          </a:blip>
           <a:stretch>
             <a:fillRect/>
           </a:stretch>
         </p:blipFill>
         <p:spPr>
           <a:xfrm>
-            <a:off x="5461627" y="2372498"/>
-            <a:ext cx="3267454" cy="2298035"/>
+            <a:off x="6292178" y="381982"/>
+            <a:ext cx="4480536" cy="6327775"/>
           </a:xfrm>
           <a:prstGeom prst="rect">
             <a:avLst/>
           </a:prstGeom>
+          <a:ln>
+            <a:noFill/>
+          </a:ln>
+          <a:effectLst>
+            <a:outerShdw blurRad="190500" algn="tl" rotWithShape="0">
+              <a:srgbClr val="000000">
+                <a:alpha val="70000"/>
+              </a:srgbClr>
+            </a:outerShdw>
+          </a:effectLst>
         </p:spPr>
       </p:pic>
-      <p:pic>
-        <p:nvPicPr>
-          <p:cNvPr id="11" name="Рисунок 10">
-            <a:extLst>
-              <a:ext uri="{FF2B5EF4-FFF2-40B4-BE49-F238E27FC236}">
-                <a16:creationId xmlns:a16="http://schemas.microsoft.com/office/drawing/2014/main" id="{30652750-5B5D-4068-91B5-526511FA9EA5}"/>
-              </a:ext>
-            </a:extLst>
-          </p:cNvPr>
-          <p:cNvPicPr/>
-          <p:nvPr/>
-        </p:nvPicPr>
-        <p:blipFill>
-          <a:blip r:embed="rId6"/>
-          <a:stretch>
-            <a:fillRect/>
-          </a:stretch>
-        </p:blipFill>
-        <p:spPr>
-          <a:xfrm>
-            <a:off x="8729082" y="2431011"/>
-            <a:ext cx="3267454" cy="2253704"/>
-          </a:xfrm>
-          <a:prstGeom prst="rect">
-            <a:avLst/>
-          </a:prstGeom>
-        </p:spPr>
-      </p:pic>
-      <p:sp>
-        <p:nvSpPr>
-          <p:cNvPr id="12" name="TextBox 11">
-            <a:extLst>
-              <a:ext uri="{FF2B5EF4-FFF2-40B4-BE49-F238E27FC236}">
-                <a16:creationId xmlns:a16="http://schemas.microsoft.com/office/drawing/2014/main" id="{D308E6B7-6063-4DD3-841D-B8FC28059431}"/>
-              </a:ext>
-            </a:extLst>
-          </p:cNvPr>
-          <p:cNvSpPr txBox="1"/>
-          <p:nvPr/>
-        </p:nvSpPr>
-        <p:spPr>
-          <a:xfrm rot="10800000" flipV="1">
-            <a:off x="5725286" y="5055859"/>
-            <a:ext cx="6466713" cy="646331"/>
-          </a:xfrm>
-          <a:prstGeom prst="rect">
-            <a:avLst/>
-          </a:prstGeom>
-          <a:noFill/>
-        </p:spPr>
-        <p:txBody>
-          <a:bodyPr wrap="square">
-            <a:spAutoFit/>
-          </a:bodyPr>
-          <a:lstStyle/>
-          <a:p>
-            <a:pPr algn="ctr"/>
-            <a:r>
-              <a:rPr lang="ru-RU" dirty="0">
-                <a:latin typeface="Times New Roman" panose="02020603050405020304" pitchFamily="18" charset="0"/>
-                <a:cs typeface="Times New Roman" panose="02020603050405020304" pitchFamily="18" charset="0"/>
-              </a:rPr>
-              <a:t>Рис. 5. Распределение параметров газа</a:t>
-            </a:r>
-            <a:r>
-              <a:rPr lang="en-US" dirty="0">
-                <a:latin typeface="Times New Roman" panose="02020603050405020304" pitchFamily="18" charset="0"/>
-                <a:cs typeface="Times New Roman" panose="02020603050405020304" pitchFamily="18" charset="0"/>
-              </a:rPr>
-              <a:t>: </a:t>
-            </a:r>
-            <a:r>
-              <a:rPr lang="ru-RU" dirty="0">
-                <a:latin typeface="Times New Roman" panose="02020603050405020304" pitchFamily="18" charset="0"/>
-                <a:cs typeface="Times New Roman" panose="02020603050405020304" pitchFamily="18" charset="0"/>
-              </a:rPr>
-              <a:t>а – распределение давлений</a:t>
-            </a:r>
-            <a:r>
-              <a:rPr lang="en-US" dirty="0">
-                <a:latin typeface="Times New Roman" panose="02020603050405020304" pitchFamily="18" charset="0"/>
-                <a:cs typeface="Times New Roman" panose="02020603050405020304" pitchFamily="18" charset="0"/>
-              </a:rPr>
-              <a:t>; </a:t>
-            </a:r>
-            <a:r>
-              <a:rPr lang="ru-RU" dirty="0">
-                <a:latin typeface="Times New Roman" panose="02020603050405020304" pitchFamily="18" charset="0"/>
-                <a:cs typeface="Times New Roman" panose="02020603050405020304" pitchFamily="18" charset="0"/>
-              </a:rPr>
-              <a:t>б – распределение плотностей</a:t>
-            </a:r>
-          </a:p>
-        </p:txBody>
-      </p:sp>
-      <p:sp>
-        <p:nvSpPr>
-          <p:cNvPr id="13" name="TextBox 12">
-            <a:extLst>
-              <a:ext uri="{FF2B5EF4-FFF2-40B4-BE49-F238E27FC236}">
-                <a16:creationId xmlns:a16="http://schemas.microsoft.com/office/drawing/2014/main" id="{A49E60D1-33E1-4EC2-82C2-627290042054}"/>
-              </a:ext>
-            </a:extLst>
-          </p:cNvPr>
-          <p:cNvSpPr txBox="1"/>
-          <p:nvPr/>
-        </p:nvSpPr>
-        <p:spPr>
-          <a:xfrm>
-            <a:off x="6730374" y="4780812"/>
-            <a:ext cx="5266162" cy="369332"/>
-          </a:xfrm>
-          <a:prstGeom prst="rect">
-            <a:avLst/>
-          </a:prstGeom>
-          <a:noFill/>
-        </p:spPr>
-        <p:txBody>
-          <a:bodyPr wrap="square">
-            <a:spAutoFit/>
-          </a:bodyPr>
-          <a:lstStyle/>
-          <a:p>
-            <a:r>
-              <a:rPr lang="ru-RU" dirty="0">
-                <a:latin typeface="Times New Roman" panose="02020603050405020304" pitchFamily="18" charset="0"/>
-                <a:cs typeface="Times New Roman" panose="02020603050405020304" pitchFamily="18" charset="0"/>
-              </a:rPr>
-              <a:t>а)                                                                б)</a:t>
-            </a:r>
-          </a:p>
-        </p:txBody>
-      </p:sp>
     </p:spTree>
     <p:extLst>
       <p:ext uri="{BB962C8B-B14F-4D97-AF65-F5344CB8AC3E}">
@@ -13600,10 +10175,10 @@
       </p:grpSpPr>
       <p:sp>
         <p:nvSpPr>
-          <p:cNvPr id="4" name="Прямоугольник 3">
-            <a:extLst>
-              <a:ext uri="{FF2B5EF4-FFF2-40B4-BE49-F238E27FC236}">
-                <a16:creationId xmlns:a16="http://schemas.microsoft.com/office/drawing/2014/main" id="{5ECE0D18-20DF-4B2E-8AC5-54515F52E3D6}"/>
+          <p:cNvPr id="5" name="Прямоугольник 4">
+            <a:extLst>
+              <a:ext uri="{FF2B5EF4-FFF2-40B4-BE49-F238E27FC236}">
+                <a16:creationId xmlns:a16="http://schemas.microsoft.com/office/drawing/2014/main" id="{08C9DD33-DA0F-41EF-B5A0-CB849668BD3B}"/>
               </a:ext>
             </a:extLst>
           </p:cNvPr>
@@ -13613,66 +10188,7 @@
         <p:spPr>
           <a:xfrm>
             <a:off x="0" y="-1"/>
-            <a:ext cx="12192000" cy="1170813"/>
-          </a:xfrm>
-          <a:prstGeom prst="rect">
-            <a:avLst/>
-          </a:prstGeom>
-          <a:solidFill>
-            <a:schemeClr val="accent1">
-              <a:lumMod val="50000"/>
-            </a:schemeClr>
-          </a:solidFill>
-          <a:ln>
-            <a:noFill/>
-          </a:ln>
-        </p:spPr>
-        <p:style>
-          <a:lnRef idx="2">
-            <a:schemeClr val="accent1">
-              <a:shade val="50000"/>
-            </a:schemeClr>
-          </a:lnRef>
-          <a:fillRef idx="1">
-            <a:schemeClr val="accent1"/>
-          </a:fillRef>
-          <a:effectRef idx="0">
-            <a:schemeClr val="accent1"/>
-          </a:effectRef>
-          <a:fontRef idx="minor">
-            <a:schemeClr val="lt1"/>
-          </a:fontRef>
-        </p:style>
-        <p:txBody>
-          <a:bodyPr rtlCol="0" anchor="ctr"/>
-          <a:lstStyle/>
-          <a:p>
-            <a:r>
-              <a:rPr lang="ru-RU" sz="3600" dirty="0">
-                <a:latin typeface="Times New Roman" panose="02020603050405020304" pitchFamily="18" charset="0"/>
-                <a:cs typeface="Times New Roman" panose="02020603050405020304" pitchFamily="18" charset="0"/>
-              </a:rPr>
-              <a:t>	Проверка правильности работы программы</a:t>
-            </a:r>
-          </a:p>
-        </p:txBody>
-      </p:sp>
-      <p:sp>
-        <p:nvSpPr>
-          <p:cNvPr id="5" name="Прямоугольник 4">
-            <a:extLst>
-              <a:ext uri="{FF2B5EF4-FFF2-40B4-BE49-F238E27FC236}">
-                <a16:creationId xmlns:a16="http://schemas.microsoft.com/office/drawing/2014/main" id="{08C9DD33-DA0F-41EF-B5A0-CB849668BD3B}"/>
-              </a:ext>
-            </a:extLst>
-          </p:cNvPr>
-          <p:cNvSpPr/>
-          <p:nvPr/>
-        </p:nvSpPr>
-        <p:spPr>
-          <a:xfrm>
-            <a:off x="0" y="6232979"/>
-            <a:ext cx="12192000" cy="625021"/>
+            <a:ext cx="12192000" cy="6858001"/>
           </a:xfrm>
           <a:prstGeom prst="rect">
             <a:avLst/>
@@ -13717,7 +10233,7 @@
                 <a:ea typeface="Tahoma" panose="020B0604030504040204" pitchFamily="34" charset="0"/>
                 <a:cs typeface="Times New Roman" panose="02020603050405020304" pitchFamily="18" charset="0"/>
               </a:rPr>
-              <a:t> МГТУ им. Н. Э. Баумана</a:t>
+              <a:t> </a:t>
             </a:r>
           </a:p>
         </p:txBody>
@@ -13737,13 +10253,13 @@
           <p:nvPr/>
         </p:nvPicPr>
         <p:blipFill>
-          <a:blip r:embed="rId3">
+          <a:blip r:embed="rId2" cstate="hqprint">
             <a:extLst>
               <a:ext uri="{28A0092B-C50C-407E-A947-70E740481C1C}">
                 <a14:useLocalDpi xmlns:a14="http://schemas.microsoft.com/office/drawing/2010/main" val="0"/>
               </a:ext>
               <a:ext uri="{837473B0-CC2E-450A-ABE3-18F120FF3D39}">
-                <a1611:picAttrSrcUrl xmlns:a1611="http://schemas.microsoft.com/office/drawing/2016/11/main" r:id="rId4"/>
+                <a1611:picAttrSrcUrl xmlns:a1611="http://schemas.microsoft.com/office/drawing/2016/11/main" xmlns="" r:id="rId3"/>
               </a:ext>
             </a:extLst>
           </a:blip>
@@ -13753,7 +10269,7 @@
         </p:blipFill>
         <p:spPr>
           <a:xfrm>
-            <a:off x="260437" y="6232979"/>
+            <a:off x="313698" y="6105135"/>
             <a:ext cx="529678" cy="625020"/>
           </a:xfrm>
           <a:prstGeom prst="rect">
@@ -13766,7 +10282,7 @@
           <p:cNvPr id="6" name="TextBox 5">
             <a:extLst>
               <a:ext uri="{FF2B5EF4-FFF2-40B4-BE49-F238E27FC236}">
-                <a16:creationId xmlns:a16="http://schemas.microsoft.com/office/drawing/2014/main" id="{80FC780E-DB48-41E1-A384-F17049C59F4E}"/>
+                <a16:creationId xmlns:a16="http://schemas.microsoft.com/office/drawing/2014/main" id="{FA97D146-182C-4777-ABF4-00AE13487B07}"/>
               </a:ext>
             </a:extLst>
           </p:cNvPr>
@@ -13775,8 +10291,8 @@
         </p:nvSpPr>
         <p:spPr>
           <a:xfrm>
-            <a:off x="0" y="6360823"/>
-            <a:ext cx="12192000" cy="369332"/>
+            <a:off x="739806" y="6360823"/>
+            <a:ext cx="11771765" cy="369332"/>
           </a:xfrm>
           <a:prstGeom prst="rect">
             <a:avLst/>
@@ -13798,7 +10314,7 @@
                 <a:latin typeface="Times New Roman" panose="02020603050405020304" pitchFamily="18" charset="0"/>
                 <a:cs typeface="Times New Roman" panose="02020603050405020304" pitchFamily="18" charset="0"/>
               </a:rPr>
-              <a:t>7</a:t>
+              <a:t>8</a:t>
             </a:r>
             <a:r>
               <a:rPr lang="en-US" dirty="0">
@@ -13820,233 +10336,40 @@
           </a:p>
         </p:txBody>
       </p:sp>
-      <p:sp>
-        <p:nvSpPr>
-          <p:cNvPr id="8" name="TextBox 7">
-            <a:extLst>
-              <a:ext uri="{FF2B5EF4-FFF2-40B4-BE49-F238E27FC236}">
-                <a16:creationId xmlns:a16="http://schemas.microsoft.com/office/drawing/2014/main" id="{84BC4E8E-67AA-4D36-B85C-86298C0D1E41}"/>
-              </a:ext>
-            </a:extLst>
-          </p:cNvPr>
-          <p:cNvSpPr txBox="1"/>
-          <p:nvPr/>
-        </p:nvSpPr>
-        <p:spPr>
-          <a:xfrm rot="10800000" flipV="1">
-            <a:off x="2739601" y="4931216"/>
-            <a:ext cx="6977423" cy="646331"/>
-          </a:xfrm>
-          <a:prstGeom prst="rect">
-            <a:avLst/>
-          </a:prstGeom>
-          <a:noFill/>
-        </p:spPr>
-        <p:txBody>
-          <a:bodyPr wrap="square">
-            <a:spAutoFit/>
-          </a:bodyPr>
-          <a:lstStyle/>
-          <a:p>
-            <a:pPr algn="ctr"/>
-            <a:r>
-              <a:rPr lang="ru-RU" dirty="0">
-                <a:latin typeface="Times New Roman" panose="02020603050405020304" pitchFamily="18" charset="0"/>
-                <a:cs typeface="Times New Roman" panose="02020603050405020304" pitchFamily="18" charset="0"/>
-              </a:rPr>
-              <a:t>Рис. 6. Распределение параметров газа</a:t>
-            </a:r>
-            <a:r>
-              <a:rPr lang="en-US" dirty="0">
-                <a:latin typeface="Times New Roman" panose="02020603050405020304" pitchFamily="18" charset="0"/>
-                <a:cs typeface="Times New Roman" panose="02020603050405020304" pitchFamily="18" charset="0"/>
-              </a:rPr>
-              <a:t>: </a:t>
-            </a:r>
-            <a:r>
-              <a:rPr lang="ru-RU" dirty="0">
-                <a:latin typeface="Times New Roman" panose="02020603050405020304" pitchFamily="18" charset="0"/>
-                <a:cs typeface="Times New Roman" panose="02020603050405020304" pitchFamily="18" charset="0"/>
-              </a:rPr>
-              <a:t>а – распределение скоростей</a:t>
-            </a:r>
-            <a:r>
-              <a:rPr lang="en-US" dirty="0">
-                <a:latin typeface="Times New Roman" panose="02020603050405020304" pitchFamily="18" charset="0"/>
-                <a:cs typeface="Times New Roman" panose="02020603050405020304" pitchFamily="18" charset="0"/>
-              </a:rPr>
-              <a:t>; </a:t>
-            </a:r>
-            <a:r>
-              <a:rPr lang="ru-RU" dirty="0">
-                <a:latin typeface="Times New Roman" panose="02020603050405020304" pitchFamily="18" charset="0"/>
-                <a:cs typeface="Times New Roman" panose="02020603050405020304" pitchFamily="18" charset="0"/>
-              </a:rPr>
-              <a:t>б – распределение удельных энергий</a:t>
-            </a:r>
-            <a:r>
-              <a:rPr lang="en-US" dirty="0">
-                <a:latin typeface="Times New Roman" panose="02020603050405020304" pitchFamily="18" charset="0"/>
-                <a:cs typeface="Times New Roman" panose="02020603050405020304" pitchFamily="18" charset="0"/>
-              </a:rPr>
-              <a:t>; </a:t>
-            </a:r>
-            <a:r>
-              <a:rPr lang="ru-RU" dirty="0">
-                <a:latin typeface="Times New Roman" panose="02020603050405020304" pitchFamily="18" charset="0"/>
-                <a:cs typeface="Times New Roman" panose="02020603050405020304" pitchFamily="18" charset="0"/>
-              </a:rPr>
-              <a:t>в</a:t>
-            </a:r>
-            <a:r>
-              <a:rPr lang="en-US" dirty="0">
-                <a:latin typeface="Times New Roman" panose="02020603050405020304" pitchFamily="18" charset="0"/>
-                <a:cs typeface="Times New Roman" panose="02020603050405020304" pitchFamily="18" charset="0"/>
-              </a:rPr>
-              <a:t> – </a:t>
-            </a:r>
-            <a:r>
-              <a:rPr lang="ru-RU" dirty="0">
-                <a:latin typeface="Times New Roman" panose="02020603050405020304" pitchFamily="18" charset="0"/>
-                <a:cs typeface="Times New Roman" panose="02020603050405020304" pitchFamily="18" charset="0"/>
-              </a:rPr>
-              <a:t>распределение чисел маха</a:t>
-            </a:r>
-          </a:p>
-        </p:txBody>
-      </p:sp>
       <p:pic>
         <p:nvPicPr>
-          <p:cNvPr id="9" name="Рисунок 8">
-            <a:extLst>
-              <a:ext uri="{FF2B5EF4-FFF2-40B4-BE49-F238E27FC236}">
-                <a16:creationId xmlns:a16="http://schemas.microsoft.com/office/drawing/2014/main" id="{12858186-7985-4659-BED3-F178F1F2DEBF}"/>
-              </a:ext>
-            </a:extLst>
-          </p:cNvPr>
-          <p:cNvPicPr/>
+          <p:cNvPr id="2" name="Рисунок 1"/>
+          <p:cNvPicPr>
+            <a:picLocks noChangeAspect="1"/>
+          </p:cNvPicPr>
           <p:nvPr/>
         </p:nvPicPr>
         <p:blipFill>
-          <a:blip r:embed="rId5"/>
+          <a:blip r:embed="rId4" cstate="print">
+            <a:extLst>
+              <a:ext uri="{28A0092B-C50C-407E-A947-70E740481C1C}">
+                <a14:useLocalDpi xmlns:a14="http://schemas.microsoft.com/office/drawing/2010/main" val="0"/>
+              </a:ext>
+            </a:extLst>
+          </a:blip>
           <a:stretch>
             <a:fillRect/>
           </a:stretch>
         </p:blipFill>
         <p:spPr>
           <a:xfrm>
-            <a:off x="312538" y="1842804"/>
-            <a:ext cx="3774358" cy="2564675"/>
+            <a:off x="1245108" y="0"/>
+            <a:ext cx="9701784" cy="6858000"/>
           </a:xfrm>
           <a:prstGeom prst="rect">
             <a:avLst/>
           </a:prstGeom>
         </p:spPr>
       </p:pic>
-      <p:pic>
-        <p:nvPicPr>
-          <p:cNvPr id="10" name="Рисунок 9">
-            <a:extLst>
-              <a:ext uri="{FF2B5EF4-FFF2-40B4-BE49-F238E27FC236}">
-                <a16:creationId xmlns:a16="http://schemas.microsoft.com/office/drawing/2014/main" id="{4EC86F78-7F7A-4F83-A674-3272E3646831}"/>
-              </a:ext>
-            </a:extLst>
-          </p:cNvPr>
-          <p:cNvPicPr/>
-          <p:nvPr/>
-        </p:nvPicPr>
-        <p:blipFill rotWithShape="1">
-          <a:blip r:embed="rId6"/>
-          <a:srcRect b="1182"/>
-          <a:stretch/>
-        </p:blipFill>
-        <p:spPr bwMode="auto">
-          <a:xfrm>
-            <a:off x="4208821" y="1828103"/>
-            <a:ext cx="3774358" cy="2594076"/>
-          </a:xfrm>
-          <a:prstGeom prst="rect">
-            <a:avLst/>
-          </a:prstGeom>
-          <a:ln>
-            <a:noFill/>
-          </a:ln>
-          <a:extLst>
-            <a:ext uri="{53640926-AAD7-44D8-BBD7-CCE9431645EC}">
-              <a14:shadowObscured xmlns:a14="http://schemas.microsoft.com/office/drawing/2010/main"/>
-            </a:ext>
-          </a:extLst>
-        </p:spPr>
-      </p:pic>
-      <p:pic>
-        <p:nvPicPr>
-          <p:cNvPr id="11" name="Рисунок 10">
-            <a:extLst>
-              <a:ext uri="{FF2B5EF4-FFF2-40B4-BE49-F238E27FC236}">
-                <a16:creationId xmlns:a16="http://schemas.microsoft.com/office/drawing/2014/main" id="{52D222A7-F0B6-43F8-823D-B0AE9A81247D}"/>
-              </a:ext>
-            </a:extLst>
-          </p:cNvPr>
-          <p:cNvPicPr/>
-          <p:nvPr/>
-        </p:nvPicPr>
-        <p:blipFill rotWithShape="1">
-          <a:blip r:embed="rId7"/>
-          <a:srcRect t="1799"/>
-          <a:stretch/>
-        </p:blipFill>
-        <p:spPr>
-          <a:xfrm>
-            <a:off x="8105104" y="1851132"/>
-            <a:ext cx="3685071" cy="2594076"/>
-          </a:xfrm>
-          <a:prstGeom prst="rect">
-            <a:avLst/>
-          </a:prstGeom>
-        </p:spPr>
-      </p:pic>
-      <p:sp>
-        <p:nvSpPr>
-          <p:cNvPr id="12" name="TextBox 11">
-            <a:extLst>
-              <a:ext uri="{FF2B5EF4-FFF2-40B4-BE49-F238E27FC236}">
-                <a16:creationId xmlns:a16="http://schemas.microsoft.com/office/drawing/2014/main" id="{04EE327E-52A2-46E1-B327-B134F6BB7D7F}"/>
-              </a:ext>
-            </a:extLst>
-          </p:cNvPr>
-          <p:cNvSpPr txBox="1"/>
-          <p:nvPr/>
-        </p:nvSpPr>
-        <p:spPr>
-          <a:xfrm>
-            <a:off x="2172751" y="4493281"/>
-            <a:ext cx="9617424" cy="369332"/>
-          </a:xfrm>
-          <a:prstGeom prst="rect">
-            <a:avLst/>
-          </a:prstGeom>
-          <a:noFill/>
-        </p:spPr>
-        <p:txBody>
-          <a:bodyPr wrap="square">
-            <a:spAutoFit/>
-          </a:bodyPr>
-          <a:lstStyle/>
-          <a:p>
-            <a:r>
-              <a:rPr lang="ru-RU" dirty="0">
-                <a:latin typeface="Times New Roman" panose="02020603050405020304" pitchFamily="18" charset="0"/>
-                <a:cs typeface="Times New Roman" panose="02020603050405020304" pitchFamily="18" charset="0"/>
-              </a:rPr>
-              <a:t>а)                                                                б)                                                               в)</a:t>
-            </a:r>
-          </a:p>
-        </p:txBody>
-      </p:sp>
     </p:spTree>
     <p:extLst>
       <p:ext uri="{BB962C8B-B14F-4D97-AF65-F5344CB8AC3E}">
-        <p14:creationId xmlns:p14="http://schemas.microsoft.com/office/powerpoint/2010/main" val="84846505"/>
+        <p14:creationId xmlns:p14="http://schemas.microsoft.com/office/powerpoint/2010/main" val="1338410555"/>
       </p:ext>
     </p:extLst>
   </p:cSld>
@@ -14075,10 +10398,10 @@
       </p:grpSpPr>
       <p:sp>
         <p:nvSpPr>
-          <p:cNvPr id="4" name="Прямоугольник 3">
-            <a:extLst>
-              <a:ext uri="{FF2B5EF4-FFF2-40B4-BE49-F238E27FC236}">
-                <a16:creationId xmlns:a16="http://schemas.microsoft.com/office/drawing/2014/main" id="{5ECE0D18-20DF-4B2E-8AC5-54515F52E3D6}"/>
+          <p:cNvPr id="5" name="Прямоугольник 4">
+            <a:extLst>
+              <a:ext uri="{FF2B5EF4-FFF2-40B4-BE49-F238E27FC236}">
+                <a16:creationId xmlns:a16="http://schemas.microsoft.com/office/drawing/2014/main" id="{08C9DD33-DA0F-41EF-B5A0-CB849668BD3B}"/>
               </a:ext>
             </a:extLst>
           </p:cNvPr>
@@ -14087,67 +10410,8 @@
         </p:nvSpPr>
         <p:spPr>
           <a:xfrm>
-            <a:off x="0" y="0"/>
-            <a:ext cx="12192000" cy="1170813"/>
-          </a:xfrm>
-          <a:prstGeom prst="rect">
-            <a:avLst/>
-          </a:prstGeom>
-          <a:solidFill>
-            <a:schemeClr val="accent1">
-              <a:lumMod val="50000"/>
-            </a:schemeClr>
-          </a:solidFill>
-          <a:ln>
-            <a:noFill/>
-          </a:ln>
-        </p:spPr>
-        <p:style>
-          <a:lnRef idx="2">
-            <a:schemeClr val="accent1">
-              <a:shade val="50000"/>
-            </a:schemeClr>
-          </a:lnRef>
-          <a:fillRef idx="1">
-            <a:schemeClr val="accent1"/>
-          </a:fillRef>
-          <a:effectRef idx="0">
-            <a:schemeClr val="accent1"/>
-          </a:effectRef>
-          <a:fontRef idx="minor">
-            <a:schemeClr val="lt1"/>
-          </a:fontRef>
-        </p:style>
-        <p:txBody>
-          <a:bodyPr rtlCol="0" anchor="ctr"/>
-          <a:lstStyle/>
-          <a:p>
-            <a:r>
-              <a:rPr lang="ru-RU" sz="3600" dirty="0">
-                <a:latin typeface="Times New Roman" panose="02020603050405020304" pitchFamily="18" charset="0"/>
-                <a:cs typeface="Times New Roman" panose="02020603050405020304" pitchFamily="18" charset="0"/>
-              </a:rPr>
-              <a:t>	Выбор числа ячеек</a:t>
-            </a:r>
-          </a:p>
-        </p:txBody>
-      </p:sp>
-      <p:sp>
-        <p:nvSpPr>
-          <p:cNvPr id="5" name="Прямоугольник 4">
-            <a:extLst>
-              <a:ext uri="{FF2B5EF4-FFF2-40B4-BE49-F238E27FC236}">
-                <a16:creationId xmlns:a16="http://schemas.microsoft.com/office/drawing/2014/main" id="{08C9DD33-DA0F-41EF-B5A0-CB849668BD3B}"/>
-              </a:ext>
-            </a:extLst>
-          </p:cNvPr>
-          <p:cNvSpPr/>
-          <p:nvPr/>
-        </p:nvSpPr>
-        <p:spPr>
-          <a:xfrm>
-            <a:off x="0" y="6232979"/>
-            <a:ext cx="12192000" cy="625021"/>
+            <a:off x="0" y="-1"/>
+            <a:ext cx="12192000" cy="6858001"/>
           </a:xfrm>
           <a:prstGeom prst="rect">
             <a:avLst/>
@@ -14192,7 +10456,7 @@
                 <a:ea typeface="Tahoma" panose="020B0604030504040204" pitchFamily="34" charset="0"/>
                 <a:cs typeface="Times New Roman" panose="02020603050405020304" pitchFamily="18" charset="0"/>
               </a:rPr>
-              <a:t> МГТУ им. Н. Э. Баумана</a:t>
+              <a:t> </a:t>
             </a:r>
           </a:p>
         </p:txBody>
@@ -14212,13 +10476,13 @@
           <p:nvPr/>
         </p:nvPicPr>
         <p:blipFill>
-          <a:blip r:embed="rId2">
+          <a:blip r:embed="rId2" cstate="hqprint">
             <a:extLst>
               <a:ext uri="{28A0092B-C50C-407E-A947-70E740481C1C}">
                 <a14:useLocalDpi xmlns:a14="http://schemas.microsoft.com/office/drawing/2010/main" val="0"/>
               </a:ext>
               <a:ext uri="{837473B0-CC2E-450A-ABE3-18F120FF3D39}">
-                <a1611:picAttrSrcUrl xmlns:a1611="http://schemas.microsoft.com/office/drawing/2016/11/main" r:id="rId3"/>
+                <a1611:picAttrSrcUrl xmlns:a1611="http://schemas.microsoft.com/office/drawing/2016/11/main" xmlns="" r:id="rId3"/>
               </a:ext>
             </a:extLst>
           </a:blip>
@@ -14228,7 +10492,7 @@
         </p:blipFill>
         <p:spPr>
           <a:xfrm>
-            <a:off x="260437" y="6232979"/>
+            <a:off x="313698" y="6105135"/>
             <a:ext cx="529678" cy="625020"/>
           </a:xfrm>
           <a:prstGeom prst="rect">
@@ -14241,7 +10505,7 @@
           <p:cNvPr id="6" name="TextBox 5">
             <a:extLst>
               <a:ext uri="{FF2B5EF4-FFF2-40B4-BE49-F238E27FC236}">
-                <a16:creationId xmlns:a16="http://schemas.microsoft.com/office/drawing/2014/main" id="{80FC780E-DB48-41E1-A384-F17049C59F4E}"/>
+                <a16:creationId xmlns:a16="http://schemas.microsoft.com/office/drawing/2014/main" id="{FA97D146-182C-4777-ABF4-00AE13487B07}"/>
               </a:ext>
             </a:extLst>
           </p:cNvPr>
@@ -14250,8 +10514,8 @@
         </p:nvSpPr>
         <p:spPr>
           <a:xfrm>
-            <a:off x="0" y="6360823"/>
-            <a:ext cx="12192000" cy="369332"/>
+            <a:off x="739806" y="6360823"/>
+            <a:ext cx="11771765" cy="369332"/>
           </a:xfrm>
           <a:prstGeom prst="rect">
             <a:avLst/>
@@ -14273,7 +10537,7 @@
                 <a:latin typeface="Times New Roman" panose="02020603050405020304" pitchFamily="18" charset="0"/>
                 <a:cs typeface="Times New Roman" panose="02020603050405020304" pitchFamily="18" charset="0"/>
               </a:rPr>
-              <a:t>8</a:t>
+              <a:t>9</a:t>
             </a:r>
             <a:r>
               <a:rPr lang="en-US" dirty="0">
@@ -14295,272 +10559,40 @@
           </a:p>
         </p:txBody>
       </p:sp>
-      <p:sp>
-        <p:nvSpPr>
-          <p:cNvPr id="8" name="TextBox 7">
-            <a:extLst>
-              <a:ext uri="{FF2B5EF4-FFF2-40B4-BE49-F238E27FC236}">
-                <a16:creationId xmlns:a16="http://schemas.microsoft.com/office/drawing/2014/main" id="{84BC4E8E-67AA-4D36-B85C-86298C0D1E41}"/>
-              </a:ext>
-            </a:extLst>
-          </p:cNvPr>
-          <p:cNvSpPr txBox="1"/>
-          <p:nvPr/>
-        </p:nvSpPr>
-        <p:spPr>
-          <a:xfrm rot="10800000" flipV="1">
-            <a:off x="9002573" y="3890747"/>
-            <a:ext cx="4108747" cy="369332"/>
-          </a:xfrm>
-          <a:prstGeom prst="rect">
-            <a:avLst/>
-          </a:prstGeom>
-          <a:noFill/>
-        </p:spPr>
-        <p:txBody>
-          <a:bodyPr wrap="square">
-            <a:spAutoFit/>
-          </a:bodyPr>
-          <a:lstStyle/>
-          <a:p>
-            <a:pPr algn="just"/>
-            <a:r>
-              <a:rPr lang="ru-RU" dirty="0">
-                <a:latin typeface="Times New Roman" panose="02020603050405020304" pitchFamily="18" charset="0"/>
-                <a:cs typeface="Times New Roman" panose="02020603050405020304" pitchFamily="18" charset="0"/>
-              </a:rPr>
-              <a:t>Таблица 1. Выбор числа ячеек</a:t>
-            </a:r>
-          </a:p>
-        </p:txBody>
-      </p:sp>
       <p:pic>
         <p:nvPicPr>
-          <p:cNvPr id="3" name="Рисунок 2">
-            <a:extLst>
-              <a:ext uri="{FF2B5EF4-FFF2-40B4-BE49-F238E27FC236}">
-                <a16:creationId xmlns:a16="http://schemas.microsoft.com/office/drawing/2014/main" id="{372A213F-E161-4593-9EAA-F89278833C09}"/>
-              </a:ext>
-            </a:extLst>
-          </p:cNvPr>
+          <p:cNvPr id="3" name="Рисунок 2"/>
           <p:cNvPicPr>
             <a:picLocks noChangeAspect="1"/>
           </p:cNvPicPr>
           <p:nvPr/>
         </p:nvPicPr>
         <p:blipFill>
-          <a:blip r:embed="rId4"/>
+          <a:blip r:embed="rId4" cstate="print">
+            <a:extLst>
+              <a:ext uri="{28A0092B-C50C-407E-A947-70E740481C1C}">
+                <a14:useLocalDpi xmlns:a14="http://schemas.microsoft.com/office/drawing/2010/main" val="0"/>
+              </a:ext>
+            </a:extLst>
+          </a:blip>
           <a:stretch>
             <a:fillRect/>
           </a:stretch>
         </p:blipFill>
         <p:spPr>
           <a:xfrm>
-            <a:off x="6418516" y="4324001"/>
-            <a:ext cx="5697966" cy="1845056"/>
+            <a:off x="1245108" y="0"/>
+            <a:ext cx="9701784" cy="6858000"/>
           </a:xfrm>
           <a:prstGeom prst="rect">
             <a:avLst/>
           </a:prstGeom>
         </p:spPr>
       </p:pic>
-      <p:pic>
-        <p:nvPicPr>
-          <p:cNvPr id="12" name="Рисунок 11">
-            <a:extLst>
-              <a:ext uri="{FF2B5EF4-FFF2-40B4-BE49-F238E27FC236}">
-                <a16:creationId xmlns:a16="http://schemas.microsoft.com/office/drawing/2014/main" id="{7DF771FC-06BC-4848-B338-8AD0FD1D13EC}"/>
-              </a:ext>
-            </a:extLst>
-          </p:cNvPr>
-          <p:cNvPicPr>
-            <a:picLocks noChangeAspect="1"/>
-          </p:cNvPicPr>
-          <p:nvPr/>
-        </p:nvPicPr>
-        <p:blipFill>
-          <a:blip r:embed="rId5"/>
-          <a:stretch>
-            <a:fillRect/>
-          </a:stretch>
-        </p:blipFill>
-        <p:spPr>
-          <a:xfrm>
-            <a:off x="109829" y="1431751"/>
-            <a:ext cx="3956759" cy="2892250"/>
-          </a:xfrm>
-          <a:prstGeom prst="rect">
-            <a:avLst/>
-          </a:prstGeom>
-        </p:spPr>
-      </p:pic>
-      <p:pic>
-        <p:nvPicPr>
-          <p:cNvPr id="10" name="Рисунок 9">
-            <a:extLst>
-              <a:ext uri="{FF2B5EF4-FFF2-40B4-BE49-F238E27FC236}">
-                <a16:creationId xmlns:a16="http://schemas.microsoft.com/office/drawing/2014/main" id="{B90B7B9A-0CE5-43A6-8895-D7038D0C0505}"/>
-              </a:ext>
-            </a:extLst>
-          </p:cNvPr>
-          <p:cNvPicPr>
-            <a:picLocks noChangeAspect="1"/>
-          </p:cNvPicPr>
-          <p:nvPr/>
-        </p:nvPicPr>
-        <p:blipFill>
-          <a:blip r:embed="rId6"/>
-          <a:stretch>
-            <a:fillRect/>
-          </a:stretch>
-        </p:blipFill>
-        <p:spPr>
-          <a:xfrm>
-            <a:off x="4095062" y="1431751"/>
-            <a:ext cx="4108747" cy="2907401"/>
-          </a:xfrm>
-          <a:prstGeom prst="rect">
-            <a:avLst/>
-          </a:prstGeom>
-        </p:spPr>
-      </p:pic>
-      <p:sp>
-        <p:nvSpPr>
-          <p:cNvPr id="14" name="TextBox 13">
-            <a:extLst>
-              <a:ext uri="{FF2B5EF4-FFF2-40B4-BE49-F238E27FC236}">
-                <a16:creationId xmlns:a16="http://schemas.microsoft.com/office/drawing/2014/main" id="{E70B6F6F-79FD-4671-8C44-A0CC7C284F5F}"/>
-              </a:ext>
-            </a:extLst>
-          </p:cNvPr>
-          <p:cNvSpPr txBox="1"/>
-          <p:nvPr/>
-        </p:nvSpPr>
-        <p:spPr>
-          <a:xfrm rot="10800000" flipV="1">
-            <a:off x="109828" y="4777681"/>
-            <a:ext cx="6308687" cy="1200329"/>
-          </a:xfrm>
-          <a:prstGeom prst="rect">
-            <a:avLst/>
-          </a:prstGeom>
-          <a:noFill/>
-        </p:spPr>
-        <p:txBody>
-          <a:bodyPr wrap="square">
-            <a:spAutoFit/>
-          </a:bodyPr>
-          <a:lstStyle/>
-          <a:p>
-            <a:pPr algn="ctr"/>
-            <a:r>
-              <a:rPr lang="ru-RU" dirty="0">
-                <a:latin typeface="Times New Roman" panose="02020603050405020304" pitchFamily="18" charset="0"/>
-                <a:cs typeface="Times New Roman" panose="02020603050405020304" pitchFamily="18" charset="0"/>
-              </a:rPr>
-              <a:t>Рис. </a:t>
-            </a:r>
-            <a:r>
-              <a:rPr lang="en-US" dirty="0">
-                <a:latin typeface="Times New Roman" panose="02020603050405020304" pitchFamily="18" charset="0"/>
-                <a:cs typeface="Times New Roman" panose="02020603050405020304" pitchFamily="18" charset="0"/>
-              </a:rPr>
-              <a:t>7</a:t>
-            </a:r>
-            <a:r>
-              <a:rPr lang="ru-RU" dirty="0">
-                <a:latin typeface="Times New Roman" panose="02020603050405020304" pitchFamily="18" charset="0"/>
-                <a:cs typeface="Times New Roman" panose="02020603050405020304" pitchFamily="18" charset="0"/>
-              </a:rPr>
-              <a:t>. Сравнение полученного решения тестовой задачи</a:t>
-            </a:r>
-            <a:r>
-              <a:rPr lang="en-US" dirty="0">
-                <a:latin typeface="Times New Roman" panose="02020603050405020304" pitchFamily="18" charset="0"/>
-                <a:cs typeface="Times New Roman" panose="02020603050405020304" pitchFamily="18" charset="0"/>
-              </a:rPr>
-              <a:t> </a:t>
-            </a:r>
-            <a:r>
-              <a:rPr lang="ru-RU" dirty="0">
-                <a:latin typeface="Times New Roman" panose="02020603050405020304" pitchFamily="18" charset="0"/>
-                <a:cs typeface="Times New Roman" panose="02020603050405020304" pitchFamily="18" charset="0"/>
-              </a:rPr>
-              <a:t>при числе ячеек </a:t>
-            </a:r>
-            <a:r>
-              <a:rPr lang="en-US" dirty="0">
-                <a:latin typeface="Times New Roman" panose="02020603050405020304" pitchFamily="18" charset="0"/>
-                <a:cs typeface="Times New Roman" panose="02020603050405020304" pitchFamily="18" charset="0"/>
-              </a:rPr>
-              <a:t>n = 5: </a:t>
-            </a:r>
-            <a:r>
-              <a:rPr lang="ru-RU" dirty="0">
-                <a:latin typeface="Times New Roman" panose="02020603050405020304" pitchFamily="18" charset="0"/>
-                <a:cs typeface="Times New Roman" panose="02020603050405020304" pitchFamily="18" charset="0"/>
-              </a:rPr>
-              <a:t>а – зависимость скорости поршня от времени</a:t>
-            </a:r>
-            <a:r>
-              <a:rPr lang="en-US" dirty="0">
-                <a:latin typeface="Times New Roman" panose="02020603050405020304" pitchFamily="18" charset="0"/>
-                <a:cs typeface="Times New Roman" panose="02020603050405020304" pitchFamily="18" charset="0"/>
-              </a:rPr>
-              <a:t>; </a:t>
-            </a:r>
-            <a:r>
-              <a:rPr lang="ru-RU" dirty="0">
-                <a:latin typeface="Times New Roman" panose="02020603050405020304" pitchFamily="18" charset="0"/>
-                <a:cs typeface="Times New Roman" panose="02020603050405020304" pitchFamily="18" charset="0"/>
-              </a:rPr>
-              <a:t>б – зависимость давления на дно камеры и дно поршня от времени</a:t>
-            </a:r>
-          </a:p>
-        </p:txBody>
-      </p:sp>
-      <p:sp>
-        <p:nvSpPr>
-          <p:cNvPr id="15" name="TextBox 14">
-            <a:extLst>
-              <a:ext uri="{FF2B5EF4-FFF2-40B4-BE49-F238E27FC236}">
-                <a16:creationId xmlns:a16="http://schemas.microsoft.com/office/drawing/2014/main" id="{CB45ABEF-3215-457E-AE84-69D3FDF40E37}"/>
-              </a:ext>
-            </a:extLst>
-          </p:cNvPr>
-          <p:cNvSpPr txBox="1"/>
-          <p:nvPr/>
-        </p:nvSpPr>
-        <p:spPr>
-          <a:xfrm>
-            <a:off x="2088208" y="4396268"/>
-            <a:ext cx="5266162" cy="369332"/>
-          </a:xfrm>
-          <a:prstGeom prst="rect">
-            <a:avLst/>
-          </a:prstGeom>
-          <a:noFill/>
-        </p:spPr>
-        <p:txBody>
-          <a:bodyPr wrap="square">
-            <a:spAutoFit/>
-          </a:bodyPr>
-          <a:lstStyle/>
-          <a:p>
-            <a:r>
-              <a:rPr lang="ru-RU" dirty="0">
-                <a:latin typeface="Times New Roman" panose="02020603050405020304" pitchFamily="18" charset="0"/>
-                <a:cs typeface="Times New Roman" panose="02020603050405020304" pitchFamily="18" charset="0"/>
-              </a:rPr>
-              <a:t>а)                                                                б)</a:t>
-            </a:r>
-          </a:p>
-        </p:txBody>
-      </p:sp>
     </p:spTree>
     <p:extLst>
       <p:ext uri="{BB962C8B-B14F-4D97-AF65-F5344CB8AC3E}">
-        <p14:creationId xmlns:p14="http://schemas.microsoft.com/office/powerpoint/2010/main" val="2277340135"/>
+        <p14:creationId xmlns:p14="http://schemas.microsoft.com/office/powerpoint/2010/main" val="985427071"/>
       </p:ext>
     </p:extLst>
   </p:cSld>

--- a/Защита_Широкопетлев.pptx
+++ b/Защита_Широкопетлев.pptx
@@ -5,7 +5,7 @@
     <p:sldMasterId id="2147483648" r:id="rId1"/>
   </p:sldMasterIdLst>
   <p:notesMasterIdLst>
-    <p:notesMasterId r:id="rId12"/>
+    <p:notesMasterId r:id="rId15"/>
   </p:notesMasterIdLst>
   <p:sldIdLst>
     <p:sldId id="256" r:id="rId2"/>
@@ -16,8 +16,11 @@
     <p:sldId id="268" r:id="rId7"/>
     <p:sldId id="261" r:id="rId8"/>
     <p:sldId id="269" r:id="rId9"/>
-    <p:sldId id="270" r:id="rId10"/>
-    <p:sldId id="267" r:id="rId11"/>
+    <p:sldId id="272" r:id="rId10"/>
+    <p:sldId id="270" r:id="rId11"/>
+    <p:sldId id="273" r:id="rId12"/>
+    <p:sldId id="271" r:id="rId13"/>
+    <p:sldId id="267" r:id="rId14"/>
   </p:sldIdLst>
   <p:sldSz cx="12192000" cy="6858000"/>
   <p:notesSz cx="6858000" cy="9144000"/>
@@ -1225,13 +1228,6 @@
         </dgm:presLayoutVars>
       </dgm:prSet>
       <dgm:spPr/>
-      <dgm:t>
-        <a:bodyPr/>
-        <a:lstStyle/>
-        <a:p>
-          <a:endParaRPr lang="ru-RU"/>
-        </a:p>
-      </dgm:t>
     </dgm:pt>
     <dgm:pt modelId="{57EDD0A4-1010-4BFE-94D6-0D7DB601C712}" type="pres">
       <dgm:prSet presAssocID="{A69B0843-E053-4BA3-B3AD-1AA69FA98DE6}" presName="sibTrans" presStyleCnt="0"/>
@@ -1275,13 +1271,6 @@
         </dgm:presLayoutVars>
       </dgm:prSet>
       <dgm:spPr/>
-      <dgm:t>
-        <a:bodyPr/>
-        <a:lstStyle/>
-        <a:p>
-          <a:endParaRPr lang="ru-RU"/>
-        </a:p>
-      </dgm:t>
     </dgm:pt>
     <dgm:pt modelId="{431D2891-5D5E-4D7E-B1CC-5915DBDFFB24}" type="pres">
       <dgm:prSet presAssocID="{0F5D0827-85DA-45FB-AA51-2A33EFCA19F3}" presName="sibTrans" presStyleCnt="0"/>
@@ -1325,13 +1314,6 @@
         </dgm:presLayoutVars>
       </dgm:prSet>
       <dgm:spPr/>
-      <dgm:t>
-        <a:bodyPr/>
-        <a:lstStyle/>
-        <a:p>
-          <a:endParaRPr lang="ru-RU"/>
-        </a:p>
-      </dgm:t>
     </dgm:pt>
     <dgm:pt modelId="{207D9A0B-1BFB-481D-9CC8-8A41E26BEB59}" type="pres">
       <dgm:prSet presAssocID="{3BC9B35D-01C0-45C3-A3B9-AFB90B66F4E8}" presName="sibTrans" presStyleCnt="0"/>
@@ -1375,25 +1357,18 @@
         </dgm:presLayoutVars>
       </dgm:prSet>
       <dgm:spPr/>
-      <dgm:t>
-        <a:bodyPr/>
-        <a:lstStyle/>
-        <a:p>
-          <a:endParaRPr lang="ru-RU"/>
-        </a:p>
-      </dgm:t>
     </dgm:pt>
   </dgm:ptLst>
   <dgm:cxnLst>
+    <dgm:cxn modelId="{55916C02-3A44-4A28-81CD-AE915BE031CA}" type="presOf" srcId="{37933178-325A-44C0-AB69-6ABD1A71F87E}" destId="{8E040B3A-47FF-43AE-B7D2-DF1B3BDCE255}" srcOrd="0" destOrd="0" presId="urn:microsoft.com/office/officeart/2008/layout/TitlePictureLineup"/>
     <dgm:cxn modelId="{259A660E-5922-440E-9055-DBBAA25A8C6D}" type="presOf" srcId="{B454FB98-24F8-4A28-8B6A-80FCAFFACA30}" destId="{2E33AB6A-8B2E-4B1C-BD60-223140649CAC}" srcOrd="0" destOrd="0" presId="urn:microsoft.com/office/officeart/2008/layout/TitlePictureLineup"/>
-    <dgm:cxn modelId="{311320FF-C2A0-4297-8E39-78EB6EDB9895}" type="presOf" srcId="{194A6C55-35C1-4DCA-BF5C-062B1DF1D9A3}" destId="{62004204-50C0-4604-8C5B-4F0B2A2F34B3}" srcOrd="0" destOrd="0" presId="urn:microsoft.com/office/officeart/2008/layout/TitlePictureLineup"/>
+    <dgm:cxn modelId="{D45A7C6B-7E86-4A2E-BB81-C5AFC9EDE255}" type="presOf" srcId="{D286F363-3D75-4587-9D74-3B87ABBD895B}" destId="{38D7A0B9-A943-4B5D-A0BE-738A94AA2C87}" srcOrd="0" destOrd="0" presId="urn:microsoft.com/office/officeart/2008/layout/TitlePictureLineup"/>
+    <dgm:cxn modelId="{3AAB1573-8601-47A0-821B-EC55E4FC477B}" srcId="{B454FB98-24F8-4A28-8B6A-80FCAFFACA30}" destId="{A3FC67ED-C59A-4565-909E-53C2F57A3561}" srcOrd="2" destOrd="0" parTransId="{F6345912-FEA1-4463-85E3-E6EA166D3D58}" sibTransId="{3BC9B35D-01C0-45C3-A3B9-AFB90B66F4E8}"/>
+    <dgm:cxn modelId="{610F1A94-9BB8-41CE-B262-D29AEF25A46B}" srcId="{B454FB98-24F8-4A28-8B6A-80FCAFFACA30}" destId="{37933178-325A-44C0-AB69-6ABD1A71F87E}" srcOrd="3" destOrd="0" parTransId="{AF30D765-1A1D-48FF-A384-C66957F0927C}" sibTransId="{3C62951F-CED2-4AE9-993F-814368FDC87A}"/>
+    <dgm:cxn modelId="{86C36C9D-5057-4DB4-9D7E-6195F529E078}" srcId="{B454FB98-24F8-4A28-8B6A-80FCAFFACA30}" destId="{194A6C55-35C1-4DCA-BF5C-062B1DF1D9A3}" srcOrd="0" destOrd="0" parTransId="{B90AE1E1-6F1F-45FF-B0F0-2658A55DE4E7}" sibTransId="{A69B0843-E053-4BA3-B3AD-1AA69FA98DE6}"/>
     <dgm:cxn modelId="{D762EBA9-35C0-402E-8775-9E534EAA7ABF}" srcId="{B454FB98-24F8-4A28-8B6A-80FCAFFACA30}" destId="{D286F363-3D75-4587-9D74-3B87ABBD895B}" srcOrd="1" destOrd="0" parTransId="{4C4ACF09-8C56-4F03-923B-812D50B1697B}" sibTransId="{0F5D0827-85DA-45FB-AA51-2A33EFCA19F3}"/>
     <dgm:cxn modelId="{7ACDB2AD-6AC9-4A34-BD7A-B8C292A59FC9}" type="presOf" srcId="{A3FC67ED-C59A-4565-909E-53C2F57A3561}" destId="{5EF9BEC2-594C-41D1-AF9B-82AB19D8A3E0}" srcOrd="0" destOrd="0" presId="urn:microsoft.com/office/officeart/2008/layout/TitlePictureLineup"/>
-    <dgm:cxn modelId="{610F1A94-9BB8-41CE-B262-D29AEF25A46B}" srcId="{B454FB98-24F8-4A28-8B6A-80FCAFFACA30}" destId="{37933178-325A-44C0-AB69-6ABD1A71F87E}" srcOrd="3" destOrd="0" parTransId="{AF30D765-1A1D-48FF-A384-C66957F0927C}" sibTransId="{3C62951F-CED2-4AE9-993F-814368FDC87A}"/>
-    <dgm:cxn modelId="{D45A7C6B-7E86-4A2E-BB81-C5AFC9EDE255}" type="presOf" srcId="{D286F363-3D75-4587-9D74-3B87ABBD895B}" destId="{38D7A0B9-A943-4B5D-A0BE-738A94AA2C87}" srcOrd="0" destOrd="0" presId="urn:microsoft.com/office/officeart/2008/layout/TitlePictureLineup"/>
-    <dgm:cxn modelId="{55916C02-3A44-4A28-81CD-AE915BE031CA}" type="presOf" srcId="{37933178-325A-44C0-AB69-6ABD1A71F87E}" destId="{8E040B3A-47FF-43AE-B7D2-DF1B3BDCE255}" srcOrd="0" destOrd="0" presId="urn:microsoft.com/office/officeart/2008/layout/TitlePictureLineup"/>
-    <dgm:cxn modelId="{3AAB1573-8601-47A0-821B-EC55E4FC477B}" srcId="{B454FB98-24F8-4A28-8B6A-80FCAFFACA30}" destId="{A3FC67ED-C59A-4565-909E-53C2F57A3561}" srcOrd="2" destOrd="0" parTransId="{F6345912-FEA1-4463-85E3-E6EA166D3D58}" sibTransId="{3BC9B35D-01C0-45C3-A3B9-AFB90B66F4E8}"/>
-    <dgm:cxn modelId="{86C36C9D-5057-4DB4-9D7E-6195F529E078}" srcId="{B454FB98-24F8-4A28-8B6A-80FCAFFACA30}" destId="{194A6C55-35C1-4DCA-BF5C-062B1DF1D9A3}" srcOrd="0" destOrd="0" parTransId="{B90AE1E1-6F1F-45FF-B0F0-2658A55DE4E7}" sibTransId="{A69B0843-E053-4BA3-B3AD-1AA69FA98DE6}"/>
+    <dgm:cxn modelId="{311320FF-C2A0-4297-8E39-78EB6EDB9895}" type="presOf" srcId="{194A6C55-35C1-4DCA-BF5C-062B1DF1D9A3}" destId="{62004204-50C0-4604-8C5B-4F0B2A2F34B3}" srcOrd="0" destOrd="0" presId="urn:microsoft.com/office/officeart/2008/layout/TitlePictureLineup"/>
     <dgm:cxn modelId="{A8A94C09-5063-463B-8D69-260ABDE708BD}" type="presParOf" srcId="{2E33AB6A-8B2E-4B1C-BD60-223140649CAC}" destId="{5014D90E-2C14-413B-A108-0DAFF614E652}" srcOrd="0" destOrd="0" presId="urn:microsoft.com/office/officeart/2008/layout/TitlePictureLineup"/>
     <dgm:cxn modelId="{176DEE34-0344-4A04-BB1C-73F4878D0F43}" type="presParOf" srcId="{5014D90E-2C14-413B-A108-0DAFF614E652}" destId="{578848A6-E284-4BED-8061-9F922FED2D26}" srcOrd="0" destOrd="0" presId="urn:microsoft.com/office/officeart/2008/layout/TitlePictureLineup"/>
     <dgm:cxn modelId="{3CC138E6-22C5-45E6-A4A7-22DD21C79D5E}" type="presParOf" srcId="{5014D90E-2C14-413B-A108-0DAFF614E652}" destId="{777D281A-2E5C-40BE-BB19-13C441608273}" srcOrd="1" destOrd="0" presId="urn:microsoft.com/office/officeart/2008/layout/TitlePictureLineup"/>
@@ -1626,7 +1601,7 @@
         </a:bodyPr>
         <a:lstStyle/>
         <a:p>
-          <a:pPr lvl="0" algn="ctr" defTabSz="577850">
+          <a:pPr marL="0" lvl="0" indent="0" algn="ctr" defTabSz="577850">
             <a:lnSpc>
               <a:spcPct val="90000"/>
             </a:lnSpc>
@@ -1636,6 +1611,7 @@
             <a:spcAft>
               <a:spcPct val="35000"/>
             </a:spcAft>
+            <a:buNone/>
           </a:pPr>
           <a:r>
             <a:rPr lang="ru-RU" sz="1300" kern="1200" dirty="0">
@@ -1841,7 +1817,7 @@
         </a:bodyPr>
         <a:lstStyle/>
         <a:p>
-          <a:pPr lvl="0" algn="ctr" defTabSz="577850">
+          <a:pPr marL="0" lvl="0" indent="0" algn="ctr" defTabSz="577850">
             <a:lnSpc>
               <a:spcPct val="90000"/>
             </a:lnSpc>
@@ -1851,6 +1827,7 @@
             <a:spcAft>
               <a:spcPct val="35000"/>
             </a:spcAft>
+            <a:buNone/>
           </a:pPr>
           <a:r>
             <a:rPr lang="ru-RU" sz="1300" kern="1200" dirty="0">
@@ -2056,7 +2033,7 @@
         </a:bodyPr>
         <a:lstStyle/>
         <a:p>
-          <a:pPr lvl="0" algn="ctr" defTabSz="577850">
+          <a:pPr marL="0" lvl="0" indent="0" algn="ctr" defTabSz="577850">
             <a:lnSpc>
               <a:spcPct val="90000"/>
             </a:lnSpc>
@@ -2066,6 +2043,7 @@
             <a:spcAft>
               <a:spcPct val="35000"/>
             </a:spcAft>
+            <a:buNone/>
           </a:pPr>
           <a:r>
             <a:rPr lang="ru-RU" sz="1300" kern="1200" dirty="0">
@@ -2271,7 +2249,7 @@
         </a:bodyPr>
         <a:lstStyle/>
         <a:p>
-          <a:pPr lvl="0" algn="ctr" defTabSz="577850">
+          <a:pPr marL="0" lvl="0" indent="0" algn="ctr" defTabSz="577850">
             <a:lnSpc>
               <a:spcPct val="90000"/>
             </a:lnSpc>
@@ -2281,6 +2259,7 @@
             <a:spcAft>
               <a:spcPct val="35000"/>
             </a:spcAft>
+            <a:buNone/>
           </a:pPr>
           <a:r>
             <a:rPr lang="ru-RU" sz="1300" kern="1200" dirty="0">
@@ -7566,7 +7545,7 @@
                 <a14:useLocalDpi xmlns:a14="http://schemas.microsoft.com/office/drawing/2010/main" val="0"/>
               </a:ext>
               <a:ext uri="{837473B0-CC2E-450A-ABE3-18F120FF3D39}">
-                <a1611:picAttrSrcUrl xmlns:a1611="http://schemas.microsoft.com/office/drawing/2016/11/main" xmlns="" r:id="rId4"/>
+                <a1611:picAttrSrcUrl xmlns:a1611="http://schemas.microsoft.com/office/drawing/2016/11/main" r:id="rId4"/>
               </a:ext>
             </a:extLst>
           </a:blip>
@@ -7697,6 +7676,915 @@
 </file>
 
 <file path=ppt/slides/slide10.xml><?xml version="1.0" encoding="utf-8"?>
+<p:sld xmlns:a="http://schemas.openxmlformats.org/drawingml/2006/main" xmlns:r="http://schemas.openxmlformats.org/officeDocument/2006/relationships" xmlns:p="http://schemas.openxmlformats.org/presentationml/2006/main">
+  <p:cSld>
+    <p:spTree>
+      <p:nvGrpSpPr>
+        <p:cNvPr id="1" name=""/>
+        <p:cNvGrpSpPr/>
+        <p:nvPr/>
+      </p:nvGrpSpPr>
+      <p:grpSpPr>
+        <a:xfrm>
+          <a:off x="0" y="0"/>
+          <a:ext cx="0" cy="0"/>
+          <a:chOff x="0" y="0"/>
+          <a:chExt cx="0" cy="0"/>
+        </a:xfrm>
+      </p:grpSpPr>
+      <p:sp>
+        <p:nvSpPr>
+          <p:cNvPr id="5" name="Прямоугольник 4">
+            <a:extLst>
+              <a:ext uri="{FF2B5EF4-FFF2-40B4-BE49-F238E27FC236}">
+                <a16:creationId xmlns:a16="http://schemas.microsoft.com/office/drawing/2014/main" id="{08C9DD33-DA0F-41EF-B5A0-CB849668BD3B}"/>
+              </a:ext>
+            </a:extLst>
+          </p:cNvPr>
+          <p:cNvSpPr/>
+          <p:nvPr/>
+        </p:nvSpPr>
+        <p:spPr>
+          <a:xfrm>
+            <a:off x="0" y="-1"/>
+            <a:ext cx="12192000" cy="6858001"/>
+          </a:xfrm>
+          <a:prstGeom prst="rect">
+            <a:avLst/>
+          </a:prstGeom>
+          <a:solidFill>
+            <a:schemeClr val="accent1">
+              <a:lumMod val="50000"/>
+            </a:schemeClr>
+          </a:solidFill>
+        </p:spPr>
+        <p:style>
+          <a:lnRef idx="2">
+            <a:schemeClr val="accent1">
+              <a:shade val="50000"/>
+            </a:schemeClr>
+          </a:lnRef>
+          <a:fillRef idx="1">
+            <a:schemeClr val="accent1"/>
+          </a:fillRef>
+          <a:effectRef idx="0">
+            <a:schemeClr val="accent1"/>
+          </a:effectRef>
+          <a:fontRef idx="minor">
+            <a:schemeClr val="lt1"/>
+          </a:fontRef>
+        </p:style>
+        <p:txBody>
+          <a:bodyPr rtlCol="0" anchor="ctr"/>
+          <a:lstStyle/>
+          <a:p>
+            <a:r>
+              <a:rPr lang="en-US" dirty="0">
+                <a:latin typeface="Times New Roman" panose="02020603050405020304" pitchFamily="18" charset="0"/>
+                <a:ea typeface="Tahoma" panose="020B0604030504040204" pitchFamily="34" charset="0"/>
+                <a:cs typeface="Times New Roman" panose="02020603050405020304" pitchFamily="18" charset="0"/>
+              </a:rPr>
+              <a:t>               </a:t>
+            </a:r>
+            <a:r>
+              <a:rPr lang="ru-RU" dirty="0">
+                <a:latin typeface="Times New Roman" panose="02020603050405020304" pitchFamily="18" charset="0"/>
+                <a:ea typeface="Tahoma" panose="020B0604030504040204" pitchFamily="34" charset="0"/>
+                <a:cs typeface="Times New Roman" panose="02020603050405020304" pitchFamily="18" charset="0"/>
+              </a:rPr>
+              <a:t> </a:t>
+            </a:r>
+          </a:p>
+        </p:txBody>
+      </p:sp>
+      <p:pic>
+        <p:nvPicPr>
+          <p:cNvPr id="7" name="Рисунок 6" descr="Изображение выглядит как текст, керамические изделия&#10;&#10;Автоматически созданное описание">
+            <a:extLst>
+              <a:ext uri="{FF2B5EF4-FFF2-40B4-BE49-F238E27FC236}">
+                <a16:creationId xmlns:a16="http://schemas.microsoft.com/office/drawing/2014/main" id="{269245AF-46EE-4074-822D-D9A528D4198A}"/>
+              </a:ext>
+            </a:extLst>
+          </p:cNvPr>
+          <p:cNvPicPr>
+            <a:picLocks noChangeAspect="1"/>
+          </p:cNvPicPr>
+          <p:nvPr/>
+        </p:nvPicPr>
+        <p:blipFill>
+          <a:blip r:embed="rId2" cstate="hqprint">
+            <a:extLst>
+              <a:ext uri="{28A0092B-C50C-407E-A947-70E740481C1C}">
+                <a14:useLocalDpi xmlns:a14="http://schemas.microsoft.com/office/drawing/2010/main" val="0"/>
+              </a:ext>
+              <a:ext uri="{837473B0-CC2E-450A-ABE3-18F120FF3D39}">
+                <a1611:picAttrSrcUrl xmlns:a1611="http://schemas.microsoft.com/office/drawing/2016/11/main" r:id="rId3"/>
+              </a:ext>
+            </a:extLst>
+          </a:blip>
+          <a:stretch>
+            <a:fillRect/>
+          </a:stretch>
+        </p:blipFill>
+        <p:spPr>
+          <a:xfrm>
+            <a:off x="313698" y="6105135"/>
+            <a:ext cx="529678" cy="625020"/>
+          </a:xfrm>
+          <a:prstGeom prst="rect">
+            <a:avLst/>
+          </a:prstGeom>
+        </p:spPr>
+      </p:pic>
+      <p:sp>
+        <p:nvSpPr>
+          <p:cNvPr id="6" name="TextBox 5">
+            <a:extLst>
+              <a:ext uri="{FF2B5EF4-FFF2-40B4-BE49-F238E27FC236}">
+                <a16:creationId xmlns:a16="http://schemas.microsoft.com/office/drawing/2014/main" id="{FA97D146-182C-4777-ABF4-00AE13487B07}"/>
+              </a:ext>
+            </a:extLst>
+          </p:cNvPr>
+          <p:cNvSpPr txBox="1"/>
+          <p:nvPr/>
+        </p:nvSpPr>
+        <p:spPr>
+          <a:xfrm>
+            <a:off x="739806" y="6360823"/>
+            <a:ext cx="11771765" cy="369332"/>
+          </a:xfrm>
+          <a:prstGeom prst="rect">
+            <a:avLst/>
+          </a:prstGeom>
+          <a:noFill/>
+        </p:spPr>
+        <p:txBody>
+          <a:bodyPr wrap="square" rtlCol="0">
+            <a:spAutoFit/>
+          </a:bodyPr>
+          <a:lstStyle/>
+          <a:p>
+            <a:pPr algn="r"/>
+            <a:r>
+              <a:rPr lang="ru-RU" dirty="0">
+                <a:solidFill>
+                  <a:schemeClr val="bg1"/>
+                </a:solidFill>
+                <a:latin typeface="Times New Roman" panose="02020603050405020304" pitchFamily="18" charset="0"/>
+                <a:cs typeface="Times New Roman" panose="02020603050405020304" pitchFamily="18" charset="0"/>
+              </a:rPr>
+              <a:t>10</a:t>
+            </a:r>
+            <a:r>
+              <a:rPr lang="en-US" dirty="0">
+                <a:solidFill>
+                  <a:schemeClr val="bg1"/>
+                </a:solidFill>
+                <a:latin typeface="Times New Roman" panose="02020603050405020304" pitchFamily="18" charset="0"/>
+                <a:cs typeface="Times New Roman" panose="02020603050405020304" pitchFamily="18" charset="0"/>
+              </a:rPr>
+              <a:t>	</a:t>
+            </a:r>
+            <a:endParaRPr lang="ru-RU" dirty="0">
+              <a:solidFill>
+                <a:schemeClr val="bg1"/>
+              </a:solidFill>
+              <a:latin typeface="Times New Roman" panose="02020603050405020304" pitchFamily="18" charset="0"/>
+              <a:cs typeface="Times New Roman" panose="02020603050405020304" pitchFamily="18" charset="0"/>
+            </a:endParaRPr>
+          </a:p>
+        </p:txBody>
+      </p:sp>
+      <p:pic>
+        <p:nvPicPr>
+          <p:cNvPr id="4" name="Рисунок 3">
+            <a:extLst>
+              <a:ext uri="{FF2B5EF4-FFF2-40B4-BE49-F238E27FC236}">
+                <a16:creationId xmlns:a16="http://schemas.microsoft.com/office/drawing/2014/main" id="{EC9B9628-D971-A675-40DE-763CCFA54F89}"/>
+              </a:ext>
+            </a:extLst>
+          </p:cNvPr>
+          <p:cNvPicPr>
+            <a:picLocks noChangeAspect="1"/>
+          </p:cNvPicPr>
+          <p:nvPr/>
+        </p:nvPicPr>
+        <p:blipFill>
+          <a:blip r:embed="rId4">
+            <a:extLst>
+              <a:ext uri="{28A0092B-C50C-407E-A947-70E740481C1C}">
+                <a14:useLocalDpi xmlns:a14="http://schemas.microsoft.com/office/drawing/2010/main" val="0"/>
+              </a:ext>
+            </a:extLst>
+          </a:blip>
+          <a:stretch>
+            <a:fillRect/>
+          </a:stretch>
+        </p:blipFill>
+        <p:spPr>
+          <a:xfrm>
+            <a:off x="1245108" y="0"/>
+            <a:ext cx="9701784" cy="6858000"/>
+          </a:xfrm>
+          <a:prstGeom prst="rect">
+            <a:avLst/>
+          </a:prstGeom>
+        </p:spPr>
+      </p:pic>
+    </p:spTree>
+    <p:extLst>
+      <p:ext uri="{BB962C8B-B14F-4D97-AF65-F5344CB8AC3E}">
+        <p14:creationId xmlns:p14="http://schemas.microsoft.com/office/powerpoint/2010/main" val="985427071"/>
+      </p:ext>
+    </p:extLst>
+  </p:cSld>
+  <p:clrMapOvr>
+    <a:masterClrMapping/>
+  </p:clrMapOvr>
+</p:sld>
+</file>
+
+<file path=ppt/slides/slide11.xml><?xml version="1.0" encoding="utf-8"?>
+<p:sld xmlns:a="http://schemas.openxmlformats.org/drawingml/2006/main" xmlns:r="http://schemas.openxmlformats.org/officeDocument/2006/relationships" xmlns:p="http://schemas.openxmlformats.org/presentationml/2006/main">
+  <p:cSld>
+    <p:spTree>
+      <p:nvGrpSpPr>
+        <p:cNvPr id="1" name=""/>
+        <p:cNvGrpSpPr/>
+        <p:nvPr/>
+      </p:nvGrpSpPr>
+      <p:grpSpPr>
+        <a:xfrm>
+          <a:off x="0" y="0"/>
+          <a:ext cx="0" cy="0"/>
+          <a:chOff x="0" y="0"/>
+          <a:chExt cx="0" cy="0"/>
+        </a:xfrm>
+      </p:grpSpPr>
+      <p:sp>
+        <p:nvSpPr>
+          <p:cNvPr id="8" name="Прямоугольник: скругленные верхние углы 7">
+            <a:extLst>
+              <a:ext uri="{FF2B5EF4-FFF2-40B4-BE49-F238E27FC236}">
+                <a16:creationId xmlns:a16="http://schemas.microsoft.com/office/drawing/2014/main" id="{5B4719DB-068C-2DAC-9115-E6743E22EA4A}"/>
+              </a:ext>
+            </a:extLst>
+          </p:cNvPr>
+          <p:cNvSpPr/>
+          <p:nvPr/>
+        </p:nvSpPr>
+        <p:spPr>
+          <a:xfrm rot="10800000">
+            <a:off x="5138841" y="1370487"/>
+            <a:ext cx="6748358" cy="4662818"/>
+          </a:xfrm>
+          <a:prstGeom prst="round2SameRect">
+            <a:avLst/>
+          </a:prstGeom>
+          <a:solidFill>
+            <a:schemeClr val="bg1"/>
+          </a:solidFill>
+          <a:ln>
+            <a:solidFill>
+              <a:schemeClr val="accent1">
+                <a:lumMod val="50000"/>
+              </a:schemeClr>
+            </a:solidFill>
+          </a:ln>
+        </p:spPr>
+        <p:style>
+          <a:lnRef idx="2">
+            <a:schemeClr val="accent1">
+              <a:shade val="50000"/>
+            </a:schemeClr>
+          </a:lnRef>
+          <a:fillRef idx="1">
+            <a:schemeClr val="accent1"/>
+          </a:fillRef>
+          <a:effectRef idx="0">
+            <a:schemeClr val="accent1"/>
+          </a:effectRef>
+          <a:fontRef idx="minor">
+            <a:schemeClr val="lt1"/>
+          </a:fontRef>
+        </p:style>
+        <p:txBody>
+          <a:bodyPr rtlCol="0" anchor="ctr"/>
+          <a:lstStyle/>
+          <a:p>
+            <a:pPr algn="ctr"/>
+            <a:endParaRPr lang="ru-RU"/>
+          </a:p>
+        </p:txBody>
+      </p:sp>
+      <p:sp>
+        <p:nvSpPr>
+          <p:cNvPr id="4" name="Прямоугольник 3">
+            <a:extLst>
+              <a:ext uri="{FF2B5EF4-FFF2-40B4-BE49-F238E27FC236}">
+                <a16:creationId xmlns:a16="http://schemas.microsoft.com/office/drawing/2014/main" id="{5ECE0D18-20DF-4B2E-8AC5-54515F52E3D6}"/>
+              </a:ext>
+            </a:extLst>
+          </p:cNvPr>
+          <p:cNvSpPr/>
+          <p:nvPr/>
+        </p:nvSpPr>
+        <p:spPr>
+          <a:xfrm>
+            <a:off x="0" y="-29230"/>
+            <a:ext cx="12192000" cy="1170813"/>
+          </a:xfrm>
+          <a:prstGeom prst="rect">
+            <a:avLst/>
+          </a:prstGeom>
+          <a:solidFill>
+            <a:schemeClr val="accent1">
+              <a:lumMod val="50000"/>
+            </a:schemeClr>
+          </a:solidFill>
+          <a:ln>
+            <a:noFill/>
+          </a:ln>
+        </p:spPr>
+        <p:style>
+          <a:lnRef idx="2">
+            <a:schemeClr val="accent1">
+              <a:shade val="50000"/>
+            </a:schemeClr>
+          </a:lnRef>
+          <a:fillRef idx="1">
+            <a:schemeClr val="accent1"/>
+          </a:fillRef>
+          <a:effectRef idx="0">
+            <a:schemeClr val="accent1"/>
+          </a:effectRef>
+          <a:fontRef idx="minor">
+            <a:schemeClr val="lt1"/>
+          </a:fontRef>
+        </p:style>
+        <p:txBody>
+          <a:bodyPr rtlCol="0" anchor="ctr"/>
+          <a:lstStyle/>
+          <a:p>
+            <a:r>
+              <a:rPr lang="ru-RU" sz="3600" dirty="0">
+                <a:latin typeface="Times New Roman" panose="02020603050405020304" pitchFamily="18" charset="0"/>
+                <a:cs typeface="Times New Roman" panose="02020603050405020304" pitchFamily="18" charset="0"/>
+              </a:rPr>
+              <a:t>	Контрольно-измерительное приспособление</a:t>
+            </a:r>
+          </a:p>
+        </p:txBody>
+      </p:sp>
+      <p:sp>
+        <p:nvSpPr>
+          <p:cNvPr id="5" name="Прямоугольник 4">
+            <a:extLst>
+              <a:ext uri="{FF2B5EF4-FFF2-40B4-BE49-F238E27FC236}">
+                <a16:creationId xmlns:a16="http://schemas.microsoft.com/office/drawing/2014/main" id="{08C9DD33-DA0F-41EF-B5A0-CB849668BD3B}"/>
+              </a:ext>
+            </a:extLst>
+          </p:cNvPr>
+          <p:cNvSpPr/>
+          <p:nvPr/>
+        </p:nvSpPr>
+        <p:spPr>
+          <a:xfrm>
+            <a:off x="0" y="6232979"/>
+            <a:ext cx="12192000" cy="625021"/>
+          </a:xfrm>
+          <a:prstGeom prst="rect">
+            <a:avLst/>
+          </a:prstGeom>
+          <a:solidFill>
+            <a:schemeClr val="accent1">
+              <a:lumMod val="50000"/>
+            </a:schemeClr>
+          </a:solidFill>
+        </p:spPr>
+        <p:style>
+          <a:lnRef idx="2">
+            <a:schemeClr val="accent1">
+              <a:shade val="50000"/>
+            </a:schemeClr>
+          </a:lnRef>
+          <a:fillRef idx="1">
+            <a:schemeClr val="accent1"/>
+          </a:fillRef>
+          <a:effectRef idx="0">
+            <a:schemeClr val="accent1"/>
+          </a:effectRef>
+          <a:fontRef idx="minor">
+            <a:schemeClr val="lt1"/>
+          </a:fontRef>
+        </p:style>
+        <p:txBody>
+          <a:bodyPr rtlCol="0" anchor="ctr"/>
+          <a:lstStyle/>
+          <a:p>
+            <a:r>
+              <a:rPr lang="en-US" dirty="0">
+                <a:latin typeface="Times New Roman" panose="02020603050405020304" pitchFamily="18" charset="0"/>
+                <a:ea typeface="Tahoma" panose="020B0604030504040204" pitchFamily="34" charset="0"/>
+                <a:cs typeface="Times New Roman" panose="02020603050405020304" pitchFamily="18" charset="0"/>
+              </a:rPr>
+              <a:t>               </a:t>
+            </a:r>
+            <a:r>
+              <a:rPr lang="ru-RU" dirty="0">
+                <a:latin typeface="Times New Roman" panose="02020603050405020304" pitchFamily="18" charset="0"/>
+                <a:ea typeface="Tahoma" panose="020B0604030504040204" pitchFamily="34" charset="0"/>
+                <a:cs typeface="Times New Roman" panose="02020603050405020304" pitchFamily="18" charset="0"/>
+              </a:rPr>
+              <a:t> МГТУ им. Н. Э. Баумана</a:t>
+            </a:r>
+          </a:p>
+        </p:txBody>
+      </p:sp>
+      <p:pic>
+        <p:nvPicPr>
+          <p:cNvPr id="7" name="Рисунок 6" descr="Изображение выглядит как текст, керамические изделия&#10;&#10;Автоматически созданное описание">
+            <a:extLst>
+              <a:ext uri="{FF2B5EF4-FFF2-40B4-BE49-F238E27FC236}">
+                <a16:creationId xmlns:a16="http://schemas.microsoft.com/office/drawing/2014/main" id="{269245AF-46EE-4074-822D-D9A528D4198A}"/>
+              </a:ext>
+            </a:extLst>
+          </p:cNvPr>
+          <p:cNvPicPr>
+            <a:picLocks noChangeAspect="1"/>
+          </p:cNvPicPr>
+          <p:nvPr/>
+        </p:nvPicPr>
+        <p:blipFill>
+          <a:blip r:embed="rId2" cstate="hqprint">
+            <a:extLst>
+              <a:ext uri="{28A0092B-C50C-407E-A947-70E740481C1C}">
+                <a14:useLocalDpi xmlns:a14="http://schemas.microsoft.com/office/drawing/2010/main" val="0"/>
+              </a:ext>
+              <a:ext uri="{837473B0-CC2E-450A-ABE3-18F120FF3D39}">
+                <a1611:picAttrSrcUrl xmlns:a1611="http://schemas.microsoft.com/office/drawing/2016/11/main" r:id="rId3"/>
+              </a:ext>
+            </a:extLst>
+          </a:blip>
+          <a:stretch>
+            <a:fillRect/>
+          </a:stretch>
+        </p:blipFill>
+        <p:spPr>
+          <a:xfrm>
+            <a:off x="260437" y="6232979"/>
+            <a:ext cx="529678" cy="625020"/>
+          </a:xfrm>
+          <a:prstGeom prst="rect">
+            <a:avLst/>
+          </a:prstGeom>
+        </p:spPr>
+      </p:pic>
+      <p:sp>
+        <p:nvSpPr>
+          <p:cNvPr id="6" name="TextBox 5">
+            <a:extLst>
+              <a:ext uri="{FF2B5EF4-FFF2-40B4-BE49-F238E27FC236}">
+                <a16:creationId xmlns:a16="http://schemas.microsoft.com/office/drawing/2014/main" id="{80FC780E-DB48-41E1-A384-F17049C59F4E}"/>
+              </a:ext>
+            </a:extLst>
+          </p:cNvPr>
+          <p:cNvSpPr txBox="1"/>
+          <p:nvPr/>
+        </p:nvSpPr>
+        <p:spPr>
+          <a:xfrm>
+            <a:off x="0" y="6360823"/>
+            <a:ext cx="12192000" cy="369332"/>
+          </a:xfrm>
+          <a:prstGeom prst="rect">
+            <a:avLst/>
+          </a:prstGeom>
+          <a:noFill/>
+        </p:spPr>
+        <p:txBody>
+          <a:bodyPr wrap="square" rtlCol="0">
+            <a:spAutoFit/>
+          </a:bodyPr>
+          <a:lstStyle/>
+          <a:p>
+            <a:pPr algn="r"/>
+            <a:r>
+              <a:rPr lang="ru-RU" dirty="0">
+                <a:solidFill>
+                  <a:schemeClr val="bg1"/>
+                </a:solidFill>
+                <a:latin typeface="Times New Roman" panose="02020603050405020304" pitchFamily="18" charset="0"/>
+                <a:cs typeface="Times New Roman" panose="02020603050405020304" pitchFamily="18" charset="0"/>
+              </a:rPr>
+              <a:t>9</a:t>
+            </a:r>
+            <a:r>
+              <a:rPr lang="en-US" dirty="0">
+                <a:solidFill>
+                  <a:schemeClr val="bg1"/>
+                </a:solidFill>
+                <a:latin typeface="Times New Roman" panose="02020603050405020304" pitchFamily="18" charset="0"/>
+                <a:cs typeface="Times New Roman" panose="02020603050405020304" pitchFamily="18" charset="0"/>
+              </a:rPr>
+              <a:t>	</a:t>
+            </a:r>
+            <a:endParaRPr lang="ru-RU" dirty="0">
+              <a:solidFill>
+                <a:schemeClr val="bg1"/>
+              </a:solidFill>
+              <a:latin typeface="Times New Roman" panose="02020603050405020304" pitchFamily="18" charset="0"/>
+              <a:cs typeface="Times New Roman" panose="02020603050405020304" pitchFamily="18" charset="0"/>
+            </a:endParaRPr>
+          </a:p>
+        </p:txBody>
+      </p:sp>
+      <p:sp>
+        <p:nvSpPr>
+          <p:cNvPr id="12" name="TextBox 11">
+            <a:extLst>
+              <a:ext uri="{FF2B5EF4-FFF2-40B4-BE49-F238E27FC236}">
+                <a16:creationId xmlns:a16="http://schemas.microsoft.com/office/drawing/2014/main" id="{D308E6B7-6063-4DD3-841D-B8FC28059431}"/>
+              </a:ext>
+            </a:extLst>
+          </p:cNvPr>
+          <p:cNvSpPr txBox="1"/>
+          <p:nvPr/>
+        </p:nvSpPr>
+        <p:spPr>
+          <a:xfrm rot="10800000" flipV="1">
+            <a:off x="5723271" y="5647885"/>
+            <a:ext cx="5712660" cy="369332"/>
+          </a:xfrm>
+          <a:prstGeom prst="rect">
+            <a:avLst/>
+          </a:prstGeom>
+          <a:noFill/>
+        </p:spPr>
+        <p:txBody>
+          <a:bodyPr wrap="square">
+            <a:spAutoFit/>
+          </a:bodyPr>
+          <a:lstStyle/>
+          <a:p>
+            <a:pPr algn="ctr"/>
+            <a:r>
+              <a:rPr lang="ru-RU" b="1" dirty="0">
+                <a:latin typeface="Times New Roman" panose="02020603050405020304" pitchFamily="18" charset="0"/>
+                <a:cs typeface="Times New Roman" panose="02020603050405020304" pitchFamily="18" charset="0"/>
+              </a:rPr>
+              <a:t>Рис. 8.</a:t>
+            </a:r>
+            <a:r>
+              <a:rPr lang="ru-RU" dirty="0">
+                <a:latin typeface="Times New Roman" panose="02020603050405020304" pitchFamily="18" charset="0"/>
+                <a:cs typeface="Times New Roman" panose="02020603050405020304" pitchFamily="18" charset="0"/>
+              </a:rPr>
+              <a:t> Измерение биения вала</a:t>
+            </a:r>
+          </a:p>
+        </p:txBody>
+      </p:sp>
+      <p:pic>
+        <p:nvPicPr>
+          <p:cNvPr id="2050" name="Picture 2">
+            <a:extLst>
+              <a:ext uri="{FF2B5EF4-FFF2-40B4-BE49-F238E27FC236}">
+                <a16:creationId xmlns:a16="http://schemas.microsoft.com/office/drawing/2014/main" id="{974EC493-0A52-D4EF-D12F-6F29C306E9A3}"/>
+              </a:ext>
+            </a:extLst>
+          </p:cNvPr>
+          <p:cNvPicPr>
+            <a:picLocks noChangeAspect="1" noChangeArrowheads="1"/>
+          </p:cNvPicPr>
+          <p:nvPr/>
+        </p:nvPicPr>
+        <p:blipFill>
+          <a:blip r:embed="rId4">
+            <a:extLst>
+              <a:ext uri="{28A0092B-C50C-407E-A947-70E740481C1C}">
+                <a14:useLocalDpi xmlns:a14="http://schemas.microsoft.com/office/drawing/2010/main" val="0"/>
+              </a:ext>
+            </a:extLst>
+          </a:blip>
+          <a:srcRect/>
+          <a:stretch>
+            <a:fillRect/>
+          </a:stretch>
+        </p:blipFill>
+        <p:spPr bwMode="auto">
+          <a:xfrm>
+            <a:off x="5994787" y="1534820"/>
+            <a:ext cx="5036463" cy="4232981"/>
+          </a:xfrm>
+          <a:prstGeom prst="rect">
+            <a:avLst/>
+          </a:prstGeom>
+          <a:noFill/>
+          <a:extLst>
+            <a:ext uri="{909E8E84-426E-40DD-AFC4-6F175D3DCCD1}">
+              <a14:hiddenFill xmlns:a14="http://schemas.microsoft.com/office/drawing/2010/main">
+                <a:solidFill>
+                  <a:srgbClr val="FFFFFF"/>
+                </a:solidFill>
+              </a14:hiddenFill>
+            </a:ext>
+          </a:extLst>
+        </p:spPr>
+      </p:pic>
+      <p:sp>
+        <p:nvSpPr>
+          <p:cNvPr id="3" name="Подзаголовок 2">
+            <a:extLst>
+              <a:ext uri="{FF2B5EF4-FFF2-40B4-BE49-F238E27FC236}">
+                <a16:creationId xmlns:a16="http://schemas.microsoft.com/office/drawing/2014/main" id="{A6273486-4998-904B-864A-FAF4325F73D6}"/>
+              </a:ext>
+            </a:extLst>
+          </p:cNvPr>
+          <p:cNvSpPr>
+            <a:spLocks noGrp="1"/>
+          </p:cNvSpPr>
+          <p:nvPr>
+            <p:ph type="subTitle" idx="1"/>
+          </p:nvPr>
+        </p:nvSpPr>
+        <p:spPr>
+          <a:xfrm>
+            <a:off x="323897" y="1624298"/>
+            <a:ext cx="4454938" cy="1660440"/>
+          </a:xfrm>
+        </p:spPr>
+        <p:txBody>
+          <a:bodyPr>
+            <a:normAutofit fontScale="92500" lnSpcReduction="20000"/>
+          </a:bodyPr>
+          <a:lstStyle/>
+          <a:p>
+            <a:pPr algn="just"/>
+            <a:r>
+              <a:rPr lang="ru-RU" b="1" dirty="0">
+                <a:latin typeface="Times New Roman" panose="02020603050405020304" pitchFamily="18" charset="0"/>
+                <a:cs typeface="Times New Roman" panose="02020603050405020304" pitchFamily="18" charset="0"/>
+              </a:rPr>
+              <a:t>Радиальное биение </a:t>
+            </a:r>
+            <a:r>
+              <a:rPr lang="ru-RU" dirty="0">
+                <a:latin typeface="Times New Roman" panose="02020603050405020304" pitchFamily="18" charset="0"/>
+                <a:cs typeface="Times New Roman" panose="02020603050405020304" pitchFamily="18" charset="0"/>
+              </a:rPr>
+              <a:t>– это разность наибольшего и наименьшего расстояний от точек реальной поверхности до базовой оси вращения в сечении, перпендикулярном этой оси</a:t>
+            </a:r>
+            <a:endParaRPr lang="en-US" dirty="0">
+              <a:latin typeface="Times New Roman" panose="02020603050405020304" pitchFamily="18" charset="0"/>
+              <a:cs typeface="Times New Roman" panose="02020603050405020304" pitchFamily="18" charset="0"/>
+            </a:endParaRPr>
+          </a:p>
+        </p:txBody>
+      </p:sp>
+    </p:spTree>
+    <p:extLst>
+      <p:ext uri="{BB962C8B-B14F-4D97-AF65-F5344CB8AC3E}">
+        <p14:creationId xmlns:p14="http://schemas.microsoft.com/office/powerpoint/2010/main" val="3302651294"/>
+      </p:ext>
+    </p:extLst>
+  </p:cSld>
+  <p:clrMapOvr>
+    <a:masterClrMapping/>
+  </p:clrMapOvr>
+</p:sld>
+</file>
+
+<file path=ppt/slides/slide12.xml><?xml version="1.0" encoding="utf-8"?>
+<p:sld xmlns:a="http://schemas.openxmlformats.org/drawingml/2006/main" xmlns:r="http://schemas.openxmlformats.org/officeDocument/2006/relationships" xmlns:p="http://schemas.openxmlformats.org/presentationml/2006/main">
+  <p:cSld>
+    <p:spTree>
+      <p:nvGrpSpPr>
+        <p:cNvPr id="1" name=""/>
+        <p:cNvGrpSpPr/>
+        <p:nvPr/>
+      </p:nvGrpSpPr>
+      <p:grpSpPr>
+        <a:xfrm>
+          <a:off x="0" y="0"/>
+          <a:ext cx="0" cy="0"/>
+          <a:chOff x="0" y="0"/>
+          <a:chExt cx="0" cy="0"/>
+        </a:xfrm>
+      </p:grpSpPr>
+      <p:sp>
+        <p:nvSpPr>
+          <p:cNvPr id="5" name="Прямоугольник 4">
+            <a:extLst>
+              <a:ext uri="{FF2B5EF4-FFF2-40B4-BE49-F238E27FC236}">
+                <a16:creationId xmlns:a16="http://schemas.microsoft.com/office/drawing/2014/main" id="{08C9DD33-DA0F-41EF-B5A0-CB849668BD3B}"/>
+              </a:ext>
+            </a:extLst>
+          </p:cNvPr>
+          <p:cNvSpPr/>
+          <p:nvPr/>
+        </p:nvSpPr>
+        <p:spPr>
+          <a:xfrm>
+            <a:off x="0" y="-1"/>
+            <a:ext cx="12192000" cy="6858001"/>
+          </a:xfrm>
+          <a:prstGeom prst="rect">
+            <a:avLst/>
+          </a:prstGeom>
+          <a:solidFill>
+            <a:schemeClr val="accent1">
+              <a:lumMod val="50000"/>
+            </a:schemeClr>
+          </a:solidFill>
+        </p:spPr>
+        <p:style>
+          <a:lnRef idx="2">
+            <a:schemeClr val="accent1">
+              <a:shade val="50000"/>
+            </a:schemeClr>
+          </a:lnRef>
+          <a:fillRef idx="1">
+            <a:schemeClr val="accent1"/>
+          </a:fillRef>
+          <a:effectRef idx="0">
+            <a:schemeClr val="accent1"/>
+          </a:effectRef>
+          <a:fontRef idx="minor">
+            <a:schemeClr val="lt1"/>
+          </a:fontRef>
+        </p:style>
+        <p:txBody>
+          <a:bodyPr rtlCol="0" anchor="ctr"/>
+          <a:lstStyle/>
+          <a:p>
+            <a:r>
+              <a:rPr lang="en-US" dirty="0">
+                <a:latin typeface="Times New Roman" panose="02020603050405020304" pitchFamily="18" charset="0"/>
+                <a:ea typeface="Tahoma" panose="020B0604030504040204" pitchFamily="34" charset="0"/>
+                <a:cs typeface="Times New Roman" panose="02020603050405020304" pitchFamily="18" charset="0"/>
+              </a:rPr>
+              <a:t>               </a:t>
+            </a:r>
+            <a:r>
+              <a:rPr lang="ru-RU" dirty="0">
+                <a:latin typeface="Times New Roman" panose="02020603050405020304" pitchFamily="18" charset="0"/>
+                <a:ea typeface="Tahoma" panose="020B0604030504040204" pitchFamily="34" charset="0"/>
+                <a:cs typeface="Times New Roman" panose="02020603050405020304" pitchFamily="18" charset="0"/>
+              </a:rPr>
+              <a:t> </a:t>
+            </a:r>
+          </a:p>
+        </p:txBody>
+      </p:sp>
+      <p:pic>
+        <p:nvPicPr>
+          <p:cNvPr id="7" name="Рисунок 6" descr="Изображение выглядит как текст, керамические изделия&#10;&#10;Автоматически созданное описание">
+            <a:extLst>
+              <a:ext uri="{FF2B5EF4-FFF2-40B4-BE49-F238E27FC236}">
+                <a16:creationId xmlns:a16="http://schemas.microsoft.com/office/drawing/2014/main" id="{269245AF-46EE-4074-822D-D9A528D4198A}"/>
+              </a:ext>
+            </a:extLst>
+          </p:cNvPr>
+          <p:cNvPicPr>
+            <a:picLocks noChangeAspect="1"/>
+          </p:cNvPicPr>
+          <p:nvPr/>
+        </p:nvPicPr>
+        <p:blipFill>
+          <a:blip r:embed="rId2" cstate="hqprint">
+            <a:extLst>
+              <a:ext uri="{28A0092B-C50C-407E-A947-70E740481C1C}">
+                <a14:useLocalDpi xmlns:a14="http://schemas.microsoft.com/office/drawing/2010/main" val="0"/>
+              </a:ext>
+              <a:ext uri="{837473B0-CC2E-450A-ABE3-18F120FF3D39}">
+                <a1611:picAttrSrcUrl xmlns:a1611="http://schemas.microsoft.com/office/drawing/2016/11/main" r:id="rId3"/>
+              </a:ext>
+            </a:extLst>
+          </a:blip>
+          <a:stretch>
+            <a:fillRect/>
+          </a:stretch>
+        </p:blipFill>
+        <p:spPr>
+          <a:xfrm>
+            <a:off x="313698" y="6105135"/>
+            <a:ext cx="529678" cy="625020"/>
+          </a:xfrm>
+          <a:prstGeom prst="rect">
+            <a:avLst/>
+          </a:prstGeom>
+        </p:spPr>
+      </p:pic>
+      <p:sp>
+        <p:nvSpPr>
+          <p:cNvPr id="6" name="TextBox 5">
+            <a:extLst>
+              <a:ext uri="{FF2B5EF4-FFF2-40B4-BE49-F238E27FC236}">
+                <a16:creationId xmlns:a16="http://schemas.microsoft.com/office/drawing/2014/main" id="{FA97D146-182C-4777-ABF4-00AE13487B07}"/>
+              </a:ext>
+            </a:extLst>
+          </p:cNvPr>
+          <p:cNvSpPr txBox="1"/>
+          <p:nvPr/>
+        </p:nvSpPr>
+        <p:spPr>
+          <a:xfrm>
+            <a:off x="739806" y="6360823"/>
+            <a:ext cx="11771765" cy="369332"/>
+          </a:xfrm>
+          <a:prstGeom prst="rect">
+            <a:avLst/>
+          </a:prstGeom>
+          <a:noFill/>
+        </p:spPr>
+        <p:txBody>
+          <a:bodyPr wrap="square" rtlCol="0">
+            <a:spAutoFit/>
+          </a:bodyPr>
+          <a:lstStyle/>
+          <a:p>
+            <a:pPr algn="r"/>
+            <a:r>
+              <a:rPr lang="ru-RU" dirty="0">
+                <a:solidFill>
+                  <a:schemeClr val="bg1"/>
+                </a:solidFill>
+                <a:latin typeface="Times New Roman" panose="02020603050405020304" pitchFamily="18" charset="0"/>
+                <a:cs typeface="Times New Roman" panose="02020603050405020304" pitchFamily="18" charset="0"/>
+              </a:rPr>
+              <a:t>10</a:t>
+            </a:r>
+            <a:r>
+              <a:rPr lang="en-US" dirty="0">
+                <a:solidFill>
+                  <a:schemeClr val="bg1"/>
+                </a:solidFill>
+                <a:latin typeface="Times New Roman" panose="02020603050405020304" pitchFamily="18" charset="0"/>
+                <a:cs typeface="Times New Roman" panose="02020603050405020304" pitchFamily="18" charset="0"/>
+              </a:rPr>
+              <a:t>	</a:t>
+            </a:r>
+            <a:endParaRPr lang="ru-RU" dirty="0">
+              <a:solidFill>
+                <a:schemeClr val="bg1"/>
+              </a:solidFill>
+              <a:latin typeface="Times New Roman" panose="02020603050405020304" pitchFamily="18" charset="0"/>
+              <a:cs typeface="Times New Roman" panose="02020603050405020304" pitchFamily="18" charset="0"/>
+            </a:endParaRPr>
+          </a:p>
+        </p:txBody>
+      </p:sp>
+      <p:pic>
+        <p:nvPicPr>
+          <p:cNvPr id="3" name="Рисунок 2">
+            <a:extLst>
+              <a:ext uri="{FF2B5EF4-FFF2-40B4-BE49-F238E27FC236}">
+                <a16:creationId xmlns:a16="http://schemas.microsoft.com/office/drawing/2014/main" id="{4BA18DF8-7784-7EED-5E19-FEE50D8941A4}"/>
+              </a:ext>
+            </a:extLst>
+          </p:cNvPr>
+          <p:cNvPicPr>
+            <a:picLocks noChangeAspect="1"/>
+          </p:cNvPicPr>
+          <p:nvPr/>
+        </p:nvPicPr>
+        <p:blipFill>
+          <a:blip r:embed="rId4">
+            <a:extLst>
+              <a:ext uri="{28A0092B-C50C-407E-A947-70E740481C1C}">
+                <a14:useLocalDpi xmlns:a14="http://schemas.microsoft.com/office/drawing/2010/main" val="0"/>
+              </a:ext>
+            </a:extLst>
+          </a:blip>
+          <a:stretch>
+            <a:fillRect/>
+          </a:stretch>
+        </p:blipFill>
+        <p:spPr>
+          <a:xfrm>
+            <a:off x="1245108" y="0"/>
+            <a:ext cx="9701784" cy="6858000"/>
+          </a:xfrm>
+          <a:prstGeom prst="rect">
+            <a:avLst/>
+          </a:prstGeom>
+        </p:spPr>
+      </p:pic>
+    </p:spTree>
+    <p:extLst>
+      <p:ext uri="{BB962C8B-B14F-4D97-AF65-F5344CB8AC3E}">
+        <p14:creationId xmlns:p14="http://schemas.microsoft.com/office/powerpoint/2010/main" val="4068988775"/>
+      </p:ext>
+    </p:extLst>
+  </p:cSld>
+  <p:clrMapOvr>
+    <a:masterClrMapping/>
+  </p:clrMapOvr>
+</p:sld>
+</file>
+
+<file path=ppt/slides/slide13.xml><?xml version="1.0" encoding="utf-8"?>
 <p:sld xmlns:a="http://schemas.openxmlformats.org/drawingml/2006/main" xmlns:r="http://schemas.openxmlformats.org/officeDocument/2006/relationships" xmlns:p="http://schemas.openxmlformats.org/presentationml/2006/main">
   <p:cSld>
     <p:spTree>
@@ -7855,7 +8743,7 @@
                 <a14:useLocalDpi xmlns:a14="http://schemas.microsoft.com/office/drawing/2010/main" val="0"/>
               </a:ext>
               <a:ext uri="{837473B0-CC2E-450A-ABE3-18F120FF3D39}">
-                <a1611:picAttrSrcUrl xmlns:a1611="http://schemas.microsoft.com/office/drawing/2016/11/main" xmlns="" r:id="rId3"/>
+                <a1611:picAttrSrcUrl xmlns:a1611="http://schemas.microsoft.com/office/drawing/2016/11/main" r:id="rId3"/>
               </a:ext>
             </a:extLst>
           </a:blip>
@@ -8002,10 +8890,10 @@
       </p:grpSpPr>
       <p:sp>
         <p:nvSpPr>
-          <p:cNvPr id="11" name="Прямоугольник: скругленные верхние углы 10">
-            <a:extLst>
-              <a:ext uri="{FF2B5EF4-FFF2-40B4-BE49-F238E27FC236}">
-                <a16:creationId xmlns:a16="http://schemas.microsoft.com/office/drawing/2014/main" id="{D44A745B-9FBD-44C6-AA39-7EAF21389853}"/>
+          <p:cNvPr id="2" name="Прямоугольник: скругленные верхние углы 1">
+            <a:extLst>
+              <a:ext uri="{FF2B5EF4-FFF2-40B4-BE49-F238E27FC236}">
+                <a16:creationId xmlns:a16="http://schemas.microsoft.com/office/drawing/2014/main" id="{F72090A0-F96D-1852-5EA3-7E402266D3D4}"/>
               </a:ext>
             </a:extLst>
           </p:cNvPr>
@@ -8014,17 +8902,22 @@
         </p:nvSpPr>
         <p:spPr>
           <a:xfrm rot="10800000">
-            <a:off x="4873841" y="1453782"/>
-            <a:ext cx="6927312" cy="4374565"/>
+            <a:off x="5175681" y="1298658"/>
+            <a:ext cx="6755881" cy="4738158"/>
           </a:xfrm>
           <a:prstGeom prst="round2SameRect">
             <a:avLst/>
           </a:prstGeom>
           <a:solidFill>
-            <a:schemeClr val="accent1">
-              <a:lumMod val="50000"/>
-            </a:schemeClr>
+            <a:schemeClr val="bg1"/>
           </a:solidFill>
+          <a:ln>
+            <a:solidFill>
+              <a:schemeClr val="accent1">
+                <a:lumMod val="50000"/>
+              </a:schemeClr>
+            </a:solidFill>
+          </a:ln>
         </p:spPr>
         <p:style>
           <a:lnRef idx="2">
@@ -8245,7 +9138,7 @@
                 <a14:useLocalDpi xmlns:a14="http://schemas.microsoft.com/office/drawing/2010/main" val="0"/>
               </a:ext>
               <a:ext uri="{837473B0-CC2E-450A-ABE3-18F120FF3D39}">
-                <a1611:picAttrSrcUrl xmlns:a1611="http://schemas.microsoft.com/office/drawing/2016/11/main" xmlns="" r:id="rId3"/>
+                <a1611:picAttrSrcUrl xmlns:a1611="http://schemas.microsoft.com/office/drawing/2016/11/main" r:id="rId3"/>
               </a:ext>
             </a:extLst>
           </a:blip>
@@ -8277,7 +9170,7 @@
         </p:nvSpPr>
         <p:spPr>
           <a:xfrm>
-            <a:off x="6381415" y="5444244"/>
+            <a:off x="6673048" y="5559342"/>
             <a:ext cx="3912161" cy="369332"/>
           </a:xfrm>
           <a:prstGeom prst="rect">
@@ -8293,9 +9186,6 @@
           <a:p>
             <a:r>
               <a:rPr lang="ru-RU" b="1" dirty="0">
-                <a:solidFill>
-                  <a:schemeClr val="bg1"/>
-                </a:solidFill>
                 <a:latin typeface="Times New Roman" panose="02020603050405020304" pitchFamily="18" charset="0"/>
                 <a:cs typeface="Times New Roman" panose="02020603050405020304" pitchFamily="18" charset="0"/>
               </a:rPr>
@@ -8303,9 +9193,6 @@
             </a:r>
             <a:r>
               <a:rPr lang="ru-RU" dirty="0">
-                <a:solidFill>
-                  <a:schemeClr val="bg1"/>
-                </a:solidFill>
                 <a:latin typeface="Times New Roman" panose="02020603050405020304" pitchFamily="18" charset="0"/>
                 <a:cs typeface="Times New Roman" panose="02020603050405020304" pitchFamily="18" charset="0"/>
               </a:rPr>
@@ -8526,7 +9413,7 @@
                 <a14:useLocalDpi xmlns:a14="http://schemas.microsoft.com/office/drawing/2010/main" val="0"/>
               </a:ext>
               <a:ext uri="{837473B0-CC2E-450A-ABE3-18F120FF3D39}">
-                <a1611:picAttrSrcUrl xmlns:a1611="http://schemas.microsoft.com/office/drawing/2016/11/main" xmlns="" r:id="rId3"/>
+                <a1611:picAttrSrcUrl xmlns:a1611="http://schemas.microsoft.com/office/drawing/2016/11/main" r:id="rId3"/>
               </a:ext>
             </a:extLst>
           </a:blip>
@@ -9039,7 +9926,7 @@
                 <a14:useLocalDpi xmlns:a14="http://schemas.microsoft.com/office/drawing/2010/main" val="0"/>
               </a:ext>
               <a:ext uri="{837473B0-CC2E-450A-ABE3-18F120FF3D39}">
-                <a1611:picAttrSrcUrl xmlns:a1611="http://schemas.microsoft.com/office/drawing/2016/11/main" xmlns="" r:id="rId3"/>
+                <a1611:picAttrSrcUrl xmlns:a1611="http://schemas.microsoft.com/office/drawing/2016/11/main" r:id="rId3"/>
               </a:ext>
             </a:extLst>
           </a:blip>
@@ -9108,10 +9995,10 @@
       </p:sp>
       <p:pic>
         <p:nvPicPr>
-          <p:cNvPr id="16" name="Рисунок 15">
-            <a:extLst>
-              <a:ext uri="{FF2B5EF4-FFF2-40B4-BE49-F238E27FC236}">
-                <a16:creationId xmlns:a16="http://schemas.microsoft.com/office/drawing/2014/main" id="{D05C10FE-81FF-C323-FAD6-F12C9F5A2174}"/>
+          <p:cNvPr id="3" name="Рисунок 2">
+            <a:extLst>
+              <a:ext uri="{FF2B5EF4-FFF2-40B4-BE49-F238E27FC236}">
+                <a16:creationId xmlns:a16="http://schemas.microsoft.com/office/drawing/2014/main" id="{CA31FC24-A25D-D8EB-B07F-486B3DED2025}"/>
               </a:ext>
             </a:extLst>
           </p:cNvPr>
@@ -9121,7 +10008,7 @@
           <p:nvPr/>
         </p:nvPicPr>
         <p:blipFill>
-          <a:blip r:embed="rId4" cstate="hqprint">
+          <a:blip r:embed="rId4">
             <a:extLst>
               <a:ext uri="{28A0092B-C50C-407E-A947-70E740481C1C}">
                 <a14:useLocalDpi xmlns:a14="http://schemas.microsoft.com/office/drawing/2010/main" val="0"/>
@@ -9134,8 +10021,8 @@
         </p:blipFill>
         <p:spPr>
           <a:xfrm>
-            <a:off x="1244672" y="0"/>
-            <a:ext cx="9702655" cy="6858000"/>
+            <a:off x="1245108" y="0"/>
+            <a:ext cx="9701784" cy="6858000"/>
           </a:xfrm>
           <a:prstGeom prst="rect">
             <a:avLst/>
@@ -9334,7 +10221,7 @@
                 <a14:useLocalDpi xmlns:a14="http://schemas.microsoft.com/office/drawing/2010/main" val="0"/>
               </a:ext>
               <a:ext uri="{837473B0-CC2E-450A-ABE3-18F120FF3D39}">
-                <a1611:picAttrSrcUrl xmlns:a1611="http://schemas.microsoft.com/office/drawing/2016/11/main" xmlns="" r:id="rId3"/>
+                <a1611:picAttrSrcUrl xmlns:a1611="http://schemas.microsoft.com/office/drawing/2016/11/main" r:id="rId3"/>
               </a:ext>
             </a:extLst>
           </a:blip>
@@ -9459,11 +10346,18 @@
           <a:p>
             <a:pPr algn="ctr"/>
             <a:r>
+              <a:rPr lang="ru-RU" b="1" dirty="0">
+                <a:latin typeface="Times New Roman" panose="02020603050405020304" pitchFamily="18" charset="0"/>
+                <a:cs typeface="Times New Roman" panose="02020603050405020304" pitchFamily="18" charset="0"/>
+              </a:rPr>
+              <a:t>Рис. 5. </a:t>
+            </a:r>
+            <a:r>
               <a:rPr lang="ru-RU" dirty="0">
                 <a:latin typeface="Times New Roman" panose="02020603050405020304" pitchFamily="18" charset="0"/>
                 <a:cs typeface="Times New Roman" panose="02020603050405020304" pitchFamily="18" charset="0"/>
               </a:rPr>
-              <a:t>Рис. 5. Процесс получения заготовки</a:t>
+              <a:t>Процесс получения заготовки</a:t>
             </a:r>
           </a:p>
         </p:txBody>
@@ -9634,7 +10528,7 @@
                 <a14:useLocalDpi xmlns:a14="http://schemas.microsoft.com/office/drawing/2010/main" val="0"/>
               </a:ext>
               <a:ext uri="{837473B0-CC2E-450A-ABE3-18F120FF3D39}">
-                <a1611:picAttrSrcUrl xmlns:a1611="http://schemas.microsoft.com/office/drawing/2016/11/main" xmlns="" r:id="rId3"/>
+                <a1611:picAttrSrcUrl xmlns:a1611="http://schemas.microsoft.com/office/drawing/2016/11/main" r:id="rId3"/>
               </a:ext>
             </a:extLst>
           </a:blip>
@@ -9703,10 +10597,10 @@
       </p:sp>
       <p:pic>
         <p:nvPicPr>
-          <p:cNvPr id="3" name="Рисунок 2">
-            <a:extLst>
-              <a:ext uri="{FF2B5EF4-FFF2-40B4-BE49-F238E27FC236}">
-                <a16:creationId xmlns:a16="http://schemas.microsoft.com/office/drawing/2014/main" id="{8ACA6DBA-2A3C-DA4B-4072-E0422AAF28DF}"/>
+          <p:cNvPr id="4" name="Рисунок 3">
+            <a:extLst>
+              <a:ext uri="{FF2B5EF4-FFF2-40B4-BE49-F238E27FC236}">
+                <a16:creationId xmlns:a16="http://schemas.microsoft.com/office/drawing/2014/main" id="{9849AB0A-C1C3-6B53-A8ED-8F32C846E547}"/>
               </a:ext>
             </a:extLst>
           </p:cNvPr>
@@ -9821,26 +10715,8 @@
                 <a:latin typeface="Times New Roman" panose="02020603050405020304" pitchFamily="18" charset="0"/>
                 <a:cs typeface="Times New Roman" panose="02020603050405020304" pitchFamily="18" charset="0"/>
               </a:rPr>
-              <a:t>	</a:t>
-            </a:r>
-            <a:r>
-              <a:rPr lang="ru-RU" sz="3600" dirty="0" smtClean="0">
-                <a:latin typeface="Times New Roman" panose="02020603050405020304" pitchFamily="18" charset="0"/>
-                <a:cs typeface="Times New Roman" panose="02020603050405020304" pitchFamily="18" charset="0"/>
-              </a:rPr>
-              <a:t>Специальна</a:t>
-            </a:r>
-            <a:r>
-              <a:rPr lang="ru-RU" sz="3600" dirty="0" smtClean="0">
-                <a:latin typeface="Times New Roman" panose="02020603050405020304" pitchFamily="18" charset="0"/>
-                <a:cs typeface="Times New Roman" panose="02020603050405020304" pitchFamily="18" charset="0"/>
-              </a:rPr>
-              <a:t>я оснастка</a:t>
-            </a:r>
-            <a:endParaRPr lang="ru-RU" sz="3600" dirty="0">
-              <a:latin typeface="Times New Roman" panose="02020603050405020304" pitchFamily="18" charset="0"/>
-              <a:cs typeface="Times New Roman" panose="02020603050405020304" pitchFamily="18" charset="0"/>
-            </a:endParaRPr>
+              <a:t>	Специальная оснастка</a:t>
+            </a:r>
           </a:p>
         </p:txBody>
       </p:sp>
@@ -9930,7 +10806,7 @@
                 <a14:useLocalDpi xmlns:a14="http://schemas.microsoft.com/office/drawing/2010/main" val="0"/>
               </a:ext>
               <a:ext uri="{837473B0-CC2E-450A-ABE3-18F120FF3D39}">
-                <a1611:picAttrSrcUrl xmlns:a1611="http://schemas.microsoft.com/office/drawing/2016/11/main" xmlns="" r:id="rId3"/>
+                <a1611:picAttrSrcUrl xmlns:a1611="http://schemas.microsoft.com/office/drawing/2016/11/main" r:id="rId3"/>
               </a:ext>
             </a:extLst>
           </a:blip>
@@ -10041,26 +10917,15 @@
                 <a:latin typeface="Times New Roman" panose="02020603050405020304" pitchFamily="18" charset="0"/>
                 <a:cs typeface="Times New Roman" panose="02020603050405020304" pitchFamily="18" charset="0"/>
               </a:rPr>
-              <a:t>Рис. </a:t>
-            </a:r>
-            <a:r>
-              <a:rPr lang="ru-RU" b="1" dirty="0" smtClean="0">
-                <a:latin typeface="Times New Roman" panose="02020603050405020304" pitchFamily="18" charset="0"/>
-                <a:cs typeface="Times New Roman" panose="02020603050405020304" pitchFamily="18" charset="0"/>
-              </a:rPr>
-              <a:t>6.</a:t>
-            </a:r>
-            <a:r>
-              <a:rPr lang="ru-RU" dirty="0" smtClean="0">
+              <a:t>Рис. 6.</a:t>
+            </a:r>
+            <a:r>
+              <a:rPr lang="ru-RU" dirty="0">
                 <a:latin typeface="Times New Roman" panose="02020603050405020304" pitchFamily="18" charset="0"/>
                 <a:cs typeface="Times New Roman" panose="02020603050405020304" pitchFamily="18" charset="0"/>
               </a:rPr>
               <a:t> Углодержатель для фрезерной обработки </a:t>
             </a:r>
-            <a:endParaRPr lang="ru-RU" dirty="0">
-              <a:latin typeface="Times New Roman" panose="02020603050405020304" pitchFamily="18" charset="0"/>
-              <a:cs typeface="Times New Roman" panose="02020603050405020304" pitchFamily="18" charset="0"/>
-            </a:endParaRPr>
           </a:p>
         </p:txBody>
       </p:sp>
@@ -10105,7 +10970,13 @@
       </p:pic>
       <p:pic>
         <p:nvPicPr>
-          <p:cNvPr id="15" name="Рисунок 14"/>
+          <p:cNvPr id="3" name="Рисунок 2" descr="Изображение выглядит как стол">
+            <a:extLst>
+              <a:ext uri="{FF2B5EF4-FFF2-40B4-BE49-F238E27FC236}">
+                <a16:creationId xmlns:a16="http://schemas.microsoft.com/office/drawing/2014/main" id="{FE1F3A8A-D4C3-FE53-A88E-89D1E0290079}"/>
+              </a:ext>
+            </a:extLst>
+          </p:cNvPr>
           <p:cNvPicPr>
             <a:picLocks noChangeAspect="1"/>
           </p:cNvPicPr>
@@ -10125,22 +10996,12 @@
         </p:blipFill>
         <p:spPr>
           <a:xfrm>
-            <a:off x="6292178" y="381982"/>
-            <a:ext cx="4480536" cy="6327775"/>
+            <a:off x="6125867" y="314449"/>
+            <a:ext cx="4410668" cy="6229102"/>
           </a:xfrm>
           <a:prstGeom prst="rect">
             <a:avLst/>
           </a:prstGeom>
-          <a:ln>
-            <a:noFill/>
-          </a:ln>
-          <a:effectLst>
-            <a:outerShdw blurRad="190500" algn="tl" rotWithShape="0">
-              <a:srgbClr val="000000">
-                <a:alpha val="70000"/>
-              </a:srgbClr>
-            </a:outerShdw>
-          </a:effectLst>
         </p:spPr>
       </p:pic>
     </p:spTree>
@@ -10259,7 +11120,7 @@
                 <a14:useLocalDpi xmlns:a14="http://schemas.microsoft.com/office/drawing/2010/main" val="0"/>
               </a:ext>
               <a:ext uri="{837473B0-CC2E-450A-ABE3-18F120FF3D39}">
-                <a1611:picAttrSrcUrl xmlns:a1611="http://schemas.microsoft.com/office/drawing/2016/11/main" xmlns="" r:id="rId3"/>
+                <a1611:picAttrSrcUrl xmlns:a1611="http://schemas.microsoft.com/office/drawing/2016/11/main" r:id="rId3"/>
               </a:ext>
             </a:extLst>
           </a:blip>
@@ -10338,14 +11199,20 @@
       </p:sp>
       <p:pic>
         <p:nvPicPr>
-          <p:cNvPr id="2" name="Рисунок 1"/>
+          <p:cNvPr id="4" name="Рисунок 3">
+            <a:extLst>
+              <a:ext uri="{FF2B5EF4-FFF2-40B4-BE49-F238E27FC236}">
+                <a16:creationId xmlns:a16="http://schemas.microsoft.com/office/drawing/2014/main" id="{CF8D38D1-40C3-0C0E-EB89-01198DCCDF9C}"/>
+              </a:ext>
+            </a:extLst>
+          </p:cNvPr>
           <p:cNvPicPr>
             <a:picLocks noChangeAspect="1"/>
           </p:cNvPicPr>
           <p:nvPr/>
         </p:nvPicPr>
         <p:blipFill>
-          <a:blip r:embed="rId4" cstate="print">
+          <a:blip r:embed="rId4">
             <a:extLst>
               <a:ext uri="{28A0092B-C50C-407E-A947-70E740481C1C}">
                 <a14:useLocalDpi xmlns:a14="http://schemas.microsoft.com/office/drawing/2010/main" val="0"/>
@@ -10398,10 +11265,10 @@
       </p:grpSpPr>
       <p:sp>
         <p:nvSpPr>
-          <p:cNvPr id="5" name="Прямоугольник 4">
-            <a:extLst>
-              <a:ext uri="{FF2B5EF4-FFF2-40B4-BE49-F238E27FC236}">
-                <a16:creationId xmlns:a16="http://schemas.microsoft.com/office/drawing/2014/main" id="{08C9DD33-DA0F-41EF-B5A0-CB849668BD3B}"/>
+          <p:cNvPr id="4" name="Прямоугольник 3">
+            <a:extLst>
+              <a:ext uri="{FF2B5EF4-FFF2-40B4-BE49-F238E27FC236}">
+                <a16:creationId xmlns:a16="http://schemas.microsoft.com/office/drawing/2014/main" id="{5ECE0D18-20DF-4B2E-8AC5-54515F52E3D6}"/>
               </a:ext>
             </a:extLst>
           </p:cNvPr>
@@ -10410,8 +11277,67 @@
         </p:nvSpPr>
         <p:spPr>
           <a:xfrm>
-            <a:off x="0" y="-1"/>
-            <a:ext cx="12192000" cy="6858001"/>
+            <a:off x="0" y="0"/>
+            <a:ext cx="12192000" cy="1170813"/>
+          </a:xfrm>
+          <a:prstGeom prst="rect">
+            <a:avLst/>
+          </a:prstGeom>
+          <a:solidFill>
+            <a:schemeClr val="accent1">
+              <a:lumMod val="50000"/>
+            </a:schemeClr>
+          </a:solidFill>
+          <a:ln>
+            <a:noFill/>
+          </a:ln>
+        </p:spPr>
+        <p:style>
+          <a:lnRef idx="2">
+            <a:schemeClr val="accent1">
+              <a:shade val="50000"/>
+            </a:schemeClr>
+          </a:lnRef>
+          <a:fillRef idx="1">
+            <a:schemeClr val="accent1"/>
+          </a:fillRef>
+          <a:effectRef idx="0">
+            <a:schemeClr val="accent1"/>
+          </a:effectRef>
+          <a:fontRef idx="minor">
+            <a:schemeClr val="lt1"/>
+          </a:fontRef>
+        </p:style>
+        <p:txBody>
+          <a:bodyPr rtlCol="0" anchor="ctr"/>
+          <a:lstStyle/>
+          <a:p>
+            <a:r>
+              <a:rPr lang="ru-RU" sz="3600" dirty="0">
+                <a:latin typeface="Times New Roman" panose="02020603050405020304" pitchFamily="18" charset="0"/>
+                <a:cs typeface="Times New Roman" panose="02020603050405020304" pitchFamily="18" charset="0"/>
+              </a:rPr>
+              <a:t>	Инструменты обработки</a:t>
+            </a:r>
+          </a:p>
+        </p:txBody>
+      </p:sp>
+      <p:sp>
+        <p:nvSpPr>
+          <p:cNvPr id="5" name="Прямоугольник 4">
+            <a:extLst>
+              <a:ext uri="{FF2B5EF4-FFF2-40B4-BE49-F238E27FC236}">
+                <a16:creationId xmlns:a16="http://schemas.microsoft.com/office/drawing/2014/main" id="{08C9DD33-DA0F-41EF-B5A0-CB849668BD3B}"/>
+              </a:ext>
+            </a:extLst>
+          </p:cNvPr>
+          <p:cNvSpPr/>
+          <p:nvPr/>
+        </p:nvSpPr>
+        <p:spPr>
+          <a:xfrm>
+            <a:off x="0" y="6232979"/>
+            <a:ext cx="12192000" cy="625021"/>
           </a:xfrm>
           <a:prstGeom prst="rect">
             <a:avLst/>
@@ -10456,7 +11382,7 @@
                 <a:ea typeface="Tahoma" panose="020B0604030504040204" pitchFamily="34" charset="0"/>
                 <a:cs typeface="Times New Roman" panose="02020603050405020304" pitchFamily="18" charset="0"/>
               </a:rPr>
-              <a:t> </a:t>
+              <a:t> МГТУ им. Н. Э. Баумана</a:t>
             </a:r>
           </a:p>
         </p:txBody>
@@ -10482,7 +11408,7 @@
                 <a14:useLocalDpi xmlns:a14="http://schemas.microsoft.com/office/drawing/2010/main" val="0"/>
               </a:ext>
               <a:ext uri="{837473B0-CC2E-450A-ABE3-18F120FF3D39}">
-                <a1611:picAttrSrcUrl xmlns:a1611="http://schemas.microsoft.com/office/drawing/2016/11/main" xmlns="" r:id="rId3"/>
+                <a1611:picAttrSrcUrl xmlns:a1611="http://schemas.microsoft.com/office/drawing/2016/11/main" r:id="rId3"/>
               </a:ext>
             </a:extLst>
           </a:blip>
@@ -10492,7 +11418,7 @@
         </p:blipFill>
         <p:spPr>
           <a:xfrm>
-            <a:off x="313698" y="6105135"/>
+            <a:off x="260437" y="6232979"/>
             <a:ext cx="529678" cy="625020"/>
           </a:xfrm>
           <a:prstGeom prst="rect">
@@ -10505,7 +11431,7 @@
           <p:cNvPr id="6" name="TextBox 5">
             <a:extLst>
               <a:ext uri="{FF2B5EF4-FFF2-40B4-BE49-F238E27FC236}">
-                <a16:creationId xmlns:a16="http://schemas.microsoft.com/office/drawing/2014/main" id="{FA97D146-182C-4777-ABF4-00AE13487B07}"/>
+                <a16:creationId xmlns:a16="http://schemas.microsoft.com/office/drawing/2014/main" id="{80FC780E-DB48-41E1-A384-F17049C59F4E}"/>
               </a:ext>
             </a:extLst>
           </p:cNvPr>
@@ -10514,8 +11440,8 @@
         </p:nvSpPr>
         <p:spPr>
           <a:xfrm>
-            <a:off x="739806" y="6360823"/>
-            <a:ext cx="11771765" cy="369332"/>
+            <a:off x="0" y="6360823"/>
+            <a:ext cx="12192000" cy="369332"/>
           </a:xfrm>
           <a:prstGeom prst="rect">
             <a:avLst/>
@@ -10559,40 +11485,210 @@
           </a:p>
         </p:txBody>
       </p:sp>
+      <p:sp>
+        <p:nvSpPr>
+          <p:cNvPr id="9" name="Подзаголовок 2">
+            <a:extLst>
+              <a:ext uri="{FF2B5EF4-FFF2-40B4-BE49-F238E27FC236}">
+                <a16:creationId xmlns:a16="http://schemas.microsoft.com/office/drawing/2014/main" id="{0807DE90-E83E-67F2-0A73-E5BC5A5AECAB}"/>
+              </a:ext>
+            </a:extLst>
+          </p:cNvPr>
+          <p:cNvSpPr>
+            <a:spLocks noGrp="1"/>
+          </p:cNvSpPr>
+          <p:nvPr>
+            <p:ph type="subTitle" idx="1"/>
+          </p:nvPr>
+        </p:nvSpPr>
+        <p:spPr>
+          <a:xfrm>
+            <a:off x="7398082" y="1642054"/>
+            <a:ext cx="4622281" cy="932468"/>
+          </a:xfrm>
+        </p:spPr>
+        <p:txBody>
+          <a:bodyPr>
+            <a:normAutofit fontScale="92500" lnSpcReduction="10000"/>
+          </a:bodyPr>
+          <a:lstStyle/>
+          <a:p>
+            <a:pPr algn="just"/>
+            <a:r>
+              <a:rPr lang="ru-RU" i="1" dirty="0">
+                <a:latin typeface="Times New Roman" panose="02020603050405020304" pitchFamily="18" charset="0"/>
+                <a:cs typeface="Times New Roman" panose="02020603050405020304" pitchFamily="18" charset="0"/>
+              </a:rPr>
+              <a:t> «Плох тот мастер, кто, овладев инструментом, потерял свою цель!» </a:t>
+            </a:r>
+            <a:r>
+              <a:rPr lang="ru-RU" dirty="0">
+                <a:latin typeface="Times New Roman" panose="02020603050405020304" pitchFamily="18" charset="0"/>
+                <a:cs typeface="Times New Roman" panose="02020603050405020304" pitchFamily="18" charset="0"/>
+              </a:rPr>
+              <a:t>© Роман Хорошев</a:t>
+            </a:r>
+            <a:endParaRPr lang="en-US" dirty="0">
+              <a:latin typeface="Times New Roman" panose="02020603050405020304" pitchFamily="18" charset="0"/>
+              <a:cs typeface="Times New Roman" panose="02020603050405020304" pitchFamily="18" charset="0"/>
+            </a:endParaRPr>
+          </a:p>
+        </p:txBody>
+      </p:sp>
+      <p:sp>
+        <p:nvSpPr>
+          <p:cNvPr id="10" name="Прямоугольник: скругленные верхние углы 9">
+            <a:extLst>
+              <a:ext uri="{FF2B5EF4-FFF2-40B4-BE49-F238E27FC236}">
+                <a16:creationId xmlns:a16="http://schemas.microsoft.com/office/drawing/2014/main" id="{D5CB7788-659C-8D1D-2C3D-82FDD398CD70}"/>
+              </a:ext>
+            </a:extLst>
+          </p:cNvPr>
+          <p:cNvSpPr/>
+          <p:nvPr/>
+        </p:nvSpPr>
+        <p:spPr>
+          <a:xfrm rot="10800000">
+            <a:off x="260436" y="1361323"/>
+            <a:ext cx="6557613" cy="4743810"/>
+          </a:xfrm>
+          <a:prstGeom prst="round2SameRect">
+            <a:avLst/>
+          </a:prstGeom>
+          <a:solidFill>
+            <a:schemeClr val="accent1">
+              <a:lumMod val="50000"/>
+            </a:schemeClr>
+          </a:solidFill>
+        </p:spPr>
+        <p:style>
+          <a:lnRef idx="2">
+            <a:schemeClr val="accent1">
+              <a:shade val="50000"/>
+            </a:schemeClr>
+          </a:lnRef>
+          <a:fillRef idx="1">
+            <a:schemeClr val="accent1"/>
+          </a:fillRef>
+          <a:effectRef idx="0">
+            <a:schemeClr val="accent1"/>
+          </a:effectRef>
+          <a:fontRef idx="minor">
+            <a:schemeClr val="lt1"/>
+          </a:fontRef>
+        </p:style>
+        <p:txBody>
+          <a:bodyPr rtlCol="0" anchor="ctr"/>
+          <a:lstStyle/>
+          <a:p>
+            <a:pPr algn="ctr"/>
+            <a:endParaRPr lang="ru-RU" dirty="0"/>
+          </a:p>
+        </p:txBody>
+      </p:sp>
+      <p:sp>
+        <p:nvSpPr>
+          <p:cNvPr id="12" name="TextBox 11">
+            <a:extLst>
+              <a:ext uri="{FF2B5EF4-FFF2-40B4-BE49-F238E27FC236}">
+                <a16:creationId xmlns:a16="http://schemas.microsoft.com/office/drawing/2014/main" id="{D308E6B7-6063-4DD3-841D-B8FC28059431}"/>
+              </a:ext>
+            </a:extLst>
+          </p:cNvPr>
+          <p:cNvSpPr txBox="1"/>
+          <p:nvPr/>
+        </p:nvSpPr>
+        <p:spPr>
+          <a:xfrm rot="10800000" flipV="1">
+            <a:off x="1022546" y="5673134"/>
+            <a:ext cx="5712660" cy="369332"/>
+          </a:xfrm>
+          <a:prstGeom prst="rect">
+            <a:avLst/>
+          </a:prstGeom>
+          <a:noFill/>
+        </p:spPr>
+        <p:txBody>
+          <a:bodyPr wrap="square">
+            <a:spAutoFit/>
+          </a:bodyPr>
+          <a:lstStyle/>
+          <a:p>
+            <a:pPr algn="ctr"/>
+            <a:r>
+              <a:rPr lang="ru-RU" b="1" dirty="0">
+                <a:solidFill>
+                  <a:schemeClr val="bg1"/>
+                </a:solidFill>
+                <a:latin typeface="Times New Roman" panose="02020603050405020304" pitchFamily="18" charset="0"/>
+                <a:cs typeface="Times New Roman" panose="02020603050405020304" pitchFamily="18" charset="0"/>
+              </a:rPr>
+              <a:t>Рис. 7.</a:t>
+            </a:r>
+            <a:r>
+              <a:rPr lang="ru-RU" dirty="0">
+                <a:solidFill>
+                  <a:schemeClr val="bg1"/>
+                </a:solidFill>
+                <a:latin typeface="Times New Roman" panose="02020603050405020304" pitchFamily="18" charset="0"/>
+                <a:cs typeface="Times New Roman" panose="02020603050405020304" pitchFamily="18" charset="0"/>
+              </a:rPr>
+              <a:t> Обилие инструментов обработки</a:t>
+            </a:r>
+          </a:p>
+        </p:txBody>
+      </p:sp>
       <p:pic>
         <p:nvPicPr>
-          <p:cNvPr id="3" name="Рисунок 2"/>
+          <p:cNvPr id="2" name="Picture 2">
+            <a:extLst>
+              <a:ext uri="{FF2B5EF4-FFF2-40B4-BE49-F238E27FC236}">
+                <a16:creationId xmlns:a16="http://schemas.microsoft.com/office/drawing/2014/main" id="{94265F1D-54D8-9765-A39E-B475AB3156D0}"/>
+              </a:ext>
+            </a:extLst>
+          </p:cNvPr>
           <p:cNvPicPr>
-            <a:picLocks noChangeAspect="1"/>
+            <a:picLocks noChangeAspect="1" noChangeArrowheads="1"/>
           </p:cNvPicPr>
           <p:nvPr/>
         </p:nvPicPr>
         <p:blipFill>
-          <a:blip r:embed="rId4" cstate="print">
+          <a:blip r:embed="rId4">
             <a:extLst>
               <a:ext uri="{28A0092B-C50C-407E-A947-70E740481C1C}">
                 <a14:useLocalDpi xmlns:a14="http://schemas.microsoft.com/office/drawing/2010/main" val="0"/>
               </a:ext>
             </a:extLst>
           </a:blip>
+          <a:srcRect/>
           <a:stretch>
             <a:fillRect/>
           </a:stretch>
         </p:blipFill>
-        <p:spPr>
+        <p:spPr bwMode="auto">
           <a:xfrm>
-            <a:off x="1245108" y="0"/>
-            <a:ext cx="9701784" cy="6858000"/>
+            <a:off x="447312" y="1485833"/>
+            <a:ext cx="6183859" cy="4124634"/>
           </a:xfrm>
           <a:prstGeom prst="rect">
             <a:avLst/>
           </a:prstGeom>
+          <a:noFill/>
+          <a:extLst>
+            <a:ext uri="{909E8E84-426E-40DD-AFC4-6F175D3DCCD1}">
+              <a14:hiddenFill xmlns:a14="http://schemas.microsoft.com/office/drawing/2010/main">
+                <a:solidFill>
+                  <a:srgbClr val="FFFFFF"/>
+                </a:solidFill>
+              </a14:hiddenFill>
+            </a:ext>
+          </a:extLst>
         </p:spPr>
       </p:pic>
     </p:spTree>
     <p:extLst>
       <p:ext uri="{BB962C8B-B14F-4D97-AF65-F5344CB8AC3E}">
-        <p14:creationId xmlns:p14="http://schemas.microsoft.com/office/powerpoint/2010/main" val="985427071"/>
+        <p14:creationId xmlns:p14="http://schemas.microsoft.com/office/powerpoint/2010/main" val="1919566836"/>
       </p:ext>
     </p:extLst>
   </p:cSld>

--- a/Защита_Широкопетлев.pptx
+++ b/Защита_Широкопетлев.pptx
@@ -5,7 +5,7 @@
     <p:sldMasterId id="2147483648" r:id="rId1"/>
   </p:sldMasterIdLst>
   <p:notesMasterIdLst>
-    <p:notesMasterId r:id="rId15"/>
+    <p:notesMasterId r:id="rId20"/>
   </p:notesMasterIdLst>
   <p:sldIdLst>
     <p:sldId id="256" r:id="rId2"/>
@@ -14,13 +14,18 @@
     <p:sldId id="260" r:id="rId5"/>
     <p:sldId id="259" r:id="rId6"/>
     <p:sldId id="268" r:id="rId7"/>
-    <p:sldId id="261" r:id="rId8"/>
-    <p:sldId id="269" r:id="rId9"/>
-    <p:sldId id="272" r:id="rId10"/>
-    <p:sldId id="270" r:id="rId11"/>
-    <p:sldId id="273" r:id="rId12"/>
-    <p:sldId id="271" r:id="rId13"/>
-    <p:sldId id="267" r:id="rId14"/>
+    <p:sldId id="275" r:id="rId8"/>
+    <p:sldId id="274" r:id="rId9"/>
+    <p:sldId id="276" r:id="rId10"/>
+    <p:sldId id="261" r:id="rId11"/>
+    <p:sldId id="269" r:id="rId12"/>
+    <p:sldId id="272" r:id="rId13"/>
+    <p:sldId id="270" r:id="rId14"/>
+    <p:sldId id="277" r:id="rId15"/>
+    <p:sldId id="278" r:id="rId16"/>
+    <p:sldId id="273" r:id="rId17"/>
+    <p:sldId id="271" r:id="rId18"/>
+    <p:sldId id="267" r:id="rId19"/>
   </p:sldIdLst>
   <p:sldSz cx="12192000" cy="6858000"/>
   <p:notesSz cx="6858000" cy="9144000"/>
@@ -1228,6 +1233,13 @@
         </dgm:presLayoutVars>
       </dgm:prSet>
       <dgm:spPr/>
+      <dgm:t>
+        <a:bodyPr/>
+        <a:lstStyle/>
+        <a:p>
+          <a:endParaRPr lang="ru-RU"/>
+        </a:p>
+      </dgm:t>
     </dgm:pt>
     <dgm:pt modelId="{57EDD0A4-1010-4BFE-94D6-0D7DB601C712}" type="pres">
       <dgm:prSet presAssocID="{A69B0843-E053-4BA3-B3AD-1AA69FA98DE6}" presName="sibTrans" presStyleCnt="0"/>
@@ -1271,6 +1283,13 @@
         </dgm:presLayoutVars>
       </dgm:prSet>
       <dgm:spPr/>
+      <dgm:t>
+        <a:bodyPr/>
+        <a:lstStyle/>
+        <a:p>
+          <a:endParaRPr lang="ru-RU"/>
+        </a:p>
+      </dgm:t>
     </dgm:pt>
     <dgm:pt modelId="{431D2891-5D5E-4D7E-B1CC-5915DBDFFB24}" type="pres">
       <dgm:prSet presAssocID="{0F5D0827-85DA-45FB-AA51-2A33EFCA19F3}" presName="sibTrans" presStyleCnt="0"/>
@@ -1314,6 +1333,13 @@
         </dgm:presLayoutVars>
       </dgm:prSet>
       <dgm:spPr/>
+      <dgm:t>
+        <a:bodyPr/>
+        <a:lstStyle/>
+        <a:p>
+          <a:endParaRPr lang="ru-RU"/>
+        </a:p>
+      </dgm:t>
     </dgm:pt>
     <dgm:pt modelId="{207D9A0B-1BFB-481D-9CC8-8A41E26BEB59}" type="pres">
       <dgm:prSet presAssocID="{3BC9B35D-01C0-45C3-A3B9-AFB90B66F4E8}" presName="sibTrans" presStyleCnt="0"/>
@@ -1357,18 +1383,25 @@
         </dgm:presLayoutVars>
       </dgm:prSet>
       <dgm:spPr/>
+      <dgm:t>
+        <a:bodyPr/>
+        <a:lstStyle/>
+        <a:p>
+          <a:endParaRPr lang="ru-RU"/>
+        </a:p>
+      </dgm:t>
     </dgm:pt>
   </dgm:ptLst>
   <dgm:cxnLst>
-    <dgm:cxn modelId="{55916C02-3A44-4A28-81CD-AE915BE031CA}" type="presOf" srcId="{37933178-325A-44C0-AB69-6ABD1A71F87E}" destId="{8E040B3A-47FF-43AE-B7D2-DF1B3BDCE255}" srcOrd="0" destOrd="0" presId="urn:microsoft.com/office/officeart/2008/layout/TitlePictureLineup"/>
     <dgm:cxn modelId="{259A660E-5922-440E-9055-DBBAA25A8C6D}" type="presOf" srcId="{B454FB98-24F8-4A28-8B6A-80FCAFFACA30}" destId="{2E33AB6A-8B2E-4B1C-BD60-223140649CAC}" srcOrd="0" destOrd="0" presId="urn:microsoft.com/office/officeart/2008/layout/TitlePictureLineup"/>
-    <dgm:cxn modelId="{D45A7C6B-7E86-4A2E-BB81-C5AFC9EDE255}" type="presOf" srcId="{D286F363-3D75-4587-9D74-3B87ABBD895B}" destId="{38D7A0B9-A943-4B5D-A0BE-738A94AA2C87}" srcOrd="0" destOrd="0" presId="urn:microsoft.com/office/officeart/2008/layout/TitlePictureLineup"/>
-    <dgm:cxn modelId="{3AAB1573-8601-47A0-821B-EC55E4FC477B}" srcId="{B454FB98-24F8-4A28-8B6A-80FCAFFACA30}" destId="{A3FC67ED-C59A-4565-909E-53C2F57A3561}" srcOrd="2" destOrd="0" parTransId="{F6345912-FEA1-4463-85E3-E6EA166D3D58}" sibTransId="{3BC9B35D-01C0-45C3-A3B9-AFB90B66F4E8}"/>
-    <dgm:cxn modelId="{610F1A94-9BB8-41CE-B262-D29AEF25A46B}" srcId="{B454FB98-24F8-4A28-8B6A-80FCAFFACA30}" destId="{37933178-325A-44C0-AB69-6ABD1A71F87E}" srcOrd="3" destOrd="0" parTransId="{AF30D765-1A1D-48FF-A384-C66957F0927C}" sibTransId="{3C62951F-CED2-4AE9-993F-814368FDC87A}"/>
-    <dgm:cxn modelId="{86C36C9D-5057-4DB4-9D7E-6195F529E078}" srcId="{B454FB98-24F8-4A28-8B6A-80FCAFFACA30}" destId="{194A6C55-35C1-4DCA-BF5C-062B1DF1D9A3}" srcOrd="0" destOrd="0" parTransId="{B90AE1E1-6F1F-45FF-B0F0-2658A55DE4E7}" sibTransId="{A69B0843-E053-4BA3-B3AD-1AA69FA98DE6}"/>
+    <dgm:cxn modelId="{311320FF-C2A0-4297-8E39-78EB6EDB9895}" type="presOf" srcId="{194A6C55-35C1-4DCA-BF5C-062B1DF1D9A3}" destId="{62004204-50C0-4604-8C5B-4F0B2A2F34B3}" srcOrd="0" destOrd="0" presId="urn:microsoft.com/office/officeart/2008/layout/TitlePictureLineup"/>
     <dgm:cxn modelId="{D762EBA9-35C0-402E-8775-9E534EAA7ABF}" srcId="{B454FB98-24F8-4A28-8B6A-80FCAFFACA30}" destId="{D286F363-3D75-4587-9D74-3B87ABBD895B}" srcOrd="1" destOrd="0" parTransId="{4C4ACF09-8C56-4F03-923B-812D50B1697B}" sibTransId="{0F5D0827-85DA-45FB-AA51-2A33EFCA19F3}"/>
     <dgm:cxn modelId="{7ACDB2AD-6AC9-4A34-BD7A-B8C292A59FC9}" type="presOf" srcId="{A3FC67ED-C59A-4565-909E-53C2F57A3561}" destId="{5EF9BEC2-594C-41D1-AF9B-82AB19D8A3E0}" srcOrd="0" destOrd="0" presId="urn:microsoft.com/office/officeart/2008/layout/TitlePictureLineup"/>
-    <dgm:cxn modelId="{311320FF-C2A0-4297-8E39-78EB6EDB9895}" type="presOf" srcId="{194A6C55-35C1-4DCA-BF5C-062B1DF1D9A3}" destId="{62004204-50C0-4604-8C5B-4F0B2A2F34B3}" srcOrd="0" destOrd="0" presId="urn:microsoft.com/office/officeart/2008/layout/TitlePictureLineup"/>
+    <dgm:cxn modelId="{610F1A94-9BB8-41CE-B262-D29AEF25A46B}" srcId="{B454FB98-24F8-4A28-8B6A-80FCAFFACA30}" destId="{37933178-325A-44C0-AB69-6ABD1A71F87E}" srcOrd="3" destOrd="0" parTransId="{AF30D765-1A1D-48FF-A384-C66957F0927C}" sibTransId="{3C62951F-CED2-4AE9-993F-814368FDC87A}"/>
+    <dgm:cxn modelId="{D45A7C6B-7E86-4A2E-BB81-C5AFC9EDE255}" type="presOf" srcId="{D286F363-3D75-4587-9D74-3B87ABBD895B}" destId="{38D7A0B9-A943-4B5D-A0BE-738A94AA2C87}" srcOrd="0" destOrd="0" presId="urn:microsoft.com/office/officeart/2008/layout/TitlePictureLineup"/>
+    <dgm:cxn modelId="{55916C02-3A44-4A28-81CD-AE915BE031CA}" type="presOf" srcId="{37933178-325A-44C0-AB69-6ABD1A71F87E}" destId="{8E040B3A-47FF-43AE-B7D2-DF1B3BDCE255}" srcOrd="0" destOrd="0" presId="urn:microsoft.com/office/officeart/2008/layout/TitlePictureLineup"/>
+    <dgm:cxn modelId="{3AAB1573-8601-47A0-821B-EC55E4FC477B}" srcId="{B454FB98-24F8-4A28-8B6A-80FCAFFACA30}" destId="{A3FC67ED-C59A-4565-909E-53C2F57A3561}" srcOrd="2" destOrd="0" parTransId="{F6345912-FEA1-4463-85E3-E6EA166D3D58}" sibTransId="{3BC9B35D-01C0-45C3-A3B9-AFB90B66F4E8}"/>
+    <dgm:cxn modelId="{86C36C9D-5057-4DB4-9D7E-6195F529E078}" srcId="{B454FB98-24F8-4A28-8B6A-80FCAFFACA30}" destId="{194A6C55-35C1-4DCA-BF5C-062B1DF1D9A3}" srcOrd="0" destOrd="0" parTransId="{B90AE1E1-6F1F-45FF-B0F0-2658A55DE4E7}" sibTransId="{A69B0843-E053-4BA3-B3AD-1AA69FA98DE6}"/>
     <dgm:cxn modelId="{A8A94C09-5063-463B-8D69-260ABDE708BD}" type="presParOf" srcId="{2E33AB6A-8B2E-4B1C-BD60-223140649CAC}" destId="{5014D90E-2C14-413B-A108-0DAFF614E652}" srcOrd="0" destOrd="0" presId="urn:microsoft.com/office/officeart/2008/layout/TitlePictureLineup"/>
     <dgm:cxn modelId="{176DEE34-0344-4A04-BB1C-73F4878D0F43}" type="presParOf" srcId="{5014D90E-2C14-413B-A108-0DAFF614E652}" destId="{578848A6-E284-4BED-8061-9F922FED2D26}" srcOrd="0" destOrd="0" presId="urn:microsoft.com/office/officeart/2008/layout/TitlePictureLineup"/>
     <dgm:cxn modelId="{3CC138E6-22C5-45E6-A4A7-22DD21C79D5E}" type="presParOf" srcId="{5014D90E-2C14-413B-A108-0DAFF614E652}" destId="{777D281A-2E5C-40BE-BB19-13C441608273}" srcOrd="1" destOrd="0" presId="urn:microsoft.com/office/officeart/2008/layout/TitlePictureLineup"/>
@@ -1601,7 +1634,7 @@
         </a:bodyPr>
         <a:lstStyle/>
         <a:p>
-          <a:pPr marL="0" lvl="0" indent="0" algn="ctr" defTabSz="577850">
+          <a:pPr lvl="0" algn="ctr" defTabSz="577850">
             <a:lnSpc>
               <a:spcPct val="90000"/>
             </a:lnSpc>
@@ -1611,7 +1644,6 @@
             <a:spcAft>
               <a:spcPct val="35000"/>
             </a:spcAft>
-            <a:buNone/>
           </a:pPr>
           <a:r>
             <a:rPr lang="ru-RU" sz="1300" kern="1200" dirty="0">
@@ -1817,7 +1849,7 @@
         </a:bodyPr>
         <a:lstStyle/>
         <a:p>
-          <a:pPr marL="0" lvl="0" indent="0" algn="ctr" defTabSz="577850">
+          <a:pPr lvl="0" algn="ctr" defTabSz="577850">
             <a:lnSpc>
               <a:spcPct val="90000"/>
             </a:lnSpc>
@@ -1827,7 +1859,6 @@
             <a:spcAft>
               <a:spcPct val="35000"/>
             </a:spcAft>
-            <a:buNone/>
           </a:pPr>
           <a:r>
             <a:rPr lang="ru-RU" sz="1300" kern="1200" dirty="0">
@@ -2033,7 +2064,7 @@
         </a:bodyPr>
         <a:lstStyle/>
         <a:p>
-          <a:pPr marL="0" lvl="0" indent="0" algn="ctr" defTabSz="577850">
+          <a:pPr lvl="0" algn="ctr" defTabSz="577850">
             <a:lnSpc>
               <a:spcPct val="90000"/>
             </a:lnSpc>
@@ -2043,7 +2074,6 @@
             <a:spcAft>
               <a:spcPct val="35000"/>
             </a:spcAft>
-            <a:buNone/>
           </a:pPr>
           <a:r>
             <a:rPr lang="ru-RU" sz="1300" kern="1200" dirty="0">
@@ -2249,7 +2279,7 @@
         </a:bodyPr>
         <a:lstStyle/>
         <a:p>
-          <a:pPr marL="0" lvl="0" indent="0" algn="ctr" defTabSz="577850">
+          <a:pPr lvl="0" algn="ctr" defTabSz="577850">
             <a:lnSpc>
               <a:spcPct val="90000"/>
             </a:lnSpc>
@@ -2259,7 +2289,6 @@
             <a:spcAft>
               <a:spcPct val="35000"/>
             </a:spcAft>
-            <a:buNone/>
           </a:pPr>
           <a:r>
             <a:rPr lang="ru-RU" sz="1300" kern="1200" dirty="0">
@@ -3686,7 +3715,7 @@
           <a:p>
             <a:fld id="{05A26357-6550-45AB-972B-EE39A3AC3762}" type="datetimeFigureOut">
               <a:rPr lang="ru-RU" smtClean="0"/>
-              <a:t>14.12.2022</a:t>
+              <a:t>20.12.2022</a:t>
             </a:fld>
             <a:endParaRPr lang="ru-RU"/>
           </a:p>
@@ -4184,7 +4213,7 @@
           <a:p>
             <a:fld id="{8408653D-7530-4DC9-AE42-873CFDC363BE}" type="datetimeFigureOut">
               <a:rPr lang="ru-RU" smtClean="0"/>
-              <a:t>14.12.2022</a:t>
+              <a:t>20.12.2022</a:t>
             </a:fld>
             <a:endParaRPr lang="ru-RU"/>
           </a:p>
@@ -4382,7 +4411,7 @@
           <a:p>
             <a:fld id="{8408653D-7530-4DC9-AE42-873CFDC363BE}" type="datetimeFigureOut">
               <a:rPr lang="ru-RU" smtClean="0"/>
-              <a:t>14.12.2022</a:t>
+              <a:t>20.12.2022</a:t>
             </a:fld>
             <a:endParaRPr lang="ru-RU"/>
           </a:p>
@@ -4590,7 +4619,7 @@
           <a:p>
             <a:fld id="{8408653D-7530-4DC9-AE42-873CFDC363BE}" type="datetimeFigureOut">
               <a:rPr lang="ru-RU" smtClean="0"/>
-              <a:t>14.12.2022</a:t>
+              <a:t>20.12.2022</a:t>
             </a:fld>
             <a:endParaRPr lang="ru-RU"/>
           </a:p>
@@ -4788,7 +4817,7 @@
           <a:p>
             <a:fld id="{8408653D-7530-4DC9-AE42-873CFDC363BE}" type="datetimeFigureOut">
               <a:rPr lang="ru-RU" smtClean="0"/>
-              <a:t>14.12.2022</a:t>
+              <a:t>20.12.2022</a:t>
             </a:fld>
             <a:endParaRPr lang="ru-RU"/>
           </a:p>
@@ -5063,7 +5092,7 @@
           <a:p>
             <a:fld id="{8408653D-7530-4DC9-AE42-873CFDC363BE}" type="datetimeFigureOut">
               <a:rPr lang="ru-RU" smtClean="0"/>
-              <a:t>14.12.2022</a:t>
+              <a:t>20.12.2022</a:t>
             </a:fld>
             <a:endParaRPr lang="ru-RU"/>
           </a:p>
@@ -5328,7 +5357,7 @@
           <a:p>
             <a:fld id="{8408653D-7530-4DC9-AE42-873CFDC363BE}" type="datetimeFigureOut">
               <a:rPr lang="ru-RU" smtClean="0"/>
-              <a:t>14.12.2022</a:t>
+              <a:t>20.12.2022</a:t>
             </a:fld>
             <a:endParaRPr lang="ru-RU"/>
           </a:p>
@@ -5740,7 +5769,7 @@
           <a:p>
             <a:fld id="{8408653D-7530-4DC9-AE42-873CFDC363BE}" type="datetimeFigureOut">
               <a:rPr lang="ru-RU" smtClean="0"/>
-              <a:t>14.12.2022</a:t>
+              <a:t>20.12.2022</a:t>
             </a:fld>
             <a:endParaRPr lang="ru-RU"/>
           </a:p>
@@ -5881,7 +5910,7 @@
           <a:p>
             <a:fld id="{8408653D-7530-4DC9-AE42-873CFDC363BE}" type="datetimeFigureOut">
               <a:rPr lang="ru-RU" smtClean="0"/>
-              <a:t>14.12.2022</a:t>
+              <a:t>20.12.2022</a:t>
             </a:fld>
             <a:endParaRPr lang="ru-RU"/>
           </a:p>
@@ -5994,7 +6023,7 @@
           <a:p>
             <a:fld id="{8408653D-7530-4DC9-AE42-873CFDC363BE}" type="datetimeFigureOut">
               <a:rPr lang="ru-RU" smtClean="0"/>
-              <a:t>14.12.2022</a:t>
+              <a:t>20.12.2022</a:t>
             </a:fld>
             <a:endParaRPr lang="ru-RU"/>
           </a:p>
@@ -6305,7 +6334,7 @@
           <a:p>
             <a:fld id="{8408653D-7530-4DC9-AE42-873CFDC363BE}" type="datetimeFigureOut">
               <a:rPr lang="ru-RU" smtClean="0"/>
-              <a:t>14.12.2022</a:t>
+              <a:t>20.12.2022</a:t>
             </a:fld>
             <a:endParaRPr lang="ru-RU"/>
           </a:p>
@@ -6593,7 +6622,7 @@
           <a:p>
             <a:fld id="{8408653D-7530-4DC9-AE42-873CFDC363BE}" type="datetimeFigureOut">
               <a:rPr lang="ru-RU" smtClean="0"/>
-              <a:t>14.12.2022</a:t>
+              <a:t>20.12.2022</a:t>
             </a:fld>
             <a:endParaRPr lang="ru-RU"/>
           </a:p>
@@ -6834,7 +6863,7 @@
           <a:p>
             <a:fld id="{8408653D-7530-4DC9-AE42-873CFDC363BE}" type="datetimeFigureOut">
               <a:rPr lang="ru-RU" smtClean="0"/>
-              <a:t>14.12.2022</a:t>
+              <a:t>20.12.2022</a:t>
             </a:fld>
             <a:endParaRPr lang="ru-RU"/>
           </a:p>
@@ -7545,7 +7574,7 @@
                 <a14:useLocalDpi xmlns:a14="http://schemas.microsoft.com/office/drawing/2010/main" val="0"/>
               </a:ext>
               <a:ext uri="{837473B0-CC2E-450A-ABE3-18F120FF3D39}">
-                <a1611:picAttrSrcUrl xmlns:a1611="http://schemas.microsoft.com/office/drawing/2016/11/main" r:id="rId4"/>
+                <a1611:picAttrSrcUrl xmlns:a1611="http://schemas.microsoft.com/office/drawing/2016/11/main" xmlns="" r:id="rId4"/>
               </a:ext>
             </a:extLst>
           </a:blip>
@@ -7676,6 +7705,379 @@
 </file>
 
 <file path=ppt/slides/slide10.xml><?xml version="1.0" encoding="utf-8"?>
+<p:sld xmlns:a="http://schemas.openxmlformats.org/drawingml/2006/main" xmlns:r="http://schemas.openxmlformats.org/officeDocument/2006/relationships" xmlns:p="http://schemas.openxmlformats.org/presentationml/2006/main">
+  <p:cSld>
+    <p:spTree>
+      <p:nvGrpSpPr>
+        <p:cNvPr id="1" name=""/>
+        <p:cNvGrpSpPr/>
+        <p:nvPr/>
+      </p:nvGrpSpPr>
+      <p:grpSpPr>
+        <a:xfrm>
+          <a:off x="0" y="0"/>
+          <a:ext cx="0" cy="0"/>
+          <a:chOff x="0" y="0"/>
+          <a:chExt cx="0" cy="0"/>
+        </a:xfrm>
+      </p:grpSpPr>
+      <p:sp>
+        <p:nvSpPr>
+          <p:cNvPr id="4" name="Прямоугольник 3">
+            <a:extLst>
+              <a:ext uri="{FF2B5EF4-FFF2-40B4-BE49-F238E27FC236}">
+                <a16:creationId xmlns:a16="http://schemas.microsoft.com/office/drawing/2014/main" id="{5ECE0D18-20DF-4B2E-8AC5-54515F52E3D6}"/>
+              </a:ext>
+            </a:extLst>
+          </p:cNvPr>
+          <p:cNvSpPr/>
+          <p:nvPr/>
+        </p:nvSpPr>
+        <p:spPr>
+          <a:xfrm>
+            <a:off x="0" y="0"/>
+            <a:ext cx="12192000" cy="1170813"/>
+          </a:xfrm>
+          <a:prstGeom prst="rect">
+            <a:avLst/>
+          </a:prstGeom>
+          <a:solidFill>
+            <a:schemeClr val="accent1">
+              <a:lumMod val="50000"/>
+            </a:schemeClr>
+          </a:solidFill>
+          <a:ln>
+            <a:noFill/>
+          </a:ln>
+        </p:spPr>
+        <p:style>
+          <a:lnRef idx="2">
+            <a:schemeClr val="accent1">
+              <a:shade val="50000"/>
+            </a:schemeClr>
+          </a:lnRef>
+          <a:fillRef idx="1">
+            <a:schemeClr val="accent1"/>
+          </a:fillRef>
+          <a:effectRef idx="0">
+            <a:schemeClr val="accent1"/>
+          </a:effectRef>
+          <a:fontRef idx="minor">
+            <a:schemeClr val="lt1"/>
+          </a:fontRef>
+        </p:style>
+        <p:txBody>
+          <a:bodyPr rtlCol="0" anchor="ctr"/>
+          <a:lstStyle/>
+          <a:p>
+            <a:r>
+              <a:rPr lang="ru-RU" sz="3600" dirty="0">
+                <a:latin typeface="Times New Roman" panose="02020603050405020304" pitchFamily="18" charset="0"/>
+                <a:cs typeface="Times New Roman" panose="02020603050405020304" pitchFamily="18" charset="0"/>
+              </a:rPr>
+              <a:t>	Специальная оснастка</a:t>
+            </a:r>
+          </a:p>
+        </p:txBody>
+      </p:sp>
+      <p:sp>
+        <p:nvSpPr>
+          <p:cNvPr id="5" name="Прямоугольник 4">
+            <a:extLst>
+              <a:ext uri="{FF2B5EF4-FFF2-40B4-BE49-F238E27FC236}">
+                <a16:creationId xmlns:a16="http://schemas.microsoft.com/office/drawing/2014/main" id="{08C9DD33-DA0F-41EF-B5A0-CB849668BD3B}"/>
+              </a:ext>
+            </a:extLst>
+          </p:cNvPr>
+          <p:cNvSpPr/>
+          <p:nvPr/>
+        </p:nvSpPr>
+        <p:spPr>
+          <a:xfrm>
+            <a:off x="0" y="6232979"/>
+            <a:ext cx="12192000" cy="625021"/>
+          </a:xfrm>
+          <a:prstGeom prst="rect">
+            <a:avLst/>
+          </a:prstGeom>
+          <a:solidFill>
+            <a:schemeClr val="accent1">
+              <a:lumMod val="50000"/>
+            </a:schemeClr>
+          </a:solidFill>
+        </p:spPr>
+        <p:style>
+          <a:lnRef idx="2">
+            <a:schemeClr val="accent1">
+              <a:shade val="50000"/>
+            </a:schemeClr>
+          </a:lnRef>
+          <a:fillRef idx="1">
+            <a:schemeClr val="accent1"/>
+          </a:fillRef>
+          <a:effectRef idx="0">
+            <a:schemeClr val="accent1"/>
+          </a:effectRef>
+          <a:fontRef idx="minor">
+            <a:schemeClr val="lt1"/>
+          </a:fontRef>
+        </p:style>
+        <p:txBody>
+          <a:bodyPr rtlCol="0" anchor="ctr"/>
+          <a:lstStyle/>
+          <a:p>
+            <a:r>
+              <a:rPr lang="en-US" dirty="0">
+                <a:latin typeface="Times New Roman" panose="02020603050405020304" pitchFamily="18" charset="0"/>
+                <a:ea typeface="Tahoma" panose="020B0604030504040204" pitchFamily="34" charset="0"/>
+                <a:cs typeface="Times New Roman" panose="02020603050405020304" pitchFamily="18" charset="0"/>
+              </a:rPr>
+              <a:t>               </a:t>
+            </a:r>
+            <a:r>
+              <a:rPr lang="ru-RU" dirty="0">
+                <a:latin typeface="Times New Roman" panose="02020603050405020304" pitchFamily="18" charset="0"/>
+                <a:ea typeface="Tahoma" panose="020B0604030504040204" pitchFamily="34" charset="0"/>
+                <a:cs typeface="Times New Roman" panose="02020603050405020304" pitchFamily="18" charset="0"/>
+              </a:rPr>
+              <a:t> МГТУ им. Н. Э. Баумана</a:t>
+            </a:r>
+          </a:p>
+        </p:txBody>
+      </p:sp>
+      <p:pic>
+        <p:nvPicPr>
+          <p:cNvPr id="7" name="Рисунок 6" descr="Изображение выглядит как текст, керамические изделия&#10;&#10;Автоматически созданное описание">
+            <a:extLst>
+              <a:ext uri="{FF2B5EF4-FFF2-40B4-BE49-F238E27FC236}">
+                <a16:creationId xmlns:a16="http://schemas.microsoft.com/office/drawing/2014/main" id="{269245AF-46EE-4074-822D-D9A528D4198A}"/>
+              </a:ext>
+            </a:extLst>
+          </p:cNvPr>
+          <p:cNvPicPr>
+            <a:picLocks noChangeAspect="1"/>
+          </p:cNvPicPr>
+          <p:nvPr/>
+        </p:nvPicPr>
+        <p:blipFill>
+          <a:blip r:embed="rId2" cstate="hqprint">
+            <a:extLst>
+              <a:ext uri="{28A0092B-C50C-407E-A947-70E740481C1C}">
+                <a14:useLocalDpi xmlns:a14="http://schemas.microsoft.com/office/drawing/2010/main" val="0"/>
+              </a:ext>
+              <a:ext uri="{837473B0-CC2E-450A-ABE3-18F120FF3D39}">
+                <a1611:picAttrSrcUrl xmlns:a1611="http://schemas.microsoft.com/office/drawing/2016/11/main" xmlns="" r:id="rId3"/>
+              </a:ext>
+            </a:extLst>
+          </a:blip>
+          <a:stretch>
+            <a:fillRect/>
+          </a:stretch>
+        </p:blipFill>
+        <p:spPr>
+          <a:xfrm>
+            <a:off x="260437" y="6232979"/>
+            <a:ext cx="529678" cy="625020"/>
+          </a:xfrm>
+          <a:prstGeom prst="rect">
+            <a:avLst/>
+          </a:prstGeom>
+        </p:spPr>
+      </p:pic>
+      <p:sp>
+        <p:nvSpPr>
+          <p:cNvPr id="6" name="TextBox 5">
+            <a:extLst>
+              <a:ext uri="{FF2B5EF4-FFF2-40B4-BE49-F238E27FC236}">
+                <a16:creationId xmlns:a16="http://schemas.microsoft.com/office/drawing/2014/main" id="{80FC780E-DB48-41E1-A384-F17049C59F4E}"/>
+              </a:ext>
+            </a:extLst>
+          </p:cNvPr>
+          <p:cNvSpPr txBox="1"/>
+          <p:nvPr/>
+        </p:nvSpPr>
+        <p:spPr>
+          <a:xfrm>
+            <a:off x="0" y="6360823"/>
+            <a:ext cx="12192000" cy="369332"/>
+          </a:xfrm>
+          <a:prstGeom prst="rect">
+            <a:avLst/>
+          </a:prstGeom>
+          <a:noFill/>
+        </p:spPr>
+        <p:txBody>
+          <a:bodyPr wrap="square" rtlCol="0">
+            <a:spAutoFit/>
+          </a:bodyPr>
+          <a:lstStyle/>
+          <a:p>
+            <a:pPr algn="r"/>
+            <a:r>
+              <a:rPr lang="ru-RU" dirty="0" smtClean="0">
+                <a:solidFill>
+                  <a:schemeClr val="bg1"/>
+                </a:solidFill>
+                <a:latin typeface="Times New Roman" panose="02020603050405020304" pitchFamily="18" charset="0"/>
+                <a:cs typeface="Times New Roman" panose="02020603050405020304" pitchFamily="18" charset="0"/>
+              </a:rPr>
+              <a:t>9</a:t>
+            </a:r>
+            <a:r>
+              <a:rPr lang="en-US" dirty="0">
+                <a:solidFill>
+                  <a:schemeClr val="bg1"/>
+                </a:solidFill>
+                <a:latin typeface="Times New Roman" panose="02020603050405020304" pitchFamily="18" charset="0"/>
+                <a:cs typeface="Times New Roman" panose="02020603050405020304" pitchFamily="18" charset="0"/>
+              </a:rPr>
+              <a:t>	</a:t>
+            </a:r>
+            <a:endParaRPr lang="ru-RU" dirty="0">
+              <a:solidFill>
+                <a:schemeClr val="bg1"/>
+              </a:solidFill>
+              <a:latin typeface="Times New Roman" panose="02020603050405020304" pitchFamily="18" charset="0"/>
+              <a:cs typeface="Times New Roman" panose="02020603050405020304" pitchFamily="18" charset="0"/>
+            </a:endParaRPr>
+          </a:p>
+        </p:txBody>
+      </p:sp>
+      <p:sp>
+        <p:nvSpPr>
+          <p:cNvPr id="12" name="TextBox 11">
+            <a:extLst>
+              <a:ext uri="{FF2B5EF4-FFF2-40B4-BE49-F238E27FC236}">
+                <a16:creationId xmlns:a16="http://schemas.microsoft.com/office/drawing/2014/main" id="{D308E6B7-6063-4DD3-841D-B8FC28059431}"/>
+              </a:ext>
+            </a:extLst>
+          </p:cNvPr>
+          <p:cNvSpPr txBox="1"/>
+          <p:nvPr/>
+        </p:nvSpPr>
+        <p:spPr>
+          <a:xfrm rot="10800000" flipV="1">
+            <a:off x="-682535" y="1434169"/>
+            <a:ext cx="6466713" cy="369332"/>
+          </a:xfrm>
+          <a:prstGeom prst="rect">
+            <a:avLst/>
+          </a:prstGeom>
+          <a:noFill/>
+        </p:spPr>
+        <p:txBody>
+          <a:bodyPr wrap="square">
+            <a:spAutoFit/>
+          </a:bodyPr>
+          <a:lstStyle/>
+          <a:p>
+            <a:pPr algn="ctr"/>
+            <a:r>
+              <a:rPr lang="ru-RU" b="1" dirty="0">
+                <a:latin typeface="Times New Roman" panose="02020603050405020304" pitchFamily="18" charset="0"/>
+                <a:cs typeface="Times New Roman" panose="02020603050405020304" pitchFamily="18" charset="0"/>
+              </a:rPr>
+              <a:t>Рис. 6.</a:t>
+            </a:r>
+            <a:r>
+              <a:rPr lang="ru-RU" dirty="0">
+                <a:latin typeface="Times New Roman" panose="02020603050405020304" pitchFamily="18" charset="0"/>
+                <a:cs typeface="Times New Roman" panose="02020603050405020304" pitchFamily="18" charset="0"/>
+              </a:rPr>
+              <a:t> Углодержатель для фрезерной обработки </a:t>
+            </a:r>
+          </a:p>
+        </p:txBody>
+      </p:sp>
+      <p:pic>
+        <p:nvPicPr>
+          <p:cNvPr id="1026" name="Picture 2" descr="https://studfile.net/html/2706/421/html_FDS4ycl8QN.rI3L/htmlconvd-TbKuyN_html_de5ed456d6296e.jpg"/>
+          <p:cNvPicPr>
+            <a:picLocks noChangeAspect="1" noChangeArrowheads="1"/>
+          </p:cNvPicPr>
+          <p:nvPr/>
+        </p:nvPicPr>
+        <p:blipFill rotWithShape="1">
+          <a:blip r:embed="rId4">
+            <a:extLst>
+              <a:ext uri="{28A0092B-C50C-407E-A947-70E740481C1C}">
+                <a14:useLocalDpi xmlns:a14="http://schemas.microsoft.com/office/drawing/2010/main" val="0"/>
+              </a:ext>
+            </a:extLst>
+          </a:blip>
+          <a:srcRect r="56792"/>
+          <a:stretch/>
+        </p:blipFill>
+        <p:spPr bwMode="auto">
+          <a:xfrm>
+            <a:off x="122459" y="1803502"/>
+            <a:ext cx="3738342" cy="4381705"/>
+          </a:xfrm>
+          <a:prstGeom prst="rect">
+            <a:avLst/>
+          </a:prstGeom>
+          <a:noFill/>
+          <a:extLst>
+            <a:ext uri="{909E8E84-426E-40DD-AFC4-6F175D3DCCD1}">
+              <a14:hiddenFill xmlns:a14="http://schemas.microsoft.com/office/drawing/2010/main">
+                <a:solidFill>
+                  <a:srgbClr val="FFFFFF"/>
+                </a:solidFill>
+              </a14:hiddenFill>
+            </a:ext>
+          </a:extLst>
+        </p:spPr>
+      </p:pic>
+      <p:pic>
+        <p:nvPicPr>
+          <p:cNvPr id="3" name="Рисунок 2" descr="Изображение выглядит как стол">
+            <a:extLst>
+              <a:ext uri="{FF2B5EF4-FFF2-40B4-BE49-F238E27FC236}">
+                <a16:creationId xmlns:a16="http://schemas.microsoft.com/office/drawing/2014/main" id="{FE1F3A8A-D4C3-FE53-A88E-89D1E0290079}"/>
+              </a:ext>
+            </a:extLst>
+          </p:cNvPr>
+          <p:cNvPicPr>
+            <a:picLocks noChangeAspect="1"/>
+          </p:cNvPicPr>
+          <p:nvPr/>
+        </p:nvPicPr>
+        <p:blipFill>
+          <a:blip r:embed="rId5">
+            <a:extLst>
+              <a:ext uri="{28A0092B-C50C-407E-A947-70E740481C1C}">
+                <a14:useLocalDpi xmlns:a14="http://schemas.microsoft.com/office/drawing/2010/main" val="0"/>
+              </a:ext>
+            </a:extLst>
+          </a:blip>
+          <a:stretch>
+            <a:fillRect/>
+          </a:stretch>
+        </p:blipFill>
+        <p:spPr>
+          <a:xfrm>
+            <a:off x="6125867" y="314449"/>
+            <a:ext cx="4410668" cy="6229102"/>
+          </a:xfrm>
+          <a:prstGeom prst="rect">
+            <a:avLst/>
+          </a:prstGeom>
+        </p:spPr>
+      </p:pic>
+    </p:spTree>
+    <p:extLst>
+      <p:ext uri="{BB962C8B-B14F-4D97-AF65-F5344CB8AC3E}">
+        <p14:creationId xmlns:p14="http://schemas.microsoft.com/office/powerpoint/2010/main" val="939145350"/>
+      </p:ext>
+    </p:extLst>
+  </p:cSld>
+  <p:clrMapOvr>
+    <a:masterClrMapping/>
+  </p:clrMapOvr>
+</p:sld>
+</file>
+
+<file path=ppt/slides/slide11.xml><?xml version="1.0" encoding="utf-8"?>
 <p:sld xmlns:a="http://schemas.openxmlformats.org/drawingml/2006/main" xmlns:r="http://schemas.openxmlformats.org/officeDocument/2006/relationships" xmlns:p="http://schemas.openxmlformats.org/presentationml/2006/main">
   <p:cSld>
     <p:spTree>
@@ -7778,7 +8180,676 @@
                 <a14:useLocalDpi xmlns:a14="http://schemas.microsoft.com/office/drawing/2010/main" val="0"/>
               </a:ext>
               <a:ext uri="{837473B0-CC2E-450A-ABE3-18F120FF3D39}">
-                <a1611:picAttrSrcUrl xmlns:a1611="http://schemas.microsoft.com/office/drawing/2016/11/main" r:id="rId3"/>
+                <a1611:picAttrSrcUrl xmlns:a1611="http://schemas.microsoft.com/office/drawing/2016/11/main" xmlns="" r:id="rId3"/>
+              </a:ext>
+            </a:extLst>
+          </a:blip>
+          <a:stretch>
+            <a:fillRect/>
+          </a:stretch>
+        </p:blipFill>
+        <p:spPr>
+          <a:xfrm>
+            <a:off x="313698" y="6105135"/>
+            <a:ext cx="529678" cy="625020"/>
+          </a:xfrm>
+          <a:prstGeom prst="rect">
+            <a:avLst/>
+          </a:prstGeom>
+        </p:spPr>
+      </p:pic>
+      <p:sp>
+        <p:nvSpPr>
+          <p:cNvPr id="6" name="TextBox 5">
+            <a:extLst>
+              <a:ext uri="{FF2B5EF4-FFF2-40B4-BE49-F238E27FC236}">
+                <a16:creationId xmlns:a16="http://schemas.microsoft.com/office/drawing/2014/main" id="{FA97D146-182C-4777-ABF4-00AE13487B07}"/>
+              </a:ext>
+            </a:extLst>
+          </p:cNvPr>
+          <p:cNvSpPr txBox="1"/>
+          <p:nvPr/>
+        </p:nvSpPr>
+        <p:spPr>
+          <a:xfrm>
+            <a:off x="739806" y="6360823"/>
+            <a:ext cx="11771765" cy="369332"/>
+          </a:xfrm>
+          <a:prstGeom prst="rect">
+            <a:avLst/>
+          </a:prstGeom>
+          <a:noFill/>
+        </p:spPr>
+        <p:txBody>
+          <a:bodyPr wrap="square" rtlCol="0">
+            <a:spAutoFit/>
+          </a:bodyPr>
+          <a:lstStyle/>
+          <a:p>
+            <a:pPr algn="r"/>
+            <a:r>
+              <a:rPr lang="ru-RU" dirty="0">
+                <a:solidFill>
+                  <a:schemeClr val="bg1"/>
+                </a:solidFill>
+                <a:latin typeface="Times New Roman" panose="02020603050405020304" pitchFamily="18" charset="0"/>
+                <a:cs typeface="Times New Roman" panose="02020603050405020304" pitchFamily="18" charset="0"/>
+              </a:rPr>
+              <a:t>8</a:t>
+            </a:r>
+            <a:r>
+              <a:rPr lang="en-US" dirty="0">
+                <a:solidFill>
+                  <a:schemeClr val="bg1"/>
+                </a:solidFill>
+                <a:latin typeface="Times New Roman" panose="02020603050405020304" pitchFamily="18" charset="0"/>
+                <a:cs typeface="Times New Roman" panose="02020603050405020304" pitchFamily="18" charset="0"/>
+              </a:rPr>
+              <a:t>	</a:t>
+            </a:r>
+            <a:endParaRPr lang="ru-RU" dirty="0">
+              <a:solidFill>
+                <a:schemeClr val="bg1"/>
+              </a:solidFill>
+              <a:latin typeface="Times New Roman" panose="02020603050405020304" pitchFamily="18" charset="0"/>
+              <a:cs typeface="Times New Roman" panose="02020603050405020304" pitchFamily="18" charset="0"/>
+            </a:endParaRPr>
+          </a:p>
+        </p:txBody>
+      </p:sp>
+      <p:pic>
+        <p:nvPicPr>
+          <p:cNvPr id="2" name="Рисунок 1"/>
+          <p:cNvPicPr>
+            <a:picLocks noChangeAspect="1"/>
+          </p:cNvPicPr>
+          <p:nvPr/>
+        </p:nvPicPr>
+        <p:blipFill>
+          <a:blip r:embed="rId4"/>
+          <a:stretch>
+            <a:fillRect/>
+          </a:stretch>
+        </p:blipFill>
+        <p:spPr>
+          <a:xfrm>
+            <a:off x="1269484" y="98474"/>
+            <a:ext cx="9342605" cy="6631681"/>
+          </a:xfrm>
+          <a:prstGeom prst="rect">
+            <a:avLst/>
+          </a:prstGeom>
+        </p:spPr>
+      </p:pic>
+    </p:spTree>
+    <p:extLst>
+      <p:ext uri="{BB962C8B-B14F-4D97-AF65-F5344CB8AC3E}">
+        <p14:creationId xmlns:p14="http://schemas.microsoft.com/office/powerpoint/2010/main" val="1338410555"/>
+      </p:ext>
+    </p:extLst>
+  </p:cSld>
+  <p:clrMapOvr>
+    <a:masterClrMapping/>
+  </p:clrMapOvr>
+</p:sld>
+</file>
+
+<file path=ppt/slides/slide12.xml><?xml version="1.0" encoding="utf-8"?>
+<p:sld xmlns:a="http://schemas.openxmlformats.org/drawingml/2006/main" xmlns:r="http://schemas.openxmlformats.org/officeDocument/2006/relationships" xmlns:p="http://schemas.openxmlformats.org/presentationml/2006/main">
+  <p:cSld>
+    <p:spTree>
+      <p:nvGrpSpPr>
+        <p:cNvPr id="1" name=""/>
+        <p:cNvGrpSpPr/>
+        <p:nvPr/>
+      </p:nvGrpSpPr>
+      <p:grpSpPr>
+        <a:xfrm>
+          <a:off x="0" y="0"/>
+          <a:ext cx="0" cy="0"/>
+          <a:chOff x="0" y="0"/>
+          <a:chExt cx="0" cy="0"/>
+        </a:xfrm>
+      </p:grpSpPr>
+      <p:sp>
+        <p:nvSpPr>
+          <p:cNvPr id="4" name="Прямоугольник 3">
+            <a:extLst>
+              <a:ext uri="{FF2B5EF4-FFF2-40B4-BE49-F238E27FC236}">
+                <a16:creationId xmlns:a16="http://schemas.microsoft.com/office/drawing/2014/main" id="{5ECE0D18-20DF-4B2E-8AC5-54515F52E3D6}"/>
+              </a:ext>
+            </a:extLst>
+          </p:cNvPr>
+          <p:cNvSpPr/>
+          <p:nvPr/>
+        </p:nvSpPr>
+        <p:spPr>
+          <a:xfrm>
+            <a:off x="0" y="0"/>
+            <a:ext cx="12192000" cy="1170813"/>
+          </a:xfrm>
+          <a:prstGeom prst="rect">
+            <a:avLst/>
+          </a:prstGeom>
+          <a:solidFill>
+            <a:schemeClr val="accent1">
+              <a:lumMod val="50000"/>
+            </a:schemeClr>
+          </a:solidFill>
+          <a:ln>
+            <a:noFill/>
+          </a:ln>
+        </p:spPr>
+        <p:style>
+          <a:lnRef idx="2">
+            <a:schemeClr val="accent1">
+              <a:shade val="50000"/>
+            </a:schemeClr>
+          </a:lnRef>
+          <a:fillRef idx="1">
+            <a:schemeClr val="accent1"/>
+          </a:fillRef>
+          <a:effectRef idx="0">
+            <a:schemeClr val="accent1"/>
+          </a:effectRef>
+          <a:fontRef idx="minor">
+            <a:schemeClr val="lt1"/>
+          </a:fontRef>
+        </p:style>
+        <p:txBody>
+          <a:bodyPr rtlCol="0" anchor="ctr"/>
+          <a:lstStyle/>
+          <a:p>
+            <a:r>
+              <a:rPr lang="ru-RU" sz="3600" dirty="0">
+                <a:latin typeface="Times New Roman" panose="02020603050405020304" pitchFamily="18" charset="0"/>
+                <a:cs typeface="Times New Roman" panose="02020603050405020304" pitchFamily="18" charset="0"/>
+              </a:rPr>
+              <a:t>	Инструменты обработки</a:t>
+            </a:r>
+          </a:p>
+        </p:txBody>
+      </p:sp>
+      <p:sp>
+        <p:nvSpPr>
+          <p:cNvPr id="5" name="Прямоугольник 4">
+            <a:extLst>
+              <a:ext uri="{FF2B5EF4-FFF2-40B4-BE49-F238E27FC236}">
+                <a16:creationId xmlns:a16="http://schemas.microsoft.com/office/drawing/2014/main" id="{08C9DD33-DA0F-41EF-B5A0-CB849668BD3B}"/>
+              </a:ext>
+            </a:extLst>
+          </p:cNvPr>
+          <p:cNvSpPr/>
+          <p:nvPr/>
+        </p:nvSpPr>
+        <p:spPr>
+          <a:xfrm>
+            <a:off x="0" y="6232979"/>
+            <a:ext cx="12192000" cy="625021"/>
+          </a:xfrm>
+          <a:prstGeom prst="rect">
+            <a:avLst/>
+          </a:prstGeom>
+          <a:solidFill>
+            <a:schemeClr val="accent1">
+              <a:lumMod val="50000"/>
+            </a:schemeClr>
+          </a:solidFill>
+        </p:spPr>
+        <p:style>
+          <a:lnRef idx="2">
+            <a:schemeClr val="accent1">
+              <a:shade val="50000"/>
+            </a:schemeClr>
+          </a:lnRef>
+          <a:fillRef idx="1">
+            <a:schemeClr val="accent1"/>
+          </a:fillRef>
+          <a:effectRef idx="0">
+            <a:schemeClr val="accent1"/>
+          </a:effectRef>
+          <a:fontRef idx="minor">
+            <a:schemeClr val="lt1"/>
+          </a:fontRef>
+        </p:style>
+        <p:txBody>
+          <a:bodyPr rtlCol="0" anchor="ctr"/>
+          <a:lstStyle/>
+          <a:p>
+            <a:r>
+              <a:rPr lang="en-US" dirty="0">
+                <a:latin typeface="Times New Roman" panose="02020603050405020304" pitchFamily="18" charset="0"/>
+                <a:ea typeface="Tahoma" panose="020B0604030504040204" pitchFamily="34" charset="0"/>
+                <a:cs typeface="Times New Roman" panose="02020603050405020304" pitchFamily="18" charset="0"/>
+              </a:rPr>
+              <a:t>               </a:t>
+            </a:r>
+            <a:r>
+              <a:rPr lang="ru-RU" dirty="0">
+                <a:latin typeface="Times New Roman" panose="02020603050405020304" pitchFamily="18" charset="0"/>
+                <a:ea typeface="Tahoma" panose="020B0604030504040204" pitchFamily="34" charset="0"/>
+                <a:cs typeface="Times New Roman" panose="02020603050405020304" pitchFamily="18" charset="0"/>
+              </a:rPr>
+              <a:t> МГТУ им. Н. Э. Баумана</a:t>
+            </a:r>
+          </a:p>
+        </p:txBody>
+      </p:sp>
+      <p:pic>
+        <p:nvPicPr>
+          <p:cNvPr id="7" name="Рисунок 6" descr="Изображение выглядит как текст, керамические изделия&#10;&#10;Автоматически созданное описание">
+            <a:extLst>
+              <a:ext uri="{FF2B5EF4-FFF2-40B4-BE49-F238E27FC236}">
+                <a16:creationId xmlns:a16="http://schemas.microsoft.com/office/drawing/2014/main" id="{269245AF-46EE-4074-822D-D9A528D4198A}"/>
+              </a:ext>
+            </a:extLst>
+          </p:cNvPr>
+          <p:cNvPicPr>
+            <a:picLocks noChangeAspect="1"/>
+          </p:cNvPicPr>
+          <p:nvPr/>
+        </p:nvPicPr>
+        <p:blipFill>
+          <a:blip r:embed="rId2" cstate="hqprint">
+            <a:extLst>
+              <a:ext uri="{28A0092B-C50C-407E-A947-70E740481C1C}">
+                <a14:useLocalDpi xmlns:a14="http://schemas.microsoft.com/office/drawing/2010/main" val="0"/>
+              </a:ext>
+              <a:ext uri="{837473B0-CC2E-450A-ABE3-18F120FF3D39}">
+                <a1611:picAttrSrcUrl xmlns:a1611="http://schemas.microsoft.com/office/drawing/2016/11/main" xmlns="" r:id="rId3"/>
+              </a:ext>
+            </a:extLst>
+          </a:blip>
+          <a:stretch>
+            <a:fillRect/>
+          </a:stretch>
+        </p:blipFill>
+        <p:spPr>
+          <a:xfrm>
+            <a:off x="260437" y="6232979"/>
+            <a:ext cx="529678" cy="625020"/>
+          </a:xfrm>
+          <a:prstGeom prst="rect">
+            <a:avLst/>
+          </a:prstGeom>
+        </p:spPr>
+      </p:pic>
+      <p:sp>
+        <p:nvSpPr>
+          <p:cNvPr id="6" name="TextBox 5">
+            <a:extLst>
+              <a:ext uri="{FF2B5EF4-FFF2-40B4-BE49-F238E27FC236}">
+                <a16:creationId xmlns:a16="http://schemas.microsoft.com/office/drawing/2014/main" id="{80FC780E-DB48-41E1-A384-F17049C59F4E}"/>
+              </a:ext>
+            </a:extLst>
+          </p:cNvPr>
+          <p:cNvSpPr txBox="1"/>
+          <p:nvPr/>
+        </p:nvSpPr>
+        <p:spPr>
+          <a:xfrm>
+            <a:off x="0" y="6360823"/>
+            <a:ext cx="12192000" cy="369332"/>
+          </a:xfrm>
+          <a:prstGeom prst="rect">
+            <a:avLst/>
+          </a:prstGeom>
+          <a:noFill/>
+        </p:spPr>
+        <p:txBody>
+          <a:bodyPr wrap="square" rtlCol="0">
+            <a:spAutoFit/>
+          </a:bodyPr>
+          <a:lstStyle/>
+          <a:p>
+            <a:pPr algn="r"/>
+            <a:r>
+              <a:rPr lang="ru-RU" dirty="0">
+                <a:solidFill>
+                  <a:schemeClr val="bg1"/>
+                </a:solidFill>
+                <a:latin typeface="Times New Roman" panose="02020603050405020304" pitchFamily="18" charset="0"/>
+                <a:cs typeface="Times New Roman" panose="02020603050405020304" pitchFamily="18" charset="0"/>
+              </a:rPr>
+              <a:t>9</a:t>
+            </a:r>
+            <a:r>
+              <a:rPr lang="en-US" dirty="0">
+                <a:solidFill>
+                  <a:schemeClr val="bg1"/>
+                </a:solidFill>
+                <a:latin typeface="Times New Roman" panose="02020603050405020304" pitchFamily="18" charset="0"/>
+                <a:cs typeface="Times New Roman" panose="02020603050405020304" pitchFamily="18" charset="0"/>
+              </a:rPr>
+              <a:t>	</a:t>
+            </a:r>
+            <a:endParaRPr lang="ru-RU" dirty="0">
+              <a:solidFill>
+                <a:schemeClr val="bg1"/>
+              </a:solidFill>
+              <a:latin typeface="Times New Roman" panose="02020603050405020304" pitchFamily="18" charset="0"/>
+              <a:cs typeface="Times New Roman" panose="02020603050405020304" pitchFamily="18" charset="0"/>
+            </a:endParaRPr>
+          </a:p>
+        </p:txBody>
+      </p:sp>
+      <p:sp>
+        <p:nvSpPr>
+          <p:cNvPr id="9" name="Подзаголовок 2">
+            <a:extLst>
+              <a:ext uri="{FF2B5EF4-FFF2-40B4-BE49-F238E27FC236}">
+                <a16:creationId xmlns:a16="http://schemas.microsoft.com/office/drawing/2014/main" id="{0807DE90-E83E-67F2-0A73-E5BC5A5AECAB}"/>
+              </a:ext>
+            </a:extLst>
+          </p:cNvPr>
+          <p:cNvSpPr>
+            <a:spLocks noGrp="1"/>
+          </p:cNvSpPr>
+          <p:nvPr>
+            <p:ph type="subTitle" idx="1"/>
+          </p:nvPr>
+        </p:nvSpPr>
+        <p:spPr>
+          <a:xfrm>
+            <a:off x="7398082" y="1642054"/>
+            <a:ext cx="4622281" cy="932468"/>
+          </a:xfrm>
+        </p:spPr>
+        <p:txBody>
+          <a:bodyPr>
+            <a:normAutofit fontScale="92500" lnSpcReduction="10000"/>
+          </a:bodyPr>
+          <a:lstStyle/>
+          <a:p>
+            <a:pPr algn="just"/>
+            <a:r>
+              <a:rPr lang="ru-RU" i="1" dirty="0">
+                <a:latin typeface="Times New Roman" panose="02020603050405020304" pitchFamily="18" charset="0"/>
+                <a:cs typeface="Times New Roman" panose="02020603050405020304" pitchFamily="18" charset="0"/>
+              </a:rPr>
+              <a:t> «Плох тот мастер, кто, овладев инструментом, потерял свою цель!» </a:t>
+            </a:r>
+            <a:r>
+              <a:rPr lang="ru-RU" dirty="0">
+                <a:latin typeface="Times New Roman" panose="02020603050405020304" pitchFamily="18" charset="0"/>
+                <a:cs typeface="Times New Roman" panose="02020603050405020304" pitchFamily="18" charset="0"/>
+              </a:rPr>
+              <a:t>© Роман Хорошев</a:t>
+            </a:r>
+            <a:endParaRPr lang="en-US" dirty="0">
+              <a:latin typeface="Times New Roman" panose="02020603050405020304" pitchFamily="18" charset="0"/>
+              <a:cs typeface="Times New Roman" panose="02020603050405020304" pitchFamily="18" charset="0"/>
+            </a:endParaRPr>
+          </a:p>
+        </p:txBody>
+      </p:sp>
+      <p:sp>
+        <p:nvSpPr>
+          <p:cNvPr id="10" name="Прямоугольник: скругленные верхние углы 9">
+            <a:extLst>
+              <a:ext uri="{FF2B5EF4-FFF2-40B4-BE49-F238E27FC236}">
+                <a16:creationId xmlns:a16="http://schemas.microsoft.com/office/drawing/2014/main" id="{D5CB7788-659C-8D1D-2C3D-82FDD398CD70}"/>
+              </a:ext>
+            </a:extLst>
+          </p:cNvPr>
+          <p:cNvSpPr/>
+          <p:nvPr/>
+        </p:nvSpPr>
+        <p:spPr>
+          <a:xfrm rot="10800000">
+            <a:off x="260436" y="1361323"/>
+            <a:ext cx="6557613" cy="4743810"/>
+          </a:xfrm>
+          <a:prstGeom prst="round2SameRect">
+            <a:avLst/>
+          </a:prstGeom>
+          <a:solidFill>
+            <a:schemeClr val="accent1">
+              <a:lumMod val="50000"/>
+            </a:schemeClr>
+          </a:solidFill>
+        </p:spPr>
+        <p:style>
+          <a:lnRef idx="2">
+            <a:schemeClr val="accent1">
+              <a:shade val="50000"/>
+            </a:schemeClr>
+          </a:lnRef>
+          <a:fillRef idx="1">
+            <a:schemeClr val="accent1"/>
+          </a:fillRef>
+          <a:effectRef idx="0">
+            <a:schemeClr val="accent1"/>
+          </a:effectRef>
+          <a:fontRef idx="minor">
+            <a:schemeClr val="lt1"/>
+          </a:fontRef>
+        </p:style>
+        <p:txBody>
+          <a:bodyPr rtlCol="0" anchor="ctr"/>
+          <a:lstStyle/>
+          <a:p>
+            <a:pPr algn="ctr"/>
+            <a:endParaRPr lang="ru-RU" dirty="0"/>
+          </a:p>
+        </p:txBody>
+      </p:sp>
+      <p:sp>
+        <p:nvSpPr>
+          <p:cNvPr id="12" name="TextBox 11">
+            <a:extLst>
+              <a:ext uri="{FF2B5EF4-FFF2-40B4-BE49-F238E27FC236}">
+                <a16:creationId xmlns:a16="http://schemas.microsoft.com/office/drawing/2014/main" id="{D308E6B7-6063-4DD3-841D-B8FC28059431}"/>
+              </a:ext>
+            </a:extLst>
+          </p:cNvPr>
+          <p:cNvSpPr txBox="1"/>
+          <p:nvPr/>
+        </p:nvSpPr>
+        <p:spPr>
+          <a:xfrm rot="10800000" flipV="1">
+            <a:off x="1022546" y="5673134"/>
+            <a:ext cx="5712660" cy="369332"/>
+          </a:xfrm>
+          <a:prstGeom prst="rect">
+            <a:avLst/>
+          </a:prstGeom>
+          <a:noFill/>
+        </p:spPr>
+        <p:txBody>
+          <a:bodyPr wrap="square">
+            <a:spAutoFit/>
+          </a:bodyPr>
+          <a:lstStyle/>
+          <a:p>
+            <a:pPr algn="ctr"/>
+            <a:r>
+              <a:rPr lang="ru-RU" b="1" dirty="0">
+                <a:solidFill>
+                  <a:schemeClr val="bg1"/>
+                </a:solidFill>
+                <a:latin typeface="Times New Roman" panose="02020603050405020304" pitchFamily="18" charset="0"/>
+                <a:cs typeface="Times New Roman" panose="02020603050405020304" pitchFamily="18" charset="0"/>
+              </a:rPr>
+              <a:t>Рис. 7.</a:t>
+            </a:r>
+            <a:r>
+              <a:rPr lang="ru-RU" dirty="0">
+                <a:solidFill>
+                  <a:schemeClr val="bg1"/>
+                </a:solidFill>
+                <a:latin typeface="Times New Roman" panose="02020603050405020304" pitchFamily="18" charset="0"/>
+                <a:cs typeface="Times New Roman" panose="02020603050405020304" pitchFamily="18" charset="0"/>
+              </a:rPr>
+              <a:t> Обилие инструментов обработки</a:t>
+            </a:r>
+          </a:p>
+        </p:txBody>
+      </p:sp>
+      <p:pic>
+        <p:nvPicPr>
+          <p:cNvPr id="2" name="Picture 2">
+            <a:extLst>
+              <a:ext uri="{FF2B5EF4-FFF2-40B4-BE49-F238E27FC236}">
+                <a16:creationId xmlns:a16="http://schemas.microsoft.com/office/drawing/2014/main" id="{94265F1D-54D8-9765-A39E-B475AB3156D0}"/>
+              </a:ext>
+            </a:extLst>
+          </p:cNvPr>
+          <p:cNvPicPr>
+            <a:picLocks noChangeAspect="1" noChangeArrowheads="1"/>
+          </p:cNvPicPr>
+          <p:nvPr/>
+        </p:nvPicPr>
+        <p:blipFill>
+          <a:blip r:embed="rId4">
+            <a:extLst>
+              <a:ext uri="{28A0092B-C50C-407E-A947-70E740481C1C}">
+                <a14:useLocalDpi xmlns:a14="http://schemas.microsoft.com/office/drawing/2010/main" val="0"/>
+              </a:ext>
+            </a:extLst>
+          </a:blip>
+          <a:srcRect/>
+          <a:stretch>
+            <a:fillRect/>
+          </a:stretch>
+        </p:blipFill>
+        <p:spPr bwMode="auto">
+          <a:xfrm>
+            <a:off x="447312" y="1485833"/>
+            <a:ext cx="6183859" cy="4124634"/>
+          </a:xfrm>
+          <a:prstGeom prst="rect">
+            <a:avLst/>
+          </a:prstGeom>
+          <a:noFill/>
+          <a:extLst>
+            <a:ext uri="{909E8E84-426E-40DD-AFC4-6F175D3DCCD1}">
+              <a14:hiddenFill xmlns:a14="http://schemas.microsoft.com/office/drawing/2010/main">
+                <a:solidFill>
+                  <a:srgbClr val="FFFFFF"/>
+                </a:solidFill>
+              </a14:hiddenFill>
+            </a:ext>
+          </a:extLst>
+        </p:spPr>
+      </p:pic>
+    </p:spTree>
+    <p:extLst>
+      <p:ext uri="{BB962C8B-B14F-4D97-AF65-F5344CB8AC3E}">
+        <p14:creationId xmlns:p14="http://schemas.microsoft.com/office/powerpoint/2010/main" val="1919566836"/>
+      </p:ext>
+    </p:extLst>
+  </p:cSld>
+  <p:clrMapOvr>
+    <a:masterClrMapping/>
+  </p:clrMapOvr>
+</p:sld>
+</file>
+
+<file path=ppt/slides/slide13.xml><?xml version="1.0" encoding="utf-8"?>
+<p:sld xmlns:a="http://schemas.openxmlformats.org/drawingml/2006/main" xmlns:r="http://schemas.openxmlformats.org/officeDocument/2006/relationships" xmlns:p="http://schemas.openxmlformats.org/presentationml/2006/main" show="0">
+  <p:cSld>
+    <p:spTree>
+      <p:nvGrpSpPr>
+        <p:cNvPr id="1" name=""/>
+        <p:cNvGrpSpPr/>
+        <p:nvPr/>
+      </p:nvGrpSpPr>
+      <p:grpSpPr>
+        <a:xfrm>
+          <a:off x="0" y="0"/>
+          <a:ext cx="0" cy="0"/>
+          <a:chOff x="0" y="0"/>
+          <a:chExt cx="0" cy="0"/>
+        </a:xfrm>
+      </p:grpSpPr>
+      <p:sp>
+        <p:nvSpPr>
+          <p:cNvPr id="5" name="Прямоугольник 4">
+            <a:extLst>
+              <a:ext uri="{FF2B5EF4-FFF2-40B4-BE49-F238E27FC236}">
+                <a16:creationId xmlns:a16="http://schemas.microsoft.com/office/drawing/2014/main" id="{08C9DD33-DA0F-41EF-B5A0-CB849668BD3B}"/>
+              </a:ext>
+            </a:extLst>
+          </p:cNvPr>
+          <p:cNvSpPr/>
+          <p:nvPr/>
+        </p:nvSpPr>
+        <p:spPr>
+          <a:xfrm>
+            <a:off x="0" y="-1"/>
+            <a:ext cx="12192000" cy="6858001"/>
+          </a:xfrm>
+          <a:prstGeom prst="rect">
+            <a:avLst/>
+          </a:prstGeom>
+          <a:solidFill>
+            <a:schemeClr val="accent1">
+              <a:lumMod val="50000"/>
+            </a:schemeClr>
+          </a:solidFill>
+        </p:spPr>
+        <p:style>
+          <a:lnRef idx="2">
+            <a:schemeClr val="accent1">
+              <a:shade val="50000"/>
+            </a:schemeClr>
+          </a:lnRef>
+          <a:fillRef idx="1">
+            <a:schemeClr val="accent1"/>
+          </a:fillRef>
+          <a:effectRef idx="0">
+            <a:schemeClr val="accent1"/>
+          </a:effectRef>
+          <a:fontRef idx="minor">
+            <a:schemeClr val="lt1"/>
+          </a:fontRef>
+        </p:style>
+        <p:txBody>
+          <a:bodyPr rtlCol="0" anchor="ctr"/>
+          <a:lstStyle/>
+          <a:p>
+            <a:r>
+              <a:rPr lang="en-US" dirty="0">
+                <a:latin typeface="Times New Roman" panose="02020603050405020304" pitchFamily="18" charset="0"/>
+                <a:ea typeface="Tahoma" panose="020B0604030504040204" pitchFamily="34" charset="0"/>
+                <a:cs typeface="Times New Roman" panose="02020603050405020304" pitchFamily="18" charset="0"/>
+              </a:rPr>
+              <a:t>               </a:t>
+            </a:r>
+            <a:r>
+              <a:rPr lang="ru-RU" dirty="0">
+                <a:latin typeface="Times New Roman" panose="02020603050405020304" pitchFamily="18" charset="0"/>
+                <a:ea typeface="Tahoma" panose="020B0604030504040204" pitchFamily="34" charset="0"/>
+                <a:cs typeface="Times New Roman" panose="02020603050405020304" pitchFamily="18" charset="0"/>
+              </a:rPr>
+              <a:t> </a:t>
+            </a:r>
+          </a:p>
+        </p:txBody>
+      </p:sp>
+      <p:pic>
+        <p:nvPicPr>
+          <p:cNvPr id="7" name="Рисунок 6" descr="Изображение выглядит как текст, керамические изделия&#10;&#10;Автоматически созданное описание">
+            <a:extLst>
+              <a:ext uri="{FF2B5EF4-FFF2-40B4-BE49-F238E27FC236}">
+                <a16:creationId xmlns:a16="http://schemas.microsoft.com/office/drawing/2014/main" id="{269245AF-46EE-4074-822D-D9A528D4198A}"/>
+              </a:ext>
+            </a:extLst>
+          </p:cNvPr>
+          <p:cNvPicPr>
+            <a:picLocks noChangeAspect="1"/>
+          </p:cNvPicPr>
+          <p:nvPr/>
+        </p:nvPicPr>
+        <p:blipFill>
+          <a:blip r:embed="rId2" cstate="hqprint">
+            <a:extLst>
+              <a:ext uri="{28A0092B-C50C-407E-A947-70E740481C1C}">
+                <a14:useLocalDpi xmlns:a14="http://schemas.microsoft.com/office/drawing/2010/main" val="0"/>
+              </a:ext>
+              <a:ext uri="{837473B0-CC2E-450A-ABE3-18F120FF3D39}">
+                <a1611:picAttrSrcUrl xmlns:a1611="http://schemas.microsoft.com/office/drawing/2016/11/main" xmlns="" r:id="rId3"/>
               </a:ext>
             </a:extLst>
           </a:blip>
@@ -7901,10 +8972,516 @@
   <p:clrMapOvr>
     <a:masterClrMapping/>
   </p:clrMapOvr>
+  <mc:AlternateContent xmlns:mc="http://schemas.openxmlformats.org/markup-compatibility/2006">
+    <mc:Choice xmlns:p14="http://schemas.microsoft.com/office/powerpoint/2010/main" Requires="p14">
+      <p:transition spd="slow" p14:dur="2000"/>
+    </mc:Choice>
+    <mc:Fallback>
+      <p:transition spd="slow"/>
+    </mc:Fallback>
+  </mc:AlternateContent>
 </p:sld>
 </file>
 
-<file path=ppt/slides/slide11.xml><?xml version="1.0" encoding="utf-8"?>
+<file path=ppt/slides/slide14.xml><?xml version="1.0" encoding="utf-8"?>
+<p:sld xmlns:a="http://schemas.openxmlformats.org/drawingml/2006/main" xmlns:r="http://schemas.openxmlformats.org/officeDocument/2006/relationships" xmlns:p="http://schemas.openxmlformats.org/presentationml/2006/main">
+  <p:cSld>
+    <p:spTree>
+      <p:nvGrpSpPr>
+        <p:cNvPr id="1" name=""/>
+        <p:cNvGrpSpPr/>
+        <p:nvPr/>
+      </p:nvGrpSpPr>
+      <p:grpSpPr>
+        <a:xfrm>
+          <a:off x="0" y="0"/>
+          <a:ext cx="0" cy="0"/>
+          <a:chOff x="0" y="0"/>
+          <a:chExt cx="0" cy="0"/>
+        </a:xfrm>
+      </p:grpSpPr>
+      <p:sp>
+        <p:nvSpPr>
+          <p:cNvPr id="5" name="Прямоугольник 4">
+            <a:extLst>
+              <a:ext uri="{FF2B5EF4-FFF2-40B4-BE49-F238E27FC236}">
+                <a16:creationId xmlns:a16="http://schemas.microsoft.com/office/drawing/2014/main" id="{08C9DD33-DA0F-41EF-B5A0-CB849668BD3B}"/>
+              </a:ext>
+            </a:extLst>
+          </p:cNvPr>
+          <p:cNvSpPr/>
+          <p:nvPr/>
+        </p:nvSpPr>
+        <p:spPr>
+          <a:xfrm>
+            <a:off x="0" y="-1"/>
+            <a:ext cx="12192000" cy="6858001"/>
+          </a:xfrm>
+          <a:prstGeom prst="rect">
+            <a:avLst/>
+          </a:prstGeom>
+          <a:solidFill>
+            <a:schemeClr val="accent1">
+              <a:lumMod val="50000"/>
+            </a:schemeClr>
+          </a:solidFill>
+        </p:spPr>
+        <p:style>
+          <a:lnRef idx="2">
+            <a:schemeClr val="accent1">
+              <a:shade val="50000"/>
+            </a:schemeClr>
+          </a:lnRef>
+          <a:fillRef idx="1">
+            <a:schemeClr val="accent1"/>
+          </a:fillRef>
+          <a:effectRef idx="0">
+            <a:schemeClr val="accent1"/>
+          </a:effectRef>
+          <a:fontRef idx="minor">
+            <a:schemeClr val="lt1"/>
+          </a:fontRef>
+        </p:style>
+        <p:txBody>
+          <a:bodyPr rtlCol="0" anchor="ctr"/>
+          <a:lstStyle/>
+          <a:p>
+            <a:r>
+              <a:rPr lang="en-US" dirty="0">
+                <a:latin typeface="Times New Roman" panose="02020603050405020304" pitchFamily="18" charset="0"/>
+                <a:ea typeface="Tahoma" panose="020B0604030504040204" pitchFamily="34" charset="0"/>
+                <a:cs typeface="Times New Roman" panose="02020603050405020304" pitchFamily="18" charset="0"/>
+              </a:rPr>
+              <a:t>               </a:t>
+            </a:r>
+            <a:r>
+              <a:rPr lang="ru-RU" dirty="0">
+                <a:latin typeface="Times New Roman" panose="02020603050405020304" pitchFamily="18" charset="0"/>
+                <a:ea typeface="Tahoma" panose="020B0604030504040204" pitchFamily="34" charset="0"/>
+                <a:cs typeface="Times New Roman" panose="02020603050405020304" pitchFamily="18" charset="0"/>
+              </a:rPr>
+              <a:t> </a:t>
+            </a:r>
+          </a:p>
+        </p:txBody>
+      </p:sp>
+      <p:pic>
+        <p:nvPicPr>
+          <p:cNvPr id="7" name="Рисунок 6" descr="Изображение выглядит как текст, керамические изделия&#10;&#10;Автоматически созданное описание">
+            <a:extLst>
+              <a:ext uri="{FF2B5EF4-FFF2-40B4-BE49-F238E27FC236}">
+                <a16:creationId xmlns:a16="http://schemas.microsoft.com/office/drawing/2014/main" id="{269245AF-46EE-4074-822D-D9A528D4198A}"/>
+              </a:ext>
+            </a:extLst>
+          </p:cNvPr>
+          <p:cNvPicPr>
+            <a:picLocks noChangeAspect="1"/>
+          </p:cNvPicPr>
+          <p:nvPr/>
+        </p:nvPicPr>
+        <p:blipFill>
+          <a:blip r:embed="rId2" cstate="hqprint">
+            <a:extLst>
+              <a:ext uri="{28A0092B-C50C-407E-A947-70E740481C1C}">
+                <a14:useLocalDpi xmlns:a14="http://schemas.microsoft.com/office/drawing/2010/main" val="0"/>
+              </a:ext>
+              <a:ext uri="{837473B0-CC2E-450A-ABE3-18F120FF3D39}">
+                <a1611:picAttrSrcUrl xmlns:a1611="http://schemas.microsoft.com/office/drawing/2016/11/main" xmlns="" r:id="rId3"/>
+              </a:ext>
+            </a:extLst>
+          </a:blip>
+          <a:stretch>
+            <a:fillRect/>
+          </a:stretch>
+        </p:blipFill>
+        <p:spPr>
+          <a:xfrm>
+            <a:off x="313698" y="6105135"/>
+            <a:ext cx="529678" cy="625020"/>
+          </a:xfrm>
+          <a:prstGeom prst="rect">
+            <a:avLst/>
+          </a:prstGeom>
+        </p:spPr>
+      </p:pic>
+      <p:sp>
+        <p:nvSpPr>
+          <p:cNvPr id="6" name="TextBox 5">
+            <a:extLst>
+              <a:ext uri="{FF2B5EF4-FFF2-40B4-BE49-F238E27FC236}">
+                <a16:creationId xmlns:a16="http://schemas.microsoft.com/office/drawing/2014/main" id="{FA97D146-182C-4777-ABF4-00AE13487B07}"/>
+              </a:ext>
+            </a:extLst>
+          </p:cNvPr>
+          <p:cNvSpPr txBox="1"/>
+          <p:nvPr/>
+        </p:nvSpPr>
+        <p:spPr>
+          <a:xfrm>
+            <a:off x="739806" y="6360823"/>
+            <a:ext cx="11771765" cy="369332"/>
+          </a:xfrm>
+          <a:prstGeom prst="rect">
+            <a:avLst/>
+          </a:prstGeom>
+          <a:noFill/>
+        </p:spPr>
+        <p:txBody>
+          <a:bodyPr wrap="square" rtlCol="0">
+            <a:spAutoFit/>
+          </a:bodyPr>
+          <a:lstStyle/>
+          <a:p>
+            <a:pPr algn="r"/>
+            <a:r>
+              <a:rPr lang="ru-RU" dirty="0">
+                <a:solidFill>
+                  <a:schemeClr val="bg1"/>
+                </a:solidFill>
+                <a:latin typeface="Times New Roman" panose="02020603050405020304" pitchFamily="18" charset="0"/>
+                <a:cs typeface="Times New Roman" panose="02020603050405020304" pitchFamily="18" charset="0"/>
+              </a:rPr>
+              <a:t>10</a:t>
+            </a:r>
+            <a:r>
+              <a:rPr lang="en-US" dirty="0">
+                <a:solidFill>
+                  <a:schemeClr val="bg1"/>
+                </a:solidFill>
+                <a:latin typeface="Times New Roman" panose="02020603050405020304" pitchFamily="18" charset="0"/>
+                <a:cs typeface="Times New Roman" panose="02020603050405020304" pitchFamily="18" charset="0"/>
+              </a:rPr>
+              <a:t>	</a:t>
+            </a:r>
+            <a:endParaRPr lang="ru-RU" dirty="0">
+              <a:solidFill>
+                <a:schemeClr val="bg1"/>
+              </a:solidFill>
+              <a:latin typeface="Times New Roman" panose="02020603050405020304" pitchFamily="18" charset="0"/>
+              <a:cs typeface="Times New Roman" panose="02020603050405020304" pitchFamily="18" charset="0"/>
+            </a:endParaRPr>
+          </a:p>
+        </p:txBody>
+      </p:sp>
+      <p:pic>
+        <p:nvPicPr>
+          <p:cNvPr id="2" name="Рисунок 1"/>
+          <p:cNvPicPr>
+            <a:picLocks noChangeAspect="1"/>
+          </p:cNvPicPr>
+          <p:nvPr/>
+        </p:nvPicPr>
+        <p:blipFill>
+          <a:blip r:embed="rId4"/>
+          <a:stretch>
+            <a:fillRect/>
+          </a:stretch>
+        </p:blipFill>
+        <p:spPr>
+          <a:xfrm>
+            <a:off x="182195" y="211996"/>
+            <a:ext cx="5941631" cy="4191192"/>
+          </a:xfrm>
+          <a:prstGeom prst="rect">
+            <a:avLst/>
+          </a:prstGeom>
+        </p:spPr>
+      </p:pic>
+      <p:pic>
+        <p:nvPicPr>
+          <p:cNvPr id="3" name="Рисунок 2"/>
+          <p:cNvPicPr>
+            <a:picLocks noChangeAspect="1"/>
+          </p:cNvPicPr>
+          <p:nvPr/>
+        </p:nvPicPr>
+        <p:blipFill>
+          <a:blip r:embed="rId5"/>
+          <a:stretch>
+            <a:fillRect/>
+          </a:stretch>
+        </p:blipFill>
+        <p:spPr>
+          <a:xfrm>
+            <a:off x="6161649" y="2207812"/>
+            <a:ext cx="5861170" cy="4153011"/>
+          </a:xfrm>
+          <a:prstGeom prst="rect">
+            <a:avLst/>
+          </a:prstGeom>
+        </p:spPr>
+      </p:pic>
+    </p:spTree>
+    <p:extLst>
+      <p:ext uri="{BB962C8B-B14F-4D97-AF65-F5344CB8AC3E}">
+        <p14:creationId xmlns:p14="http://schemas.microsoft.com/office/powerpoint/2010/main" val="4155269592"/>
+      </p:ext>
+    </p:extLst>
+  </p:cSld>
+  <p:clrMapOvr>
+    <a:masterClrMapping/>
+  </p:clrMapOvr>
+  <mc:AlternateContent xmlns:mc="http://schemas.openxmlformats.org/markup-compatibility/2006">
+    <mc:Choice xmlns:p14="http://schemas.microsoft.com/office/powerpoint/2010/main" Requires="p14">
+      <p:transition spd="slow" p14:dur="2000"/>
+    </mc:Choice>
+    <mc:Fallback>
+      <p:transition spd="slow"/>
+    </mc:Fallback>
+  </mc:AlternateContent>
+</p:sld>
+</file>
+
+<file path=ppt/slides/slide15.xml><?xml version="1.0" encoding="utf-8"?>
+<p:sld xmlns:a="http://schemas.openxmlformats.org/drawingml/2006/main" xmlns:r="http://schemas.openxmlformats.org/officeDocument/2006/relationships" xmlns:p="http://schemas.openxmlformats.org/presentationml/2006/main">
+  <p:cSld>
+    <p:spTree>
+      <p:nvGrpSpPr>
+        <p:cNvPr id="1" name=""/>
+        <p:cNvGrpSpPr/>
+        <p:nvPr/>
+      </p:nvGrpSpPr>
+      <p:grpSpPr>
+        <a:xfrm>
+          <a:off x="0" y="0"/>
+          <a:ext cx="0" cy="0"/>
+          <a:chOff x="0" y="0"/>
+          <a:chExt cx="0" cy="0"/>
+        </a:xfrm>
+      </p:grpSpPr>
+      <p:sp>
+        <p:nvSpPr>
+          <p:cNvPr id="5" name="Прямоугольник 4">
+            <a:extLst>
+              <a:ext uri="{FF2B5EF4-FFF2-40B4-BE49-F238E27FC236}">
+                <a16:creationId xmlns:a16="http://schemas.microsoft.com/office/drawing/2014/main" id="{08C9DD33-DA0F-41EF-B5A0-CB849668BD3B}"/>
+              </a:ext>
+            </a:extLst>
+          </p:cNvPr>
+          <p:cNvSpPr/>
+          <p:nvPr/>
+        </p:nvSpPr>
+        <p:spPr>
+          <a:xfrm>
+            <a:off x="0" y="-1"/>
+            <a:ext cx="12192000" cy="6858001"/>
+          </a:xfrm>
+          <a:prstGeom prst="rect">
+            <a:avLst/>
+          </a:prstGeom>
+          <a:solidFill>
+            <a:schemeClr val="accent1">
+              <a:lumMod val="50000"/>
+            </a:schemeClr>
+          </a:solidFill>
+        </p:spPr>
+        <p:style>
+          <a:lnRef idx="2">
+            <a:schemeClr val="accent1">
+              <a:shade val="50000"/>
+            </a:schemeClr>
+          </a:lnRef>
+          <a:fillRef idx="1">
+            <a:schemeClr val="accent1"/>
+          </a:fillRef>
+          <a:effectRef idx="0">
+            <a:schemeClr val="accent1"/>
+          </a:effectRef>
+          <a:fontRef idx="minor">
+            <a:schemeClr val="lt1"/>
+          </a:fontRef>
+        </p:style>
+        <p:txBody>
+          <a:bodyPr rtlCol="0" anchor="ctr"/>
+          <a:lstStyle/>
+          <a:p>
+            <a:r>
+              <a:rPr lang="en-US" dirty="0">
+                <a:latin typeface="Times New Roman" panose="02020603050405020304" pitchFamily="18" charset="0"/>
+                <a:ea typeface="Tahoma" panose="020B0604030504040204" pitchFamily="34" charset="0"/>
+                <a:cs typeface="Times New Roman" panose="02020603050405020304" pitchFamily="18" charset="0"/>
+              </a:rPr>
+              <a:t>               </a:t>
+            </a:r>
+            <a:r>
+              <a:rPr lang="ru-RU" dirty="0">
+                <a:latin typeface="Times New Roman" panose="02020603050405020304" pitchFamily="18" charset="0"/>
+                <a:ea typeface="Tahoma" panose="020B0604030504040204" pitchFamily="34" charset="0"/>
+                <a:cs typeface="Times New Roman" panose="02020603050405020304" pitchFamily="18" charset="0"/>
+              </a:rPr>
+              <a:t> </a:t>
+            </a:r>
+          </a:p>
+        </p:txBody>
+      </p:sp>
+      <p:pic>
+        <p:nvPicPr>
+          <p:cNvPr id="7" name="Рисунок 6" descr="Изображение выглядит как текст, керамические изделия&#10;&#10;Автоматически созданное описание">
+            <a:extLst>
+              <a:ext uri="{FF2B5EF4-FFF2-40B4-BE49-F238E27FC236}">
+                <a16:creationId xmlns:a16="http://schemas.microsoft.com/office/drawing/2014/main" id="{269245AF-46EE-4074-822D-D9A528D4198A}"/>
+              </a:ext>
+            </a:extLst>
+          </p:cNvPr>
+          <p:cNvPicPr>
+            <a:picLocks noChangeAspect="1"/>
+          </p:cNvPicPr>
+          <p:nvPr/>
+        </p:nvPicPr>
+        <p:blipFill>
+          <a:blip r:embed="rId2" cstate="hqprint">
+            <a:extLst>
+              <a:ext uri="{28A0092B-C50C-407E-A947-70E740481C1C}">
+                <a14:useLocalDpi xmlns:a14="http://schemas.microsoft.com/office/drawing/2010/main" val="0"/>
+              </a:ext>
+              <a:ext uri="{837473B0-CC2E-450A-ABE3-18F120FF3D39}">
+                <a1611:picAttrSrcUrl xmlns:a1611="http://schemas.microsoft.com/office/drawing/2016/11/main" xmlns="" r:id="rId3"/>
+              </a:ext>
+            </a:extLst>
+          </a:blip>
+          <a:stretch>
+            <a:fillRect/>
+          </a:stretch>
+        </p:blipFill>
+        <p:spPr>
+          <a:xfrm>
+            <a:off x="313698" y="6105135"/>
+            <a:ext cx="529678" cy="625020"/>
+          </a:xfrm>
+          <a:prstGeom prst="rect">
+            <a:avLst/>
+          </a:prstGeom>
+        </p:spPr>
+      </p:pic>
+      <p:sp>
+        <p:nvSpPr>
+          <p:cNvPr id="6" name="TextBox 5">
+            <a:extLst>
+              <a:ext uri="{FF2B5EF4-FFF2-40B4-BE49-F238E27FC236}">
+                <a16:creationId xmlns:a16="http://schemas.microsoft.com/office/drawing/2014/main" id="{FA97D146-182C-4777-ABF4-00AE13487B07}"/>
+              </a:ext>
+            </a:extLst>
+          </p:cNvPr>
+          <p:cNvSpPr txBox="1"/>
+          <p:nvPr/>
+        </p:nvSpPr>
+        <p:spPr>
+          <a:xfrm>
+            <a:off x="739806" y="6360823"/>
+            <a:ext cx="11771765" cy="369332"/>
+          </a:xfrm>
+          <a:prstGeom prst="rect">
+            <a:avLst/>
+          </a:prstGeom>
+          <a:noFill/>
+        </p:spPr>
+        <p:txBody>
+          <a:bodyPr wrap="square" rtlCol="0">
+            <a:spAutoFit/>
+          </a:bodyPr>
+          <a:lstStyle/>
+          <a:p>
+            <a:pPr algn="r"/>
+            <a:r>
+              <a:rPr lang="ru-RU" dirty="0" smtClean="0">
+                <a:solidFill>
+                  <a:schemeClr val="bg1"/>
+                </a:solidFill>
+                <a:latin typeface="Times New Roman" panose="02020603050405020304" pitchFamily="18" charset="0"/>
+                <a:cs typeface="Times New Roman" panose="02020603050405020304" pitchFamily="18" charset="0"/>
+              </a:rPr>
+              <a:t>11</a:t>
+            </a:r>
+            <a:r>
+              <a:rPr lang="en-US" dirty="0">
+                <a:solidFill>
+                  <a:schemeClr val="bg1"/>
+                </a:solidFill>
+                <a:latin typeface="Times New Roman" panose="02020603050405020304" pitchFamily="18" charset="0"/>
+                <a:cs typeface="Times New Roman" panose="02020603050405020304" pitchFamily="18" charset="0"/>
+              </a:rPr>
+              <a:t>	</a:t>
+            </a:r>
+            <a:endParaRPr lang="ru-RU" dirty="0">
+              <a:solidFill>
+                <a:schemeClr val="bg1"/>
+              </a:solidFill>
+              <a:latin typeface="Times New Roman" panose="02020603050405020304" pitchFamily="18" charset="0"/>
+              <a:cs typeface="Times New Roman" panose="02020603050405020304" pitchFamily="18" charset="0"/>
+            </a:endParaRPr>
+          </a:p>
+        </p:txBody>
+      </p:sp>
+      <p:pic>
+        <p:nvPicPr>
+          <p:cNvPr id="4" name="Рисунок 3"/>
+          <p:cNvPicPr>
+            <a:picLocks noChangeAspect="1"/>
+          </p:cNvPicPr>
+          <p:nvPr/>
+        </p:nvPicPr>
+        <p:blipFill>
+          <a:blip r:embed="rId4"/>
+          <a:stretch>
+            <a:fillRect/>
+          </a:stretch>
+        </p:blipFill>
+        <p:spPr>
+          <a:xfrm>
+            <a:off x="199689" y="142801"/>
+            <a:ext cx="5548813" cy="3908694"/>
+          </a:xfrm>
+          <a:prstGeom prst="rect">
+            <a:avLst/>
+          </a:prstGeom>
+        </p:spPr>
+      </p:pic>
+      <p:pic>
+        <p:nvPicPr>
+          <p:cNvPr id="8" name="Рисунок 7"/>
+          <p:cNvPicPr>
+            <a:picLocks noChangeAspect="1"/>
+          </p:cNvPicPr>
+          <p:nvPr/>
+        </p:nvPicPr>
+        <p:blipFill>
+          <a:blip r:embed="rId5"/>
+          <a:stretch>
+            <a:fillRect/>
+          </a:stretch>
+        </p:blipFill>
+        <p:spPr>
+          <a:xfrm>
+            <a:off x="5948190" y="2025217"/>
+            <a:ext cx="6134331" cy="4335606"/>
+          </a:xfrm>
+          <a:prstGeom prst="rect">
+            <a:avLst/>
+          </a:prstGeom>
+        </p:spPr>
+      </p:pic>
+    </p:spTree>
+    <p:extLst>
+      <p:ext uri="{BB962C8B-B14F-4D97-AF65-F5344CB8AC3E}">
+        <p14:creationId xmlns:p14="http://schemas.microsoft.com/office/powerpoint/2010/main" val="2301019327"/>
+      </p:ext>
+    </p:extLst>
+  </p:cSld>
+  <p:clrMapOvr>
+    <a:masterClrMapping/>
+  </p:clrMapOvr>
+  <mc:AlternateContent xmlns:mc="http://schemas.openxmlformats.org/markup-compatibility/2006">
+    <mc:Choice xmlns:p14="http://schemas.microsoft.com/office/powerpoint/2010/main" Requires="p14">
+      <p:transition spd="slow" p14:dur="2000"/>
+    </mc:Choice>
+    <mc:Fallback>
+      <p:transition spd="slow"/>
+    </mc:Fallback>
+  </mc:AlternateContent>
+</p:sld>
+</file>
+
+<file path=ppt/slides/slide16.xml><?xml version="1.0" encoding="utf-8"?>
 <p:sld xmlns:a="http://schemas.openxmlformats.org/drawingml/2006/main" xmlns:r="http://schemas.openxmlformats.org/officeDocument/2006/relationships" xmlns:p="http://schemas.openxmlformats.org/presentationml/2006/main">
   <p:cSld>
     <p:spTree>
@@ -8122,7 +9699,7 @@
                 <a14:useLocalDpi xmlns:a14="http://schemas.microsoft.com/office/drawing/2010/main" val="0"/>
               </a:ext>
               <a:ext uri="{837473B0-CC2E-450A-ABE3-18F120FF3D39}">
-                <a1611:picAttrSrcUrl xmlns:a1611="http://schemas.microsoft.com/office/drawing/2016/11/main" r:id="rId3"/>
+                <a1611:picAttrSrcUrl xmlns:a1611="http://schemas.microsoft.com/office/drawing/2016/11/main" xmlns="" r:id="rId3"/>
               </a:ext>
             </a:extLst>
           </a:blip>
@@ -8170,14 +9747,14 @@
           <a:p>
             <a:pPr algn="r"/>
             <a:r>
-              <a:rPr lang="ru-RU" dirty="0">
+              <a:rPr lang="ru-RU" dirty="0" smtClean="0">
                 <a:solidFill>
                   <a:schemeClr val="bg1"/>
                 </a:solidFill>
                 <a:latin typeface="Times New Roman" panose="02020603050405020304" pitchFamily="18" charset="0"/>
                 <a:cs typeface="Times New Roman" panose="02020603050405020304" pitchFamily="18" charset="0"/>
               </a:rPr>
-              <a:t>9</a:t>
+              <a:t>12</a:t>
             </a:r>
             <a:r>
               <a:rPr lang="en-US" dirty="0">
@@ -8355,7 +9932,7 @@
 </p:sld>
 </file>
 
-<file path=ppt/slides/slide12.xml><?xml version="1.0" encoding="utf-8"?>
+<file path=ppt/slides/slide17.xml><?xml version="1.0" encoding="utf-8"?>
 <p:sld xmlns:a="http://schemas.openxmlformats.org/drawingml/2006/main" xmlns:r="http://schemas.openxmlformats.org/officeDocument/2006/relationships" xmlns:p="http://schemas.openxmlformats.org/presentationml/2006/main">
   <p:cSld>
     <p:spTree>
@@ -8458,7 +10035,7 @@
                 <a14:useLocalDpi xmlns:a14="http://schemas.microsoft.com/office/drawing/2010/main" val="0"/>
               </a:ext>
               <a:ext uri="{837473B0-CC2E-450A-ABE3-18F120FF3D39}">
-                <a1611:picAttrSrcUrl xmlns:a1611="http://schemas.microsoft.com/office/drawing/2016/11/main" r:id="rId3"/>
+                <a1611:picAttrSrcUrl xmlns:a1611="http://schemas.microsoft.com/office/drawing/2016/11/main" xmlns="" r:id="rId3"/>
               </a:ext>
             </a:extLst>
           </a:blip>
@@ -8537,34 +10114,22 @@
       </p:sp>
       <p:pic>
         <p:nvPicPr>
-          <p:cNvPr id="3" name="Рисунок 2">
-            <a:extLst>
-              <a:ext uri="{FF2B5EF4-FFF2-40B4-BE49-F238E27FC236}">
-                <a16:creationId xmlns:a16="http://schemas.microsoft.com/office/drawing/2014/main" id="{4BA18DF8-7784-7EED-5E19-FEE50D8941A4}"/>
-              </a:ext>
-            </a:extLst>
-          </p:cNvPr>
+          <p:cNvPr id="2" name="Рисунок 1"/>
           <p:cNvPicPr>
             <a:picLocks noChangeAspect="1"/>
           </p:cNvPicPr>
           <p:nvPr/>
         </p:nvPicPr>
         <p:blipFill>
-          <a:blip r:embed="rId4">
-            <a:extLst>
-              <a:ext uri="{28A0092B-C50C-407E-A947-70E740481C1C}">
-                <a14:useLocalDpi xmlns:a14="http://schemas.microsoft.com/office/drawing/2010/main" val="0"/>
-              </a:ext>
-            </a:extLst>
-          </a:blip>
+          <a:blip r:embed="rId4"/>
           <a:stretch>
             <a:fillRect/>
           </a:stretch>
         </p:blipFill>
         <p:spPr>
           <a:xfrm>
-            <a:off x="1245108" y="0"/>
-            <a:ext cx="9701784" cy="6858000"/>
+            <a:off x="1434904" y="56800"/>
+            <a:ext cx="9566031" cy="6744397"/>
           </a:xfrm>
           <a:prstGeom prst="rect">
             <a:avLst/>
@@ -8584,7 +10149,7 @@
 </p:sld>
 </file>
 
-<file path=ppt/slides/slide13.xml><?xml version="1.0" encoding="utf-8"?>
+<file path=ppt/slides/slide18.xml><?xml version="1.0" encoding="utf-8"?>
 <p:sld xmlns:a="http://schemas.openxmlformats.org/drawingml/2006/main" xmlns:r="http://schemas.openxmlformats.org/officeDocument/2006/relationships" xmlns:p="http://schemas.openxmlformats.org/presentationml/2006/main">
   <p:cSld>
     <p:spTree>
@@ -8743,7 +10308,7 @@
                 <a14:useLocalDpi xmlns:a14="http://schemas.microsoft.com/office/drawing/2010/main" val="0"/>
               </a:ext>
               <a:ext uri="{837473B0-CC2E-450A-ABE3-18F120FF3D39}">
-                <a1611:picAttrSrcUrl xmlns:a1611="http://schemas.microsoft.com/office/drawing/2016/11/main" r:id="rId3"/>
+                <a1611:picAttrSrcUrl xmlns:a1611="http://schemas.microsoft.com/office/drawing/2016/11/main" xmlns="" r:id="rId3"/>
               </a:ext>
             </a:extLst>
           </a:blip>
@@ -9138,7 +10703,7 @@
                 <a14:useLocalDpi xmlns:a14="http://schemas.microsoft.com/office/drawing/2010/main" val="0"/>
               </a:ext>
               <a:ext uri="{837473B0-CC2E-450A-ABE3-18F120FF3D39}">
-                <a1611:picAttrSrcUrl xmlns:a1611="http://schemas.microsoft.com/office/drawing/2016/11/main" r:id="rId3"/>
+                <a1611:picAttrSrcUrl xmlns:a1611="http://schemas.microsoft.com/office/drawing/2016/11/main" xmlns="" r:id="rId3"/>
               </a:ext>
             </a:extLst>
           </a:blip>
@@ -9413,7 +10978,7 @@
                 <a14:useLocalDpi xmlns:a14="http://schemas.microsoft.com/office/drawing/2010/main" val="0"/>
               </a:ext>
               <a:ext uri="{837473B0-CC2E-450A-ABE3-18F120FF3D39}">
-                <a1611:picAttrSrcUrl xmlns:a1611="http://schemas.microsoft.com/office/drawing/2016/11/main" r:id="rId3"/>
+                <a1611:picAttrSrcUrl xmlns:a1611="http://schemas.microsoft.com/office/drawing/2016/11/main" xmlns="" r:id="rId3"/>
               </a:ext>
             </a:extLst>
           </a:blip>
@@ -9926,7 +11491,7 @@
                 <a14:useLocalDpi xmlns:a14="http://schemas.microsoft.com/office/drawing/2010/main" val="0"/>
               </a:ext>
               <a:ext uri="{837473B0-CC2E-450A-ABE3-18F120FF3D39}">
-                <a1611:picAttrSrcUrl xmlns:a1611="http://schemas.microsoft.com/office/drawing/2016/11/main" r:id="rId3"/>
+                <a1611:picAttrSrcUrl xmlns:a1611="http://schemas.microsoft.com/office/drawing/2016/11/main" xmlns="" r:id="rId3"/>
               </a:ext>
             </a:extLst>
           </a:blip>
@@ -9995,34 +11560,22 @@
       </p:sp>
       <p:pic>
         <p:nvPicPr>
-          <p:cNvPr id="3" name="Рисунок 2">
-            <a:extLst>
-              <a:ext uri="{FF2B5EF4-FFF2-40B4-BE49-F238E27FC236}">
-                <a16:creationId xmlns:a16="http://schemas.microsoft.com/office/drawing/2014/main" id="{CA31FC24-A25D-D8EB-B07F-486B3DED2025}"/>
-              </a:ext>
-            </a:extLst>
-          </p:cNvPr>
+          <p:cNvPr id="2" name="Рисунок 1"/>
           <p:cNvPicPr>
             <a:picLocks noChangeAspect="1"/>
           </p:cNvPicPr>
           <p:nvPr/>
         </p:nvPicPr>
         <p:blipFill>
-          <a:blip r:embed="rId4">
-            <a:extLst>
-              <a:ext uri="{28A0092B-C50C-407E-A947-70E740481C1C}">
-                <a14:useLocalDpi xmlns:a14="http://schemas.microsoft.com/office/drawing/2010/main" val="0"/>
-              </a:ext>
-            </a:extLst>
-          </a:blip>
+          <a:blip r:embed="rId4"/>
           <a:stretch>
             <a:fillRect/>
           </a:stretch>
         </p:blipFill>
         <p:spPr>
           <a:xfrm>
-            <a:off x="1245108" y="0"/>
-            <a:ext cx="9701784" cy="6858000"/>
+            <a:off x="1238251" y="0"/>
+            <a:ext cx="9715497" cy="6857999"/>
           </a:xfrm>
           <a:prstGeom prst="rect">
             <a:avLst/>
@@ -10221,7 +11774,7 @@
                 <a14:useLocalDpi xmlns:a14="http://schemas.microsoft.com/office/drawing/2010/main" val="0"/>
               </a:ext>
               <a:ext uri="{837473B0-CC2E-450A-ABE3-18F120FF3D39}">
-                <a1611:picAttrSrcUrl xmlns:a1611="http://schemas.microsoft.com/office/drawing/2016/11/main" r:id="rId3"/>
+                <a1611:picAttrSrcUrl xmlns:a1611="http://schemas.microsoft.com/office/drawing/2016/11/main" xmlns="" r:id="rId3"/>
               </a:ext>
             </a:extLst>
           </a:blip>
@@ -10426,7 +11979,7 @@
 </file>
 
 <file path=ppt/slides/slide6.xml><?xml version="1.0" encoding="utf-8"?>
-<p:sld xmlns:a="http://schemas.openxmlformats.org/drawingml/2006/main" xmlns:r="http://schemas.openxmlformats.org/officeDocument/2006/relationships" xmlns:p="http://schemas.openxmlformats.org/presentationml/2006/main">
+<p:sld xmlns:a="http://schemas.openxmlformats.org/drawingml/2006/main" xmlns:r="http://schemas.openxmlformats.org/officeDocument/2006/relationships" xmlns:p="http://schemas.openxmlformats.org/presentationml/2006/main" show="0">
   <p:cSld>
     <p:spTree>
       <p:nvGrpSpPr>
@@ -10528,7 +12081,7 @@
                 <a14:useLocalDpi xmlns:a14="http://schemas.microsoft.com/office/drawing/2010/main" val="0"/>
               </a:ext>
               <a:ext uri="{837473B0-CC2E-450A-ABE3-18F120FF3D39}">
-                <a1611:picAttrSrcUrl xmlns:a1611="http://schemas.microsoft.com/office/drawing/2016/11/main" r:id="rId3"/>
+                <a1611:picAttrSrcUrl xmlns:a1611="http://schemas.microsoft.com/office/drawing/2016/11/main" xmlns="" r:id="rId3"/>
               </a:ext>
             </a:extLst>
           </a:blip>
@@ -10597,34 +12150,22 @@
       </p:sp>
       <p:pic>
         <p:nvPicPr>
-          <p:cNvPr id="4" name="Рисунок 3">
-            <a:extLst>
-              <a:ext uri="{FF2B5EF4-FFF2-40B4-BE49-F238E27FC236}">
-                <a16:creationId xmlns:a16="http://schemas.microsoft.com/office/drawing/2014/main" id="{9849AB0A-C1C3-6B53-A8ED-8F32C846E547}"/>
-              </a:ext>
-            </a:extLst>
-          </p:cNvPr>
+          <p:cNvPr id="2" name="Рисунок 1"/>
           <p:cNvPicPr>
             <a:picLocks noChangeAspect="1"/>
           </p:cNvPicPr>
           <p:nvPr/>
         </p:nvPicPr>
         <p:blipFill>
-          <a:blip r:embed="rId4">
-            <a:extLst>
-              <a:ext uri="{28A0092B-C50C-407E-A947-70E740481C1C}">
-                <a14:useLocalDpi xmlns:a14="http://schemas.microsoft.com/office/drawing/2010/main" val="0"/>
-              </a:ext>
-            </a:extLst>
-          </a:blip>
+          <a:blip r:embed="rId4"/>
           <a:stretch>
             <a:fillRect/>
           </a:stretch>
         </p:blipFill>
         <p:spPr>
           <a:xfrm>
-            <a:off x="1245108" y="0"/>
-            <a:ext cx="9701784" cy="6858000"/>
+            <a:off x="1406769" y="110649"/>
+            <a:ext cx="9354161" cy="6619506"/>
           </a:xfrm>
           <a:prstGeom prst="rect">
             <a:avLst/>
@@ -10641,383 +12182,18 @@
   <p:clrMapOvr>
     <a:masterClrMapping/>
   </p:clrMapOvr>
+  <mc:AlternateContent xmlns:mc="http://schemas.openxmlformats.org/markup-compatibility/2006">
+    <mc:Choice xmlns:p14="http://schemas.microsoft.com/office/powerpoint/2010/main" Requires="p14">
+      <p:transition spd="slow" p14:dur="2000"/>
+    </mc:Choice>
+    <mc:Fallback>
+      <p:transition spd="slow"/>
+    </mc:Fallback>
+  </mc:AlternateContent>
 </p:sld>
 </file>
 
 <file path=ppt/slides/slide7.xml><?xml version="1.0" encoding="utf-8"?>
-<p:sld xmlns:a="http://schemas.openxmlformats.org/drawingml/2006/main" xmlns:r="http://schemas.openxmlformats.org/officeDocument/2006/relationships" xmlns:p="http://schemas.openxmlformats.org/presentationml/2006/main">
-  <p:cSld>
-    <p:spTree>
-      <p:nvGrpSpPr>
-        <p:cNvPr id="1" name=""/>
-        <p:cNvGrpSpPr/>
-        <p:nvPr/>
-      </p:nvGrpSpPr>
-      <p:grpSpPr>
-        <a:xfrm>
-          <a:off x="0" y="0"/>
-          <a:ext cx="0" cy="0"/>
-          <a:chOff x="0" y="0"/>
-          <a:chExt cx="0" cy="0"/>
-        </a:xfrm>
-      </p:grpSpPr>
-      <p:sp>
-        <p:nvSpPr>
-          <p:cNvPr id="4" name="Прямоугольник 3">
-            <a:extLst>
-              <a:ext uri="{FF2B5EF4-FFF2-40B4-BE49-F238E27FC236}">
-                <a16:creationId xmlns:a16="http://schemas.microsoft.com/office/drawing/2014/main" id="{5ECE0D18-20DF-4B2E-8AC5-54515F52E3D6}"/>
-              </a:ext>
-            </a:extLst>
-          </p:cNvPr>
-          <p:cNvSpPr/>
-          <p:nvPr/>
-        </p:nvSpPr>
-        <p:spPr>
-          <a:xfrm>
-            <a:off x="0" y="0"/>
-            <a:ext cx="12192000" cy="1170813"/>
-          </a:xfrm>
-          <a:prstGeom prst="rect">
-            <a:avLst/>
-          </a:prstGeom>
-          <a:solidFill>
-            <a:schemeClr val="accent1">
-              <a:lumMod val="50000"/>
-            </a:schemeClr>
-          </a:solidFill>
-          <a:ln>
-            <a:noFill/>
-          </a:ln>
-        </p:spPr>
-        <p:style>
-          <a:lnRef idx="2">
-            <a:schemeClr val="accent1">
-              <a:shade val="50000"/>
-            </a:schemeClr>
-          </a:lnRef>
-          <a:fillRef idx="1">
-            <a:schemeClr val="accent1"/>
-          </a:fillRef>
-          <a:effectRef idx="0">
-            <a:schemeClr val="accent1"/>
-          </a:effectRef>
-          <a:fontRef idx="minor">
-            <a:schemeClr val="lt1"/>
-          </a:fontRef>
-        </p:style>
-        <p:txBody>
-          <a:bodyPr rtlCol="0" anchor="ctr"/>
-          <a:lstStyle/>
-          <a:p>
-            <a:r>
-              <a:rPr lang="ru-RU" sz="3600" dirty="0">
-                <a:latin typeface="Times New Roman" panose="02020603050405020304" pitchFamily="18" charset="0"/>
-                <a:cs typeface="Times New Roman" panose="02020603050405020304" pitchFamily="18" charset="0"/>
-              </a:rPr>
-              <a:t>	Специальная оснастка</a:t>
-            </a:r>
-          </a:p>
-        </p:txBody>
-      </p:sp>
-      <p:sp>
-        <p:nvSpPr>
-          <p:cNvPr id="5" name="Прямоугольник 4">
-            <a:extLst>
-              <a:ext uri="{FF2B5EF4-FFF2-40B4-BE49-F238E27FC236}">
-                <a16:creationId xmlns:a16="http://schemas.microsoft.com/office/drawing/2014/main" id="{08C9DD33-DA0F-41EF-B5A0-CB849668BD3B}"/>
-              </a:ext>
-            </a:extLst>
-          </p:cNvPr>
-          <p:cNvSpPr/>
-          <p:nvPr/>
-        </p:nvSpPr>
-        <p:spPr>
-          <a:xfrm>
-            <a:off x="0" y="6232979"/>
-            <a:ext cx="12192000" cy="625021"/>
-          </a:xfrm>
-          <a:prstGeom prst="rect">
-            <a:avLst/>
-          </a:prstGeom>
-          <a:solidFill>
-            <a:schemeClr val="accent1">
-              <a:lumMod val="50000"/>
-            </a:schemeClr>
-          </a:solidFill>
-        </p:spPr>
-        <p:style>
-          <a:lnRef idx="2">
-            <a:schemeClr val="accent1">
-              <a:shade val="50000"/>
-            </a:schemeClr>
-          </a:lnRef>
-          <a:fillRef idx="1">
-            <a:schemeClr val="accent1"/>
-          </a:fillRef>
-          <a:effectRef idx="0">
-            <a:schemeClr val="accent1"/>
-          </a:effectRef>
-          <a:fontRef idx="minor">
-            <a:schemeClr val="lt1"/>
-          </a:fontRef>
-        </p:style>
-        <p:txBody>
-          <a:bodyPr rtlCol="0" anchor="ctr"/>
-          <a:lstStyle/>
-          <a:p>
-            <a:r>
-              <a:rPr lang="en-US" dirty="0">
-                <a:latin typeface="Times New Roman" panose="02020603050405020304" pitchFamily="18" charset="0"/>
-                <a:ea typeface="Tahoma" panose="020B0604030504040204" pitchFamily="34" charset="0"/>
-                <a:cs typeface="Times New Roman" panose="02020603050405020304" pitchFamily="18" charset="0"/>
-              </a:rPr>
-              <a:t>               </a:t>
-            </a:r>
-            <a:r>
-              <a:rPr lang="ru-RU" dirty="0">
-                <a:latin typeface="Times New Roman" panose="02020603050405020304" pitchFamily="18" charset="0"/>
-                <a:ea typeface="Tahoma" panose="020B0604030504040204" pitchFamily="34" charset="0"/>
-                <a:cs typeface="Times New Roman" panose="02020603050405020304" pitchFamily="18" charset="0"/>
-              </a:rPr>
-              <a:t> МГТУ им. Н. Э. Баумана</a:t>
-            </a:r>
-          </a:p>
-        </p:txBody>
-      </p:sp>
-      <p:pic>
-        <p:nvPicPr>
-          <p:cNvPr id="7" name="Рисунок 6" descr="Изображение выглядит как текст, керамические изделия&#10;&#10;Автоматически созданное описание">
-            <a:extLst>
-              <a:ext uri="{FF2B5EF4-FFF2-40B4-BE49-F238E27FC236}">
-                <a16:creationId xmlns:a16="http://schemas.microsoft.com/office/drawing/2014/main" id="{269245AF-46EE-4074-822D-D9A528D4198A}"/>
-              </a:ext>
-            </a:extLst>
-          </p:cNvPr>
-          <p:cNvPicPr>
-            <a:picLocks noChangeAspect="1"/>
-          </p:cNvPicPr>
-          <p:nvPr/>
-        </p:nvPicPr>
-        <p:blipFill>
-          <a:blip r:embed="rId2" cstate="hqprint">
-            <a:extLst>
-              <a:ext uri="{28A0092B-C50C-407E-A947-70E740481C1C}">
-                <a14:useLocalDpi xmlns:a14="http://schemas.microsoft.com/office/drawing/2010/main" val="0"/>
-              </a:ext>
-              <a:ext uri="{837473B0-CC2E-450A-ABE3-18F120FF3D39}">
-                <a1611:picAttrSrcUrl xmlns:a1611="http://schemas.microsoft.com/office/drawing/2016/11/main" r:id="rId3"/>
-              </a:ext>
-            </a:extLst>
-          </a:blip>
-          <a:stretch>
-            <a:fillRect/>
-          </a:stretch>
-        </p:blipFill>
-        <p:spPr>
-          <a:xfrm>
-            <a:off x="260437" y="6232979"/>
-            <a:ext cx="529678" cy="625020"/>
-          </a:xfrm>
-          <a:prstGeom prst="rect">
-            <a:avLst/>
-          </a:prstGeom>
-        </p:spPr>
-      </p:pic>
-      <p:sp>
-        <p:nvSpPr>
-          <p:cNvPr id="6" name="TextBox 5">
-            <a:extLst>
-              <a:ext uri="{FF2B5EF4-FFF2-40B4-BE49-F238E27FC236}">
-                <a16:creationId xmlns:a16="http://schemas.microsoft.com/office/drawing/2014/main" id="{80FC780E-DB48-41E1-A384-F17049C59F4E}"/>
-              </a:ext>
-            </a:extLst>
-          </p:cNvPr>
-          <p:cNvSpPr txBox="1"/>
-          <p:nvPr/>
-        </p:nvSpPr>
-        <p:spPr>
-          <a:xfrm>
-            <a:off x="0" y="6360823"/>
-            <a:ext cx="12192000" cy="369332"/>
-          </a:xfrm>
-          <a:prstGeom prst="rect">
-            <a:avLst/>
-          </a:prstGeom>
-          <a:noFill/>
-        </p:spPr>
-        <p:txBody>
-          <a:bodyPr wrap="square" rtlCol="0">
-            <a:spAutoFit/>
-          </a:bodyPr>
-          <a:lstStyle/>
-          <a:p>
-            <a:pPr algn="r"/>
-            <a:r>
-              <a:rPr lang="ru-RU" dirty="0">
-                <a:solidFill>
-                  <a:schemeClr val="bg1"/>
-                </a:solidFill>
-                <a:latin typeface="Times New Roman" panose="02020603050405020304" pitchFamily="18" charset="0"/>
-                <a:cs typeface="Times New Roman" panose="02020603050405020304" pitchFamily="18" charset="0"/>
-              </a:rPr>
-              <a:t>7</a:t>
-            </a:r>
-            <a:r>
-              <a:rPr lang="en-US" dirty="0">
-                <a:solidFill>
-                  <a:schemeClr val="bg1"/>
-                </a:solidFill>
-                <a:latin typeface="Times New Roman" panose="02020603050405020304" pitchFamily="18" charset="0"/>
-                <a:cs typeface="Times New Roman" panose="02020603050405020304" pitchFamily="18" charset="0"/>
-              </a:rPr>
-              <a:t>	</a:t>
-            </a:r>
-            <a:endParaRPr lang="ru-RU" dirty="0">
-              <a:solidFill>
-                <a:schemeClr val="bg1"/>
-              </a:solidFill>
-              <a:latin typeface="Times New Roman" panose="02020603050405020304" pitchFamily="18" charset="0"/>
-              <a:cs typeface="Times New Roman" panose="02020603050405020304" pitchFamily="18" charset="0"/>
-            </a:endParaRPr>
-          </a:p>
-        </p:txBody>
-      </p:sp>
-      <p:sp>
-        <p:nvSpPr>
-          <p:cNvPr id="12" name="TextBox 11">
-            <a:extLst>
-              <a:ext uri="{FF2B5EF4-FFF2-40B4-BE49-F238E27FC236}">
-                <a16:creationId xmlns:a16="http://schemas.microsoft.com/office/drawing/2014/main" id="{D308E6B7-6063-4DD3-841D-B8FC28059431}"/>
-              </a:ext>
-            </a:extLst>
-          </p:cNvPr>
-          <p:cNvSpPr txBox="1"/>
-          <p:nvPr/>
-        </p:nvSpPr>
-        <p:spPr>
-          <a:xfrm rot="10800000" flipV="1">
-            <a:off x="-682535" y="1434169"/>
-            <a:ext cx="6466713" cy="369332"/>
-          </a:xfrm>
-          <a:prstGeom prst="rect">
-            <a:avLst/>
-          </a:prstGeom>
-          <a:noFill/>
-        </p:spPr>
-        <p:txBody>
-          <a:bodyPr wrap="square">
-            <a:spAutoFit/>
-          </a:bodyPr>
-          <a:lstStyle/>
-          <a:p>
-            <a:pPr algn="ctr"/>
-            <a:r>
-              <a:rPr lang="ru-RU" b="1" dirty="0">
-                <a:latin typeface="Times New Roman" panose="02020603050405020304" pitchFamily="18" charset="0"/>
-                <a:cs typeface="Times New Roman" panose="02020603050405020304" pitchFamily="18" charset="0"/>
-              </a:rPr>
-              <a:t>Рис. 6.</a:t>
-            </a:r>
-            <a:r>
-              <a:rPr lang="ru-RU" dirty="0">
-                <a:latin typeface="Times New Roman" panose="02020603050405020304" pitchFamily="18" charset="0"/>
-                <a:cs typeface="Times New Roman" panose="02020603050405020304" pitchFamily="18" charset="0"/>
-              </a:rPr>
-              <a:t> Углодержатель для фрезерной обработки </a:t>
-            </a:r>
-          </a:p>
-        </p:txBody>
-      </p:sp>
-      <p:pic>
-        <p:nvPicPr>
-          <p:cNvPr id="1026" name="Picture 2" descr="https://studfile.net/html/2706/421/html_FDS4ycl8QN.rI3L/htmlconvd-TbKuyN_html_de5ed456d6296e.jpg"/>
-          <p:cNvPicPr>
-            <a:picLocks noChangeAspect="1" noChangeArrowheads="1"/>
-          </p:cNvPicPr>
-          <p:nvPr/>
-        </p:nvPicPr>
-        <p:blipFill rotWithShape="1">
-          <a:blip r:embed="rId4">
-            <a:extLst>
-              <a:ext uri="{28A0092B-C50C-407E-A947-70E740481C1C}">
-                <a14:useLocalDpi xmlns:a14="http://schemas.microsoft.com/office/drawing/2010/main" val="0"/>
-              </a:ext>
-            </a:extLst>
-          </a:blip>
-          <a:srcRect r="56792"/>
-          <a:stretch/>
-        </p:blipFill>
-        <p:spPr bwMode="auto">
-          <a:xfrm>
-            <a:off x="122459" y="1803502"/>
-            <a:ext cx="3738342" cy="4381705"/>
-          </a:xfrm>
-          <a:prstGeom prst="rect">
-            <a:avLst/>
-          </a:prstGeom>
-          <a:noFill/>
-          <a:extLst>
-            <a:ext uri="{909E8E84-426E-40DD-AFC4-6F175D3DCCD1}">
-              <a14:hiddenFill xmlns:a14="http://schemas.microsoft.com/office/drawing/2010/main">
-                <a:solidFill>
-                  <a:srgbClr val="FFFFFF"/>
-                </a:solidFill>
-              </a14:hiddenFill>
-            </a:ext>
-          </a:extLst>
-        </p:spPr>
-      </p:pic>
-      <p:pic>
-        <p:nvPicPr>
-          <p:cNvPr id="3" name="Рисунок 2" descr="Изображение выглядит как стол">
-            <a:extLst>
-              <a:ext uri="{FF2B5EF4-FFF2-40B4-BE49-F238E27FC236}">
-                <a16:creationId xmlns:a16="http://schemas.microsoft.com/office/drawing/2014/main" id="{FE1F3A8A-D4C3-FE53-A88E-89D1E0290079}"/>
-              </a:ext>
-            </a:extLst>
-          </p:cNvPr>
-          <p:cNvPicPr>
-            <a:picLocks noChangeAspect="1"/>
-          </p:cNvPicPr>
-          <p:nvPr/>
-        </p:nvPicPr>
-        <p:blipFill>
-          <a:blip r:embed="rId5">
-            <a:extLst>
-              <a:ext uri="{28A0092B-C50C-407E-A947-70E740481C1C}">
-                <a14:useLocalDpi xmlns:a14="http://schemas.microsoft.com/office/drawing/2010/main" val="0"/>
-              </a:ext>
-            </a:extLst>
-          </a:blip>
-          <a:stretch>
-            <a:fillRect/>
-          </a:stretch>
-        </p:blipFill>
-        <p:spPr>
-          <a:xfrm>
-            <a:off x="6125867" y="314449"/>
-            <a:ext cx="4410668" cy="6229102"/>
-          </a:xfrm>
-          <a:prstGeom prst="rect">
-            <a:avLst/>
-          </a:prstGeom>
-        </p:spPr>
-      </p:pic>
-    </p:spTree>
-    <p:extLst>
-      <p:ext uri="{BB962C8B-B14F-4D97-AF65-F5344CB8AC3E}">
-        <p14:creationId xmlns:p14="http://schemas.microsoft.com/office/powerpoint/2010/main" val="939145350"/>
-      </p:ext>
-    </p:extLst>
-  </p:cSld>
-  <p:clrMapOvr>
-    <a:masterClrMapping/>
-  </p:clrMapOvr>
-</p:sld>
-</file>
-
-<file path=ppt/slides/slide8.xml><?xml version="1.0" encoding="utf-8"?>
 <p:sld xmlns:a="http://schemas.openxmlformats.org/drawingml/2006/main" xmlns:r="http://schemas.openxmlformats.org/officeDocument/2006/relationships" xmlns:p="http://schemas.openxmlformats.org/presentationml/2006/main">
   <p:cSld>
     <p:spTree>
@@ -11120,7 +12296,7 @@
                 <a14:useLocalDpi xmlns:a14="http://schemas.microsoft.com/office/drawing/2010/main" val="0"/>
               </a:ext>
               <a:ext uri="{837473B0-CC2E-450A-ABE3-18F120FF3D39}">
-                <a1611:picAttrSrcUrl xmlns:a1611="http://schemas.microsoft.com/office/drawing/2016/11/main" r:id="rId3"/>
+                <a1611:picAttrSrcUrl xmlns:a1611="http://schemas.microsoft.com/office/drawing/2016/11/main" xmlns="" r:id="rId3"/>
               </a:ext>
             </a:extLst>
           </a:blip>
@@ -11168,16 +12344,6 @@
           <a:p>
             <a:pPr algn="r"/>
             <a:r>
-              <a:rPr lang="ru-RU" dirty="0">
-                <a:solidFill>
-                  <a:schemeClr val="bg1"/>
-                </a:solidFill>
-                <a:latin typeface="Times New Roman" panose="02020603050405020304" pitchFamily="18" charset="0"/>
-                <a:cs typeface="Times New Roman" panose="02020603050405020304" pitchFamily="18" charset="0"/>
-              </a:rPr>
-              <a:t>8</a:t>
-            </a:r>
-            <a:r>
               <a:rPr lang="en-US" dirty="0">
                 <a:solidFill>
                   <a:schemeClr val="bg1"/>
@@ -11185,7 +12351,7 @@
                 <a:latin typeface="Times New Roman" panose="02020603050405020304" pitchFamily="18" charset="0"/>
                 <a:cs typeface="Times New Roman" panose="02020603050405020304" pitchFamily="18" charset="0"/>
               </a:rPr>
-              <a:t>	</a:t>
+              <a:t>6	</a:t>
             </a:r>
             <a:endParaRPr lang="ru-RU" dirty="0">
               <a:solidFill>
@@ -11199,34 +12365,46 @@
       </p:sp>
       <p:pic>
         <p:nvPicPr>
-          <p:cNvPr id="4" name="Рисунок 3">
-            <a:extLst>
-              <a:ext uri="{FF2B5EF4-FFF2-40B4-BE49-F238E27FC236}">
-                <a16:creationId xmlns:a16="http://schemas.microsoft.com/office/drawing/2014/main" id="{CF8D38D1-40C3-0C0E-EB89-01198DCCDF9C}"/>
-              </a:ext>
-            </a:extLst>
-          </p:cNvPr>
+          <p:cNvPr id="2" name="Рисунок 1"/>
           <p:cNvPicPr>
             <a:picLocks noChangeAspect="1"/>
           </p:cNvPicPr>
           <p:nvPr/>
         </p:nvPicPr>
         <p:blipFill>
-          <a:blip r:embed="rId4">
-            <a:extLst>
-              <a:ext uri="{28A0092B-C50C-407E-A947-70E740481C1C}">
-                <a14:useLocalDpi xmlns:a14="http://schemas.microsoft.com/office/drawing/2010/main" val="0"/>
-              </a:ext>
-            </a:extLst>
-          </a:blip>
+          <a:blip r:embed="rId4"/>
           <a:stretch>
             <a:fillRect/>
           </a:stretch>
         </p:blipFill>
         <p:spPr>
           <a:xfrm>
-            <a:off x="1245108" y="0"/>
-            <a:ext cx="9701784" cy="6858000"/>
+            <a:off x="178442" y="379990"/>
+            <a:ext cx="3931573" cy="5600842"/>
+          </a:xfrm>
+          <a:prstGeom prst="rect">
+            <a:avLst/>
+          </a:prstGeom>
+        </p:spPr>
+      </p:pic>
+      <p:pic>
+        <p:nvPicPr>
+          <p:cNvPr id="3" name="Рисунок 2"/>
+          <p:cNvPicPr>
+            <a:picLocks noChangeAspect="1"/>
+          </p:cNvPicPr>
+          <p:nvPr/>
+        </p:nvPicPr>
+        <p:blipFill>
+          <a:blip r:embed="rId5"/>
+          <a:stretch>
+            <a:fillRect/>
+          </a:stretch>
+        </p:blipFill>
+        <p:spPr>
+          <a:xfrm>
+            <a:off x="4199237" y="383856"/>
+            <a:ext cx="7903541" cy="5596976"/>
           </a:xfrm>
           <a:prstGeom prst="rect">
             <a:avLst/>
@@ -11236,7 +12414,7 @@
     </p:spTree>
     <p:extLst>
       <p:ext uri="{BB962C8B-B14F-4D97-AF65-F5344CB8AC3E}">
-        <p14:creationId xmlns:p14="http://schemas.microsoft.com/office/powerpoint/2010/main" val="1338410555"/>
+        <p14:creationId xmlns:p14="http://schemas.microsoft.com/office/powerpoint/2010/main" val="2560280462"/>
       </p:ext>
     </p:extLst>
   </p:cSld>
@@ -11246,7 +12424,7 @@
 </p:sld>
 </file>
 
-<file path=ppt/slides/slide9.xml><?xml version="1.0" encoding="utf-8"?>
+<file path=ppt/slides/slide8.xml><?xml version="1.0" encoding="utf-8"?>
 <p:sld xmlns:a="http://schemas.openxmlformats.org/drawingml/2006/main" xmlns:r="http://schemas.openxmlformats.org/officeDocument/2006/relationships" xmlns:p="http://schemas.openxmlformats.org/presentationml/2006/main">
   <p:cSld>
     <p:spTree>
@@ -11265,10 +12443,10 @@
       </p:grpSpPr>
       <p:sp>
         <p:nvSpPr>
-          <p:cNvPr id="4" name="Прямоугольник 3">
-            <a:extLst>
-              <a:ext uri="{FF2B5EF4-FFF2-40B4-BE49-F238E27FC236}">
-                <a16:creationId xmlns:a16="http://schemas.microsoft.com/office/drawing/2014/main" id="{5ECE0D18-20DF-4B2E-8AC5-54515F52E3D6}"/>
+          <p:cNvPr id="5" name="Прямоугольник 4">
+            <a:extLst>
+              <a:ext uri="{FF2B5EF4-FFF2-40B4-BE49-F238E27FC236}">
+                <a16:creationId xmlns:a16="http://schemas.microsoft.com/office/drawing/2014/main" id="{08C9DD33-DA0F-41EF-B5A0-CB849668BD3B}"/>
               </a:ext>
             </a:extLst>
           </p:cNvPr>
@@ -11277,67 +12455,8 @@
         </p:nvSpPr>
         <p:spPr>
           <a:xfrm>
-            <a:off x="0" y="0"/>
-            <a:ext cx="12192000" cy="1170813"/>
-          </a:xfrm>
-          <a:prstGeom prst="rect">
-            <a:avLst/>
-          </a:prstGeom>
-          <a:solidFill>
-            <a:schemeClr val="accent1">
-              <a:lumMod val="50000"/>
-            </a:schemeClr>
-          </a:solidFill>
-          <a:ln>
-            <a:noFill/>
-          </a:ln>
-        </p:spPr>
-        <p:style>
-          <a:lnRef idx="2">
-            <a:schemeClr val="accent1">
-              <a:shade val="50000"/>
-            </a:schemeClr>
-          </a:lnRef>
-          <a:fillRef idx="1">
-            <a:schemeClr val="accent1"/>
-          </a:fillRef>
-          <a:effectRef idx="0">
-            <a:schemeClr val="accent1"/>
-          </a:effectRef>
-          <a:fontRef idx="minor">
-            <a:schemeClr val="lt1"/>
-          </a:fontRef>
-        </p:style>
-        <p:txBody>
-          <a:bodyPr rtlCol="0" anchor="ctr"/>
-          <a:lstStyle/>
-          <a:p>
-            <a:r>
-              <a:rPr lang="ru-RU" sz="3600" dirty="0">
-                <a:latin typeface="Times New Roman" panose="02020603050405020304" pitchFamily="18" charset="0"/>
-                <a:cs typeface="Times New Roman" panose="02020603050405020304" pitchFamily="18" charset="0"/>
-              </a:rPr>
-              <a:t>	Инструменты обработки</a:t>
-            </a:r>
-          </a:p>
-        </p:txBody>
-      </p:sp>
-      <p:sp>
-        <p:nvSpPr>
-          <p:cNvPr id="5" name="Прямоугольник 4">
-            <a:extLst>
-              <a:ext uri="{FF2B5EF4-FFF2-40B4-BE49-F238E27FC236}">
-                <a16:creationId xmlns:a16="http://schemas.microsoft.com/office/drawing/2014/main" id="{08C9DD33-DA0F-41EF-B5A0-CB849668BD3B}"/>
-              </a:ext>
-            </a:extLst>
-          </p:cNvPr>
-          <p:cNvSpPr/>
-          <p:nvPr/>
-        </p:nvSpPr>
-        <p:spPr>
-          <a:xfrm>
-            <a:off x="0" y="6232979"/>
-            <a:ext cx="12192000" cy="625021"/>
+            <a:off x="0" y="-1"/>
+            <a:ext cx="12192000" cy="6858001"/>
           </a:xfrm>
           <a:prstGeom prst="rect">
             <a:avLst/>
@@ -11382,7 +12501,7 @@
                 <a:ea typeface="Tahoma" panose="020B0604030504040204" pitchFamily="34" charset="0"/>
                 <a:cs typeface="Times New Roman" panose="02020603050405020304" pitchFamily="18" charset="0"/>
               </a:rPr>
-              <a:t> МГТУ им. Н. Э. Баумана</a:t>
+              <a:t> </a:t>
             </a:r>
           </a:p>
         </p:txBody>
@@ -11408,7 +12527,7 @@
                 <a14:useLocalDpi xmlns:a14="http://schemas.microsoft.com/office/drawing/2010/main" val="0"/>
               </a:ext>
               <a:ext uri="{837473B0-CC2E-450A-ABE3-18F120FF3D39}">
-                <a1611:picAttrSrcUrl xmlns:a1611="http://schemas.microsoft.com/office/drawing/2016/11/main" r:id="rId3"/>
+                <a1611:picAttrSrcUrl xmlns:a1611="http://schemas.microsoft.com/office/drawing/2016/11/main" xmlns="" r:id="rId3"/>
               </a:ext>
             </a:extLst>
           </a:blip>
@@ -11418,7 +12537,7 @@
         </p:blipFill>
         <p:spPr>
           <a:xfrm>
-            <a:off x="260437" y="6232979"/>
+            <a:off x="313698" y="6105135"/>
             <a:ext cx="529678" cy="625020"/>
           </a:xfrm>
           <a:prstGeom prst="rect">
@@ -11431,7 +12550,7 @@
           <p:cNvPr id="6" name="TextBox 5">
             <a:extLst>
               <a:ext uri="{FF2B5EF4-FFF2-40B4-BE49-F238E27FC236}">
-                <a16:creationId xmlns:a16="http://schemas.microsoft.com/office/drawing/2014/main" id="{80FC780E-DB48-41E1-A384-F17049C59F4E}"/>
+                <a16:creationId xmlns:a16="http://schemas.microsoft.com/office/drawing/2014/main" id="{FA97D146-182C-4777-ABF4-00AE13487B07}"/>
               </a:ext>
             </a:extLst>
           </p:cNvPr>
@@ -11440,8 +12559,8 @@
         </p:nvSpPr>
         <p:spPr>
           <a:xfrm>
-            <a:off x="0" y="6360823"/>
-            <a:ext cx="12192000" cy="369332"/>
+            <a:off x="739806" y="6360823"/>
+            <a:ext cx="11771765" cy="369332"/>
           </a:xfrm>
           <a:prstGeom prst="rect">
             <a:avLst/>
@@ -11456,14 +12575,14 @@
           <a:p>
             <a:pPr algn="r"/>
             <a:r>
-              <a:rPr lang="ru-RU" dirty="0">
+              <a:rPr lang="ru-RU" dirty="0" smtClean="0">
                 <a:solidFill>
                   <a:schemeClr val="bg1"/>
                 </a:solidFill>
                 <a:latin typeface="Times New Roman" panose="02020603050405020304" pitchFamily="18" charset="0"/>
                 <a:cs typeface="Times New Roman" panose="02020603050405020304" pitchFamily="18" charset="0"/>
               </a:rPr>
-              <a:t>9</a:t>
+              <a:t>7</a:t>
             </a:r>
             <a:r>
               <a:rPr lang="en-US" dirty="0">
@@ -11485,62 +12604,90 @@
           </a:p>
         </p:txBody>
       </p:sp>
+      <p:pic>
+        <p:nvPicPr>
+          <p:cNvPr id="2" name="Рисунок 1"/>
+          <p:cNvPicPr>
+            <a:picLocks noChangeAspect="1"/>
+          </p:cNvPicPr>
+          <p:nvPr/>
+        </p:nvPicPr>
+        <p:blipFill>
+          <a:blip r:embed="rId4"/>
+          <a:stretch>
+            <a:fillRect/>
+          </a:stretch>
+        </p:blipFill>
+        <p:spPr>
+          <a:xfrm>
+            <a:off x="1007092" y="202973"/>
+            <a:ext cx="4310496" cy="6157850"/>
+          </a:xfrm>
+          <a:prstGeom prst="rect">
+            <a:avLst/>
+          </a:prstGeom>
+        </p:spPr>
+      </p:pic>
+      <p:pic>
+        <p:nvPicPr>
+          <p:cNvPr id="3" name="Рисунок 2"/>
+          <p:cNvPicPr>
+            <a:picLocks noChangeAspect="1"/>
+          </p:cNvPicPr>
+          <p:nvPr/>
+        </p:nvPicPr>
+        <p:blipFill>
+          <a:blip r:embed="rId5"/>
+          <a:stretch>
+            <a:fillRect/>
+          </a:stretch>
+        </p:blipFill>
+        <p:spPr>
+          <a:xfrm>
+            <a:off x="6625688" y="202974"/>
+            <a:ext cx="4322569" cy="6157850"/>
+          </a:xfrm>
+          <a:prstGeom prst="rect">
+            <a:avLst/>
+          </a:prstGeom>
+        </p:spPr>
+      </p:pic>
+    </p:spTree>
+    <p:extLst>
+      <p:ext uri="{BB962C8B-B14F-4D97-AF65-F5344CB8AC3E}">
+        <p14:creationId xmlns:p14="http://schemas.microsoft.com/office/powerpoint/2010/main" val="2694076382"/>
+      </p:ext>
+    </p:extLst>
+  </p:cSld>
+  <p:clrMapOvr>
+    <a:masterClrMapping/>
+  </p:clrMapOvr>
+</p:sld>
+</file>
+
+<file path=ppt/slides/slide9.xml><?xml version="1.0" encoding="utf-8"?>
+<p:sld xmlns:a="http://schemas.openxmlformats.org/drawingml/2006/main" xmlns:r="http://schemas.openxmlformats.org/officeDocument/2006/relationships" xmlns:p="http://schemas.openxmlformats.org/presentationml/2006/main">
+  <p:cSld>
+    <p:spTree>
+      <p:nvGrpSpPr>
+        <p:cNvPr id="1" name=""/>
+        <p:cNvGrpSpPr/>
+        <p:nvPr/>
+      </p:nvGrpSpPr>
+      <p:grpSpPr>
+        <a:xfrm>
+          <a:off x="0" y="0"/>
+          <a:ext cx="0" cy="0"/>
+          <a:chOff x="0" y="0"/>
+          <a:chExt cx="0" cy="0"/>
+        </a:xfrm>
+      </p:grpSpPr>
       <p:sp>
         <p:nvSpPr>
-          <p:cNvPr id="9" name="Подзаголовок 2">
-            <a:extLst>
-              <a:ext uri="{FF2B5EF4-FFF2-40B4-BE49-F238E27FC236}">
-                <a16:creationId xmlns:a16="http://schemas.microsoft.com/office/drawing/2014/main" id="{0807DE90-E83E-67F2-0A73-E5BC5A5AECAB}"/>
-              </a:ext>
-            </a:extLst>
-          </p:cNvPr>
-          <p:cNvSpPr>
-            <a:spLocks noGrp="1"/>
-          </p:cNvSpPr>
-          <p:nvPr>
-            <p:ph type="subTitle" idx="1"/>
-          </p:nvPr>
-        </p:nvSpPr>
-        <p:spPr>
-          <a:xfrm>
-            <a:off x="7398082" y="1642054"/>
-            <a:ext cx="4622281" cy="932468"/>
-          </a:xfrm>
-        </p:spPr>
-        <p:txBody>
-          <a:bodyPr>
-            <a:normAutofit fontScale="92500" lnSpcReduction="10000"/>
-          </a:bodyPr>
-          <a:lstStyle/>
-          <a:p>
-            <a:pPr algn="just"/>
-            <a:r>
-              <a:rPr lang="ru-RU" i="1" dirty="0">
-                <a:latin typeface="Times New Roman" panose="02020603050405020304" pitchFamily="18" charset="0"/>
-                <a:cs typeface="Times New Roman" panose="02020603050405020304" pitchFamily="18" charset="0"/>
-              </a:rPr>
-              <a:t> «Плох тот мастер, кто, овладев инструментом, потерял свою цель!» </a:t>
-            </a:r>
-            <a:r>
-              <a:rPr lang="ru-RU" dirty="0">
-                <a:latin typeface="Times New Roman" panose="02020603050405020304" pitchFamily="18" charset="0"/>
-                <a:cs typeface="Times New Roman" panose="02020603050405020304" pitchFamily="18" charset="0"/>
-              </a:rPr>
-              <a:t>© Роман Хорошев</a:t>
-            </a:r>
-            <a:endParaRPr lang="en-US" dirty="0">
-              <a:latin typeface="Times New Roman" panose="02020603050405020304" pitchFamily="18" charset="0"/>
-              <a:cs typeface="Times New Roman" panose="02020603050405020304" pitchFamily="18" charset="0"/>
-            </a:endParaRPr>
-          </a:p>
-        </p:txBody>
-      </p:sp>
-      <p:sp>
-        <p:nvSpPr>
-          <p:cNvPr id="10" name="Прямоугольник: скругленные верхние углы 9">
-            <a:extLst>
-              <a:ext uri="{FF2B5EF4-FFF2-40B4-BE49-F238E27FC236}">
-                <a16:creationId xmlns:a16="http://schemas.microsoft.com/office/drawing/2014/main" id="{D5CB7788-659C-8D1D-2C3D-82FDD398CD70}"/>
+          <p:cNvPr id="5" name="Прямоугольник 4">
+            <a:extLst>
+              <a:ext uri="{FF2B5EF4-FFF2-40B4-BE49-F238E27FC236}">
+                <a16:creationId xmlns:a16="http://schemas.microsoft.com/office/drawing/2014/main" id="{08C9DD33-DA0F-41EF-B5A0-CB849668BD3B}"/>
               </a:ext>
             </a:extLst>
           </p:cNvPr>
@@ -11548,11 +12695,11 @@
           <p:nvPr/>
         </p:nvSpPr>
         <p:spPr>
-          <a:xfrm rot="10800000">
-            <a:off x="260436" y="1361323"/>
-            <a:ext cx="6557613" cy="4743810"/>
+          <a:xfrm>
+            <a:off x="0" y="-1"/>
+            <a:ext cx="12192000" cy="6858001"/>
           </a:xfrm>
-          <a:prstGeom prst="round2SameRect">
+          <a:prstGeom prst="rect">
             <a:avLst/>
           </a:prstGeom>
           <a:solidFill>
@@ -11581,17 +12728,70 @@
           <a:bodyPr rtlCol="0" anchor="ctr"/>
           <a:lstStyle/>
           <a:p>
-            <a:pPr algn="ctr"/>
-            <a:endParaRPr lang="ru-RU" dirty="0"/>
+            <a:r>
+              <a:rPr lang="en-US" dirty="0">
+                <a:latin typeface="Times New Roman" panose="02020603050405020304" pitchFamily="18" charset="0"/>
+                <a:ea typeface="Tahoma" panose="020B0604030504040204" pitchFamily="34" charset="0"/>
+                <a:cs typeface="Times New Roman" panose="02020603050405020304" pitchFamily="18" charset="0"/>
+              </a:rPr>
+              <a:t>               </a:t>
+            </a:r>
+            <a:r>
+              <a:rPr lang="ru-RU" dirty="0">
+                <a:latin typeface="Times New Roman" panose="02020603050405020304" pitchFamily="18" charset="0"/>
+                <a:ea typeface="Tahoma" panose="020B0604030504040204" pitchFamily="34" charset="0"/>
+                <a:cs typeface="Times New Roman" panose="02020603050405020304" pitchFamily="18" charset="0"/>
+              </a:rPr>
+              <a:t> </a:t>
+            </a:r>
           </a:p>
         </p:txBody>
       </p:sp>
+      <p:pic>
+        <p:nvPicPr>
+          <p:cNvPr id="7" name="Рисунок 6" descr="Изображение выглядит как текст, керамические изделия&#10;&#10;Автоматически созданное описание">
+            <a:extLst>
+              <a:ext uri="{FF2B5EF4-FFF2-40B4-BE49-F238E27FC236}">
+                <a16:creationId xmlns:a16="http://schemas.microsoft.com/office/drawing/2014/main" id="{269245AF-46EE-4074-822D-D9A528D4198A}"/>
+              </a:ext>
+            </a:extLst>
+          </p:cNvPr>
+          <p:cNvPicPr>
+            <a:picLocks noChangeAspect="1"/>
+          </p:cNvPicPr>
+          <p:nvPr/>
+        </p:nvPicPr>
+        <p:blipFill>
+          <a:blip r:embed="rId2" cstate="hqprint">
+            <a:extLst>
+              <a:ext uri="{28A0092B-C50C-407E-A947-70E740481C1C}">
+                <a14:useLocalDpi xmlns:a14="http://schemas.microsoft.com/office/drawing/2010/main" val="0"/>
+              </a:ext>
+              <a:ext uri="{837473B0-CC2E-450A-ABE3-18F120FF3D39}">
+                <a1611:picAttrSrcUrl xmlns:a1611="http://schemas.microsoft.com/office/drawing/2016/11/main" xmlns="" r:id="rId3"/>
+              </a:ext>
+            </a:extLst>
+          </a:blip>
+          <a:stretch>
+            <a:fillRect/>
+          </a:stretch>
+        </p:blipFill>
+        <p:spPr>
+          <a:xfrm>
+            <a:off x="313698" y="6105135"/>
+            <a:ext cx="529678" cy="625020"/>
+          </a:xfrm>
+          <a:prstGeom prst="rect">
+            <a:avLst/>
+          </a:prstGeom>
+        </p:spPr>
+      </p:pic>
       <p:sp>
         <p:nvSpPr>
-          <p:cNvPr id="12" name="TextBox 11">
-            <a:extLst>
-              <a:ext uri="{FF2B5EF4-FFF2-40B4-BE49-F238E27FC236}">
-                <a16:creationId xmlns:a16="http://schemas.microsoft.com/office/drawing/2014/main" id="{D308E6B7-6063-4DD3-841D-B8FC28059431}"/>
+          <p:cNvPr id="6" name="TextBox 5">
+            <a:extLst>
+              <a:ext uri="{FF2B5EF4-FFF2-40B4-BE49-F238E27FC236}">
+                <a16:creationId xmlns:a16="http://schemas.microsoft.com/office/drawing/2014/main" id="{FA97D146-182C-4777-ABF4-00AE13487B07}"/>
               </a:ext>
             </a:extLst>
           </p:cNvPr>
@@ -11599,9 +12799,9 @@
           <p:nvPr/>
         </p:nvSpPr>
         <p:spPr>
-          <a:xfrm rot="10800000" flipV="1">
-            <a:off x="1022546" y="5673134"/>
-            <a:ext cx="5712660" cy="369332"/>
+          <a:xfrm>
+            <a:off x="739806" y="6360823"/>
+            <a:ext cx="11771765" cy="369332"/>
           </a:xfrm>
           <a:prstGeom prst="rect">
             <a:avLst/>
@@ -11609,86 +12809,94 @@
           <a:noFill/>
         </p:spPr>
         <p:txBody>
-          <a:bodyPr wrap="square">
+          <a:bodyPr wrap="square" rtlCol="0">
             <a:spAutoFit/>
           </a:bodyPr>
           <a:lstStyle/>
           <a:p>
-            <a:pPr algn="ctr"/>
-            <a:r>
-              <a:rPr lang="ru-RU" b="1" dirty="0">
+            <a:pPr algn="r"/>
+            <a:r>
+              <a:rPr lang="ru-RU" dirty="0" smtClean="0">
                 <a:solidFill>
                   <a:schemeClr val="bg1"/>
                 </a:solidFill>
                 <a:latin typeface="Times New Roman" panose="02020603050405020304" pitchFamily="18" charset="0"/>
                 <a:cs typeface="Times New Roman" panose="02020603050405020304" pitchFamily="18" charset="0"/>
               </a:rPr>
-              <a:t>Рис. 7.</a:t>
-            </a:r>
-            <a:r>
-              <a:rPr lang="ru-RU" dirty="0">
+              <a:t>8</a:t>
+            </a:r>
+            <a:r>
+              <a:rPr lang="en-US" dirty="0">
                 <a:solidFill>
                   <a:schemeClr val="bg1"/>
                 </a:solidFill>
                 <a:latin typeface="Times New Roman" panose="02020603050405020304" pitchFamily="18" charset="0"/>
                 <a:cs typeface="Times New Roman" panose="02020603050405020304" pitchFamily="18" charset="0"/>
               </a:rPr>
-              <a:t> Обилие инструментов обработки</a:t>
-            </a:r>
+              <a:t>	</a:t>
+            </a:r>
+            <a:endParaRPr lang="ru-RU" dirty="0">
+              <a:solidFill>
+                <a:schemeClr val="bg1"/>
+              </a:solidFill>
+              <a:latin typeface="Times New Roman" panose="02020603050405020304" pitchFamily="18" charset="0"/>
+              <a:cs typeface="Times New Roman" panose="02020603050405020304" pitchFamily="18" charset="0"/>
+            </a:endParaRPr>
           </a:p>
         </p:txBody>
       </p:sp>
       <p:pic>
         <p:nvPicPr>
-          <p:cNvPr id="2" name="Picture 2">
-            <a:extLst>
-              <a:ext uri="{FF2B5EF4-FFF2-40B4-BE49-F238E27FC236}">
-                <a16:creationId xmlns:a16="http://schemas.microsoft.com/office/drawing/2014/main" id="{94265F1D-54D8-9765-A39E-B475AB3156D0}"/>
-              </a:ext>
-            </a:extLst>
-          </p:cNvPr>
+          <p:cNvPr id="2" name="Рисунок 1"/>
           <p:cNvPicPr>
-            <a:picLocks noChangeAspect="1" noChangeArrowheads="1"/>
+            <a:picLocks noChangeAspect="1"/>
           </p:cNvPicPr>
           <p:nvPr/>
         </p:nvPicPr>
         <p:blipFill>
-          <a:blip r:embed="rId4">
-            <a:extLst>
-              <a:ext uri="{28A0092B-C50C-407E-A947-70E740481C1C}">
-                <a14:useLocalDpi xmlns:a14="http://schemas.microsoft.com/office/drawing/2010/main" val="0"/>
-              </a:ext>
-            </a:extLst>
-          </a:blip>
-          <a:srcRect/>
+          <a:blip r:embed="rId4"/>
           <a:stretch>
             <a:fillRect/>
           </a:stretch>
         </p:blipFill>
-        <p:spPr bwMode="auto">
+        <p:spPr>
           <a:xfrm>
-            <a:off x="447312" y="1485833"/>
-            <a:ext cx="6183859" cy="4124634"/>
+            <a:off x="328309" y="661182"/>
+            <a:ext cx="7668010" cy="5422682"/>
           </a:xfrm>
           <a:prstGeom prst="rect">
             <a:avLst/>
           </a:prstGeom>
-          <a:noFill/>
-          <a:extLst>
-            <a:ext uri="{909E8E84-426E-40DD-AFC4-6F175D3DCCD1}">
-              <a14:hiddenFill xmlns:a14="http://schemas.microsoft.com/office/drawing/2010/main">
-                <a:solidFill>
-                  <a:srgbClr val="FFFFFF"/>
-                </a:solidFill>
-              </a14:hiddenFill>
-            </a:ext>
-          </a:extLst>
+        </p:spPr>
+      </p:pic>
+      <p:pic>
+        <p:nvPicPr>
+          <p:cNvPr id="3" name="Рисунок 2"/>
+          <p:cNvPicPr>
+            <a:picLocks noChangeAspect="1"/>
+          </p:cNvPicPr>
+          <p:nvPr/>
+        </p:nvPicPr>
+        <p:blipFill>
+          <a:blip r:embed="rId5"/>
+          <a:stretch>
+            <a:fillRect/>
+          </a:stretch>
+        </p:blipFill>
+        <p:spPr>
+          <a:xfrm>
+            <a:off x="8203252" y="671227"/>
+            <a:ext cx="3781814" cy="5402591"/>
+          </a:xfrm>
+          <a:prstGeom prst="rect">
+            <a:avLst/>
+          </a:prstGeom>
         </p:spPr>
       </p:pic>
     </p:spTree>
     <p:extLst>
       <p:ext uri="{BB962C8B-B14F-4D97-AF65-F5344CB8AC3E}">
-        <p14:creationId xmlns:p14="http://schemas.microsoft.com/office/powerpoint/2010/main" val="1919566836"/>
+        <p14:creationId xmlns:p14="http://schemas.microsoft.com/office/powerpoint/2010/main" val="2119123336"/>
       </p:ext>
     </p:extLst>
   </p:cSld>
